--- a/history/OneM2M 0525.pptx
+++ b/history/OneM2M 0525.pptx
@@ -7,7 +7,8 @@
   <p:sldIdLst>
     <p:sldId id="257" r:id="rId6"/>
     <p:sldId id="258" r:id="rId7"/>
-    <p:sldId id="256" r:id="rId8"/>
+    <p:sldId id="259" r:id="rId8"/>
+    <p:sldId id="256" r:id="rId9"/>
   </p:sldIdLst>
   <p:sldSz cx="12192000" cy="6858000"/>
   <p:notesSz cx="6858000" cy="12192000"/>
@@ -238,7 +239,7 @@
             <a:spLocks noGrp="1" noChangeArrowheads="1"/>
             <a:extLst>
               <a:ext uri="smNativeData">
-                <pr:smNativeData xmlns:pr="smNativeData" xmlns="smNativeData" val="SMDATA_15_zA6NYhMAAAAlAAAAZAAAAA8BAAAAkAAAAEgAAACQAAAASAAAAAAAAAABAAAAAAAAAAEAAABQAAAAAAAAAAAA4D8AAAAAAADgPwAAAAAAAOA/AAAAAAAA4D8AAAAAAADgPwAAAAAAAOA/AAAAAAAA4D8AAAAAAADgPwAAAAAAAOA/AAAAAAAA4D8CAAAAjAAAAAAAAAAAAAAAu+DjDP///wgAAAAAAAAAAAAAAAAAAAAAAAAAAAAAAAAAAAAAZAAAAAEAAABAAAAAAAAAAAAAAAAAAAAAAAAAAAAAAAAAAAAAAAAAAAAAAAAAAAAAAAAAAAAAAAAAAAAAAAAAAAAAAAAAAAAAAAAAAAAAAAAAAAAAAAAAAAAAAAAAAAAAFAAAADwAAAAAAAAAAAAAAAAAAAkUAAAAAQAAABQAAAAUAAAAFAAAAAEAAAAAAAAAZAAAAGQAAAAAAAAAZAAAAGQAAAAVAAAAYAAAAAAAAAAAAAAADwAAACADAAAAAAAAAAAAAAEAAACgMgAAVgcAAKr4//8BAAAAf39/AAEAAABkAAAAAAAAABQAAABAHwAAAAAAACYAAAAAAAAAwOD//wAAAAAmAAAAZAAAABYAAABMAAAAAAAAAAAAAAAEAAAAAAAAAAEAAACAgIAKAAAAACgAAAAoAAAAZAAAAGQAAAAAAAAAzMzMAAAAAABQAAAAUAAAAGQAAABkAAAAAAAAABcAAAAUAAAAAAAAAAAAAAD/fwAA/38AAAAAAAAJAAAABAAAAAAAAAAeAAAAaAAAAAAAAAAAAAAAAAAAAAAAAAAAAAAAECcAABAnAAAAAAAAAAAAAAAAAAAAAAAAAAAAAAAAAAAAAAAAAAAAABQAAAAAAAAAwMD/AAAAAABkAAAAMgAAAAAAAABkAAAAAAAAAH9/fwAKAAAAIgAAABgAAAAAAAAAAAAAAAAAAAAAAAAAAAAAAAAAAAAkAAAAJAAAAAAAAAAHAAAAAAAAAAAAAAAAAAAAAAAAAAAAAAAAAAAAf39/ACUAAABYAAAAAAAAAAAAAAAAAAAAAAAAAAAAAAAAAAAAAAAAAAAAAAAAAAAAAAAAAAAAAAA/AAAAAAAAAKCGAQAAAAAAAAAAAAAAAAAMAAAAAQAAAAAAAAAAAAAAAAAAAB8AAABUAAAAAAAABQAAAAEAAAAAAAAAAAAAAAAAAAAAAAAAAAAAAAAAAAAAAAAAAAAAAAJ/f38AAAAAA8zMzADAwP8Af39/AAAAAAAAAAAAAAAAAAAAAAAAAAAAIQAAABgAAAAUAAAAoAUAABoNAABgRQAAJhYAABAAAAAmAAAACAAAAAEAAAAAAAAA"/>
+                <pr:smNativeData xmlns:pr="smNativeData" xmlns="smNativeData" val="SMDATA_15_eM6NYhMAAAAlAAAAZAAAAA8BAAAAkAAAAEgAAACQAAAASAAAAAAAAAABAAAAAAAAAAEAAABQAAAAAAAAAAAA4D8AAAAAAADgPwAAAAAAAOA/AAAAAAAA4D8AAAAAAADgPwAAAAAAAOA/AAAAAAAA4D8AAAAAAADgPwAAAAAAAOA/AAAAAAAA4D8CAAAAjAAAAAAAAAAAAAAAu+DjDP///wgAAAAAAAAAAAAAAAAAAAAAAAAAAAAAAAAAAAAAZAAAAAEAAABAAAAAAAAAAAAAAAAAAAAAAAAAAAAAAAAAAAAAAAAAAAAAAAAAAAAAAAAAAAAAAAAAAAAAAAAAAAAAAAAAAAAAAAAAAAAAAAAAAAAAAAAAAAAAAAAAAAAAFAAAADwAAAAAAAAAAAAAAAAAAAkUAAAAAQAAABQAAAAUAAAAFAAAAAEAAAAAAAAAZAAAAGQAAAAAAAAAZAAAAGQAAAAVAAAAYAAAAAAAAAAAAAAADwAAACADAAAAAAAAAAAAAAEAAACgMgAAVgcAAKr4//8BAAAAf39/AAEAAABkAAAAAAAAABQAAABAHwAAAAAAACYAAAAAAAAAwOD//wAAAAAmAAAAZAAAABYAAABMAAAAAAAAAAAAAAAEAAAAAAAAAAEAAACAgIAKAAAAACgAAAAoAAAAZAAAAGQAAAAAAAAAzMzMAAAAAABQAAAAUAAAAGQAAABkAAAAAAAAABcAAAAUAAAAAAAAAAAAAAD/fwAA/38AAAAAAAAJAAAABAAAAAAAAAAeAAAAaAAAAAAAAAAAAAAAAAAAAAAAAAAAAAAAECcAABAnAAAAAAAAAAAAAAAAAAAAAAAAAAAAAAAAAAAAAAAAAAAAABQAAAAAAAAAwMD/AAAAAABkAAAAMgAAAAAAAABkAAAAAAAAAH9/fwAKAAAAIgAAABgAAAAAAAAAAAAAAAAAAAAAAAAAAAAAAAAAAAAkAAAAJAAAAAAAAAAHAAAAAAAAAAAAAAAAAAAAAAAAAAAAAAAAAAAAf39/ACUAAABYAAAAAAAAAAAAAAAAAAAAAAAAAAAAAAAAAAAAAAAAAAAAAAAAAAAAAAAAAAAAAAA/AAAAAAAAAKCGAQAAAAAAAAAAAAAAAAAMAAAAAQAAAAAAAAAAAAAAAAAAAB8AAABUAAAAAAAABQAAAAEAAAAAAAAAAAAAAAAAAAAAAAAAAAAAAAAAAAAAAAAAAAAAAAJ/f38AAAAAA8zMzADAwP8Af39/AAAAAAAAAAAAAAAAAAAAAAAAAAAAIQAAABgAAAAUAAAAoAUAABoNAABgRQAAJhYAABAAAAAmAAAACAAAAAEAAAAAAAAA"/>
               </a:ext>
             </a:extLst>
           </p:cNvSpPr>
@@ -270,7 +271,7 @@
             <a:spLocks noGrp="1" noChangeArrowheads="1"/>
             <a:extLst>
               <a:ext uri="smNativeData">
-                <pr:smNativeData xmlns:pr="smNativeData" xmlns="smNativeData" val="SMDATA_15_zA6NYhMAAAAlAAAAZAAAAA8BAAAAkAAAAEgAAACQAAAASAAAAAAAAAAAAAAAAAAAAAEAAABQAAAAAAAAAAAA4D8AAAAAAADgPwAAAAAAAOA/AAAAAAAA4D8AAAAAAADgPwAAAAAAAOA/AAAAAAAA4D8AAAAAAADgPwAAAAAAAOA/AAAAAAAA4D8CAAAAjAAAAAAAAAAAAAAAu+DjDP///wgAAAAAAAAAAAAAAAAAAAAAAAAAAAAAAAAAAAAAZAAAAAEAAABAAAAAAAAAAAAAAAAAAAAAAAAAAAAAAAAAAAAAAAAAAAAAAAAAAAAAAAAAAAAAAAAAAAAAAAAAAAAAAAAAAAAAAAAAAAAAAAAAAAAAAAAAAAAAAAAAAAAAFAAAADwAAAAAAAAAAAAAAAAAAAkUAAAAAQAAABQAAAAUAAAAFAAAAAEAAAAAAAAAZAAAAGQAAAAAAAAAZAAAAGQAAAAVAAAAYAAAAAAAAAAAAAAADwAAACADAAAAAAAAAAAAAAEAAACgMgAAVgcAAKr4//8BAAAAf39/AAEAAABkAAAAAAAAABQAAABAHwAAAAAAACYAAAAAAAAAwOD//wAAAAAmAAAAZAAAABYAAABMAAAAAAAAAAAAAAAEAAAAAAAAAAEAAACAgIAKAAAAACgAAAAoAAAAZAAAAGQAAAAAAAAAzMzMAAAAAABQAAAAUAAAAGQAAABkAAAAAAAAABcAAAAUAAAAAAAAAAAAAAD/fwAA/38AAAAAAAAJAAAABAAAAAAAAAAeAAAAaAAAAAAAAAAAAAAAAAAAAAAAAAAAAAAAECcAABAnAAAAAAAAAAAAAAAAAAAAAAAAAAAAAAAAAAAAAAAAAAAAABQAAAAAAAAAwMD/AAAAAABkAAAAMgAAAAAAAABkAAAAAAAAAH9/fwAKAAAAIgAAABgAAAAAAAAAAAAAAAAAAAAAAAAAAAAAAAAAAAAkAAAAJAAAAAAAAAAHAAAAAAAAAAAAAAAAAAAAAAAAAAAAAAAAAAAAf39/ACUAAABYAAAAAAAAAAAAAAAAAAAAAAAAAAAAAAAAAAAAAAAAAAAAAAAAAAAAAAAAAAAAAAA/AAAAAAAAAKCGAQAAAAAAAAAAAAAAAAAMAAAAAQAAAAAAAAAAAAAAAAAAAB8AAABUAAAAAAAABQAAAAEAAAAAAAAAAAAAAAAAAAAAAAAAAAAAAAAAAAAAAAAAAAAAAAJ/f38AAAAAA8zMzADAwP8Af39/AAAAAAAAAAAAAAAAAAAAAAAAAAAAIQAAABgAAAAUAAAAQAsAAOgXAADAPwAAsCIAABAAAAAmAAAACAAAAAGAAAAAAAAA"/>
+                <pr:smNativeData xmlns:pr="smNativeData" xmlns="smNativeData" val="SMDATA_15_eM6NYhMAAAAlAAAAZAAAAA8BAAAAkAAAAEgAAACQAAAASAAAAAAAAAAAAAAAAAAAAAEAAABQAAAAAAAAAAAA4D8AAAAAAADgPwAAAAAAAOA/AAAAAAAA4D8AAAAAAADgPwAAAAAAAOA/AAAAAAAA4D8AAAAAAADgPwAAAAAAAOA/AAAAAAAA4D8CAAAAjAAAAAAAAAAAAAAAu+DjDP///wgAAAAAAAAAAAAAAAAAAAAAAAAAAAAAAAAAAAAAZAAAAAEAAABAAAAAAAAAAAAAAAAAAAAAAAAAAAAAAAAAAAAAAAAAAAAAAAAAAAAAAAAAAAAAAAAAAAAAAAAAAAAAAAAAAAAAAAAAAAAAAAAAAAAAAAAAAAAAAAAAAAAAFAAAADwAAAAAAAAAAAAAAAAAAAkUAAAAAQAAABQAAAAUAAAAFAAAAAEAAAAAAAAAZAAAAGQAAAAAAAAAZAAAAGQAAAAVAAAAYAAAAAAAAAAAAAAADwAAACADAAAAAAAAAAAAAAEAAACgMgAAVgcAAKr4//8BAAAAf39/AAEAAABkAAAAAAAAABQAAABAHwAAAAAAACYAAAAAAAAAwOD//wAAAAAmAAAAZAAAABYAAABMAAAAAAAAAAAAAAAEAAAAAAAAAAEAAACAgIAKAAAAACgAAAAoAAAAZAAAAGQAAAAAAAAAzMzMAAAAAABQAAAAUAAAAGQAAABkAAAAAAAAABcAAAAUAAAAAAAAAAAAAAD/fwAA/38AAAAAAAAJAAAABAAAAAAAAAAeAAAAaAAAAAAAAAAAAAAAAAAAAAAAAAAAAAAAECcAABAnAAAAAAAAAAAAAAAAAAAAAAAAAAAAAAAAAAAAAAAAAAAAABQAAAAAAAAAwMD/AAAAAABkAAAAMgAAAAAAAABkAAAAAAAAAH9/fwAKAAAAIgAAABgAAAAAAAAAAAAAAAAAAAAAAAAAAAAAAAAAAAAkAAAAJAAAAAAAAAAHAAAAAAAAAAAAAAAAAAAAAAAAAAAAAAAAAAAAf39/ACUAAABYAAAAAAAAAAAAAAAAAAAAAAAAAAAAAAAAAAAAAAAAAAAAAAAAAAAAAAAAAAAAAAA/AAAAAAAAAKCGAQAAAAAAAAAAAAAAAAAMAAAAAQAAAAAAAAAAAAAAAAAAAB8AAABUAAAAAAAABQAAAAEAAAAAAAAAAAAAAAAAAAAAAAAAAAAAAAAAAAAAAAAAAAAAAAJ/f38AAAAAA8zMzADAwP8Af39/AAAAAAAAAAAAAAAAAAAAAAAAAAAAIQAAABgAAAAUAAAAQAsAAOgXAADAPwAAsCIAABAAAAAmAAAACAAAAAGAAAAAAAAA"/>
               </a:ext>
             </a:extLst>
           </p:cNvSpPr>
@@ -330,7 +331,7 @@
             <a:spLocks noGrp="1" noChangeArrowheads="1"/>
             <a:extLst>
               <a:ext uri="smNativeData">
-                <pr:smNativeData xmlns:pr="smNativeData" xmlns="smNativeData" val="SMDATA_15_zA6NYhMAAAAlAAAAZAAAAA8BAAAAkAAAAEgAAACQAAAASAAAAAAAAAABAAAAAAAAAAEAAABQAAAAAAAAAAAA4D8AAAAAAADgPwAAAAAAAOA/AAAAAAAA4D8AAAAAAADgPwAAAAAAAOA/AAAAAAAA4D8AAAAAAADgPwAAAAAAAOA/AAAAAAAA4D8CAAAAjAAAAAAAAAAAAAAAu+DjDP///wgAAAAAAAAAAAAAAAAAAAAAAAAAAAAAAAAAAAAAZAAAAAEAAABAAAAAAAAAAAAAAAAAAAAAAAAAAAAAAAAAAAAAAAAAAAAAAAAAAAAAAAAAAAAAAAAAAAAAAAAAAAAAAAAAAAAAAAAAAAAAAAAAAAAAAAAAAAAAAAAAAAAAFAAAADwAAAAAAAAAAAAAAAAAAAkUAAAAAQAAABQAAAAUAAAAFAAAAAEAAAAAAAAAZAAAAGQAAAAAAAAAZAAAAGQAAAAVAAAAYAAAAAAAAAAAAAAADwAAACADAAAAAAAAAAAAAAEAAACgMgAAVgcAAKr4//8BAAAAf39/AAEAAABkAAAAAAAAABQAAABAHwAAAAAAACYAAAAAAAAAwOD//wAAAAAmAAAAZAAAABYAAABMAAAAAAAAAAAAAAAEAAAAAAAAAAEAAACAgIAKAAAAACgAAAAoAAAAZAAAAGQAAAAAAAAAzMzMAAAAAABQAAAAUAAAAGQAAABkAAAAAAAAABcAAAAUAAAAAAAAAAAAAAD/fwAA/38AAAAAAAAJAAAABAAAAAAAAAAeAAAAaAAAAAAAAAAAAAAAAAAAAAAAAAAAAAAAECcAABAnAAAAAAAAAAAAAAAAAAAAAAAAAAAAAAAAAAAAAAAAAAAAABQAAAAAAAAAwMD/AAAAAABkAAAAMgAAAAAAAABkAAAAAAAAAH9/fwAKAAAAIgAAABgAAAAAAAAAAAAAAAAAAAAAAAAAAAAAAAAAAAAkAAAAJAAAAAAAAAAHAAAAAAAAAAAAAAAAAAAAAAAAAAAAAAAAAAAAf39/ACUAAABYAAAAAAAAAAAAAAAAAAAAAAAAAAAAAAAAAAAAAAAAAAAAAAAAAAAAAAAAAAAAAAA/AAAAAAAAAKCGAQAAAAAAAAAAAAAAAAAMAAAAAQAAAAAAAAAAAAAAAAAAAB8AAABUAAAAAAAABQAAAAEAAAAAAAAAAAAAAAAAAAAAAAAAAAAAAAAAAAAAAAAAAAAAAAJ/f38AAAAAA8zMzADAwP8Af39/AAAAAAAAAAAAAAAAAAAAAAAAAAAAIQAAABgAAAAUAAAAwAMAABsnAAA/FQAAWSkAABAAAAAmAAAACAAAAAAAAAAAAAAA"/>
+                <pr:smNativeData xmlns:pr="smNativeData" xmlns="smNativeData" val="SMDATA_15_eM6NYhMAAAAlAAAAZAAAAA8BAAAAkAAAAEgAAACQAAAASAAAAAAAAAABAAAAAAAAAAEAAABQAAAAAAAAAAAA4D8AAAAAAADgPwAAAAAAAOA/AAAAAAAA4D8AAAAAAADgPwAAAAAAAOA/AAAAAAAA4D8AAAAAAADgPwAAAAAAAOA/AAAAAAAA4D8CAAAAjAAAAAAAAAAAAAAAu+DjDP///wgAAAAAAAAAAAAAAAAAAAAAAAAAAAAAAAAAAAAAZAAAAAEAAABAAAAAAAAAAAAAAAAAAAAAAAAAAAAAAAAAAAAAAAAAAAAAAAAAAAAAAAAAAAAAAAAAAAAAAAAAAAAAAAAAAAAAAAAAAAAAAAAAAAAAAAAAAAAAAAAAAAAAFAAAADwAAAAAAAAAAAAAAAAAAAkUAAAAAQAAABQAAAAUAAAAFAAAAAEAAAAAAAAAZAAAAGQAAAAAAAAAZAAAAGQAAAAVAAAAYAAAAAAAAAAAAAAADwAAACADAAAAAAAAAAAAAAEAAACgMgAAVgcAAKr4//8BAAAAf39/AAEAAABkAAAAAAAAABQAAABAHwAAAAAAACYAAAAAAAAAwOD//wAAAAAmAAAAZAAAABYAAABMAAAAAAAAAAAAAAAEAAAAAAAAAAEAAACAgIAKAAAAACgAAAAoAAAAZAAAAGQAAAAAAAAAzMzMAAAAAABQAAAAUAAAAGQAAABkAAAAAAAAABcAAAAUAAAAAAAAAAAAAAD/fwAA/38AAAAAAAAJAAAABAAAAAAAAAAeAAAAaAAAAAAAAAAAAAAAAAAAAAAAAAAAAAAAECcAABAnAAAAAAAAAAAAAAAAAAAAAAAAAAAAAAAAAAAAAAAAAAAAABQAAAAAAAAAwMD/AAAAAABkAAAAMgAAAAAAAABkAAAAAAAAAH9/fwAKAAAAIgAAABgAAAAAAAAAAAAAAAAAAAAAAAAAAAAAAAAAAAAkAAAAJAAAAAAAAAAHAAAAAAAAAAAAAAAAAAAAAAAAAAAAAAAAAAAAf39/ACUAAABYAAAAAAAAAAAAAAAAAAAAAAAAAAAAAAAAAAAAAAAAAAAAAAAAAAAAAAAAAAAAAAA/AAAAAAAAAKCGAQAAAAAAAAAAAAAAAAAMAAAAAQAAAAAAAAAAAAAAAAAAAB8AAABUAAAAAAAABQAAAAEAAAAAAAAAAAAAAAAAAAAAAAAAAAAAAAAAAAAAAAAAAAAAAAJ/f38AAAAAA8zMzADAwP8Af39/AAAAAAAAAAAAAAAAAAAAAAAAAAAAIQAAABgAAAAUAAAAwAMAABsnAAA/FQAAWSkAABAAAAAmAAAACAAAAAAAAAAAAAAA"/>
               </a:ext>
             </a:extLst>
           </p:cNvSpPr>
@@ -344,7 +345,7 @@
           <a:lstStyle/>
           <a:p>
             <a:pPr/>
-            <a:fld id="{310E2765-2BDC-5BD1-92B6-DD8469F86488}" type="datetime1">
+            <a:fld id="{2E3A50B0-FEC3-6FA6-8D82-08F31ECC7B5D}" type="datetime1">
               <a:t/>
             </a:fld>
           </a:p>
@@ -357,7 +358,7 @@
             <a:spLocks noGrp="1" noChangeArrowheads="1"/>
             <a:extLst>
               <a:ext uri="smNativeData">
-                <pr:smNativeData xmlns:pr="smNativeData" xmlns="smNativeData" val="SMDATA_15_zA6NYhMAAAAlAAAAZAAAAA8BAAAAkAAAAEgAAACQAAAASAAAAAAAAAABAAAAAAAAAAEAAABQAAAAAAAAAAAA4D8AAAAAAADgPwAAAAAAAOA/AAAAAAAA4D8AAAAAAADgPwAAAAAAAOA/AAAAAAAA4D8AAAAAAADgPwAAAAAAAOA/AAAAAAAA4D8CAAAAjAAAAAAAAAAAAAAAu+DjDP///wgAAAAAAAAAAAAAAAAAAAAAAAAAAAAAAAAAAAAAZAAAAAEAAABAAAAAAAAAAAAAAAAAAAAAAAAAAAAAAAAAAAAAAAAAAAAAAAAAAAAAAAAAAAAAAAAAAAAAAAAAAAAAAAAAAAAAAAAAAAAAAAAAAAAAAAAAAAAAAAAAAAAAFAAAADwAAAAAAAAAAAAAAAAAAAkUAAAAAQAAABQAAAAUAAAAFAAAAAEAAAAAAAAAZAAAAGQAAAAAAAAAZAAAAGQAAAAVAAAAYAAAAAAAAAAAAAAADwAAACADAAAAAAAAAAAAAAEAAACgMgAAVgcAAKr4//8BAAAAf39/AAEAAABkAAAAAAAAABQAAABAHwAAAAAAACYAAAAAAAAAwOD//wAAAAAmAAAAZAAAABYAAABMAAAAAAAAAAAAAAAEAAAAAAAAAAEAAACAgIAKAAAAACgAAAAoAAAAZAAAAGQAAAAAAAAAzMzMAAAAAABQAAAAUAAAAGQAAABkAAAAAAAAABcAAAAUAAAAAAAAAAAAAAD/fwAA/38AAAAAAAAJAAAABAAAAAAAAAAeAAAAaAAAAAAAAAAAAAAAAAAAAAAAAAAAAAAAECcAABAnAAAAAAAAAAAAAAAAAAAAAAAAAAAAAAAAAAAAAAAAAAAAABQAAAAAAAAAwMD/AAAAAABkAAAAMgAAAAAAAABkAAAAAAAAAH9/fwAKAAAAIgAAABgAAAAAAAAAAAAAAAAAAAAAAAAAAAAAAAAAAAAkAAAAJAAAAAAAAAAHAAAAAAAAAAAAAAAAAAAAAAAAAAAAAAAAAAAAf39/ACUAAABYAAAAAAAAAAAAAAAAAAAAAAAAAAAAAAAAAAAAAAAAAAAAAAAAAAAAAAAAAAAAAAA/AAAAAAAAAKCGAQAAAAAAAAAAAAAAAAAMAAAAAQAAAAAAAAAAAAAAAAAAAB8AAABUAAAAAAAABQAAAAEAAAAAAAAAAAAAAAAAAAAAAAAAAAAAAAAAAAAAAAAAAAAAAAJ/f38AAAAAA8zMzADAwP8Af39/AAAAAAAAAAAAAAAAAAAAAAAAAAAAIQAAABgAAAAUAAAAoRkAABsnAABfMQAAWSkAABAAAAAmAAAACAAAAAAAAAAAAAAA"/>
+                <pr:smNativeData xmlns:pr="smNativeData" xmlns="smNativeData" val="SMDATA_15_eM6NYhMAAAAlAAAAZAAAAA8BAAAAkAAAAEgAAACQAAAASAAAAAAAAAABAAAAAAAAAAEAAABQAAAAAAAAAAAA4D8AAAAAAADgPwAAAAAAAOA/AAAAAAAA4D8AAAAAAADgPwAAAAAAAOA/AAAAAAAA4D8AAAAAAADgPwAAAAAAAOA/AAAAAAAA4D8CAAAAjAAAAAAAAAAAAAAAu+DjDP///wgAAAAAAAAAAAAAAAAAAAAAAAAAAAAAAAAAAAAAZAAAAAEAAABAAAAAAAAAAAAAAAAAAAAAAAAAAAAAAAAAAAAAAAAAAAAAAAAAAAAAAAAAAAAAAAAAAAAAAAAAAAAAAAAAAAAAAAAAAAAAAAAAAAAAAAAAAAAAAAAAAAAAFAAAADwAAAAAAAAAAAAAAAAAAAkUAAAAAQAAABQAAAAUAAAAFAAAAAEAAAAAAAAAZAAAAGQAAAAAAAAAZAAAAGQAAAAVAAAAYAAAAAAAAAAAAAAADwAAACADAAAAAAAAAAAAAAEAAACgMgAAVgcAAKr4//8BAAAAf39/AAEAAABkAAAAAAAAABQAAABAHwAAAAAAACYAAAAAAAAAwOD//wAAAAAmAAAAZAAAABYAAABMAAAAAAAAAAAAAAAEAAAAAAAAAAEAAACAgIAKAAAAACgAAAAoAAAAZAAAAGQAAAAAAAAAzMzMAAAAAABQAAAAUAAAAGQAAABkAAAAAAAAABcAAAAUAAAAAAAAAAAAAAD/fwAA/38AAAAAAAAJAAAABAAAAAAAAAAeAAAAaAAAAAAAAAAAAAAAAAAAAAAAAAAAAAAAECcAABAnAAAAAAAAAAAAAAAAAAAAAAAAAAAAAAAAAAAAAAAAAAAAABQAAAAAAAAAwMD/AAAAAABkAAAAMgAAAAAAAABkAAAAAAAAAH9/fwAKAAAAIgAAABgAAAAAAAAAAAAAAAAAAAAAAAAAAAAAAAAAAAAkAAAAJAAAAAAAAAAHAAAAAAAAAAAAAAAAAAAAAAAAAAAAAAAAAAAAf39/ACUAAABYAAAAAAAAAAAAAAAAAAAAAAAAAAAAAAAAAAAAAAAAAAAAAAAAAAAAAAAAAAAAAAA/AAAAAAAAAKCGAQAAAAAAAAAAAAAAAAAMAAAAAQAAAAAAAAAAAAAAAAAAAB8AAABUAAAAAAAABQAAAAEAAAAAAAAAAAAAAAAAAAAAAAAAAAAAAAAAAAAAAAAAAAAAAAJ/f38AAAAAA8zMzADAwP8Af39/AAAAAAAAAAAAAAAAAAAAAAAAAAAAIQAAABgAAAAUAAAAoRkAABsnAABfMQAAWSkAABAAAAAmAAAACAAAAAAAAAAAAAAA"/>
               </a:ext>
             </a:extLst>
           </p:cNvSpPr>
@@ -371,9 +372,6 @@
           <a:lstStyle/>
           <a:p>
             <a:pPr/>
-            <a:r>
-              <a:t/>
-            </a:r>
           </a:p>
         </p:txBody>
       </p:sp>
@@ -384,7 +382,7 @@
             <a:spLocks noGrp="1" noChangeArrowheads="1"/>
             <a:extLst>
               <a:ext uri="smNativeData">
-                <pr:smNativeData xmlns:pr="smNativeData" xmlns="smNativeData" val="SMDATA_15_zA6NYhMAAAAlAAAAZAAAAA8BAAAAkAAAAEgAAACQAAAASAAAAAAAAAABAAAAAAAAAAEAAABQAAAAAAAAAAAA4D8AAAAAAADgPwAAAAAAAOA/AAAAAAAA4D8AAAAAAADgPwAAAAAAAOA/AAAAAAAA4D8AAAAAAADgPwAAAAAAAOA/AAAAAAAA4D8CAAAAjAAAAAAAAAAAAAAAu+DjDP///wgAAAAAAAAAAAAAAAAAAAAAAAAAAAAAAAAAAAAAZAAAAAEAAABAAAAAAAAAAAAAAAAAAAAAAAAAAAAAAAAAAAAAAAAAAAAAAAAAAAAAAAAAAAAAAAAAAAAAAAAAAAAAAAAAAAAAAAAAAAAAAAAAAAAAAAAAAAAAAAAAAAAAFAAAADwAAAAAAAAAAAAAAAAAAAkUAAAAAQAAABQAAAAUAAAAFAAAAAEAAAAAAAAAZAAAAGQAAAAAAAAAZAAAAGQAAAAVAAAAYAAAAAAAAAAAAAAADwAAACADAAAAAAAAAAAAAAEAAACgMgAAVgcAAKr4//8BAAAAf39/AAEAAABkAAAAAAAAABQAAABAHwAAAAAAACYAAAAAAAAAwOD//wAAAAAmAAAAZAAAABYAAABMAAAAAAAAAAAAAAAEAAAAAAAAAAEAAACAgIAKAAAAACgAAAAoAAAAZAAAAGQAAAAAAAAAzMzMAAAAAABQAAAAUAAAAGQAAABkAAAAAAAAABcAAAAUAAAAAAAAAAAAAAD/fwAA/38AAAAAAAAJAAAABAAAAHsAfAAeAAAAaAAAAAAAAAAAAAAAAAAAAAAAAAAAAAAAECcAABAnAAAAAAAAAAAAAAAAAAAAAAAAAAAAAAAAAAAAAAAAAAAAABQAAAAAAAAAwMD/AAAAAABkAAAAMgAAAAAAAABkAAAAAAAAAH9/fwAKAAAAIgAAABgAAAAAAAAAAAAAAAAAAAAAAAAAAAAAAAAAAAAkAAAAJAAAAAAAAAAHAAAAAAAAAAAAAAAAAAAAAAAAAAAAAAAAAAAAf39/ACUAAABYAAAAAAAAAAAAAAAAAAAAAAAAAAAAAAAAAAAAAAAAAAAAAAAAAAAAAAAAAAAAAAA/AAAAAAAAAKCGAQAAAAAAAAAAAAAAAAAMAAAAAQAAAAAAAAAAAAAAAAAAAB8AAABUAAAAAAAABQAAAAEAAAAAAAAAAAAAAAAAAAAAAAAAAAAAAAAAAAAAAAAAAAAAAAJ/f38AAAAAA8zMzADAwP8Af39/AAAAAAAAAAAAAAAAAAAAAAAAAAAAIQAAABgAAAAUAAAAwTUAABsnAABARwAAWSkAABAAAAAmAAAACAAAAAAAAAAAAAAA"/>
+                <pr:smNativeData xmlns:pr="smNativeData" xmlns="smNativeData" val="SMDATA_15_eM6NYhMAAAAlAAAAZAAAAA8BAAAAkAAAAEgAAACQAAAASAAAAAAAAAABAAAAAAAAAAEAAABQAAAAAAAAAAAA4D8AAAAAAADgPwAAAAAAAOA/AAAAAAAA4D8AAAAAAADgPwAAAAAAAOA/AAAAAAAA4D8AAAAAAADgPwAAAAAAAOA/AAAAAAAA4D8CAAAAjAAAAAAAAAAAAAAAu+DjDP///wgAAAAAAAAAAAAAAAAAAAAAAAAAAAAAAAAAAAAAZAAAAAEAAABAAAAAAAAAAAAAAAAAAAAAAAAAAAAAAAAAAAAAAAAAAAAAAAAAAAAAAAAAAAAAAAAAAAAAAAAAAAAAAAAAAAAAAAAAAAAAAAAAAAAAAAAAAAAAAAAAAAAAFAAAADwAAAAAAAAAAAAAAAAAAAkUAAAAAQAAABQAAAAUAAAAFAAAAAEAAAAAAAAAZAAAAGQAAAAAAAAAZAAAAGQAAAAVAAAAYAAAAAAAAAAAAAAADwAAACADAAAAAAAAAAAAAAEAAACgMgAAVgcAAKr4//8BAAAAf39/AAEAAABkAAAAAAAAABQAAABAHwAAAAAAACYAAAAAAAAAwOD//wAAAAAmAAAAZAAAABYAAABMAAAAAAAAAAAAAAAEAAAAAAAAAAEAAACAgIAKAAAAACgAAAAoAAAAZAAAAGQAAAAAAAAAzMzMAAAAAABQAAAAUAAAAGQAAABkAAAAAAAAABcAAAAUAAAAAAAAAAAAAAD/fwAA/38AAAAAAAAJAAAABAAAAHsAfAAeAAAAaAAAAAAAAAAAAAAAAAAAAAAAAAAAAAAAECcAABAnAAAAAAAAAAAAAAAAAAAAAAAAAAAAAAAAAAAAAAAAAAAAABQAAAAAAAAAwMD/AAAAAABkAAAAMgAAAAAAAABkAAAAAAAAAH9/fwAKAAAAIgAAABgAAAAAAAAAAAAAAAAAAAAAAAAAAAAAAAAAAAAkAAAAJAAAAAAAAAAHAAAAAAAAAAAAAAAAAAAAAAAAAAAAAAAAAAAAf39/ACUAAABYAAAAAAAAAAAAAAAAAAAAAAAAAAAAAAAAAAAAAAAAAAAAAAAAAAAAAAAAAAAAAAA/AAAAAAAAAKCGAQAAAAAAAAAAAAAAAAAMAAAAAQAAAAAAAAAAAAAAAAAAAB8AAABUAAAAAAAABQAAAAEAAAAAAAAAAAAAAAAAAAAAAAAAAAAAAAAAAAAAAAAAAAAAAAJ/f38AAAAAA8zMzADAwP8Af39/AAAAAAAAAAAAAAAAAAAAAAAAAAAAIQAAABgAAAAUAAAAwTUAABsnAABARwAAWSkAABAAAAAmAAAACAAAAAAAAAAAAAAA"/>
               </a:ext>
             </a:extLst>
           </p:cNvSpPr>
@@ -398,7 +396,7 @@
           <a:lstStyle/>
           <a:p>
             <a:pPr/>
-            <a:fld id="{310E6207-49DC-5B94-92B6-BFC12CF864EA}" type="slidenum">
+            <a:fld id="{2E3A2864-2AC3-6FDE-8D82-DC8B66CC7B89}" type="slidenum">
               <a:t/>
             </a:fld>
           </a:p>
@@ -409,6 +407,7 @@
   <p:clrMapOvr>
     <a:masterClrMapping/>
   </p:clrMapOvr>
+  <p:hf hdr="0" ftr="0"/>
 </p:sldLayout>
 </file>
 
@@ -436,7 +435,7 @@
             <a:spLocks noGrp="1" noChangeArrowheads="1"/>
             <a:extLst>
               <a:ext uri="smNativeData">
-                <pr:smNativeData xmlns:pr="smNativeData" xmlns="smNativeData" val="SMDATA_15_zA6NYhMAAAAlAAAAZAAAAA8BAAAAkAAAAEgAAACQAAAASAAAAAAAAAABAAAAAAAAAAEAAABQAAAAAAAAAAAA4D8AAAAAAADgPwAAAAAAAOA/AAAAAAAA4D8AAAAAAADgPwAAAAAAAOA/AAAAAAAA4D8AAAAAAADgPwAAAAAAAOA/AAAAAAAA4D8CAAAAjAAAAAAAAAAAAAAAu+DjDP///wgAAAAAAAAAAAAAAAAAAAAAAAAAAAAAAAAAAAAAZAAAAAEAAABAAAAAAAAAAAAAAAAAAAAAAAAAAAAAAAAAAAAAAAAAAAAAAAAAAAAAAAAAAAAAAAAAAAAAAAAAAAAAAAAAAAAAAAAAAAAAAAAAAAAAAAAAAAAAAAAAAAAAFAAAADwAAAAAAAAAAAAAAAAAAAkUAAAAAQAAABQAAAAUAAAAFAAAAAEAAAAAAAAAZAAAAGQAAAAAAAAAZAAAAGQAAAAVAAAAYAAAAAAAAAAAAAAADwAAACADAAAAAAAAAAAAAAEAAACgMgAAVgcAAKr4//8BAAAAf39/AAEAAABkAAAAAAAAABQAAABAHwAAAAAAACYAAAAAAAAAwOD//wAAAAAmAAAAZAAAABYAAABMAAAAAAAAAAAAAAAEAAAAAAAAAAEAAACAgIAKAAAAACgAAAAoAAAAZAAAAGQAAAAAAAAAzMzMAAAAAABQAAAAUAAAAGQAAABkAAAAAAAAABcAAAAUAAAAAAAAAAAAAAD/fwAA/38AAAAAAAAJAAAABAAAAG49IjEeAAAAaAAAAAAAAAAAAAAAAAAAAAAAAAAAAAAAECcAABAnAAAAAAAAAAAAAAAAAAAAAAAAAAAAAAAAAAAAAAAAAAAAABQAAAAAAAAAwMD/AAAAAABkAAAAMgAAAAAAAABkAAAAAAAAAH9/fwAKAAAAIgAAABgAAAAAAAAAAAAAAAAAAAAAAAAAAAAAAAAAAAAkAAAAJAAAAAAAAAAHAAAAAAAAAAAAAAAAAAAAAAAAAAAAAAAAAAAAf39/ACUAAABYAAAAAAAAAAAAAAAAAAAAAAAAAAAAAAAAAAAAAAAAAAAAAAAAAAAAAAAAAAAAAAA/AAAAAAAAAKCGAQAAAAAAAAAAAAAAAAAMAAAAAQAAAAAAAAAAAAAAAAAAAB8AAABUAAAAAAAABQAAAAEAAAAAAAAAAAAAAAAAAAAAAAAAAAAAAAAAAAAAAAAAAAAAAAJ/f38AAAAAA8zMzADAwP8Af39/AAAAAAAAAAAAAAAAAAAAAAAAAAAAIQAAABgAAAAUAAAAwAMAALABAABARwAAuAgAABAAAAAmAAAACAAAAAAAAAAAAAAA"/>
+                <pr:smNativeData xmlns:pr="smNativeData" xmlns="smNativeData" val="SMDATA_15_eM6NYhMAAAAlAAAAZAAAAA8BAAAAkAAAAEgAAACQAAAASAAAAAAAAAABAAAAAAAAAAEAAABQAAAAAAAAAAAA4D8AAAAAAADgPwAAAAAAAOA/AAAAAAAA4D8AAAAAAADgPwAAAAAAAOA/AAAAAAAA4D8AAAAAAADgPwAAAAAAAOA/AAAAAAAA4D8CAAAAjAAAAAAAAAAAAAAAu+DjDP///wgAAAAAAAAAAAAAAAAAAAAAAAAAAAAAAAAAAAAAZAAAAAEAAABAAAAAAAAAAAAAAAAAAAAAAAAAAAAAAAAAAAAAAAAAAAAAAAAAAAAAAAAAAAAAAAAAAAAAAAAAAAAAAAAAAAAAAAAAAAAAAAAAAAAAAAAAAAAAAAAAAAAAFAAAADwAAAAAAAAAAAAAAAAAAAkUAAAAAQAAABQAAAAUAAAAFAAAAAEAAAAAAAAAZAAAAGQAAAAAAAAAZAAAAGQAAAAVAAAAYAAAAAAAAAAAAAAADwAAACADAAAAAAAAAAAAAAEAAACgMgAAVgcAAKr4//8BAAAAf39/AAEAAABkAAAAAAAAABQAAABAHwAAAAAAACYAAAAAAAAAwOD//wAAAAAmAAAAZAAAABYAAABMAAAAAAAAAAAAAAAEAAAAAAAAAAEAAACAgIAKAAAAACgAAAAoAAAAZAAAAGQAAAAAAAAAzMzMAAAAAABQAAAAUAAAAGQAAABkAAAAAAAAABcAAAAUAAAAAAAAAAAAAAD/fwAA/38AAAAAAAAJAAAABAAAAG49IjEeAAAAaAAAAAAAAAAAAAAAAAAAAAAAAAAAAAAAECcAABAnAAAAAAAAAAAAAAAAAAAAAAAAAAAAAAAAAAAAAAAAAAAAABQAAAAAAAAAwMD/AAAAAABkAAAAMgAAAAAAAABkAAAAAAAAAH9/fwAKAAAAIgAAABgAAAAAAAAAAAAAAAAAAAAAAAAAAAAAAAAAAAAkAAAAJAAAAAAAAAAHAAAAAAAAAAAAAAAAAAAAAAAAAAAAAAAAAAAAf39/ACUAAABYAAAAAAAAAAAAAAAAAAAAAAAAAAAAAAAAAAAAAAAAAAAAAAAAAAAAAAAAAAAAAAA/AAAAAAAAAKCGAQAAAAAAAAAAAAAAAAAMAAAAAQAAAAAAAAAAAAAAAAAAAB8AAABUAAAAAAAABQAAAAEAAAAAAAAAAAAAAAAAAAAAAAAAAAAAAAAAAAAAAAAAAAAAAAJ/f38AAAAAA8zMzADAwP8Af39/AAAAAAAAAAAAAAAAAAAAAAAAAAAAIQAAABgAAAAUAAAAwAMAALABAABARwAAuAgAABAAAAAmAAAACAAAAAAAAAAAAAAA"/>
               </a:ext>
             </a:extLst>
           </p:cNvSpPr>
@@ -463,7 +462,7 @@
             <a:spLocks noGrp="1" noChangeArrowheads="1"/>
             <a:extLst>
               <a:ext uri="smNativeData">
-                <pr:smNativeData xmlns:pr="smNativeData" xmlns="smNativeData" val="SMDATA_15_zA6NYhMAAAAlAAAAZAAAAA8BAAAAkAAAAEgAAACQAAAASAAAAAAAAAAAAAAAAQAAAAEAAABQAAAAAAAAAAAA4D8AAAAAAADgPwAAAAAAAOA/AAAAAAAA4D8AAAAAAADgPwAAAAAAAOA/AAAAAAAA4D8AAAAAAADgPwAAAAAAAOA/AAAAAAAA4D8CAAAAjAAAAAAAAAAAAAAAu+DjDP///wgAAAAAAAAAAAAAAAAAAAAAAAAAAAAAAAAAAAAAZAAAAAEAAABAAAAAAAAAAAAAAAAAAAAAAAAAAAAAAAAAAAAAAAAAAAAAAAAAAAAAAAAAAAAAAAAAAAAAAAAAAAAAAAAAAAAAAAAAAAAAAAAAAAAAAAAAAAAAAAAAAAAAFAAAADwAAAAAAAAAAAAAAAAAAAkUAAAAAQAAABQAAAAUAAAAFAAAAAEAAAAAAAAAZAAAAGQAAAAAAAAAZAAAAGQAAAAVAAAAYAAAAAAAAAAAAAAADwAAACADAAAAAAAAAAAAAAEAAACgMgAAVgcAAKr4//8BAAAAf39/AAEAAABkAAAAAAAAABQAAABAHwAAAAAAACYAAAAAAAAAwOD//wAAAAAmAAAAZAAAABYAAABMAAAAAAAAAAAAAAAEAAAAAAAAAAEAAACAgIAKAAAAACgAAAAoAAAAZAAAAGQAAAAAAAAAzMzMAAAAAABQAAAAUAAAAGQAAABkAAAAAAAAABcAAAAUAAAAAAAAAAAAAAD/fwAA/38AAAAAAAAJAAAABAAAAAAAAAAeAAAAaAAAAAAAAAAAAAAAAAAAAAAAAAAAAAAAECcAABAnAAAAAAAAAAAAAAAAAAAAAAAAAAAAAAAAAAAAAAAAAAAAABQAAAAAAAAAwMD/AAAAAABkAAAAMgAAAAAAAABkAAAAAAAAAH9/fwAKAAAAIgAAABgAAAAAAAAAAAAAAAAAAAAAAAAAAAAAAAAAAAAkAAAAJAAAAAAAAAAHAAAAAAAAAAAAAAAAAAAAAAAAAAAAAAAAAAAAf39/ACUAAABYAAAAAAAAAAAAAAAAAAAAAAAAAAAAAAAAAAAAAAAAAAAAAAAAAAAAAAAAAAAAAAA/AAAAAAAAAKCGAQAAAAAAAAAAAAAAAAAMAAAAAQAAAAAAAAAAAAAAAAAAAB8AAABUAAAAAAAABQAAAAEAAAAAAAAAAAAAAAAAAAAAAAAAAAAAAAAAAAAAAAAAAAAAAAJ/f38AAAAAA8zMzADAwP8Af39/AAAAAAAAAAAAAAAAAAAAAAAAAAAAIQAAABgAAAAUAAAAwAMAANgJAABARwAAsCUAABAAAAAmAAAACAAAAAIAAAAAAAAA"/>
+                <pr:smNativeData xmlns:pr="smNativeData" xmlns="smNativeData" val="SMDATA_15_eM6NYhMAAAAlAAAAZAAAAA8BAAAAkAAAAEgAAACQAAAASAAAAAAAAAAAAAAAAQAAAAEAAABQAAAAAAAAAAAA4D8AAAAAAADgPwAAAAAAAOA/AAAAAAAA4D8AAAAAAADgPwAAAAAAAOA/AAAAAAAA4D8AAAAAAADgPwAAAAAAAOA/AAAAAAAA4D8CAAAAjAAAAAAAAAAAAAAAu+DjDP///wgAAAAAAAAAAAAAAAAAAAAAAAAAAAAAAAAAAAAAZAAAAAEAAABAAAAAAAAAAAAAAAAAAAAAAAAAAAAAAAAAAAAAAAAAAAAAAAAAAAAAAAAAAAAAAAAAAAAAAAAAAAAAAAAAAAAAAAAAAAAAAAAAAAAAAAAAAAAAAAAAAAAAFAAAADwAAAAAAAAAAAAAAAAAAAkUAAAAAQAAABQAAAAUAAAAFAAAAAEAAAAAAAAAZAAAAGQAAAAAAAAAZAAAAGQAAAAVAAAAYAAAAAAAAAAAAAAADwAAACADAAAAAAAAAAAAAAEAAACgMgAAVgcAAKr4//8BAAAAf39/AAEAAABkAAAAAAAAABQAAABAHwAAAAAAACYAAAAAAAAAwOD//wAAAAAmAAAAZAAAABYAAABMAAAAAAAAAAAAAAAEAAAAAAAAAAEAAACAgIAKAAAAACgAAAAoAAAAZAAAAGQAAAAAAAAAzMzMAAAAAABQAAAAUAAAAGQAAABkAAAAAAAAABcAAAAUAAAAAAAAAAAAAAD/fwAA/38AAAAAAAAJAAAABAAAAAAAAAAeAAAAaAAAAAAAAAAAAAAAAAAAAAAAAAAAAAAAECcAABAnAAAAAAAAAAAAAAAAAAAAAAAAAAAAAAAAAAAAAAAAAAAAABQAAAAAAAAAwMD/AAAAAABkAAAAMgAAAAAAAABkAAAAAAAAAH9/fwAKAAAAIgAAABgAAAAAAAAAAAAAAAAAAAAAAAAAAAAAAAAAAAAkAAAAJAAAAAAAAAAHAAAAAAAAAAAAAAAAAAAAAAAAAAAAAAAAAAAAf39/ACUAAABYAAAAAAAAAAAAAAAAAAAAAAAAAAAAAAAAAAAAAAAAAAAAAAAAAAAAAAAAAAAAAAA/AAAAAAAAAKCGAQAAAAAAAAAAAAAAAAAMAAAAAQAAAAAAAAAAAAAAAAAAAB8AAABUAAAAAAAABQAAAAEAAAAAAAAAAAAAAAAAAAAAAAAAAAAAAAAAAAAAAAAAAAAAAAJ/f38AAAAAA8zMzADAwP8Af39/AAAAAAAAAAAAAAAAAAAAAAAAAAAAIQAAABgAAAAUAAAAwAMAANgJAABARwAAsCUAABAAAAAmAAAACAAAAAIAAAAAAAAA"/>
               </a:ext>
             </a:extLst>
           </p:cNvSpPr>
@@ -518,7 +517,7 @@
             <a:spLocks noGrp="1" noChangeArrowheads="1"/>
             <a:extLst>
               <a:ext uri="smNativeData">
-                <pr:smNativeData xmlns:pr="smNativeData" xmlns="smNativeData" val="SMDATA_15_zA6NYhMAAAAlAAAAZAAAAA8BAAAAkAAAAEgAAACQAAAASAAAAAAAAAABAAAAAAAAAAEAAABQAAAAAAAAAAAA4D8AAAAAAADgPwAAAAAAAOA/AAAAAAAA4D8AAAAAAADgPwAAAAAAAOA/AAAAAAAA4D8AAAAAAADgPwAAAAAAAOA/AAAAAAAA4D8CAAAAjAAAAAAAAAAAAAAAu+DjDP///wgAAAAAAAAAAAAAAAAAAAAAAAAAAAAAAAAAAAAAZAAAAAEAAABAAAAAAAAAAAAAAAAAAAAAAAAAAAAAAAAAAAAAAAAAAAAAAAAAAAAAAAAAAAAAAAAAAAAAAAAAAAAAAAAAAAAAAAAAAAAAAAAAAAAAAAAAAAAAAAAAAAAAFAAAADwAAAAAAAAAAAAAAAAAAAkUAAAAAQAAABQAAAAUAAAAFAAAAAEAAAAAAAAAZAAAAGQAAAAAAAAAZAAAAGQAAAAVAAAAYAAAAAAAAAAAAAAADwAAACADAAAAAAAAAAAAAAEAAACgMgAAVgcAAKr4//8BAAAAf39/AAEAAABkAAAAAAAAABQAAABAHwAAAAAAACYAAAAAAAAAwOD//wAAAAAmAAAAZAAAABYAAABMAAAAAAAAAAAAAAAEAAAAAAAAAAEAAACAgIAKAAAAACgAAAAoAAAAZAAAAGQAAAAAAAAAzMzMAAAAAABQAAAAUAAAAGQAAABkAAAAAAAAABcAAAAUAAAAAAAAAAAAAAD/fwAA/38AAAAAAAAJAAAABAAAAAAAAAAeAAAAaAAAAAAAAAAAAAAAAAAAAAAAAAAAAAAAECcAABAnAAAAAAAAAAAAAAAAAAAAAAAAAAAAAAAAAAAAAAAAAAAAABQAAAAAAAAAwMD/AAAAAABkAAAAMgAAAAAAAABkAAAAAAAAAH9/fwAKAAAAIgAAABgAAAAAAAAAAAAAAAAAAAAAAAAAAAAAAAAAAAAkAAAAJAAAAAAAAAAHAAAAAAAAAAAAAAAAAAAAAAAAAAAAAAAAAAAAf39/ACUAAABYAAAAAAAAAAAAAAAAAAAAAAAAAAAAAAAAAAAAAAAAAAAAAAAAAAAAAAAAAAAAAAA/AAAAAAAAAKCGAQAAAAAAAAAAAAAAAAAMAAAAAQAAAAAAAAAAAAAAAAAAAB8AAABUAAAAAAAABQAAAAEAAAAAAAAAAAAAAAAAAAAAAAAAAAAAAAAAAAAAAAAAAAAAAAJ/f38AAAAAA8zMzADAwP8Af39/AAAAAAAAAAAAAAAAAAAAAAAAAAAAIQAAABgAAAAUAAAAwAMAABsnAAA/FQAAWSkAABAAAAAmAAAACAAAAAAAAAAAAAAA"/>
+                <pr:smNativeData xmlns:pr="smNativeData" xmlns="smNativeData" val="SMDATA_15_eM6NYhMAAAAlAAAAZAAAAA8BAAAAkAAAAEgAAACQAAAASAAAAAAAAAABAAAAAAAAAAEAAABQAAAAAAAAAAAA4D8AAAAAAADgPwAAAAAAAOA/AAAAAAAA4D8AAAAAAADgPwAAAAAAAOA/AAAAAAAA4D8AAAAAAADgPwAAAAAAAOA/AAAAAAAA4D8CAAAAjAAAAAAAAAAAAAAAu+DjDP///wgAAAAAAAAAAAAAAAAAAAAAAAAAAAAAAAAAAAAAZAAAAAEAAABAAAAAAAAAAAAAAAAAAAAAAAAAAAAAAAAAAAAAAAAAAAAAAAAAAAAAAAAAAAAAAAAAAAAAAAAAAAAAAAAAAAAAAAAAAAAAAAAAAAAAAAAAAAAAAAAAAAAAFAAAADwAAAAAAAAAAAAAAAAAAAkUAAAAAQAAABQAAAAUAAAAFAAAAAEAAAAAAAAAZAAAAGQAAAAAAAAAZAAAAGQAAAAVAAAAYAAAAAAAAAAAAAAADwAAACADAAAAAAAAAAAAAAEAAACgMgAAVgcAAKr4//8BAAAAf39/AAEAAABkAAAAAAAAABQAAABAHwAAAAAAACYAAAAAAAAAwOD//wAAAAAmAAAAZAAAABYAAABMAAAAAAAAAAAAAAAEAAAAAAAAAAEAAACAgIAKAAAAACgAAAAoAAAAZAAAAGQAAAAAAAAAzMzMAAAAAABQAAAAUAAAAGQAAABkAAAAAAAAABcAAAAUAAAAAAAAAAAAAAD/fwAA/38AAAAAAAAJAAAABAAAAAAAAAAeAAAAaAAAAAAAAAAAAAAAAAAAAAAAAAAAAAAAECcAABAnAAAAAAAAAAAAAAAAAAAAAAAAAAAAAAAAAAAAAAAAAAAAABQAAAAAAAAAwMD/AAAAAABkAAAAMgAAAAAAAABkAAAAAAAAAH9/fwAKAAAAIgAAABgAAAAAAAAAAAAAAAAAAAAAAAAAAAAAAAAAAAAkAAAAJAAAAAAAAAAHAAAAAAAAAAAAAAAAAAAAAAAAAAAAAAAAAAAAf39/ACUAAABYAAAAAAAAAAAAAAAAAAAAAAAAAAAAAAAAAAAAAAAAAAAAAAAAAAAAAAAAAAAAAAA/AAAAAAAAAKCGAQAAAAAAAAAAAAAAAAAMAAAAAQAAAAAAAAAAAAAAAAAAAB8AAABUAAAAAAAABQAAAAEAAAAAAAAAAAAAAAAAAAAAAAAAAAAAAAAAAAAAAAAAAAAAAAJ/f38AAAAAA8zMzADAwP8Af39/AAAAAAAAAAAAAAAAAAAAAAAAAAAAIQAAABgAAAAUAAAAwAMAABsnAAA/FQAAWSkAABAAAAAmAAAACAAAAAAAAAAAAAAA"/>
               </a:ext>
             </a:extLst>
           </p:cNvSpPr>
@@ -532,7 +531,7 @@
           <a:lstStyle/>
           <a:p>
             <a:pPr/>
-            <a:fld id="{310E303B-75DC-5BC6-92B6-83937EF864D6}" type="datetime1">
+            <a:fld id="{2E3A3325-6BC3-6FC5-8D82-9D907DCC7BC8}" type="datetime1">
               <a:t/>
             </a:fld>
           </a:p>
@@ -545,7 +544,7 @@
             <a:spLocks noGrp="1" noChangeArrowheads="1"/>
             <a:extLst>
               <a:ext uri="smNativeData">
-                <pr:smNativeData xmlns:pr="smNativeData" xmlns="smNativeData" val="SMDATA_15_zA6NYhMAAAAlAAAAZAAAAA8BAAAAkAAAAEgAAACQAAAASAAAAAAAAAABAAAAAAAAAAEAAABQAAAAAAAAAAAA4D8AAAAAAADgPwAAAAAAAOA/AAAAAAAA4D8AAAAAAADgPwAAAAAAAOA/AAAAAAAA4D8AAAAAAADgPwAAAAAAAOA/AAAAAAAA4D8CAAAAjAAAAAAAAAAAAAAAu+DjDP///wgAAAAAAAAAAAAAAAAAAAAAAAAAAAAAAAAAAAAAZAAAAAEAAABAAAAAAAAAAAAAAAAAAAAAAAAAAAAAAAAAAAAAAAAAAAAAAAAAAAAAAAAAAAAAAAAAAAAAAAAAAAAAAAAAAAAAAAAAAAAAAAAAAAAAAAAAAAAAAAAAAAAAFAAAADwAAAAAAAAAAAAAAAAAAAkUAAAAAQAAABQAAAAUAAAAFAAAAAEAAAAAAAAAZAAAAGQAAAAAAAAAZAAAAGQAAAAVAAAAYAAAAAAAAAAAAAAADwAAACADAAAAAAAAAAAAAAEAAACgMgAAVgcAAKr4//8BAAAAf39/AAEAAABkAAAAAAAAABQAAABAHwAAAAAAACYAAAAAAAAAwOD//wAAAAAmAAAAZAAAABYAAABMAAAAAAAAAAAAAAAEAAAAAAAAAAEAAACAgIAKAAAAACgAAAAoAAAAZAAAAGQAAAAAAAAAzMzMAAAAAABQAAAAUAAAAGQAAABkAAAAAAAAABcAAAAUAAAAAAAAAAAAAAD/fwAA/38AAAAAAAAJAAAABAAAAGE6c3AeAAAAaAAAAAAAAAAAAAAAAAAAAAAAAAAAAAAAECcAABAnAAAAAAAAAAAAAAAAAAAAAAAAAAAAAAAAAAAAAAAAAAAAABQAAAAAAAAAwMD/AAAAAABkAAAAMgAAAAAAAABkAAAAAAAAAH9/fwAKAAAAIgAAABgAAAAAAAAAAAAAAAAAAAAAAAAAAAAAAAAAAAAkAAAAJAAAAAAAAAAHAAAAAAAAAAAAAAAAAAAAAAAAAAAAAAAAAAAAf39/ACUAAABYAAAAAAAAAAAAAAAAAAAAAAAAAAAAAAAAAAAAAAAAAAAAAAAAAAAAAAAAAAAAAAA/AAAAAAAAAKCGAQAAAAAAAAAAAAAAAAAMAAAAAQAAAAAAAAAAAAAAAAAAAB8AAABUAAAAAAAABQAAAAEAAAAAAAAAAAAAAAAAAAAAAAAAAAAAAAAAAAAAAAAAAAAAAAJ/f38AAAAAA8zMzADAwP8Af39/AAAAAAAAAAAAAAAAAAAAAAAAAAAAIQAAABgAAAAUAAAAoRkAABsnAABfMQAAWSkAABAAAAAmAAAACAAAAAAAAAAAAAAA"/>
+                <pr:smNativeData xmlns:pr="smNativeData" xmlns="smNativeData" val="SMDATA_15_eM6NYhMAAAAlAAAAZAAAAA8BAAAAkAAAAEgAAACQAAAASAAAAAAAAAABAAAAAAAAAAEAAABQAAAAAAAAAAAA4D8AAAAAAADgPwAAAAAAAOA/AAAAAAAA4D8AAAAAAADgPwAAAAAAAOA/AAAAAAAA4D8AAAAAAADgPwAAAAAAAOA/AAAAAAAA4D8CAAAAjAAAAAAAAAAAAAAAu+DjDP///wgAAAAAAAAAAAAAAAAAAAAAAAAAAAAAAAAAAAAAZAAAAAEAAABAAAAAAAAAAAAAAAAAAAAAAAAAAAAAAAAAAAAAAAAAAAAAAAAAAAAAAAAAAAAAAAAAAAAAAAAAAAAAAAAAAAAAAAAAAAAAAAAAAAAAAAAAAAAAAAAAAAAAFAAAADwAAAAAAAAAAAAAAAAAAAkUAAAAAQAAABQAAAAUAAAAFAAAAAEAAAAAAAAAZAAAAGQAAAAAAAAAZAAAAGQAAAAVAAAAYAAAAAAAAAAAAAAADwAAACADAAAAAAAAAAAAAAEAAACgMgAAVgcAAKr4//8BAAAAf39/AAEAAABkAAAAAAAAABQAAABAHwAAAAAAACYAAAAAAAAAwOD//wAAAAAmAAAAZAAAABYAAABMAAAAAAAAAAAAAAAEAAAAAAAAAAEAAACAgIAKAAAAACgAAAAoAAAAZAAAAGQAAAAAAAAAzMzMAAAAAABQAAAAUAAAAGQAAABkAAAAAAAAABcAAAAUAAAAAAAAAAAAAAD/fwAA/38AAAAAAAAJAAAABAAAAGE6c3AeAAAAaAAAAAAAAAAAAAAAAAAAAAAAAAAAAAAAECcAABAnAAAAAAAAAAAAAAAAAAAAAAAAAAAAAAAAAAAAAAAAAAAAABQAAAAAAAAAwMD/AAAAAABkAAAAMgAAAAAAAABkAAAAAAAAAH9/fwAKAAAAIgAAABgAAAAAAAAAAAAAAAAAAAAAAAAAAAAAAAAAAAAkAAAAJAAAAAAAAAAHAAAAAAAAAAAAAAAAAAAAAAAAAAAAAAAAAAAAf39/ACUAAABYAAAAAAAAAAAAAAAAAAAAAAAAAAAAAAAAAAAAAAAAAAAAAAAAAAAAAAAAAAAAAAA/AAAAAAAAAKCGAQAAAAAAAAAAAAAAAAAMAAAAAQAAAAAAAAAAAAAAAAAAAB8AAABUAAAAAAAABQAAAAEAAAAAAAAAAAAAAAAAAAAAAAAAAAAAAAAAAAAAAAAAAAAAAAJ/f38AAAAAA8zMzADAwP8Af39/AAAAAAAAAAAAAAAAAAAAAAAAAAAAIQAAABgAAAAUAAAAoRkAABsnAABfMQAAWSkAABAAAAAmAAAACAAAAAAAAAAAAAAA"/>
               </a:ext>
             </a:extLst>
           </p:cNvSpPr>
@@ -559,9 +558,6 @@
           <a:lstStyle/>
           <a:p>
             <a:pPr/>
-            <a:r>
-              <a:t/>
-            </a:r>
           </a:p>
         </p:txBody>
       </p:sp>
@@ -572,7 +568,7 @@
             <a:spLocks noGrp="1" noChangeArrowheads="1"/>
             <a:extLst>
               <a:ext uri="smNativeData">
-                <pr:smNativeData xmlns:pr="smNativeData" xmlns="smNativeData" val="SMDATA_15_zA6NYhMAAAAlAAAAZAAAAA8BAAAAkAAAAEgAAACQAAAASAAAAAAAAAABAAAAAAAAAAEAAABQAAAAAAAAAAAA4D8AAAAAAADgPwAAAAAAAOA/AAAAAAAA4D8AAAAAAADgPwAAAAAAAOA/AAAAAAAA4D8AAAAAAADgPwAAAAAAAOA/AAAAAAAA4D8CAAAAjAAAAAAAAAAAAAAAu+DjDP///wgAAAAAAAAAAAAAAAAAAAAAAAAAAAAAAAAAAAAAZAAAAAEAAABAAAAAAAAAAAAAAAAAAAAAAAAAAAAAAAAAAAAAAAAAAAAAAAAAAAAAAAAAAAAAAAAAAAAAAAAAAAAAAAAAAAAAAAAAAAAAAAAAAAAAAAAAAAAAAAAAAAAAFAAAADwAAAAAAAAAAAAAAAAAAAkUAAAAAQAAABQAAAAUAAAAFAAAAAEAAAAAAAAAZAAAAGQAAAAAAAAAZAAAAGQAAAAVAAAAYAAAAAAAAAAAAAAADwAAACADAAAAAAAAAAAAAAEAAACgMgAAVgcAAKr4//8BAAAAf39/AAEAAABkAAAAAAAAABQAAABAHwAAAAAAACYAAAAAAAAAwOD//wAAAAAmAAAAZAAAABYAAABMAAAAAAAAAAAAAAAEAAAAAAAAAAEAAACAgIAKAAAAACgAAAAoAAAAZAAAAGQAAAAAAAAAzMzMAAAAAABQAAAAUAAAAGQAAABkAAAAAAAAABcAAAAUAAAAAAAAAAAAAAD/fwAA/38AAAAAAAAJAAAABAAAAAAAAAAeAAAAaAAAAAAAAAAAAAAAAAAAAAAAAAAAAAAAECcAABAnAAAAAAAAAAAAAAAAAAAAAAAAAAAAAAAAAAAAAAAAAAAAABQAAAAAAAAAwMD/AAAAAABkAAAAMgAAAAAAAABkAAAAAAAAAH9/fwAKAAAAIgAAABgAAAAAAAAAAAAAAAAAAAAAAAAAAAAAAAAAAAAkAAAAJAAAAAAAAAAHAAAAAAAAAAAAAAAAAAAAAAAAAAAAAAAAAAAAf39/ACUAAABYAAAAAAAAAAAAAAAAAAAAAAAAAAAAAAAAAAAAAAAAAAAAAAAAAAAAAAAAAAAAAAA/AAAAAAAAAKCGAQAAAAAAAAAAAAAAAAAMAAAAAQAAAAAAAAAAAAAAAAAAAB8AAABUAAAAAAAABQAAAAEAAAAAAAAAAAAAAAAAAAAAAAAAAAAAAAAAAAAAAAAAAAAAAAJ/f38AAAAAA8zMzADAwP8Af39/AAAAAAAAAAAAAAAAAAAAAAAAAAAAIQAAABgAAAAUAAAAwTUAABsnAABARwAAWSkAABAAAAAmAAAACAAAAAAAAAAAAAAA"/>
+                <pr:smNativeData xmlns:pr="smNativeData" xmlns="smNativeData" val="SMDATA_15_eM6NYhMAAAAlAAAAZAAAAA8BAAAAkAAAAEgAAACQAAAASAAAAAAAAAABAAAAAAAAAAEAAABQAAAAAAAAAAAA4D8AAAAAAADgPwAAAAAAAOA/AAAAAAAA4D8AAAAAAADgPwAAAAAAAOA/AAAAAAAA4D8AAAAAAADgPwAAAAAAAOA/AAAAAAAA4D8CAAAAjAAAAAAAAAAAAAAAu+DjDP///wgAAAAAAAAAAAAAAAAAAAAAAAAAAAAAAAAAAAAAZAAAAAEAAABAAAAAAAAAAAAAAAAAAAAAAAAAAAAAAAAAAAAAAAAAAAAAAAAAAAAAAAAAAAAAAAAAAAAAAAAAAAAAAAAAAAAAAAAAAAAAAAAAAAAAAAAAAAAAAAAAAAAAFAAAADwAAAAAAAAAAAAAAAAAAAkUAAAAAQAAABQAAAAUAAAAFAAAAAEAAAAAAAAAZAAAAGQAAAAAAAAAZAAAAGQAAAAVAAAAYAAAAAAAAAAAAAAADwAAACADAAAAAAAAAAAAAAEAAACgMgAAVgcAAKr4//8BAAAAf39/AAEAAABkAAAAAAAAABQAAABAHwAAAAAAACYAAAAAAAAAwOD//wAAAAAmAAAAZAAAABYAAABMAAAAAAAAAAAAAAAEAAAAAAAAAAEAAACAgIAKAAAAACgAAAAoAAAAZAAAAGQAAAAAAAAAzMzMAAAAAABQAAAAUAAAAGQAAABkAAAAAAAAABcAAAAUAAAAAAAAAAAAAAD/fwAA/38AAAAAAAAJAAAABAAAAAAAAAAeAAAAaAAAAAAAAAAAAAAAAAAAAAAAAAAAAAAAECcAABAnAAAAAAAAAAAAAAAAAAAAAAAAAAAAAAAAAAAAAAAAAAAAABQAAAAAAAAAwMD/AAAAAABkAAAAMgAAAAAAAABkAAAAAAAAAH9/fwAKAAAAIgAAABgAAAAAAAAAAAAAAAAAAAAAAAAAAAAAAAAAAAAkAAAAJAAAAAAAAAAHAAAAAAAAAAAAAAAAAAAAAAAAAAAAAAAAAAAAf39/ACUAAABYAAAAAAAAAAAAAAAAAAAAAAAAAAAAAAAAAAAAAAAAAAAAAAAAAAAAAAAAAAAAAAA/AAAAAAAAAKCGAQAAAAAAAAAAAAAAAAAMAAAAAQAAAAAAAAAAAAAAAAAAAB8AAABUAAAAAAAABQAAAAEAAAAAAAAAAAAAAAAAAAAAAAAAAAAAAAAAAAAAAAAAAAAAAAJ/f38AAAAAA8zMzADAwP8Af39/AAAAAAAAAAAAAAAAAAAAAAAAAAAAIQAAABgAAAAUAAAAwTUAABsnAABARwAAWSkAABAAAAAmAAAACAAAAAAAAAAAAAAA"/>
               </a:ext>
             </a:extLst>
           </p:cNvSpPr>
@@ -586,7 +582,7 @@
           <a:lstStyle/>
           <a:p>
             <a:pPr/>
-            <a:fld id="{310E25BD-F3DC-5BD3-92B6-05866BF86450}" type="slidenum">
+            <a:fld id="{2E3A1C92-DCC3-6FEA-8D82-2ABF52CC7B7F}" type="slidenum">
               <a:t/>
             </a:fld>
           </a:p>
@@ -597,6 +593,7 @@
   <p:clrMapOvr>
     <a:masterClrMapping/>
   </p:clrMapOvr>
+  <p:hf hdr="0" ftr="0"/>
 </p:sldLayout>
 </file>
 
@@ -624,7 +621,7 @@
             <a:spLocks noGrp="1" noChangeArrowheads="1"/>
             <a:extLst>
               <a:ext uri="smNativeData">
-                <pr:smNativeData xmlns:pr="smNativeData" xmlns="smNativeData" val="SMDATA_15_zA6NYhMAAAAlAAAAZAAAAA8BAAAAkAAAAEgAAACQAAAASAAAAAAAAAACAAAAAQAAAAEAAABQAAAAAAAAAAAA4D8AAAAAAADgPwAAAAAAAOA/AAAAAAAA4D8AAAAAAADgPwAAAAAAAOA/AAAAAAAA4D8AAAAAAADgPwAAAAAAAOA/AAAAAAAA4D8CAAAAjAAAAAAAAAAAAAAAu+DjDP///wgAAAAAAAAAAAAAAAAAAAAAAAAAAAAAAAAAAAAAZAAAAAEAAABAAAAAAAAAAAAAAAAAAAAAAAAAAAAAAAAAAAAAAAAAAAAAAAAAAAAAAAAAAAAAAAAAAAAAAAAAAAAAAAAAAAAAAAAAAAAAAAAAAAAAAAAAAAAAAAAAAAAAFAAAADwAAAAAAAAAAAAAAAAAAAkUAAAAAQAAABQAAAAUAAAAFAAAAAEAAAAAAAAAZAAAAGQAAAAAAAAAZAAAAGQAAAAVAAAAYAAAAAAAAAAAAAAADwAAACADAAAAAAAAAAAAAAEAAACgMgAAVgcAAKr4//8BAAAAf39/AAEAAABkAAAAAAAAABQAAABAHwAAAAAAACYAAAAAAAAAwOD//wAAAAAmAAAAZAAAABYAAABMAAAAAAAAAAAAAAAEAAAAAAAAAAEAAACAgIAKAAAAACgAAAAoAAAAZAAAAGQAAAAAAAAAzMzMAAAAAABQAAAAUAAAAGQAAABkAAAAAAAAABcAAAAUAAAAAAAAAAAAAAD/fwAA/38AAAAAAAAJAAAABAAAAAAAAAAeAAAAaAAAAAAAAAAAAAAAAAAAAAAAAAAAAAAAECcAABAnAAAAAAAAAAAAAAAAAAAAAAAAAAAAAAAAAAAAAAAAAAAAABQAAAAAAAAAwMD/AAAAAABkAAAAMgAAAAAAAABkAAAAAAAAAH9/fwAKAAAAIgAAABgAAAAAAAAAAAAAAAAAAAAAAAAAAAAAAAAAAAAkAAAAJAAAAAAAAAAHAAAAAAAAAAAAAAAAAAAAAAAAAAAAAAAAAAAAf39/ACUAAABYAAAAAAAAAAAAAAAAAAAAAAAAAAAAAAAAAAAAAAAAAAAAAAAAAAAAAAAAAAAAAAA/AAAAAAAAAKCGAQAAAAAAAAAAAAAAAAAMAAAAAQAAAAAAAAAAAAAAAAAAAB8AAABUAAAAAAAABQAAAAEAAAAAAAAAAAAAAAAAAAAAAAAAAAAAAAAAAAAAAAAAAAAAAAJ/f38AAAAAA8zMzADAwP8Af39/AAAAAAAAAAAAAAAAAAAAAAAAAAAAIQAAABgAAAAUAAAAYDYAALABAABARwAAsCUAABAAAAAmAAAACAAAAIMAAAAAAAAA"/>
+                <pr:smNativeData xmlns:pr="smNativeData" xmlns="smNativeData" val="SMDATA_15_eM6NYhMAAAAlAAAAZAAAAA8BAAAAkAAAAEgAAACQAAAASAAAAAAAAAACAAAAAQAAAAEAAABQAAAAAAAAAAAA4D8AAAAAAADgPwAAAAAAAOA/AAAAAAAA4D8AAAAAAADgPwAAAAAAAOA/AAAAAAAA4D8AAAAAAADgPwAAAAAAAOA/AAAAAAAA4D8CAAAAjAAAAAAAAAAAAAAAu+DjDP///wgAAAAAAAAAAAAAAAAAAAAAAAAAAAAAAAAAAAAAZAAAAAEAAABAAAAAAAAAAAAAAAAAAAAAAAAAAAAAAAAAAAAAAAAAAAAAAAAAAAAAAAAAAAAAAAAAAAAAAAAAAAAAAAAAAAAAAAAAAAAAAAAAAAAAAAAAAAAAAAAAAAAAFAAAADwAAAAAAAAAAAAAAAAAAAkUAAAAAQAAABQAAAAUAAAAFAAAAAEAAAAAAAAAZAAAAGQAAAAAAAAAZAAAAGQAAAAVAAAAYAAAAAAAAAAAAAAADwAAACADAAAAAAAAAAAAAAEAAACgMgAAVgcAAKr4//8BAAAAf39/AAEAAABkAAAAAAAAABQAAABAHwAAAAAAACYAAAAAAAAAwOD//wAAAAAmAAAAZAAAABYAAABMAAAAAAAAAAAAAAAEAAAAAAAAAAEAAACAgIAKAAAAACgAAAAoAAAAZAAAAGQAAAAAAAAAzMzMAAAAAABQAAAAUAAAAGQAAABkAAAAAAAAABcAAAAUAAAAAAAAAAAAAAD/fwAA/38AAAAAAAAJAAAABAAAAAAAAAAeAAAAaAAAAAAAAAAAAAAAAAAAAAAAAAAAAAAAECcAABAnAAAAAAAAAAAAAAAAAAAAAAAAAAAAAAAAAAAAAAAAAAAAABQAAAAAAAAAwMD/AAAAAABkAAAAMgAAAAAAAABkAAAAAAAAAH9/fwAKAAAAIgAAABgAAAAAAAAAAAAAAAAAAAAAAAAAAAAAAAAAAAAkAAAAJAAAAAAAAAAHAAAAAAAAAAAAAAAAAAAAAAAAAAAAAAAAAAAAf39/ACUAAABYAAAAAAAAAAAAAAAAAAAAAAAAAAAAAAAAAAAAAAAAAAAAAAAAAAAAAAAAAAAAAAA/AAAAAAAAAKCGAQAAAAAAAAAAAAAAAAAMAAAAAQAAAAAAAAAAAAAAAAAAAB8AAABUAAAAAAAABQAAAAEAAAAAAAAAAAAAAAAAAAAAAAAAAAAAAAAAAAAAAAAAAAAAAAJ/f38AAAAAA8zMzADAwP8Af39/AAAAAAAAAAAAAAAAAAAAAAAAAAAAIQAAABgAAAAUAAAAYDYAALABAABARwAAsCUAABAAAAAmAAAACAAAAIMAAAAAAAAA"/>
               </a:ext>
             </a:extLst>
           </p:cNvSpPr>
@@ -660,7 +657,7 @@
             <a:spLocks noGrp="1" noChangeArrowheads="1"/>
             <a:extLst>
               <a:ext uri="smNativeData">
-                <pr:smNativeData xmlns:pr="smNativeData" xmlns="smNativeData" val="SMDATA_15_zA6NYhMAAAAlAAAAZAAAAA8BAAAAkAAAAEgAAACQAAAASAAAAAAAAAAAAAAAAQAAAAEAAABQAAAAAAAAAAAA4D8AAAAAAADgPwAAAAAAAOA/AAAAAAAA4D8AAAAAAADgPwAAAAAAAOA/AAAAAAAA4D8AAAAAAADgPwAAAAAAAOA/AAAAAAAA4D8CAAAAjAAAAAAAAAAAAAAAu+DjDP///wgAAAAAAAAAAAAAAAAAAAAAAAAAAAAAAAAAAAAAZAAAAAEAAABAAAAAAAAAAAAAAAAAAAAAAAAAAAAAAAAAAAAAAAAAAAAAAAAAAAAAAAAAAAAAAAAAAAAAAAAAAAAAAAAAAAAAAAAAAAAAAAAAAAAAAAAAAAAAAAAAAAAAFAAAADwAAAAAAAAAAAAAAAAAAAkUAAAAAQAAABQAAAAUAAAAFAAAAAEAAAAAAAAAZAAAAGQAAAAAAAAAZAAAAGQAAAAVAAAAYAAAAAAAAAAAAAAADwAAACADAAAAAAAAAAAAAAEAAACgMgAAVgcAAKr4//8BAAAAf39/AAEAAABkAAAAAAAAABQAAABAHwAAAAAAACYAAAAAAAAAwOD//wAAAAAmAAAAZAAAABYAAABMAAAAAAAAAAAAAAAEAAAAAAAAAAEAAACAgIAKAAAAACgAAAAoAAAAZAAAAGQAAAAAAAAAzMzMAAAAAABQAAAAUAAAAGQAAABkAAAAAAAAABcAAAAUAAAAAAAAAAAAAAD/fwAA/38AAAAAAAAJAAAABAAAAAAAAAAeAAAAaAAAAAAAAAAAAAAAAAAAAAAAAAAAAAAAECcAABAnAAAAAAAAAAAAAAAAAAAAAAAAAAAAAAAAAAAAAAAAAAAAABQAAAAAAAAAwMD/AAAAAABkAAAAMgAAAAAAAABkAAAAAAAAAH9/fwAKAAAAIgAAABgAAAAAAAAAAAAAAAAAAAAAAAAAAAAAAAAAAAAkAAAAJAAAAAAAAAAHAAAAAAAAAAAAAAAAAAAAAAAAAAAAAAAAAAAAf39/ACUAAABYAAAAAAAAAAAAAAAAAAAAAAAAAAAAAAAAAAAAAAAAAAAAAAAAAAAAAAAAAAAAAAA/AAAAAAAAAKCGAQAAAAAAAAAAAAAAAAAMAAAAAQAAAAAAAAAAAAAAAAAAAB8AAABUAAAAAAAABQAAAAEAAAAAAAAAAAAAAAAAAAAAAAAAAAAAAAAAAAAAAAAAAAAAAAJ/f38AAAAAA8zMzADAwP8Af39/AAAAAAAAAAAAAAAAAAAAAAAAAAAAIQAAABgAAAAUAAAAwAMAALABAAAfNQAAsCUAABAAAAAmAAAACAAAAAMAAAAAAAAA"/>
+                <pr:smNativeData xmlns:pr="smNativeData" xmlns="smNativeData" val="SMDATA_15_eM6NYhMAAAAlAAAAZAAAAA8BAAAAkAAAAEgAAACQAAAASAAAAAAAAAAAAAAAAQAAAAEAAABQAAAAAAAAAAAA4D8AAAAAAADgPwAAAAAAAOA/AAAAAAAA4D8AAAAAAADgPwAAAAAAAOA/AAAAAAAA4D8AAAAAAADgPwAAAAAAAOA/AAAAAAAA4D8CAAAAjAAAAAAAAAAAAAAAu+DjDP///wgAAAAAAAAAAAAAAAAAAAAAAAAAAAAAAAAAAAAAZAAAAAEAAABAAAAAAAAAAAAAAAAAAAAAAAAAAAAAAAAAAAAAAAAAAAAAAAAAAAAAAAAAAAAAAAAAAAAAAAAAAAAAAAAAAAAAAAAAAAAAAAAAAAAAAAAAAAAAAAAAAAAAFAAAADwAAAAAAAAAAAAAAAAAAAkUAAAAAQAAABQAAAAUAAAAFAAAAAEAAAAAAAAAZAAAAGQAAAAAAAAAZAAAAGQAAAAVAAAAYAAAAAAAAAAAAAAADwAAACADAAAAAAAAAAAAAAEAAACgMgAAVgcAAKr4//8BAAAAf39/AAEAAABkAAAAAAAAABQAAABAHwAAAAAAACYAAAAAAAAAwOD//wAAAAAmAAAAZAAAABYAAABMAAAAAAAAAAAAAAAEAAAAAAAAAAEAAACAgIAKAAAAACgAAAAoAAAAZAAAAGQAAAAAAAAAzMzMAAAAAABQAAAAUAAAAGQAAABkAAAAAAAAABcAAAAUAAAAAAAAAAAAAAD/fwAA/38AAAAAAAAJAAAABAAAAAAAAAAeAAAAaAAAAAAAAAAAAAAAAAAAAAAAAAAAAAAAECcAABAnAAAAAAAAAAAAAAAAAAAAAAAAAAAAAAAAAAAAAAAAAAAAABQAAAAAAAAAwMD/AAAAAABkAAAAMgAAAAAAAABkAAAAAAAAAH9/fwAKAAAAIgAAABgAAAAAAAAAAAAAAAAAAAAAAAAAAAAAAAAAAAAkAAAAJAAAAAAAAAAHAAAAAAAAAAAAAAAAAAAAAAAAAAAAAAAAAAAAf39/ACUAAABYAAAAAAAAAAAAAAAAAAAAAAAAAAAAAAAAAAAAAAAAAAAAAAAAAAAAAAAAAAAAAAA/AAAAAAAAAKCGAQAAAAAAAAAAAAAAAAAMAAAAAQAAAAAAAAAAAAAAAAAAAB8AAABUAAAAAAAABQAAAAEAAAAAAAAAAAAAAAAAAAAAAAAAAAAAAAAAAAAAAAAAAAAAAAJ/f38AAAAAA8zMzADAwP8Af39/AAAAAAAAAAAAAAAAAAAAAAAAAAAAIQAAABgAAAAUAAAAwAMAALABAAAfNQAAsCUAABAAAAAmAAAACAAAAAMAAAAAAAAA"/>
               </a:ext>
             </a:extLst>
           </p:cNvSpPr>
@@ -720,7 +717,7 @@
             <a:spLocks noGrp="1" noChangeArrowheads="1"/>
             <a:extLst>
               <a:ext uri="smNativeData">
-                <pr:smNativeData xmlns:pr="smNativeData" xmlns="smNativeData" val="SMDATA_15_zA6NYhMAAAAlAAAAZAAAAA8BAAAAkAAAAEgAAACQAAAASAAAAAAAAAABAAAAAAAAAAEAAABQAAAAAAAAAAAA4D8AAAAAAADgPwAAAAAAAOA/AAAAAAAA4D8AAAAAAADgPwAAAAAAAOA/AAAAAAAA4D8AAAAAAADgPwAAAAAAAOA/AAAAAAAA4D8CAAAAjAAAAAAAAAAAAAAAu+DjDP///wgAAAAAAAAAAAAAAAAAAAAAAAAAAAAAAAAAAAAAZAAAAAEAAABAAAAAAAAAAAAAAAAAAAAAAAAAAAAAAAAAAAAAAAAAAAAAAAAAAAAAAAAAAAAAAAAAAAAAAAAAAAAAAAAAAAAAAAAAAAAAAAAAAAAAAAAAAAAAAAAAAAAAFAAAADwAAAAAAAAAAAAAAAAAAAkUAAAAAQAAABQAAAAUAAAAFAAAAAEAAAAAAAAAZAAAAGQAAAAAAAAAZAAAAGQAAAAVAAAAYAAAAAAAAAAAAAAADwAAACADAAAAAAAAAAAAAAEAAACgMgAAVgcAAKr4//8BAAAAf39/AAEAAABkAAAAAAAAABQAAABAHwAAAAAAACYAAAAAAAAAwOD//wAAAAAmAAAAZAAAABYAAABMAAAAAAAAAAAAAAAEAAAAAAAAAAEAAACAgIAKAAAAACgAAAAoAAAAZAAAAGQAAAAAAAAAzMzMAAAAAABQAAAAUAAAAGQAAABkAAAAAAAAABcAAAAUAAAAAAAAAAAAAAD/fwAA/38AAAAAAAAJAAAABAAAAAAAAAAeAAAAaAAAAAAAAAAAAAAAAAAAAAAAAAAAAAAAECcAABAnAAAAAAAAAAAAAAAAAAAAAAAAAAAAAAAAAAAAAAAAAAAAABQAAAAAAAAAwMD/AAAAAABkAAAAMgAAAAAAAABkAAAAAAAAAH9/fwAKAAAAIgAAABgAAAAAAAAAAAAAAAAAAAAAAAAAAAAAAAAAAAAkAAAAJAAAAAAAAAAHAAAAAAAAAAAAAAAAAAAAAAAAAAAAAAAAAAAAf39/ACUAAABYAAAAAAAAAAAAAAAAAAAAAAAAAAAAAAAAAAAAAAAAAAAAAAAAAAAAAAAAAAAAAAA/AAAAAAAAAKCGAQAAAAAAAAAAAAAAAAAMAAAAAQAAAAAAAAAAAAAAAAAAAB8AAABUAAAAAAAABQAAAAEAAAAAAAAAAAAAAAAAAAAAAAAAAAAAAAAAAAAAAAAAAAAAAAJ/f38AAAAAA8zMzADAwP8Af39/AAAAAAAAAAAAAAAAAAAAAAAAAAAAIQAAABgAAAAUAAAAwAMAABsnAAA/FQAAWSkAABAAAAAmAAAACAAAAAAAAAAAAAAA"/>
+                <pr:smNativeData xmlns:pr="smNativeData" xmlns="smNativeData" val="SMDATA_15_eM6NYhMAAAAlAAAAZAAAAA8BAAAAkAAAAEgAAACQAAAASAAAAAAAAAABAAAAAAAAAAEAAABQAAAAAAAAAAAA4D8AAAAAAADgPwAAAAAAAOA/AAAAAAAA4D8AAAAAAADgPwAAAAAAAOA/AAAAAAAA4D8AAAAAAADgPwAAAAAAAOA/AAAAAAAA4D8CAAAAjAAAAAAAAAAAAAAAu+DjDP///wgAAAAAAAAAAAAAAAAAAAAAAAAAAAAAAAAAAAAAZAAAAAEAAABAAAAAAAAAAAAAAAAAAAAAAAAAAAAAAAAAAAAAAAAAAAAAAAAAAAAAAAAAAAAAAAAAAAAAAAAAAAAAAAAAAAAAAAAAAAAAAAAAAAAAAAAAAAAAAAAAAAAAFAAAADwAAAAAAAAAAAAAAAAAAAkUAAAAAQAAABQAAAAUAAAAFAAAAAEAAAAAAAAAZAAAAGQAAAAAAAAAZAAAAGQAAAAVAAAAYAAAAAAAAAAAAAAADwAAACADAAAAAAAAAAAAAAEAAACgMgAAVgcAAKr4//8BAAAAf39/AAEAAABkAAAAAAAAABQAAABAHwAAAAAAACYAAAAAAAAAwOD//wAAAAAmAAAAZAAAABYAAABMAAAAAAAAAAAAAAAEAAAAAAAAAAEAAACAgIAKAAAAACgAAAAoAAAAZAAAAGQAAAAAAAAAzMzMAAAAAABQAAAAUAAAAGQAAABkAAAAAAAAABcAAAAUAAAAAAAAAAAAAAD/fwAA/38AAAAAAAAJAAAABAAAAAAAAAAeAAAAaAAAAAAAAAAAAAAAAAAAAAAAAAAAAAAAECcAABAnAAAAAAAAAAAAAAAAAAAAAAAAAAAAAAAAAAAAAAAAAAAAABQAAAAAAAAAwMD/AAAAAABkAAAAMgAAAAAAAABkAAAAAAAAAH9/fwAKAAAAIgAAABgAAAAAAAAAAAAAAAAAAAAAAAAAAAAAAAAAAAAkAAAAJAAAAAAAAAAHAAAAAAAAAAAAAAAAAAAAAAAAAAAAAAAAAAAAf39/ACUAAABYAAAAAAAAAAAAAAAAAAAAAAAAAAAAAAAAAAAAAAAAAAAAAAAAAAAAAAAAAAAAAAA/AAAAAAAAAKCGAQAAAAAAAAAAAAAAAAAMAAAAAQAAAAAAAAAAAAAAAAAAAB8AAABUAAAAAAAABQAAAAEAAAAAAAAAAAAAAAAAAAAAAAAAAAAAAAAAAAAAAAAAAAAAAAJ/f38AAAAAA8zMzADAwP8Af39/AAAAAAAAAAAAAAAAAAAAAAAAAAAAIQAAABgAAAAUAAAAwAMAABsnAAA/FQAAWSkAABAAAAAmAAAACAAAAAAAAAAAAAAA"/>
               </a:ext>
             </a:extLst>
           </p:cNvSpPr>
@@ -734,7 +731,7 @@
           <a:lstStyle/>
           <a:p>
             <a:pPr/>
-            <a:fld id="{310E341A-54DC-5BC2-92B6-A2977AF864F7}" type="datetime1">
+            <a:fld id="{2E3A0AB8-F6C3-6FFC-8D82-00A944CC7B55}" type="datetime1">
               <a:t/>
             </a:fld>
           </a:p>
@@ -747,7 +744,7 @@
             <a:spLocks noGrp="1" noChangeArrowheads="1"/>
             <a:extLst>
               <a:ext uri="smNativeData">
-                <pr:smNativeData xmlns:pr="smNativeData" xmlns="smNativeData" val="SMDATA_15_zA6NYhMAAAAlAAAAZAAAAA8BAAAAkAAAAEgAAACQAAAASAAAAAAAAAABAAAAAAAAAAEAAABQAAAAAAAAAAAA4D8AAAAAAADgPwAAAAAAAOA/AAAAAAAA4D8AAAAAAADgPwAAAAAAAOA/AAAAAAAA4D8AAAAAAADgPwAAAAAAAOA/AAAAAAAA4D8CAAAAjAAAAAAAAAAAAAAAu+DjDP///wgAAAAAAAAAAAAAAAAAAAAAAAAAAAAAAAAAAAAAZAAAAAEAAABAAAAAAAAAAAAAAAAAAAAAAAAAAAAAAAAAAAAAAAAAAAAAAAAAAAAAAAAAAAAAAAAAAAAAAAAAAAAAAAAAAAAAAAAAAAAAAAAAAAAAAAAAAAAAAAAAAAAAFAAAADwAAAAAAAAAAAAAAAAAAAkUAAAAAQAAABQAAAAUAAAAFAAAAAEAAAAAAAAAZAAAAGQAAAAAAAAAZAAAAGQAAAAVAAAAYAAAAAAAAAAAAAAADwAAACADAAAAAAAAAAAAAAEAAACgMgAAVgcAAKr4//8BAAAAf39/AAEAAABkAAAAAAAAABQAAABAHwAAAAAAACYAAAAAAAAAwOD//wAAAAAmAAAAZAAAABYAAABMAAAAAAAAAAAAAAAEAAAAAAAAAAEAAACAgIAKAAAAACgAAAAoAAAAZAAAAGQAAAAAAAAAzMzMAAAAAABQAAAAUAAAAGQAAABkAAAAAAAAABcAAAAUAAAAAAAAAAAAAAD/fwAA/38AAAAAAAAJAAAABAAAAAAAAAAeAAAAaAAAAAAAAAAAAAAAAAAAAAAAAAAAAAAAECcAABAnAAAAAAAAAAAAAAAAAAAAAAAAAAAAAAAAAAAAAAAAAAAAABQAAAAAAAAAwMD/AAAAAABkAAAAMgAAAAAAAABkAAAAAAAAAH9/fwAKAAAAIgAAABgAAAAAAAAAAAAAAAAAAAAAAAAAAAAAAAAAAAAkAAAAJAAAAAAAAAAHAAAAAAAAAAAAAAAAAAAAAAAAAAAAAAAAAAAAf39/ACUAAABYAAAAAAAAAAAAAAAAAAAAAAAAAAAAAAAAAAAAAAAAAAAAAAAAAAAAAAAAAAAAAAA/AAAAAAAAAKCGAQAAAAAAAAAAAAAAAAAMAAAAAQAAAAAAAAAAAAAAAAAAAB8AAABUAAAAAAAABQAAAAEAAAAAAAAAAAAAAAAAAAAAAAAAAAAAAAAAAAAAAAAAAAAAAAJ/f38AAAAAA8zMzADAwP8Af39/AAAAAAAAAAAAAAAAAAAAAAAAAAAAIQAAABgAAAAUAAAAoRkAABsnAABfMQAAWSkAABAAAAAmAAAACAAAAAAAAAAAAAAA"/>
+                <pr:smNativeData xmlns:pr="smNativeData" xmlns="smNativeData" val="SMDATA_15_eM6NYhMAAAAlAAAAZAAAAA8BAAAAkAAAAEgAAACQAAAASAAAAAAAAAABAAAAAAAAAAEAAABQAAAAAAAAAAAA4D8AAAAAAADgPwAAAAAAAOA/AAAAAAAA4D8AAAAAAADgPwAAAAAAAOA/AAAAAAAA4D8AAAAAAADgPwAAAAAAAOA/AAAAAAAA4D8CAAAAjAAAAAAAAAAAAAAAu+DjDP///wgAAAAAAAAAAAAAAAAAAAAAAAAAAAAAAAAAAAAAZAAAAAEAAABAAAAAAAAAAAAAAAAAAAAAAAAAAAAAAAAAAAAAAAAAAAAAAAAAAAAAAAAAAAAAAAAAAAAAAAAAAAAAAAAAAAAAAAAAAAAAAAAAAAAAAAAAAAAAAAAAAAAAFAAAADwAAAAAAAAAAAAAAAAAAAkUAAAAAQAAABQAAAAUAAAAFAAAAAEAAAAAAAAAZAAAAGQAAAAAAAAAZAAAAGQAAAAVAAAAYAAAAAAAAAAAAAAADwAAACADAAAAAAAAAAAAAAEAAACgMgAAVgcAAKr4//8BAAAAf39/AAEAAABkAAAAAAAAABQAAABAHwAAAAAAACYAAAAAAAAAwOD//wAAAAAmAAAAZAAAABYAAABMAAAAAAAAAAAAAAAEAAAAAAAAAAEAAACAgIAKAAAAACgAAAAoAAAAZAAAAGQAAAAAAAAAzMzMAAAAAABQAAAAUAAAAGQAAABkAAAAAAAAABcAAAAUAAAAAAAAAAAAAAD/fwAA/38AAAAAAAAJAAAABAAAAAAAAAAeAAAAaAAAAAAAAAAAAAAAAAAAAAAAAAAAAAAAECcAABAnAAAAAAAAAAAAAAAAAAAAAAAAAAAAAAAAAAAAAAAAAAAAABQAAAAAAAAAwMD/AAAAAABkAAAAMgAAAAAAAABkAAAAAAAAAH9/fwAKAAAAIgAAABgAAAAAAAAAAAAAAAAAAAAAAAAAAAAAAAAAAAAkAAAAJAAAAAAAAAAHAAAAAAAAAAAAAAAAAAAAAAAAAAAAAAAAAAAAf39/ACUAAABYAAAAAAAAAAAAAAAAAAAAAAAAAAAAAAAAAAAAAAAAAAAAAAAAAAAAAAAAAAAAAAA/AAAAAAAAAKCGAQAAAAAAAAAAAAAAAAAMAAAAAQAAAAAAAAAAAAAAAAAAAB8AAABUAAAAAAAABQAAAAEAAAAAAAAAAAAAAAAAAAAAAAAAAAAAAAAAAAAAAAAAAAAAAAJ/f38AAAAAA8zMzADAwP8Af39/AAAAAAAAAAAAAAAAAAAAAAAAAAAAIQAAABgAAAAUAAAAoRkAABsnAABfMQAAWSkAABAAAAAmAAAACAAAAAAAAAAAAAAA"/>
               </a:ext>
             </a:extLst>
           </p:cNvSpPr>
@@ -761,9 +758,6 @@
           <a:lstStyle/>
           <a:p>
             <a:pPr/>
-            <a:r>
-              <a:t/>
-            </a:r>
           </a:p>
         </p:txBody>
       </p:sp>
@@ -774,7 +768,7 @@
             <a:spLocks noGrp="1" noChangeArrowheads="1"/>
             <a:extLst>
               <a:ext uri="smNativeData">
-                <pr:smNativeData xmlns:pr="smNativeData" xmlns="smNativeData" val="SMDATA_15_zA6NYhMAAAAlAAAAZAAAAA8BAAAAkAAAAEgAAACQAAAASAAAAAAAAAABAAAAAAAAAAEAAABQAAAAAAAAAAAA4D8AAAAAAADgPwAAAAAAAOA/AAAAAAAA4D8AAAAAAADgPwAAAAAAAOA/AAAAAAAA4D8AAAAAAADgPwAAAAAAAOA/AAAAAAAA4D8CAAAAjAAAAAAAAAAAAAAAu+DjDP///wgAAAAAAAAAAAAAAAAAAAAAAAAAAAAAAAAAAAAAZAAAAAEAAABAAAAAAAAAAAAAAAAAAAAAAAAAAAAAAAAAAAAAAAAAAAAAAAAAAAAAAAAAAAAAAAAAAAAAAAAAAAAAAAAAAAAAAAAAAAAAAAAAAAAAAAAAAAAAAAAAAAAAFAAAADwAAAAAAAAAAAAAAAAAAAkUAAAAAQAAABQAAAAUAAAAFAAAAAEAAAAAAAAAZAAAAGQAAAAAAAAAZAAAAGQAAAAVAAAAYAAAAAAAAAAAAAAADwAAACADAAAAAAAAAAAAAAEAAACgMgAAVgcAAKr4//8BAAAAf39/AAEAAABkAAAAAAAAABQAAABAHwAAAAAAACYAAAAAAAAAwOD//wAAAAAmAAAAZAAAABYAAABMAAAAAAAAAAAAAAAEAAAAAAAAAAEAAACAgIAKAAAAACgAAAAoAAAAZAAAAGQAAAAAAAAAzMzMAAAAAABQAAAAUAAAAGQAAABkAAAAAAAAABcAAAAUAAAAAAAAAAAAAAD/fwAA/38AAAAAAAAJAAAABAAAAAAAAAAeAAAAaAAAAAAAAAAAAAAAAAAAAAAAAAAAAAAAECcAABAnAAAAAAAAAAAAAAAAAAAAAAAAAAAAAAAAAAAAAAAAAAAAABQAAAAAAAAAwMD/AAAAAABkAAAAMgAAAAAAAABkAAAAAAAAAH9/fwAKAAAAIgAAABgAAAAAAAAAAAAAAAAAAAAAAAAAAAAAAAAAAAAkAAAAJAAAAAAAAAAHAAAAAAAAAAAAAAAAAAAAAAAAAAAAAAAAAAAAf39/ACUAAABYAAAAAAAAAAAAAAAAAAAAAAAAAAAAAAAAAAAAAAAAAAAAAAAAAAAAAAAAAAAAAAA/AAAAAAAAAKCGAQAAAAAAAAAAAAAAAAAMAAAAAQAAAAAAAAAAAAAAAAAAAB8AAABUAAAAAAAABQAAAAEAAAAAAAAAAAAAAAAAAAAAAAAAAAAAAAAAAAAAAAAAAAAAAAJ/f38AAAAAA8zMzADAwP8Af39/AAAAAAAAAAAAAAAAAAAAAAAAAAAAIQAAABgAAAAUAAAAwTUAABsnAABARwAAWSkAABAAAAAmAAAACAAAAAAAAAAAAAAA"/>
+                <pr:smNativeData xmlns:pr="smNativeData" xmlns="smNativeData" val="SMDATA_15_eM6NYhMAAAAlAAAAZAAAAA8BAAAAkAAAAEgAAACQAAAASAAAAAAAAAABAAAAAAAAAAEAAABQAAAAAAAAAAAA4D8AAAAAAADgPwAAAAAAAOA/AAAAAAAA4D8AAAAAAADgPwAAAAAAAOA/AAAAAAAA4D8AAAAAAADgPwAAAAAAAOA/AAAAAAAA4D8CAAAAjAAAAAAAAAAAAAAAu+DjDP///wgAAAAAAAAAAAAAAAAAAAAAAAAAAAAAAAAAAAAAZAAAAAEAAABAAAAAAAAAAAAAAAAAAAAAAAAAAAAAAAAAAAAAAAAAAAAAAAAAAAAAAAAAAAAAAAAAAAAAAAAAAAAAAAAAAAAAAAAAAAAAAAAAAAAAAAAAAAAAAAAAAAAAFAAAADwAAAAAAAAAAAAAAAAAAAkUAAAAAQAAABQAAAAUAAAAFAAAAAEAAAAAAAAAZAAAAGQAAAAAAAAAZAAAAGQAAAAVAAAAYAAAAAAAAAAAAAAADwAAACADAAAAAAAAAAAAAAEAAACgMgAAVgcAAKr4//8BAAAAf39/AAEAAABkAAAAAAAAABQAAABAHwAAAAAAACYAAAAAAAAAwOD//wAAAAAmAAAAZAAAABYAAABMAAAAAAAAAAAAAAAEAAAAAAAAAAEAAACAgIAKAAAAACgAAAAoAAAAZAAAAGQAAAAAAAAAzMzMAAAAAABQAAAAUAAAAGQAAABkAAAAAAAAABcAAAAUAAAAAAAAAAAAAAD/fwAA/38AAAAAAAAJAAAABAAAAAAAAAAeAAAAaAAAAAAAAAAAAAAAAAAAAAAAAAAAAAAAECcAABAnAAAAAAAAAAAAAAAAAAAAAAAAAAAAAAAAAAAAAAAAAAAAABQAAAAAAAAAwMD/AAAAAABkAAAAMgAAAAAAAABkAAAAAAAAAH9/fwAKAAAAIgAAABgAAAAAAAAAAAAAAAAAAAAAAAAAAAAAAAAAAAAkAAAAJAAAAAAAAAAHAAAAAAAAAAAAAAAAAAAAAAAAAAAAAAAAAAAAf39/ACUAAABYAAAAAAAAAAAAAAAAAAAAAAAAAAAAAAAAAAAAAAAAAAAAAAAAAAAAAAAAAAAAAAA/AAAAAAAAAKCGAQAAAAAAAAAAAAAAAAAMAAAAAQAAAAAAAAAAAAAAAAAAAB8AAABUAAAAAAAABQAAAAEAAAAAAAAAAAAAAAAAAAAAAAAAAAAAAAAAAAAAAAAAAAAAAAJ/f38AAAAAA8zMzADAwP8Af39/AAAAAAAAAAAAAAAAAAAAAAAAAAAAIQAAABgAAAAUAAAAwTUAABsnAABARwAAWSkAABAAAAAmAAAACAAAAAAAAAAAAAAA"/>
               </a:ext>
             </a:extLst>
           </p:cNvSpPr>
@@ -788,7 +782,7 @@
           <a:lstStyle/>
           <a:p>
             <a:pPr/>
-            <a:fld id="{310E4251-1FDC-5BB4-92B6-E9E10CF864BC}" type="slidenum">
+            <a:fld id="{2E3A06BB-F5C3-6FF0-8D82-03A548CC7B56}" type="slidenum">
               <a:t/>
             </a:fld>
           </a:p>
@@ -799,6 +793,7 @@
   <p:clrMapOvr>
     <a:masterClrMapping/>
   </p:clrMapOvr>
+  <p:hf hdr="0" ftr="0"/>
 </p:sldLayout>
 </file>
 
@@ -826,7 +821,7 @@
             <a:spLocks noGrp="1" noChangeArrowheads="1"/>
             <a:extLst>
               <a:ext uri="smNativeData">
-                <pr:smNativeData xmlns:pr="smNativeData" xmlns="smNativeData" val="SMDATA_15_zA6NYhMAAAAlAAAAZAAAAA8BAAAAkAAAAEgAAACQAAAASAAAAAAAAAABAAAAAAAAAAEAAABQAAAAAAAAAAAA4D8AAAAAAADgPwAAAAAAAOA/AAAAAAAA4D8AAAAAAADgPwAAAAAAAOA/AAAAAAAA4D8AAAAAAADgPwAAAAAAAOA/AAAAAAAA4D8CAAAAjAAAAAAAAAAAAAAAu+DjDP///wgAAAAAAAAAAAAAAAAAAAAAAAAAAAAAAAAAAAAAZAAAAAEAAABAAAAAAAAAAAAAAAAAAAAAAAAAAAAAAAAAAAAAAAAAAAAAAAAAAAAAAAAAAAAAAAAAAAAAAAAAAAAAAAAAAAAAAAAAAAAAAAAAAAAAAAAAAAAAAAAAAAAAFAAAADwAAAAAAAAAAAAAAAAAAAkUAAAAAQAAABQAAAAUAAAAFAAAAAEAAAAAAAAAZAAAAGQAAAAAAAAAZAAAAGQAAAAVAAAAYAAAAAAAAAAAAAAADwAAACADAAAAAAAAAAAAAAEAAACgMgAAVgcAAKr4//8BAAAAf39/AAEAAABkAAAAAAAAABQAAABAHwAAAAAAACYAAAAAAAAAwOD//wAAAAAmAAAAZAAAABYAAABMAAAAAAAAAAAAAAAEAAAAAAAAAAEAAACAgIAKAAAAACgAAAAoAAAAZAAAAGQAAAAAAAAAzMzMAAAAAABQAAAAUAAAAGQAAABkAAAAAAAAABcAAAAUAAAAAAAAAAAAAAD/fwAA/38AAAAAAAAJAAAABAAAAAAAAAAeAAAAaAAAAAAAAAAAAAAAAAAAAAAAAAAAAAAAECcAABAnAAAAAAAAAAAAAAAAAAAAAAAAAAAAAAAAAAAAAAAAAAAAABQAAAAAAAAAwMD/AAAAAABkAAAAMgAAAAAAAABkAAAAAAAAAH9/fwAKAAAAIgAAABgAAAAAAAAAAAAAAAAAAAAAAAAAAAAAAAAAAAAkAAAAJAAAAAAAAAAHAAAAAAAAAAAAAAAAAAAAAAAAAAAAAAAAAAAAf39/ACUAAABYAAAAAAAAAAAAAAAAAAAAAAAAAAAAAAAAAAAAAAAAAAAAAAAAAAAAAAAAAAAAAAA/AAAAAAAAAKCGAQAAAAAAAAAAAAAAAAAMAAAAAQAAAAAAAAAAAAAAAAAAAB8AAABUAAAAAAAABQAAAAEAAAAAAAAAAAAAAAAAAAAAAAAAAAAAAAAAAAAAAAAAAAAAAAJ/f38AAAAAA8zMzADAwP8Af39/AAAAAAAAAAAAAAAAAAAAAAAAAAAAIQAAABgAAAAUAAAAwAMAALABAABARwAAuAgAABAAAAAmAAAACAAAAAAAAAAAAAAA"/>
+                <pr:smNativeData xmlns:pr="smNativeData" xmlns="smNativeData" val="SMDATA_15_eM6NYhMAAAAlAAAAZAAAAA8BAAAAkAAAAEgAAACQAAAASAAAAAAAAAABAAAAAAAAAAEAAABQAAAAAAAAAAAA4D8AAAAAAADgPwAAAAAAAOA/AAAAAAAA4D8AAAAAAADgPwAAAAAAAOA/AAAAAAAA4D8AAAAAAADgPwAAAAAAAOA/AAAAAAAA4D8CAAAAjAAAAAAAAAAAAAAAu+DjDP///wgAAAAAAAAAAAAAAAAAAAAAAAAAAAAAAAAAAAAAZAAAAAEAAABAAAAAAAAAAAAAAAAAAAAAAAAAAAAAAAAAAAAAAAAAAAAAAAAAAAAAAAAAAAAAAAAAAAAAAAAAAAAAAAAAAAAAAAAAAAAAAAAAAAAAAAAAAAAAAAAAAAAAFAAAADwAAAAAAAAAAAAAAAAAAAkUAAAAAQAAABQAAAAUAAAAFAAAAAEAAAAAAAAAZAAAAGQAAAAAAAAAZAAAAGQAAAAVAAAAYAAAAAAAAAAAAAAADwAAACADAAAAAAAAAAAAAAEAAACgMgAAVgcAAKr4//8BAAAAf39/AAEAAABkAAAAAAAAABQAAABAHwAAAAAAACYAAAAAAAAAwOD//wAAAAAmAAAAZAAAABYAAABMAAAAAAAAAAAAAAAEAAAAAAAAAAEAAACAgIAKAAAAACgAAAAoAAAAZAAAAGQAAAAAAAAAzMzMAAAAAABQAAAAUAAAAGQAAABkAAAAAAAAABcAAAAUAAAAAAAAAAAAAAD/fwAA/38AAAAAAAAJAAAABAAAAAAAAAAeAAAAaAAAAAAAAAAAAAAAAAAAAAAAAAAAAAAAECcAABAnAAAAAAAAAAAAAAAAAAAAAAAAAAAAAAAAAAAAAAAAAAAAABQAAAAAAAAAwMD/AAAAAABkAAAAMgAAAAAAAABkAAAAAAAAAH9/fwAKAAAAIgAAABgAAAAAAAAAAAAAAAAAAAAAAAAAAAAAAAAAAAAkAAAAJAAAAAAAAAAHAAAAAAAAAAAAAAAAAAAAAAAAAAAAAAAAAAAAf39/ACUAAABYAAAAAAAAAAAAAAAAAAAAAAAAAAAAAAAAAAAAAAAAAAAAAAAAAAAAAAAAAAAAAAA/AAAAAAAAAKCGAQAAAAAAAAAAAAAAAAAMAAAAAQAAAAAAAAAAAAAAAAAAAB8AAABUAAAAAAAABQAAAAEAAAAAAAAAAAAAAAAAAAAAAAAAAAAAAAAAAAAAAAAAAAAAAAJ/f38AAAAAA8zMzADAwP8Af39/AAAAAAAAAAAAAAAAAAAAAAAAAAAAIQAAABgAAAAUAAAAwAMAALABAABARwAAuAgAABAAAAAmAAAACAAAAAAAAAAAAAAA"/>
               </a:ext>
             </a:extLst>
           </p:cNvSpPr>
@@ -853,7 +848,7 @@
             <a:spLocks noGrp="1" noChangeArrowheads="1"/>
             <a:extLst>
               <a:ext uri="smNativeData">
-                <pr:smNativeData xmlns:pr="smNativeData" xmlns="smNativeData" val="SMDATA_15_zA6NYhMAAAAlAAAAZAAAAA8BAAAAkAAAAEgAAACQAAAASAAAAAAAAAAAAAAAAAAAAAEAAABQAAAAAAAAAAAA4D8AAAAAAADgPwAAAAAAAOA/AAAAAAAA4D8AAAAAAADgPwAAAAAAAOA/AAAAAAAA4D8AAAAAAADgPwAAAAAAAOA/AAAAAAAA4D8CAAAAjAAAAAAAAAAAAAAAu+DjDP///wgAAAAAAAAAAAAAAAAAAAAAAAAAAAAAAAAAAAAAZAAAAAEAAABAAAAAAAAAAAAAAAAAAAAAAAAAAAAAAAAAAAAAAAAAAAAAAAAAAAAAAAAAAAAAAAAAAAAAAAAAAAAAAAAAAAAAAAAAAAAAAAAAAAAAAAAAAAAAAAAAAAAAFAAAADwAAAAAAAAAAAAAAAAAAAkUAAAAAQAAABQAAAAUAAAAFAAAAAEAAAAAAAAAZAAAAGQAAAAAAAAAZAAAAGQAAAAVAAAAYAAAAAAAAAAAAAAADwAAACADAAAAAAAAAAAAAAEAAACgMgAAVgcAAKr4//8BAAAAf39/AAEAAABkAAAAAAAAABQAAABAHwAAAAAAACYAAAAAAAAAwOD//wAAAAAmAAAAZAAAABYAAABMAAAAAAAAAAAAAAAEAAAAAAAAAAEAAACAgIAKAAAAACgAAAAoAAAAZAAAAGQAAAAAAAAAzMzMAAAAAABQAAAAUAAAAGQAAABkAAAAAAAAABcAAAAUAAAAAAAAAAAAAAD/fwAA/38AAAAAAAAJAAAABAAAAAAAAAAeAAAAaAAAAAAAAAAAAAAAAAAAAAAAAAAAAAAAECcAABAnAAAAAAAAAAAAAAAAAAAAAAAAAAAAAAAAAAAAAAAAAAAAABQAAAAAAAAAwMD/AAAAAABkAAAAMgAAAAAAAABkAAAAAAAAAH9/fwAKAAAAIgAAABgAAAAAAAAAAAAAAAAAAAAAAAAAAAAAAAAAAAAkAAAAJAAAAAAAAAAHAAAAAAAAAAAAAAAAAAAAAAAAAAAAAAAAAAAAf39/ACUAAABYAAAAAAAAAAAAAAAAAAAAAAAAAAAAAAAAAAAAAAAAAAAAAAAAAAAAAAAAAAAAAAA/AAAAAAAAAKCGAQAAAAAAAAAAAAAAAAAMAAAAAQAAAAAAAAAAAAAAAAAAAB8AAABUAAAAAAAABQAAAAEAAAAAAAAAAAAAAAAAAAAAAAAAAAAAAAAAAAAAAAAAAAAAAAJ/f38AAAAAA8zMzADAwP8Af39/AAAAAAAAAAAAAAAAAAAAAAAAAAAAIQAAABgAAAAUAAAAwAMAANgJAABARwAAsCUAABAAAAAmAAAACAAAAAAAAAAAAAAA"/>
+                <pr:smNativeData xmlns:pr="smNativeData" xmlns="smNativeData" val="SMDATA_15_eM6NYhMAAAAlAAAAZAAAAA8BAAAAkAAAAEgAAACQAAAASAAAAAAAAAAAAAAAAAAAAAEAAABQAAAAAAAAAAAA4D8AAAAAAADgPwAAAAAAAOA/AAAAAAAA4D8AAAAAAADgPwAAAAAAAOA/AAAAAAAA4D8AAAAAAADgPwAAAAAAAOA/AAAAAAAA4D8CAAAAjAAAAAAAAAAAAAAAu+DjDP///wgAAAAAAAAAAAAAAAAAAAAAAAAAAAAAAAAAAAAAZAAAAAEAAABAAAAAAAAAAAAAAAAAAAAAAAAAAAAAAAAAAAAAAAAAAAAAAAAAAAAAAAAAAAAAAAAAAAAAAAAAAAAAAAAAAAAAAAAAAAAAAAAAAAAAAAAAAAAAAAAAAAAAFAAAADwAAAAAAAAAAAAAAAAAAAkUAAAAAQAAABQAAAAUAAAAFAAAAAEAAAAAAAAAZAAAAGQAAAAAAAAAZAAAAGQAAAAVAAAAYAAAAAAAAAAAAAAADwAAACADAAAAAAAAAAAAAAEAAACgMgAAVgcAAKr4//8BAAAAf39/AAEAAABkAAAAAAAAABQAAABAHwAAAAAAACYAAAAAAAAAwOD//wAAAAAmAAAAZAAAABYAAABMAAAAAAAAAAAAAAAEAAAAAAAAAAEAAACAgIAKAAAAACgAAAAoAAAAZAAAAGQAAAAAAAAAzMzMAAAAAABQAAAAUAAAAGQAAABkAAAAAAAAABcAAAAUAAAAAAAAAAAAAAD/fwAA/38AAAAAAAAJAAAABAAAAAAAAAAeAAAAaAAAAAAAAAAAAAAAAAAAAAAAAAAAAAAAECcAABAnAAAAAAAAAAAAAAAAAAAAAAAAAAAAAAAAAAAAAAAAAAAAABQAAAAAAAAAwMD/AAAAAABkAAAAMgAAAAAAAABkAAAAAAAAAH9/fwAKAAAAIgAAABgAAAAAAAAAAAAAAAAAAAAAAAAAAAAAAAAAAAAkAAAAJAAAAAAAAAAHAAAAAAAAAAAAAAAAAAAAAAAAAAAAAAAAAAAAf39/ACUAAABYAAAAAAAAAAAAAAAAAAAAAAAAAAAAAAAAAAAAAAAAAAAAAAAAAAAAAAAAAAAAAAA/AAAAAAAAAKCGAQAAAAAAAAAAAAAAAAAMAAAAAQAAAAAAAAAAAAAAAAAAAB8AAABUAAAAAAAABQAAAAEAAAAAAAAAAAAAAAAAAAAAAAAAAAAAAAAAAAAAAAAAAAAAAAJ/f38AAAAAA8zMzADAwP8Af39/AAAAAAAAAAAAAAAAAAAAAAAAAAAAIQAAABgAAAAUAAAAwAMAANgJAABARwAAsCUAABAAAAAmAAAACAAAAAAAAAAAAAAA"/>
               </a:ext>
             </a:extLst>
           </p:cNvSpPr>
@@ -904,7 +899,7 @@
             <a:spLocks noGrp="1" noChangeArrowheads="1"/>
             <a:extLst>
               <a:ext uri="smNativeData">
-                <pr:smNativeData xmlns:pr="smNativeData" xmlns="smNativeData" val="SMDATA_15_zA6NYhMAAAAlAAAAZAAAAA8BAAAAkAAAAEgAAACQAAAASAAAAAAAAAABAAAAAAAAAAEAAABQAAAAAAAAAAAA4D8AAAAAAADgPwAAAAAAAOA/AAAAAAAA4D8AAAAAAADgPwAAAAAAAOA/AAAAAAAA4D8AAAAAAADgPwAAAAAAAOA/AAAAAAAA4D8CAAAAjAAAAAAAAAAAAAAAu+DjDP///wgAAAAAAAAAAAAAAAAAAAAAAAAAAAAAAAAAAAAAZAAAAAEAAABAAAAAAAAAAAAAAAAAAAAAAAAAAAAAAAAAAAAAAAAAAAAAAAAAAAAAAAAAAAAAAAAAAAAAAAAAAAAAAAAAAAAAAAAAAAAAAAAAAAAAAAAAAAAAAAAAAAAAFAAAADwAAAAAAAAAAAAAAAAAAAkUAAAAAQAAABQAAAAUAAAAFAAAAAEAAAAAAAAAZAAAAGQAAAAAAAAAZAAAAGQAAAAVAAAAYAAAAAAAAAAAAAAADwAAACADAAAAAAAAAAAAAAEAAACgMgAAVgcAAKr4//8BAAAAf39/AAEAAABkAAAAAAAAABQAAABAHwAAAAAAACYAAAAAAAAAwOD//wAAAAAmAAAAZAAAABYAAABMAAAAAAAAAAAAAAAEAAAAAAAAAAEAAACAgIAKAAAAACgAAAAoAAAAZAAAAGQAAAAAAAAAzMzMAAAAAABQAAAAUAAAAGQAAABkAAAAAAAAABcAAAAUAAAAAAAAAAAAAAD/fwAA/38AAAAAAAAJAAAABAAAANw7IAEeAAAAaAAAAAAAAAAAAAAAAAAAAAAAAAAAAAAAECcAABAnAAAAAAAAAAAAAAAAAAAAAAAAAAAAAAAAAAAAAAAAAAAAABQAAAAAAAAAwMD/AAAAAABkAAAAMgAAAAAAAABkAAAAAAAAAH9/fwAKAAAAIgAAABgAAAAAAAAAAAAAAAAAAAAAAAAAAAAAAAAAAAAkAAAAJAAAAAAAAAAHAAAAAAAAAAAAAAAAAAAAAAAAAAAAAAAAAAAAf39/ACUAAABYAAAAAAAAAAAAAAAAAAAAAAAAAAAAAAAAAAAAAAAAAAAAAAAAAAAAAAAAAAAAAAA/AAAAAAAAAKCGAQAAAAAAAAAAAAAAAAAMAAAAAQAAAAAAAAAAAAAAAAAAAB8AAABUAAAAAAAABQAAAAEAAAAAAAAAAAAAAAAAAAAAAAAAAAAAAAAAAAAAAAAAAAAAAAJ/f38AAAAAA8zMzADAwP8Af39/AAAAAAAAAAAAAAAAAAAAAAAAAAAAIQAAABgAAAAUAAAAwAMAABsnAAA/FQAAWSkAABAAAAAmAAAACAAAAAAAAAAAAAAA"/>
+                <pr:smNativeData xmlns:pr="smNativeData" xmlns="smNativeData" val="SMDATA_15_eM6NYhMAAAAlAAAAZAAAAA8BAAAAkAAAAEgAAACQAAAASAAAAAAAAAABAAAAAAAAAAEAAABQAAAAAAAAAAAA4D8AAAAAAADgPwAAAAAAAOA/AAAAAAAA4D8AAAAAAADgPwAAAAAAAOA/AAAAAAAA4D8AAAAAAADgPwAAAAAAAOA/AAAAAAAA4D8CAAAAjAAAAAAAAAAAAAAAu+DjDP///wgAAAAAAAAAAAAAAAAAAAAAAAAAAAAAAAAAAAAAZAAAAAEAAABAAAAAAAAAAAAAAAAAAAAAAAAAAAAAAAAAAAAAAAAAAAAAAAAAAAAAAAAAAAAAAAAAAAAAAAAAAAAAAAAAAAAAAAAAAAAAAAAAAAAAAAAAAAAAAAAAAAAAFAAAADwAAAAAAAAAAAAAAAAAAAkUAAAAAQAAABQAAAAUAAAAFAAAAAEAAAAAAAAAZAAAAGQAAAAAAAAAZAAAAGQAAAAVAAAAYAAAAAAAAAAAAAAADwAAACADAAAAAAAAAAAAAAEAAACgMgAAVgcAAKr4//8BAAAAf39/AAEAAABkAAAAAAAAABQAAABAHwAAAAAAACYAAAAAAAAAwOD//wAAAAAmAAAAZAAAABYAAABMAAAAAAAAAAAAAAAEAAAAAAAAAAEAAACAgIAKAAAAACgAAAAoAAAAZAAAAGQAAAAAAAAAzMzMAAAAAABQAAAAUAAAAGQAAABkAAAAAAAAABcAAAAUAAAAAAAAAAAAAAD/fwAA/38AAAAAAAAJAAAABAAAANw7IAEeAAAAaAAAAAAAAAAAAAAAAAAAAAAAAAAAAAAAECcAABAnAAAAAAAAAAAAAAAAAAAAAAAAAAAAAAAAAAAAAAAAAAAAABQAAAAAAAAAwMD/AAAAAABkAAAAMgAAAAAAAABkAAAAAAAAAH9/fwAKAAAAIgAAABgAAAAAAAAAAAAAAAAAAAAAAAAAAAAAAAAAAAAkAAAAJAAAAAAAAAAHAAAAAAAAAAAAAAAAAAAAAAAAAAAAAAAAAAAAf39/ACUAAABYAAAAAAAAAAAAAAAAAAAAAAAAAAAAAAAAAAAAAAAAAAAAAAAAAAAAAAAAAAAAAAA/AAAAAAAAAKCGAQAAAAAAAAAAAAAAAAAMAAAAAQAAAAAAAAAAAAAAAAAAAB8AAABUAAAAAAAABQAAAAEAAAAAAAAAAAAAAAAAAAAAAAAAAAAAAAAAAAAAAAAAAAAAAAJ/f38AAAAAA8zMzADAwP8Af39/AAAAAAAAAAAAAAAAAAAAAAAAAAAAIQAAABgAAAAUAAAAwAMAABsnAAA/FQAAWSkAABAAAAAmAAAACAAAAAAAAAAAAAAA"/>
               </a:ext>
             </a:extLst>
           </p:cNvSpPr>
@@ -918,7 +913,7 @@
           <a:lstStyle/>
           <a:p>
             <a:pPr/>
-            <a:fld id="{310E6422-6CDC-5B92-92B6-9AC72AF864CF}" type="datetime1">
+            <a:fld id="{2E3A5573-3DC3-6FA3-8D82-CBF61BCC7B9E}" type="datetime1">
               <a:t/>
             </a:fld>
           </a:p>
@@ -931,7 +926,7 @@
             <a:spLocks noGrp="1" noChangeArrowheads="1"/>
             <a:extLst>
               <a:ext uri="smNativeData">
-                <pr:smNativeData xmlns:pr="smNativeData" xmlns="smNativeData" val="SMDATA_15_zA6NYhMAAAAlAAAAZAAAAA8BAAAAkAAAAEgAAACQAAAASAAAAAAAAAABAAAAAAAAAAEAAABQAAAAAAAAAAAA4D8AAAAAAADgPwAAAAAAAOA/AAAAAAAA4D8AAAAAAADgPwAAAAAAAOA/AAAAAAAA4D8AAAAAAADgPwAAAAAAAOA/AAAAAAAA4D8CAAAAjAAAAAAAAAAAAAAAu+DjDP///wgAAAAAAAAAAAAAAAAAAAAAAAAAAAAAAAAAAAAAZAAAAAEAAABAAAAAAAAAAAAAAAAAAAAAAAAAAAAAAAAAAAAAAAAAAAAAAAAAAAAAAAAAAAAAAAAAAAAAAAAAAAAAAAAAAAAAAAAAAAAAAAAAAAAAAAAAAAAAAAAAAAAAFAAAADwAAAAAAAAAAAAAAAAAAAkUAAAAAQAAABQAAAAUAAAAFAAAAAEAAAAAAAAAZAAAAGQAAAAAAAAAZAAAAGQAAAAVAAAAYAAAAAAAAAAAAAAADwAAACADAAAAAAAAAAAAAAEAAACgMgAAVgcAAKr4//8BAAAAf39/AAEAAABkAAAAAAAAABQAAABAHwAAAAAAACYAAAAAAAAAwOD//wAAAAAmAAAAZAAAABYAAABMAAAAAAAAAAAAAAAEAAAAAAAAAAEAAACAgIAKAAAAACgAAAAoAAAAZAAAAGQAAAAAAAAAzMzMAAAAAABQAAAAUAAAAGQAAABkAAAAAAAAABcAAAAUAAAAAAAAAAAAAAD/fwAA/38AAAAAAAAJAAAABAAAANw7IAEeAAAAaAAAAAAAAAAAAAAAAAAAAAAAAAAAAAAAECcAABAnAAAAAAAAAAAAAAAAAAAAAAAAAAAAAAAAAAAAAAAAAAAAABQAAAAAAAAAwMD/AAAAAABkAAAAMgAAAAAAAABkAAAAAAAAAH9/fwAKAAAAIgAAABgAAAAAAAAAAAAAAAAAAAAAAAAAAAAAAAAAAAAkAAAAJAAAAAAAAAAHAAAAAAAAAAAAAAAAAAAAAAAAAAAAAAAAAAAAf39/ACUAAABYAAAAAAAAAAAAAAAAAAAAAAAAAAAAAAAAAAAAAAAAAAAAAAAAAAAAAAAAAAAAAAA/AAAAAAAAAKCGAQAAAAAAAAAAAAAAAAAMAAAAAQAAAAAAAAAAAAAAAAAAAB8AAABUAAAAAAAABQAAAAEAAAAAAAAAAAAAAAAAAAAAAAAAAAAAAAAAAAAAAAAAAAAAAAJ/f38AAAAAA8zMzADAwP8Af39/AAAAAAAAAAAAAAAAAAAAAAAAAAAAIQAAABgAAAAUAAAAoRkAABsnAABfMQAAWSkAABAAAAAmAAAACAAAAAAAAAAAAAAA"/>
+                <pr:smNativeData xmlns:pr="smNativeData" xmlns="smNativeData" val="SMDATA_15_eM6NYhMAAAAlAAAAZAAAAA8BAAAAkAAAAEgAAACQAAAASAAAAAAAAAABAAAAAAAAAAEAAABQAAAAAAAAAAAA4D8AAAAAAADgPwAAAAAAAOA/AAAAAAAA4D8AAAAAAADgPwAAAAAAAOA/AAAAAAAA4D8AAAAAAADgPwAAAAAAAOA/AAAAAAAA4D8CAAAAjAAAAAAAAAAAAAAAu+DjDP///wgAAAAAAAAAAAAAAAAAAAAAAAAAAAAAAAAAAAAAZAAAAAEAAABAAAAAAAAAAAAAAAAAAAAAAAAAAAAAAAAAAAAAAAAAAAAAAAAAAAAAAAAAAAAAAAAAAAAAAAAAAAAAAAAAAAAAAAAAAAAAAAAAAAAAAAAAAAAAAAAAAAAAFAAAADwAAAAAAAAAAAAAAAAAAAkUAAAAAQAAABQAAAAUAAAAFAAAAAEAAAAAAAAAZAAAAGQAAAAAAAAAZAAAAGQAAAAVAAAAYAAAAAAAAAAAAAAADwAAACADAAAAAAAAAAAAAAEAAACgMgAAVgcAAKr4//8BAAAAf39/AAEAAABkAAAAAAAAABQAAABAHwAAAAAAACYAAAAAAAAAwOD//wAAAAAmAAAAZAAAABYAAABMAAAAAAAAAAAAAAAEAAAAAAAAAAEAAACAgIAKAAAAACgAAAAoAAAAZAAAAGQAAAAAAAAAzMzMAAAAAABQAAAAUAAAAGQAAABkAAAAAAAAABcAAAAUAAAAAAAAAAAAAAD/fwAA/38AAAAAAAAJAAAABAAAANw7IAEeAAAAaAAAAAAAAAAAAAAAAAAAAAAAAAAAAAAAECcAABAnAAAAAAAAAAAAAAAAAAAAAAAAAAAAAAAAAAAAAAAAAAAAABQAAAAAAAAAwMD/AAAAAABkAAAAMgAAAAAAAABkAAAAAAAAAH9/fwAKAAAAIgAAABgAAAAAAAAAAAAAAAAAAAAAAAAAAAAAAAAAAAAkAAAAJAAAAAAAAAAHAAAAAAAAAAAAAAAAAAAAAAAAAAAAAAAAAAAAf39/ACUAAABYAAAAAAAAAAAAAAAAAAAAAAAAAAAAAAAAAAAAAAAAAAAAAAAAAAAAAAAAAAAAAAA/AAAAAAAAAKCGAQAAAAAAAAAAAAAAAAAMAAAAAQAAAAAAAAAAAAAAAAAAAB8AAABUAAAAAAAABQAAAAEAAAAAAAAAAAAAAAAAAAAAAAAAAAAAAAAAAAAAAAAAAAAAAAJ/f38AAAAAA8zMzADAwP8Af39/AAAAAAAAAAAAAAAAAAAAAAAAAAAAIQAAABgAAAAUAAAAoRkAABsnAABfMQAAWSkAABAAAAAmAAAACAAAAAAAAAAAAAAA"/>
               </a:ext>
             </a:extLst>
           </p:cNvSpPr>
@@ -945,9 +940,6 @@
           <a:lstStyle/>
           <a:p>
             <a:pPr/>
-            <a:r>
-              <a:t/>
-            </a:r>
           </a:p>
         </p:txBody>
       </p:sp>
@@ -958,7 +950,7 @@
             <a:spLocks noGrp="1" noChangeArrowheads="1"/>
             <a:extLst>
               <a:ext uri="smNativeData">
-                <pr:smNativeData xmlns:pr="smNativeData" xmlns="smNativeData" val="SMDATA_15_zA6NYhMAAAAlAAAAZAAAAA8BAAAAkAAAAEgAAACQAAAASAAAAAAAAAABAAAAAAAAAAEAAABQAAAAAAAAAAAA4D8AAAAAAADgPwAAAAAAAOA/AAAAAAAA4D8AAAAAAADgPwAAAAAAAOA/AAAAAAAA4D8AAAAAAADgPwAAAAAAAOA/AAAAAAAA4D8CAAAAjAAAAAAAAAAAAAAAu+DjDP///wgAAAAAAAAAAAAAAAAAAAAAAAAAAAAAAAAAAAAAZAAAAAEAAABAAAAAAAAAAAAAAAAAAAAAAAAAAAAAAAAAAAAAAAAAAAAAAAAAAAAAAAAAAAAAAAAAAAAAAAAAAAAAAAAAAAAAAAAAAAAAAAAAAAAAAAAAAAAAAAAAAAAAFAAAADwAAAAAAAAAAAAAAAAAAAkUAAAAAQAAABQAAAAUAAAAFAAAAAEAAAAAAAAAZAAAAGQAAAAAAAAAZAAAAGQAAAAVAAAAYAAAAAAAAAAAAAAADwAAACADAAAAAAAAAAAAAAEAAACgMgAAVgcAAKr4//8BAAAAf39/AAEAAABkAAAAAAAAABQAAABAHwAAAAAAACYAAAAAAAAAwOD//wAAAAAmAAAAZAAAABYAAABMAAAAAAAAAAAAAAAEAAAAAAAAAAEAAACAgIAKAAAAACgAAAAoAAAAZAAAAGQAAAAAAAAAzMzMAAAAAABQAAAAUAAAAGQAAABkAAAAAAAAABcAAAAUAAAAAAAAAAAAAAD/fwAA/38AAAAAAAAJAAAABAAAAAAAAAAeAAAAaAAAAAAAAAAAAAAAAAAAAAAAAAAAAAAAECcAABAnAAAAAAAAAAAAAAAAAAAAAAAAAAAAAAAAAAAAAAAAAAAAABQAAAAAAAAAwMD/AAAAAABkAAAAMgAAAAAAAABkAAAAAAAAAH9/fwAKAAAAIgAAABgAAAAAAAAAAAAAAAAAAAAAAAAAAAAAAAAAAAAkAAAAJAAAAAAAAAAHAAAAAAAAAAAAAAAAAAAAAAAAAAAAAAAAAAAAf39/ACUAAABYAAAAAAAAAAAAAAAAAAAAAAAAAAAAAAAAAAAAAAAAAAAAAAAAAAAAAAAAAAAAAAA/AAAAAAAAAKCGAQAAAAAAAAAAAAAAAAAMAAAAAQAAAAAAAAAAAAAAAAAAAB8AAABUAAAAAAAABQAAAAEAAAAAAAAAAAAAAAAAAAAAAAAAAAAAAAAAAAAAAAAAAAAAAAJ/f38AAAAAA8zMzADAwP8Af39/AAAAAAAAAAAAAAAAAAAAAAAAAAAAIQAAABgAAAAUAAAAwTUAABsnAABARwAAWSkAABAAAAAmAAAACAAAAAAAAAAAAAAA"/>
+                <pr:smNativeData xmlns:pr="smNativeData" xmlns="smNativeData" val="SMDATA_15_eM6NYhMAAAAlAAAAZAAAAA8BAAAAkAAAAEgAAACQAAAASAAAAAAAAAABAAAAAAAAAAEAAABQAAAAAAAAAAAA4D8AAAAAAADgPwAAAAAAAOA/AAAAAAAA4D8AAAAAAADgPwAAAAAAAOA/AAAAAAAA4D8AAAAAAADgPwAAAAAAAOA/AAAAAAAA4D8CAAAAjAAAAAAAAAAAAAAAu+DjDP///wgAAAAAAAAAAAAAAAAAAAAAAAAAAAAAAAAAAAAAZAAAAAEAAABAAAAAAAAAAAAAAAAAAAAAAAAAAAAAAAAAAAAAAAAAAAAAAAAAAAAAAAAAAAAAAAAAAAAAAAAAAAAAAAAAAAAAAAAAAAAAAAAAAAAAAAAAAAAAAAAAAAAAFAAAADwAAAAAAAAAAAAAAAAAAAkUAAAAAQAAABQAAAAUAAAAFAAAAAEAAAAAAAAAZAAAAGQAAAAAAAAAZAAAAGQAAAAVAAAAYAAAAAAAAAAAAAAADwAAACADAAAAAAAAAAAAAAEAAACgMgAAVgcAAKr4//8BAAAAf39/AAEAAABkAAAAAAAAABQAAABAHwAAAAAAACYAAAAAAAAAwOD//wAAAAAmAAAAZAAAABYAAABMAAAAAAAAAAAAAAAEAAAAAAAAAAEAAACAgIAKAAAAACgAAAAoAAAAZAAAAGQAAAAAAAAAzMzMAAAAAABQAAAAUAAAAGQAAABkAAAAAAAAABcAAAAUAAAAAAAAAAAAAAD/fwAA/38AAAAAAAAJAAAABAAAAAAAAAAeAAAAaAAAAAAAAAAAAAAAAAAAAAAAAAAAAAAAECcAABAnAAAAAAAAAAAAAAAAAAAAAAAAAAAAAAAAAAAAAAAAAAAAABQAAAAAAAAAwMD/AAAAAABkAAAAMgAAAAAAAABkAAAAAAAAAH9/fwAKAAAAIgAAABgAAAAAAAAAAAAAAAAAAAAAAAAAAAAAAAAAAAAkAAAAJAAAAAAAAAAHAAAAAAAAAAAAAAAAAAAAAAAAAAAAAAAAAAAAf39/ACUAAABYAAAAAAAAAAAAAAAAAAAAAAAAAAAAAAAAAAAAAAAAAAAAAAAAAAAAAAAAAAAAAAA/AAAAAAAAAKCGAQAAAAAAAAAAAAAAAAAMAAAAAQAAAAAAAAAAAAAAAAAAAB8AAABUAAAAAAAABQAAAAEAAAAAAAAAAAAAAAAAAAAAAAAAAAAAAAAAAAAAAAAAAAAAAAJ/f38AAAAAA8zMzADAwP8Af39/AAAAAAAAAAAAAAAAAAAAAAAAAAAAIQAAABgAAAAUAAAAwTUAABsnAABARwAAWSkAABAAAAAmAAAACAAAAAAAAAAAAAAA"/>
               </a:ext>
             </a:extLst>
           </p:cNvSpPr>
@@ -972,7 +964,7 @@
           <a:lstStyle/>
           <a:p>
             <a:pPr/>
-            <a:fld id="{310E2BB1-FFDC-5BDD-92B6-098865F8645C}" type="slidenum">
+            <a:fld id="{2E3A571D-53C3-6FA1-8D82-A5F419CC7BF0}" type="slidenum">
               <a:t/>
             </a:fld>
           </a:p>
@@ -983,6 +975,7 @@
   <p:clrMapOvr>
     <a:masterClrMapping/>
   </p:clrMapOvr>
+  <p:hf hdr="0" ftr="0"/>
 </p:sldLayout>
 </file>
 
@@ -1010,7 +1003,7 @@
             <a:spLocks noGrp="1" noChangeArrowheads="1"/>
             <a:extLst>
               <a:ext uri="smNativeData">
-                <pr:smNativeData xmlns:pr="smNativeData" xmlns="smNativeData" val="SMDATA_15_zA6NYhMAAAAlAAAAZAAAAA8BAAAAkAAAAEgAAACQAAAASAAAAAAAAAAAAAAAAAAAAAEAAABQAAAAAAAAAAAA4D8AAAAAAADgPwAAAAAAAOA/AAAAAAAA4D8AAAAAAADgPwAAAAAAAOA/AAAAAAAA4D8AAAAAAADgPwAAAAAAAOA/AAAAAAAA4D8CAAAAjAAAAAAAAAAAAAAAu+DjDP///wgAAAAAAAAAAAAAAAAAAAAAAAAAAAAAAAAAAAAAZAAAAAEAAABAAAAAAAAAAAAAAAAAAAAAAAAAAAAAAAAAAAAAAAAAAAAAAAAAAAAAAAAAAAAAAAAAAAAAAAAAAAAAAAAAAAAAAAAAAAAAAAAAAAAAAAAAAAAAAAAAAAAAFAAAADwAAAAAAAAAAAAAAAAAAAkUAAAAAQAAABQAAAAUAAAAFAAAAAEAAAAAAAAAZAAAAGQAAAAAAAAAZAAAAGQAAAAVAAAAYAAAAAAAAAAAAAAADwAAACADAAAAAAAAAAAAAAEAAACgMgAAVgcAAKr4//8BAAAAf39/AAEAAABkAAAAAAAAABQAAABAHwAAAAAAACYAAAAAAAAAwOD//wAAAAAmAAAAZAAAABYAAABMAAAAAAAAAAAAAAAEAAAAAAAAAAEAAACAgIAKAAAAACgAAAAoAAAAZAAAAGQAAAAAAAAAzMzMAAAAAABQAAAAUAAAAGQAAABkAAAAAAAAABcAAAAUAAAAAAAAAAAAAAD/fwAA/38AAAAAAAAJAAAABAAAANw7IAEeAAAAaAAAAAAAAAAAAAAAAAAAAAAAAAAAAAAAECcAABAnAAAAAAAAAAAAAAAAAAAAAAAAAAAAAAAAAAAAAAAAAAAAABQAAAAAAAAAwMD/AAAAAABkAAAAMgAAAAAAAABkAAAAAAAAAH9/fwAKAAAAIgAAABgAAAAAAAAAAAAAAAAAAAAAAAAAAAAAAAAAAAAkAAAAJAAAAAAAAAAHAAAAAAAAAAAAAAAAAAAAAAAAAAAAAAAAAAAAf39/ACUAAABYAAAAAAAAAAAAAAAAAAAAAAAAAAAAAAAAAAAAAAAAAAAAAAAAAAAAAAAAAAAAAAA/AAAAAAAAAKCGAQAAAAAAAAAAAAAAAAAMAAAAAQAAAAAAAAAAAAAAAAAAAB8AAABUAAAAAAAABQAAAAEAAAAAAAAAAAAAAAAAAAAAAAAAAAAAAAAAAAAAAAAAAAAAAAJ/f38AAAAAA8zMzADAwP8Af39/AAAAAAAAAAAAAAAAAAAAAAAAAAAAIQAAABgAAAAUAAAA7QUAABwbAACtRQAAfSMAABAAAAAmAAAACAAAAIGAAAAAAAAA"/>
+                <pr:smNativeData xmlns:pr="smNativeData" xmlns="smNativeData" val="SMDATA_15_eM6NYhMAAAAlAAAAZAAAAA8BAAAAkAAAAEgAAACQAAAASAAAAAAAAAAAAAAAAAAAAAEAAABQAAAAAAAAAAAA4D8AAAAAAADgPwAAAAAAAOA/AAAAAAAA4D8AAAAAAADgPwAAAAAAAOA/AAAAAAAA4D8AAAAAAADgPwAAAAAAAOA/AAAAAAAA4D8CAAAAjAAAAAAAAAAAAAAAu+DjDP///wgAAAAAAAAAAAAAAAAAAAAAAAAAAAAAAAAAAAAAZAAAAAEAAABAAAAAAAAAAAAAAAAAAAAAAAAAAAAAAAAAAAAAAAAAAAAAAAAAAAAAAAAAAAAAAAAAAAAAAAAAAAAAAAAAAAAAAAAAAAAAAAAAAAAAAAAAAAAAAAAAAAAAFAAAADwAAAAAAAAAAAAAAAAAAAkUAAAAAQAAABQAAAAUAAAAFAAAAAEAAAAAAAAAZAAAAGQAAAAAAAAAZAAAAGQAAAAVAAAAYAAAAAAAAAAAAAAADwAAACADAAAAAAAAAAAAAAEAAACgMgAAVgcAAKr4//8BAAAAf39/AAEAAABkAAAAAAAAABQAAABAHwAAAAAAACYAAAAAAAAAwOD//wAAAAAmAAAAZAAAABYAAABMAAAAAAAAAAAAAAAEAAAAAAAAAAEAAACAgIAKAAAAACgAAAAoAAAAZAAAAGQAAAAAAAAAzMzMAAAAAABQAAAAUAAAAGQAAABkAAAAAAAAABcAAAAUAAAAAAAAAAAAAAD/fwAA/38AAAAAAAAJAAAABAAAANw7IAEeAAAAaAAAAAAAAAAAAAAAAAAAAAAAAAAAAAAAECcAABAnAAAAAAAAAAAAAAAAAAAAAAAAAAAAAAAAAAAAAAAAAAAAABQAAAAAAAAAwMD/AAAAAABkAAAAMgAAAAAAAABkAAAAAAAAAH9/fwAKAAAAIgAAABgAAAAAAAAAAAAAAAAAAAAAAAAAAAAAAAAAAAAkAAAAJAAAAAAAAAAHAAAAAAAAAAAAAAAAAAAAAAAAAAAAAAAAAAAAf39/ACUAAABYAAAAAAAAAAAAAAAAAAAAAAAAAAAAAAAAAAAAAAAAAAAAAAAAAAAAAAAAAAAAAAA/AAAAAAAAAKCGAQAAAAAAAAAAAAAAAAAMAAAAAQAAAAAAAAAAAAAAAAAAAB8AAABUAAAAAAAABQAAAAEAAAAAAAAAAAAAAAAAAAAAAAAAAAAAAAAAAAAAAAAAAAAAAAJ/f38AAAAAA8zMzADAwP8Af39/AAAAAAAAAAAAAAAAAAAAAAAAAAAAIQAAABgAAAAUAAAA7QUAABwbAACtRQAAfSMAABAAAAAmAAAACAAAAIGAAAAAAAAA"/>
               </a:ext>
             </a:extLst>
           </p:cNvSpPr>
@@ -1050,7 +1043,7 @@
             <a:spLocks noGrp="1" noChangeArrowheads="1"/>
             <a:extLst>
               <a:ext uri="smNativeData">
-                <pr:smNativeData xmlns:pr="smNativeData" xmlns="smNativeData" val="SMDATA_15_zA6NYhMAAAAlAAAAZAAAAA8BAAAAkAAAAEgAAACQAAAASAAAAAAAAAACAAAAAAAAAAEAAABQAAAAAAAAAAAA4D8AAAAAAADgPwAAAAAAAOA/AAAAAAAA4D8AAAAAAADgPwAAAAAAAOA/AAAAAAAA4D8AAAAAAADgPwAAAAAAAOA/AAAAAAAA4D8CAAAAjAAAAAAAAAAAAAAAu+DjDP///wgAAAAAAAAAAAAAAAAAAAAAAAAAAAAAAAAAAAAAZAAAAAEAAABAAAAAAAAAAAAAAAAAAAAAAAAAAAAAAAAAAAAAAAAAAAAAAAAAAAAAAAAAAAAAAAAAAAAAAAAAAAAAAAAAAAAAAAAAAAAAAAAAAAAAAAAAAAAAAAAAAAAAFAAAADwAAAAAAAAAAAAAAAAAAAkUAAAAAQAAABQAAAAUAAAAFAAAAAEAAAAAAAAAZAAAAGQAAAAAAAAAZAAAAGQAAAAVAAAAYAAAAAAAAAAAAAAADwAAACADAAAAAAAAAAAAAAEAAACgMgAAVgcAAKr4//8BAAAAf39/AAEAAABkAAAAAAAAABQAAABAHwAAAAAAACYAAAAAAAAAwOD//wAAAAAmAAAAZAAAABYAAABMAAAAAAAAAAAAAAAEAAAAAAAAAAEAAACAgIAKAAAAACgAAAAoAAAAZAAAAGQAAAAAAAAAzMzMAAAAAABQAAAAUAAAAGQAAABkAAAAAAAAABcAAAAUAAAAAAAAAAAAAAD/fwAA/38AAAAAAAAJAAAABAAAANw7IAEeAAAAaAAAAAAAAAAAAAAAAAAAAAAAAAAAAAAAECcAABAnAAAAAAAAAAAAAAAAAAAAAAAAAAAAAAAAAAAAAAAAAAAAABQAAAAAAAAAwMD/AAAAAABkAAAAMgAAAAAAAABkAAAAAAAAAH9/fwAKAAAAIgAAABgAAAAAAAAAAAAAAAAAAAAAAAAAAAAAAAAAAAAkAAAAJAAAAAAAAAAHAAAAAAAAAAAAAAAAAAAAAAAAAAAAAAAAAAAAf39/ACUAAABYAAAAAAAAAAAAAAAAAAAAAAAAAAAAAAAAAAAAAAAAAAAAAAAAAAAAAAAAAAAAAAA/AAAAAAAAAKCGAQAAAAAAAAAAAAAAAAAMAAAAAQAAAAAAAAAAAAAAAAAAAB8AAABUAAAAAAAABQAAAAEAAAAAAAAAAAAAAAAAAAAAAAAAAAAAAAAAAAAAAAAAAAAAAAJ/f38AAAAAA8zMzADAwP8Af39/AAAAAAAAAAAAAAAAAAAAAAAAAAAAIQAAABgAAAAUAAAA7QUAAOERAACtRQAAHBsAABAAAAAmAAAACAAAAIGAAAAAAAAA"/>
+                <pr:smNativeData xmlns:pr="smNativeData" xmlns="smNativeData" val="SMDATA_15_eM6NYhMAAAAlAAAAZAAAAA8BAAAAkAAAAEgAAACQAAAASAAAAAAAAAACAAAAAAAAAAEAAABQAAAAAAAAAAAA4D8AAAAAAADgPwAAAAAAAOA/AAAAAAAA4D8AAAAAAADgPwAAAAAAAOA/AAAAAAAA4D8AAAAAAADgPwAAAAAAAOA/AAAAAAAA4D8CAAAAjAAAAAAAAAAAAAAAu+DjDP///wgAAAAAAAAAAAAAAAAAAAAAAAAAAAAAAAAAAAAAZAAAAAEAAABAAAAAAAAAAAAAAAAAAAAAAAAAAAAAAAAAAAAAAAAAAAAAAAAAAAAAAAAAAAAAAAAAAAAAAAAAAAAAAAAAAAAAAAAAAAAAAAAAAAAAAAAAAAAAAAAAAAAAFAAAADwAAAAAAAAAAAAAAAAAAAkUAAAAAQAAABQAAAAUAAAAFAAAAAEAAAAAAAAAZAAAAGQAAAAAAAAAZAAAAGQAAAAVAAAAYAAAAAAAAAAAAAAADwAAACADAAAAAAAAAAAAAAEAAACgMgAAVgcAAKr4//8BAAAAf39/AAEAAABkAAAAAAAAABQAAABAHwAAAAAAACYAAAAAAAAAwOD//wAAAAAmAAAAZAAAABYAAABMAAAAAAAAAAAAAAAEAAAAAAAAAAEAAACAgIAKAAAAACgAAAAoAAAAZAAAAGQAAAAAAAAAzMzMAAAAAABQAAAAUAAAAGQAAABkAAAAAAAAABcAAAAUAAAAAAAAAAAAAAD/fwAA/38AAAAAAAAJAAAABAAAANw7IAEeAAAAaAAAAAAAAAAAAAAAAAAAAAAAAAAAAAAAECcAABAnAAAAAAAAAAAAAAAAAAAAAAAAAAAAAAAAAAAAAAAAAAAAABQAAAAAAAAAwMD/AAAAAABkAAAAMgAAAAAAAABkAAAAAAAAAH9/fwAKAAAAIgAAABgAAAAAAAAAAAAAAAAAAAAAAAAAAAAAAAAAAAAkAAAAJAAAAAAAAAAHAAAAAAAAAAAAAAAAAAAAAAAAAAAAAAAAAAAAf39/ACUAAABYAAAAAAAAAAAAAAAAAAAAAAAAAAAAAAAAAAAAAAAAAAAAAAAAAAAAAAAAAAAAAAA/AAAAAAAAAKCGAQAAAAAAAAAAAAAAAAAMAAAAAQAAAAAAAAAAAAAAAAAAAB8AAABUAAAAAAAABQAAAAEAAAAAAAAAAAAAAAAAAAAAAAAAAAAAAAAAAAAAAAAAAAAAAAJ/f38AAAAAA8zMzADAwP8Af39/AAAAAAAAAAAAAAAAAAAAAAAAAAAAIQAAABgAAAAUAAAA7QUAAOERAACtRQAAHBsAABAAAAAmAAAACAAAAIGAAAAAAAAA"/>
               </a:ext>
             </a:extLst>
           </p:cNvSpPr>
@@ -1123,7 +1116,7 @@
             <a:spLocks noGrp="1" noChangeArrowheads="1"/>
             <a:extLst>
               <a:ext uri="smNativeData">
-                <pr:smNativeData xmlns:pr="smNativeData" xmlns="smNativeData" val="SMDATA_15_zA6NYhMAAAAlAAAAZAAAAA8BAAAAkAAAAEgAAACQAAAASAAAAAAAAAABAAAAAAAAAAEAAABQAAAAAAAAAAAA4D8AAAAAAADgPwAAAAAAAOA/AAAAAAAA4D8AAAAAAADgPwAAAAAAAOA/AAAAAAAA4D8AAAAAAADgPwAAAAAAAOA/AAAAAAAA4D8CAAAAjAAAAAAAAAAAAAAAu+DjDP///wgAAAAAAAAAAAAAAAAAAAAAAAAAAAAAAAAAAAAAZAAAAAEAAABAAAAAAAAAAAAAAAAAAAAAAAAAAAAAAAAAAAAAAAAAAAAAAAAAAAAAAAAAAAAAAAAAAAAAAAAAAAAAAAAAAAAAAAAAAAAAAAAAAAAAAAAAAAAAAAAAAAAAFAAAADwAAAAAAAAAAAAAAAAAAAkUAAAAAQAAABQAAAAUAAAAFAAAAAEAAAAAAAAAZAAAAGQAAAAAAAAAZAAAAGQAAAAVAAAAYAAAAAAAAAAAAAAADwAAACADAAAAAAAAAAAAAAEAAACgMgAAVgcAAKr4//8BAAAAf39/AAEAAABkAAAAAAAAABQAAABAHwAAAAAAACYAAAAAAAAAwOD//wAAAAAmAAAAZAAAABYAAABMAAAAAAAAAAAAAAAEAAAAAAAAAAEAAACAgIAKAAAAACgAAAAoAAAAZAAAAGQAAAAAAAAAzMzMAAAAAABQAAAAUAAAAGQAAABkAAAAAAAAABcAAAAUAAAAAAAAAAAAAAD/fwAA/38AAAAAAAAJAAAABAAAAAAAAAAeAAAAaAAAAAAAAAAAAAAAAAAAAAAAAAAAAAAAECcAABAnAAAAAAAAAAAAAAAAAAAAAAAAAAAAAAAAAAAAAAAAAAAAABQAAAAAAAAAwMD/AAAAAABkAAAAMgAAAAAAAABkAAAAAAAAAH9/fwAKAAAAIgAAABgAAAAAAAAAAAAAAAAAAAAAAAAAAAAAAAAAAAAkAAAAJAAAAAAAAAAHAAAAAAAAAAAAAAAAAAAAAAAAAAAAAAAAAAAAf39/ACUAAABYAAAAAAAAAAAAAAAAAAAAAAAAAAAAAAAAAAAAAAAAAAAAAAAAAAAAAAAAAAAAAAA/AAAAAAAAAKCGAQAAAAAAAAAAAAAAAAAMAAAAAQAAAAAAAAAAAAAAAAAAAB8AAABUAAAAAAAABQAAAAEAAAAAAAAAAAAAAAAAAAAAAAAAAAAAAAAAAAAAAAAAAAAAAAJ/f38AAAAAA8zMzADAwP8Af39/AAAAAAAAAAAAAAAAAAAAAAAAAAAAIQAAABgAAAAUAAAAwAMAABsnAAA/FQAAWSkAABAAAAAmAAAACAAAAAAAAAAAAAAA"/>
+                <pr:smNativeData xmlns:pr="smNativeData" xmlns="smNativeData" val="SMDATA_15_eM6NYhMAAAAlAAAAZAAAAA8BAAAAkAAAAEgAAACQAAAASAAAAAAAAAABAAAAAAAAAAEAAABQAAAAAAAAAAAA4D8AAAAAAADgPwAAAAAAAOA/AAAAAAAA4D8AAAAAAADgPwAAAAAAAOA/AAAAAAAA4D8AAAAAAADgPwAAAAAAAOA/AAAAAAAA4D8CAAAAjAAAAAAAAAAAAAAAu+DjDP///wgAAAAAAAAAAAAAAAAAAAAAAAAAAAAAAAAAAAAAZAAAAAEAAABAAAAAAAAAAAAAAAAAAAAAAAAAAAAAAAAAAAAAAAAAAAAAAAAAAAAAAAAAAAAAAAAAAAAAAAAAAAAAAAAAAAAAAAAAAAAAAAAAAAAAAAAAAAAAAAAAAAAAFAAAADwAAAAAAAAAAAAAAAAAAAkUAAAAAQAAABQAAAAUAAAAFAAAAAEAAAAAAAAAZAAAAGQAAAAAAAAAZAAAAGQAAAAVAAAAYAAAAAAAAAAAAAAADwAAACADAAAAAAAAAAAAAAEAAACgMgAAVgcAAKr4//8BAAAAf39/AAEAAABkAAAAAAAAABQAAABAHwAAAAAAACYAAAAAAAAAwOD//wAAAAAmAAAAZAAAABYAAABMAAAAAAAAAAAAAAAEAAAAAAAAAAEAAACAgIAKAAAAACgAAAAoAAAAZAAAAGQAAAAAAAAAzMzMAAAAAABQAAAAUAAAAGQAAABkAAAAAAAAABcAAAAUAAAAAAAAAAAAAAD/fwAA/38AAAAAAAAJAAAABAAAAAAAAAAeAAAAaAAAAAAAAAAAAAAAAAAAAAAAAAAAAAAAECcAABAnAAAAAAAAAAAAAAAAAAAAAAAAAAAAAAAAAAAAAAAAAAAAABQAAAAAAAAAwMD/AAAAAABkAAAAMgAAAAAAAABkAAAAAAAAAH9/fwAKAAAAIgAAABgAAAAAAAAAAAAAAAAAAAAAAAAAAAAAAAAAAAAkAAAAJAAAAAAAAAAHAAAAAAAAAAAAAAAAAAAAAAAAAAAAAAAAAAAAf39/ACUAAABYAAAAAAAAAAAAAAAAAAAAAAAAAAAAAAAAAAAAAAAAAAAAAAAAAAAAAAAAAAAAAAA/AAAAAAAAAKCGAQAAAAAAAAAAAAAAAAAMAAAAAQAAAAAAAAAAAAAAAAAAAB8AAABUAAAAAAAABQAAAAEAAAAAAAAAAAAAAAAAAAAAAAAAAAAAAAAAAAAAAAAAAAAAAAJ/f38AAAAAA8zMzADAwP8Af39/AAAAAAAAAAAAAAAAAAAAAAAAAAAAIQAAABgAAAAUAAAAwAMAABsnAAA/FQAAWSkAABAAAAAmAAAACAAAAAAAAAAAAAAA"/>
               </a:ext>
             </a:extLst>
           </p:cNvSpPr>
@@ -1137,7 +1130,7 @@
           <a:lstStyle/>
           <a:p>
             <a:pPr/>
-            <a:fld id="{310E01EA-A4DC-5BF7-92B6-52A24FF86407}" type="datetime1">
+            <a:fld id="{2E3A4DBB-F5C3-6FBB-8D82-03EE03CC7B56}" type="datetime1">
               <a:t/>
             </a:fld>
           </a:p>
@@ -1150,7 +1143,7 @@
             <a:spLocks noGrp="1" noChangeArrowheads="1"/>
             <a:extLst>
               <a:ext uri="smNativeData">
-                <pr:smNativeData xmlns:pr="smNativeData" xmlns="smNativeData" val="SMDATA_15_zA6NYhMAAAAlAAAAZAAAAA8BAAAAkAAAAEgAAACQAAAASAAAAAAAAAABAAAAAAAAAAEAAABQAAAAAAAAAAAA4D8AAAAAAADgPwAAAAAAAOA/AAAAAAAA4D8AAAAAAADgPwAAAAAAAOA/AAAAAAAA4D8AAAAAAADgPwAAAAAAAOA/AAAAAAAA4D8CAAAAjAAAAAAAAAAAAAAAu+DjDP///wgAAAAAAAAAAAAAAAAAAAAAAAAAAAAAAAAAAAAAZAAAAAEAAABAAAAAAAAAAAAAAAAAAAAAAAAAAAAAAAAAAAAAAAAAAAAAAAAAAAAAAAAAAAAAAAAAAAAAAAAAAAAAAAAAAAAAAAAAAAAAAAAAAAAAAAAAAAAAAAAAAAAAFAAAADwAAAAAAAAAAAAAAAAAAAkUAAAAAQAAABQAAAAUAAAAFAAAAAEAAAAAAAAAZAAAAGQAAAAAAAAAZAAAAGQAAAAVAAAAYAAAAAAAAAAAAAAADwAAACADAAAAAAAAAAAAAAEAAACgMgAAVgcAAKr4//8BAAAAf39/AAEAAABkAAAAAAAAABQAAABAHwAAAAAAACYAAAAAAAAAwOD//wAAAAAmAAAAZAAAABYAAABMAAAAAAAAAAAAAAAEAAAAAAAAAAEAAACAgIAKAAAAACgAAAAoAAAAZAAAAGQAAAAAAAAAzMzMAAAAAABQAAAAUAAAAGQAAABkAAAAAAAAABcAAAAUAAAAAAAAAAAAAAD/fwAA/38AAAAAAAAJAAAABAAAANw7IAEeAAAAaAAAAAAAAAAAAAAAAAAAAAAAAAAAAAAAECcAABAnAAAAAAAAAAAAAAAAAAAAAAAAAAAAAAAAAAAAAAAAAAAAABQAAAAAAAAAwMD/AAAAAABkAAAAMgAAAAAAAABkAAAAAAAAAH9/fwAKAAAAIgAAABgAAAAAAAAAAAAAAAAAAAAAAAAAAAAAAAAAAAAkAAAAJAAAAAAAAAAHAAAAAAAAAAAAAAAAAAAAAAAAAAAAAAAAAAAAf39/ACUAAABYAAAAAAAAAAAAAAAAAAAAAAAAAAAAAAAAAAAAAAAAAAAAAAAAAAAAAAAAAAAAAAA/AAAAAAAAAKCGAQAAAAAAAAAAAAAAAAAMAAAAAQAAAAAAAAAAAAAAAAAAAB8AAABUAAAAAAAABQAAAAEAAAAAAAAAAAAAAAAAAAAAAAAAAAAAAAAAAAAAAAAAAAAAAAJ/f38AAAAAA8zMzADAwP8Af39/AAAAAAAAAAAAAAAAAAAAAAAAAAAAIQAAABgAAAAUAAAAoRkAABsnAABfMQAAWSkAABAAAAAmAAAACAAAAAAAAAAAAAAA"/>
+                <pr:smNativeData xmlns:pr="smNativeData" xmlns="smNativeData" val="SMDATA_15_eM6NYhMAAAAlAAAAZAAAAA8BAAAAkAAAAEgAAACQAAAASAAAAAAAAAABAAAAAAAAAAEAAABQAAAAAAAAAAAA4D8AAAAAAADgPwAAAAAAAOA/AAAAAAAA4D8AAAAAAADgPwAAAAAAAOA/AAAAAAAA4D8AAAAAAADgPwAAAAAAAOA/AAAAAAAA4D8CAAAAjAAAAAAAAAAAAAAAu+DjDP///wgAAAAAAAAAAAAAAAAAAAAAAAAAAAAAAAAAAAAAZAAAAAEAAABAAAAAAAAAAAAAAAAAAAAAAAAAAAAAAAAAAAAAAAAAAAAAAAAAAAAAAAAAAAAAAAAAAAAAAAAAAAAAAAAAAAAAAAAAAAAAAAAAAAAAAAAAAAAAAAAAAAAAFAAAADwAAAAAAAAAAAAAAAAAAAkUAAAAAQAAABQAAAAUAAAAFAAAAAEAAAAAAAAAZAAAAGQAAAAAAAAAZAAAAGQAAAAVAAAAYAAAAAAAAAAAAAAADwAAACADAAAAAAAAAAAAAAEAAACgMgAAVgcAAKr4//8BAAAAf39/AAEAAABkAAAAAAAAABQAAABAHwAAAAAAACYAAAAAAAAAwOD//wAAAAAmAAAAZAAAABYAAABMAAAAAAAAAAAAAAAEAAAAAAAAAAEAAACAgIAKAAAAACgAAAAoAAAAZAAAAGQAAAAAAAAAzMzMAAAAAABQAAAAUAAAAGQAAABkAAAAAAAAABcAAAAUAAAAAAAAAAAAAAD/fwAA/38AAAAAAAAJAAAABAAAANw7IAEeAAAAaAAAAAAAAAAAAAAAAAAAAAAAAAAAAAAAECcAABAnAAAAAAAAAAAAAAAAAAAAAAAAAAAAAAAAAAAAAAAAAAAAABQAAAAAAAAAwMD/AAAAAABkAAAAMgAAAAAAAABkAAAAAAAAAH9/fwAKAAAAIgAAABgAAAAAAAAAAAAAAAAAAAAAAAAAAAAAAAAAAAAkAAAAJAAAAAAAAAAHAAAAAAAAAAAAAAAAAAAAAAAAAAAAAAAAAAAAf39/ACUAAABYAAAAAAAAAAAAAAAAAAAAAAAAAAAAAAAAAAAAAAAAAAAAAAAAAAAAAAAAAAAAAAA/AAAAAAAAAKCGAQAAAAAAAAAAAAAAAAAMAAAAAQAAAAAAAAAAAAAAAAAAAB8AAABUAAAAAAAABQAAAAEAAAAAAAAAAAAAAAAAAAAAAAAAAAAAAAAAAAAAAAAAAAAAAAJ/f38AAAAAA8zMzADAwP8Af39/AAAAAAAAAAAAAAAAAAAAAAAAAAAAIQAAABgAAAAUAAAAoRkAABsnAABfMQAAWSkAABAAAAAmAAAACAAAAAAAAAAAAAAA"/>
               </a:ext>
             </a:extLst>
           </p:cNvSpPr>
@@ -1164,9 +1157,6 @@
           <a:lstStyle/>
           <a:p>
             <a:pPr/>
-            <a:r>
-              <a:t/>
-            </a:r>
           </a:p>
         </p:txBody>
       </p:sp>
@@ -1177,7 +1167,7 @@
             <a:spLocks noGrp="1" noChangeArrowheads="1"/>
             <a:extLst>
               <a:ext uri="smNativeData">
-                <pr:smNativeData xmlns:pr="smNativeData" xmlns="smNativeData" val="SMDATA_15_zA6NYhMAAAAlAAAAZAAAAA8BAAAAkAAAAEgAAACQAAAASAAAAAAAAAABAAAAAAAAAAEAAABQAAAAAAAAAAAA4D8AAAAAAADgPwAAAAAAAOA/AAAAAAAA4D8AAAAAAADgPwAAAAAAAOA/AAAAAAAA4D8AAAAAAADgPwAAAAAAAOA/AAAAAAAA4D8CAAAAjAAAAAAAAAAAAAAAu+DjDP///wgAAAAAAAAAAAAAAAAAAAAAAAAAAAAAAAAAAAAAZAAAAAEAAABAAAAAAAAAAAAAAAAAAAAAAAAAAAAAAAAAAAAAAAAAAAAAAAAAAAAAAAAAAAAAAAAAAAAAAAAAAAAAAAAAAAAAAAAAAAAAAAAAAAAAAAAAAAAAAAAAAAAAFAAAADwAAAAAAAAAAAAAAAAAAAkUAAAAAQAAABQAAAAUAAAAFAAAAAEAAAAAAAAAZAAAAGQAAAAAAAAAZAAAAGQAAAAVAAAAYAAAAAAAAAAAAAAADwAAACADAAAAAAAAAAAAAAEAAACgMgAAVgcAAKr4//8BAAAAf39/AAEAAABkAAAAAAAAABQAAABAHwAAAAAAACYAAAAAAAAAwOD//wAAAAAmAAAAZAAAABYAAABMAAAAAAAAAAAAAAAEAAAAAAAAAAEAAACAgIAKAAAAACgAAAAoAAAAZAAAAGQAAAAAAAAAzMzMAAAAAABQAAAAUAAAAGQAAABkAAAAAAAAABcAAAAUAAAAAAAAAAAAAAD/fwAA/38AAAAAAAAJAAAABAAAANw7IAEeAAAAaAAAAAAAAAAAAAAAAAAAAAAAAAAAAAAAECcAABAnAAAAAAAAAAAAAAAAAAAAAAAAAAAAAAAAAAAAAAAAAAAAABQAAAAAAAAAwMD/AAAAAABkAAAAMgAAAAAAAABkAAAAAAAAAH9/fwAKAAAAIgAAABgAAAAAAAAAAAAAAAAAAAAAAAAAAAAAAAAAAAAkAAAAJAAAAAAAAAAHAAAAAAAAAAAAAAAAAAAAAAAAAAAAAAAAAAAAf39/ACUAAABYAAAAAAAAAAAAAAAAAAAAAAAAAAAAAAAAAAAAAAAAAAAAAAAAAAAAAAAAAAAAAAA/AAAAAAAAAKCGAQAAAAAAAAAAAAAAAAAMAAAAAQAAAAAAAAAAAAAAAAAAAB8AAABUAAAAAAAABQAAAAEAAAAAAAAAAAAAAAAAAAAAAAAAAAAAAAAAAAAAAAAAAAAAAAJ/f38AAAAAA8zMzADAwP8Af39/AAAAAAAAAAAAAAAAAAAAAAAAAAAAIQAAABgAAAAUAAAAwTUAABsnAABARwAAWSkAABAAAAAmAAAACAAAAAAAAAAAAAAA"/>
+                <pr:smNativeData xmlns:pr="smNativeData" xmlns="smNativeData" val="SMDATA_15_eM6NYhMAAAAlAAAAZAAAAA8BAAAAkAAAAEgAAACQAAAASAAAAAAAAAABAAAAAAAAAAEAAABQAAAAAAAAAAAA4D8AAAAAAADgPwAAAAAAAOA/AAAAAAAA4D8AAAAAAADgPwAAAAAAAOA/AAAAAAAA4D8AAAAAAADgPwAAAAAAAOA/AAAAAAAA4D8CAAAAjAAAAAAAAAAAAAAAu+DjDP///wgAAAAAAAAAAAAAAAAAAAAAAAAAAAAAAAAAAAAAZAAAAAEAAABAAAAAAAAAAAAAAAAAAAAAAAAAAAAAAAAAAAAAAAAAAAAAAAAAAAAAAAAAAAAAAAAAAAAAAAAAAAAAAAAAAAAAAAAAAAAAAAAAAAAAAAAAAAAAAAAAAAAAFAAAADwAAAAAAAAAAAAAAAAAAAkUAAAAAQAAABQAAAAUAAAAFAAAAAEAAAAAAAAAZAAAAGQAAAAAAAAAZAAAAGQAAAAVAAAAYAAAAAAAAAAAAAAADwAAACADAAAAAAAAAAAAAAEAAACgMgAAVgcAAKr4//8BAAAAf39/AAEAAABkAAAAAAAAABQAAABAHwAAAAAAACYAAAAAAAAAwOD//wAAAAAmAAAAZAAAABYAAABMAAAAAAAAAAAAAAAEAAAAAAAAAAEAAACAgIAKAAAAACgAAAAoAAAAZAAAAGQAAAAAAAAAzMzMAAAAAABQAAAAUAAAAGQAAABkAAAAAAAAABcAAAAUAAAAAAAAAAAAAAD/fwAA/38AAAAAAAAJAAAABAAAANw7IAEeAAAAaAAAAAAAAAAAAAAAAAAAAAAAAAAAAAAAECcAABAnAAAAAAAAAAAAAAAAAAAAAAAAAAAAAAAAAAAAAAAAAAAAABQAAAAAAAAAwMD/AAAAAABkAAAAMgAAAAAAAABkAAAAAAAAAH9/fwAKAAAAIgAAABgAAAAAAAAAAAAAAAAAAAAAAAAAAAAAAAAAAAAkAAAAJAAAAAAAAAAHAAAAAAAAAAAAAAAAAAAAAAAAAAAAAAAAAAAAf39/ACUAAABYAAAAAAAAAAAAAAAAAAAAAAAAAAAAAAAAAAAAAAAAAAAAAAAAAAAAAAAAAAAAAAA/AAAAAAAAAKCGAQAAAAAAAAAAAAAAAAAMAAAAAQAAAAAAAAAAAAAAAAAAAB8AAABUAAAAAAAABQAAAAEAAAAAAAAAAAAAAAAAAAAAAAAAAAAAAAAAAAAAAAAAAAAAAAJ/f38AAAAAA8zMzADAwP8Af39/AAAAAAAAAAAAAAAAAAAAAAAAAAAAIQAAABgAAAAUAAAAwTUAABsnAABARwAAWSkAABAAAAAmAAAACAAAAAAAAAAAAAAA"/>
               </a:ext>
             </a:extLst>
           </p:cNvSpPr>
@@ -1191,7 +1181,7 @@
           <a:lstStyle/>
           <a:p>
             <a:pPr/>
-            <a:fld id="{310E26DB-95DC-5BD0-92B6-638568F86436}" type="slidenum">
+            <a:fld id="{2E3A08E1-AFC3-6FFE-8D82-59AB46CC7B0C}" type="slidenum">
               <a:t/>
             </a:fld>
           </a:p>
@@ -1202,6 +1192,7 @@
   <p:clrMapOvr>
     <a:masterClrMapping/>
   </p:clrMapOvr>
+  <p:hf hdr="0" ftr="0"/>
 </p:sldLayout>
 </file>
 
@@ -1229,7 +1220,7 @@
             <a:spLocks noGrp="1" noChangeArrowheads="1"/>
             <a:extLst>
               <a:ext uri="smNativeData">
-                <pr:smNativeData xmlns:pr="smNativeData" xmlns="smNativeData" val="SMDATA_15_zA6NYhMAAAAlAAAAZAAAAA8BAAAAkAAAAEgAAACQAAAASAAAAAAAAAABAAAAAAAAAAEAAABQAAAAAAAAAAAA4D8AAAAAAADgPwAAAAAAAOA/AAAAAAAA4D8AAAAAAADgPwAAAAAAAOA/AAAAAAAA4D8AAAAAAADgPwAAAAAAAOA/AAAAAAAA4D8CAAAAjAAAAAAAAAAAAAAAu+DjDP///wgAAAAAAAAAAAAAAAAAAAAAAAAAAAAAAAAAAAAAZAAAAAEAAABAAAAAAAAAAAAAAAAAAAAAAAAAAAAAAAAAAAAAAAAAAAAAAAAAAAAAAAAAAAAAAAAAAAAAAAAAAAAAAAAAAAAAAAAAAAAAAAAAAAAAAAAAAAAAAAAAAAAAFAAAADwAAAAAAAAAAAAAAAAAAAkUAAAAAQAAABQAAAAUAAAAFAAAAAEAAAAAAAAAZAAAAGQAAAAAAAAAZAAAAGQAAAAVAAAAYAAAAAAAAAAAAAAADwAAACADAAAAAAAAAAAAAAEAAACgMgAAVgcAAKr4//8BAAAAf39/AAEAAABkAAAAAAAAABQAAABAHwAAAAAAACYAAAAAAAAAwOD//wAAAAAmAAAAZAAAABYAAABMAAAAAAAAAAAAAAAEAAAAAAAAAAEAAACAgIAKAAAAACgAAAAoAAAAZAAAAGQAAAAAAAAAzMzMAAAAAABQAAAAUAAAAGQAAABkAAAAAAAAABcAAAAUAAAAAAAAAAAAAAD/fwAA/38AAAAAAAAJAAAABAAAANw7IAEeAAAAaAAAAAAAAAAAAAAAAAAAAAAAAAAAAAAAECcAABAnAAAAAAAAAAAAAAAAAAAAAAAAAAAAAAAAAAAAAAAAAAAAABQAAAAAAAAAwMD/AAAAAABkAAAAMgAAAAAAAABkAAAAAAAAAH9/fwAKAAAAIgAAABgAAAAAAAAAAAAAAAAAAAAAAAAAAAAAAAAAAAAkAAAAJAAAAAAAAAAHAAAAAAAAAAAAAAAAAAAAAAAAAAAAAAAAAAAAf39/ACUAAABYAAAAAAAAAAAAAAAAAAAAAAAAAAAAAAAAAAAAAAAAAAAAAAAAAAAAAAAAAAAAAAA/AAAAAAAAAKCGAQAAAAAAAAAAAAAAAAAMAAAAAQAAAAAAAAAAAAAAAAAAAB8AAABUAAAAAAAABQAAAAEAAAAAAAAAAAAAAAAAAAAAAAAAAAAAAAAAAAAAAAAAAAAAAAJ/f38AAAAAA8zMzADAwP8Af39/AAAAAAAAAAAAAAAAAAAAAAAAAAAAIQAAABgAAAAUAAAAwAMAALABAABARwAAuAgAABAAAAAmAAAACAAAAAAAAAAAAAAA"/>
+                <pr:smNativeData xmlns:pr="smNativeData" xmlns="smNativeData" val="SMDATA_15_eM6NYhMAAAAlAAAAZAAAAA8BAAAAkAAAAEgAAACQAAAASAAAAAAAAAABAAAAAAAAAAEAAABQAAAAAAAAAAAA4D8AAAAAAADgPwAAAAAAAOA/AAAAAAAA4D8AAAAAAADgPwAAAAAAAOA/AAAAAAAA4D8AAAAAAADgPwAAAAAAAOA/AAAAAAAA4D8CAAAAjAAAAAAAAAAAAAAAu+DjDP///wgAAAAAAAAAAAAAAAAAAAAAAAAAAAAAAAAAAAAAZAAAAAEAAABAAAAAAAAAAAAAAAAAAAAAAAAAAAAAAAAAAAAAAAAAAAAAAAAAAAAAAAAAAAAAAAAAAAAAAAAAAAAAAAAAAAAAAAAAAAAAAAAAAAAAAAAAAAAAAAAAAAAAFAAAADwAAAAAAAAAAAAAAAAAAAkUAAAAAQAAABQAAAAUAAAAFAAAAAEAAAAAAAAAZAAAAGQAAAAAAAAAZAAAAGQAAAAVAAAAYAAAAAAAAAAAAAAADwAAACADAAAAAAAAAAAAAAEAAACgMgAAVgcAAKr4//8BAAAAf39/AAEAAABkAAAAAAAAABQAAABAHwAAAAAAACYAAAAAAAAAwOD//wAAAAAmAAAAZAAAABYAAABMAAAAAAAAAAAAAAAEAAAAAAAAAAEAAACAgIAKAAAAACgAAAAoAAAAZAAAAGQAAAAAAAAAzMzMAAAAAABQAAAAUAAAAGQAAABkAAAAAAAAABcAAAAUAAAAAAAAAAAAAAD/fwAA/38AAAAAAAAJAAAABAAAANw7IAEeAAAAaAAAAAAAAAAAAAAAAAAAAAAAAAAAAAAAECcAABAnAAAAAAAAAAAAAAAAAAAAAAAAAAAAAAAAAAAAAAAAAAAAABQAAAAAAAAAwMD/AAAAAABkAAAAMgAAAAAAAABkAAAAAAAAAH9/fwAKAAAAIgAAABgAAAAAAAAAAAAAAAAAAAAAAAAAAAAAAAAAAAAkAAAAJAAAAAAAAAAHAAAAAAAAAAAAAAAAAAAAAAAAAAAAAAAAAAAAf39/ACUAAABYAAAAAAAAAAAAAAAAAAAAAAAAAAAAAAAAAAAAAAAAAAAAAAAAAAAAAAAAAAAAAAA/AAAAAAAAAKCGAQAAAAAAAAAAAAAAAAAMAAAAAQAAAAAAAAAAAAAAAAAAAB8AAABUAAAAAAAABQAAAAEAAAAAAAAAAAAAAAAAAAAAAAAAAAAAAAAAAAAAAAAAAAAAAAJ/f38AAAAAA8zMzADAwP8Af39/AAAAAAAAAAAAAAAAAAAAAAAAAAAAIQAAABgAAAAUAAAAwAMAALABAABARwAAuAgAABAAAAAmAAAACAAAAAAAAAAAAAAA"/>
               </a:ext>
             </a:extLst>
           </p:cNvSpPr>
@@ -1256,7 +1247,7 @@
             <a:spLocks noGrp="1" noChangeArrowheads="1"/>
             <a:extLst>
               <a:ext uri="smNativeData">
-                <pr:smNativeData xmlns:pr="smNativeData" xmlns="smNativeData" val="SMDATA_15_zA6NYhMAAAAlAAAAZAAAAA8BAAAAkAAAAEgAAACQAAAASAAAAAAAAAAAAAAAAAAAAAEAAABQAAAAAAAAAAAA4D8AAAAAAADgPwAAAAAAAOA/AAAAAAAA4D8AAAAAAADgPwAAAAAAAOA/AAAAAAAA4D8AAAAAAADgPwAAAAAAAOA/AAAAAAAA4D8CAAAAjAAAAAAAAAAAAAAAu+DjDP///wgAAAAAAAAAAAAAAAAAAAAAAAAAAAAAAAAAAAAAZAAAAAEAAABAAAAAAAAAAAAAAAAAAAAAAAAAAAAAAAAAAAAAAAAAAAAAAAAAAAAAAAAAAAAAAAAAAAAAAAAAAAAAAAAAAAAAAAAAAAAAAAAAAAAAAAAAAAAAAAAAAAAAFAAAADwAAAAAAAAAAAAAAAAAAAkUAAAAAQAAABQAAAAUAAAAFAAAAAEAAAAAAAAAZAAAAGQAAAAAAAAAZAAAAGQAAAAVAAAAYAAAAAAAAAAAAAAADwAAACADAAAAAAAAAAAAAAEAAACgMgAAVgcAAKr4//8BAAAAf39/AAEAAABkAAAAAAAAABQAAABAHwAAAAAAACYAAAAAAAAAwOD//wAAAAAmAAAAZAAAABYAAABMAAAAAAAAAAAAAAAEAAAAAAAAAAEAAACAgIAKAAAAACgAAAAoAAAAZAAAAGQAAAAAAAAAzMzMAAAAAABQAAAAUAAAAGQAAABkAAAAAAAAABcAAAAUAAAAAAAAAAAAAAD/fwAA/38AAAAAAAAJAAAABAAAANw7IAEeAAAAaAAAAAAAAAAAAAAAAAAAAAAAAAAAAAAAECcAABAnAAAAAAAAAAAAAAAAAAAAAAAAAAAAAAAAAAAAAAAAAAAAABQAAAAAAAAAwMD/AAAAAABkAAAAMgAAAAAAAABkAAAAAAAAAH9/fwAKAAAAIgAAABgAAAAAAAAAAAAAAAAAAAAAAAAAAAAAAAAAAAAkAAAAJAAAAAAAAAAHAAAAAAAAAAAAAAAAAAAAAAAAAAAAAAAAAAAAf39/ACUAAABYAAAAAAAAAAAAAAAAAAAAAAAAAAAAAAAAAAAAAAAAAAAAAAAAAAAAAAAAAAAAAAA/AAAAAAAAAKCGAQAAAAAAAAAAAAAAAAAMAAAAAQAAAAAAAAAAAAAAAAAAAB8AAABUAAAAAAAABQAAAAEAAAAAAAAAAAAAAAAAAAAAAAAAAAAAAAAAAAAAAAAAAAAAAAJ/f38AAAAAA8zMzADAwP8Af39/AAAAAAAAAAAAAAAAAAAAAAAAAAAAIQAAABgAAAAUAAAAwAMAANgJAADhJAAAsCUAABAAAAAmAAAACAAAAAGAAAAAAAAA"/>
+                <pr:smNativeData xmlns:pr="smNativeData" xmlns="smNativeData" val="SMDATA_15_eM6NYhMAAAAlAAAAZAAAAA8BAAAAkAAAAEgAAACQAAAASAAAAAAAAAAAAAAAAAAAAAEAAABQAAAAAAAAAAAA4D8AAAAAAADgPwAAAAAAAOA/AAAAAAAA4D8AAAAAAADgPwAAAAAAAOA/AAAAAAAA4D8AAAAAAADgPwAAAAAAAOA/AAAAAAAA4D8CAAAAjAAAAAAAAAAAAAAAu+DjDP///wgAAAAAAAAAAAAAAAAAAAAAAAAAAAAAAAAAAAAAZAAAAAEAAABAAAAAAAAAAAAAAAAAAAAAAAAAAAAAAAAAAAAAAAAAAAAAAAAAAAAAAAAAAAAAAAAAAAAAAAAAAAAAAAAAAAAAAAAAAAAAAAAAAAAAAAAAAAAAAAAAAAAAFAAAADwAAAAAAAAAAAAAAAAAAAkUAAAAAQAAABQAAAAUAAAAFAAAAAEAAAAAAAAAZAAAAGQAAAAAAAAAZAAAAGQAAAAVAAAAYAAAAAAAAAAAAAAADwAAACADAAAAAAAAAAAAAAEAAACgMgAAVgcAAKr4//8BAAAAf39/AAEAAABkAAAAAAAAABQAAABAHwAAAAAAACYAAAAAAAAAwOD//wAAAAAmAAAAZAAAABYAAABMAAAAAAAAAAAAAAAEAAAAAAAAAAEAAACAgIAKAAAAACgAAAAoAAAAZAAAAGQAAAAAAAAAzMzMAAAAAABQAAAAUAAAAGQAAABkAAAAAAAAABcAAAAUAAAAAAAAAAAAAAD/fwAA/38AAAAAAAAJAAAABAAAANw7IAEeAAAAaAAAAAAAAAAAAAAAAAAAAAAAAAAAAAAAECcAABAnAAAAAAAAAAAAAAAAAAAAAAAAAAAAAAAAAAAAAAAAAAAAABQAAAAAAAAAwMD/AAAAAABkAAAAMgAAAAAAAABkAAAAAAAAAH9/fwAKAAAAIgAAABgAAAAAAAAAAAAAAAAAAAAAAAAAAAAAAAAAAAAkAAAAJAAAAAAAAAAHAAAAAAAAAAAAAAAAAAAAAAAAAAAAAAAAAAAAf39/ACUAAABYAAAAAAAAAAAAAAAAAAAAAAAAAAAAAAAAAAAAAAAAAAAAAAAAAAAAAAAAAAAAAAA/AAAAAAAAAKCGAQAAAAAAAAAAAAAAAAAMAAAAAQAAAAAAAAAAAAAAAAAAAB8AAABUAAAAAAAABQAAAAEAAAAAAAAAAAAAAAAAAAAAAAAAAAAAAAAAAAAAAAAAAAAAAAJ/f38AAAAAA8zMzADAwP8Af39/AAAAAAAAAAAAAAAAAAAAAAAAAAAAIQAAABgAAAAUAAAAwAMAANgJAADhJAAAsCUAABAAAAAmAAAACAAAAAGAAAAAAAAA"/>
               </a:ext>
             </a:extLst>
           </p:cNvSpPr>
@@ -1340,7 +1331,7 @@
             <a:spLocks noGrp="1" noChangeArrowheads="1"/>
             <a:extLst>
               <a:ext uri="smNativeData">
-                <pr:smNativeData xmlns:pr="smNativeData" xmlns="smNativeData" val="SMDATA_15_zA6NYhMAAAAlAAAAZAAAAA8BAAAAkAAAAEgAAACQAAAASAAAAAAAAAAAAAAAAAAAAAEAAABQAAAAAAAAAAAA4D8AAAAAAADgPwAAAAAAAOA/AAAAAAAA4D8AAAAAAADgPwAAAAAAAOA/AAAAAAAA4D8AAAAAAADgPwAAAAAAAOA/AAAAAAAA4D8CAAAAjAAAAAAAAAAAAAAAu+DjDP///wgAAAAAAAAAAAAAAAAAAAAAAAAAAAAAAAAAAAAAZAAAAAEAAABAAAAAAAAAAAAAAAAAAAAAAAAAAAAAAAAAAAAAAAAAAAAAAAAAAAAAAAAAAAAAAAAAAAAAAAAAAAAAAAAAAAAAAAAAAAAAAAAAAAAAAAAAAAAAAAAAAAAAFAAAADwAAAAAAAAAAAAAAAAAAAkUAAAAAQAAABQAAAAUAAAAFAAAAAEAAAAAAAAAZAAAAGQAAAAAAAAAZAAAAGQAAAAVAAAAYAAAAAAAAAAAAAAADwAAACADAAAAAAAAAAAAAAEAAACgMgAAVgcAAKr4//8BAAAAf39/AAEAAABkAAAAAAAAABQAAABAHwAAAAAAACYAAAAAAAAAwOD//wAAAAAmAAAAZAAAABYAAABMAAAAAAAAAAAAAAAEAAAAAAAAAAEAAACAgIAKAAAAACgAAAAoAAAAZAAAAGQAAAAAAAAAzMzMAAAAAABQAAAAUAAAAGQAAABkAAAAAAAAABcAAAAUAAAAAAAAAAAAAAD/fwAA/38AAAAAAAAJAAAABAAAANw7IAEeAAAAaAAAAAAAAAAAAAAAAAAAAAAAAAAAAAAAECcAABAnAAAAAAAAAAAAAAAAAAAAAAAAAAAAAAAAAAAAAAAAAAAAABQAAAAAAAAAwMD/AAAAAABkAAAAMgAAAAAAAABkAAAAAAAAAH9/fwAKAAAAIgAAABgAAAAAAAAAAAAAAAAAAAAAAAAAAAAAAAAAAAAkAAAAJAAAAAAAAAAHAAAAAAAAAAAAAAAAAAAAAAAAAAAAAAAAAAAAf39/ACUAAABYAAAAAAAAAAAAAAAAAAAAAAAAAAAAAAAAAAAAAAAAAAAAAAAAAAAAAAAAAAAAAAA/AAAAAAAAAKCGAQAAAAAAAAAAAAAAAAAMAAAAAQAAAAAAAAAAAAAAAAAAAB8AAABUAAAAAAAABQAAAAEAAAAAAAAAAAAAAAAAAAAAAAAAAAAAAAAAAAAAAAAAAAAAAAJ/f38AAAAAA8zMzADAwP8Af39/AAAAAAAAAAAAAAAAAAAAAAAAAAAAIQAAABgAAAAUAAAAHyYAANgJAABARwAAsCUAABAAAAAmAAAACAAAAAGAAAAAAAAA"/>
+                <pr:smNativeData xmlns:pr="smNativeData" xmlns="smNativeData" val="SMDATA_15_eM6NYhMAAAAlAAAAZAAAAA8BAAAAkAAAAEgAAACQAAAASAAAAAAAAAAAAAAAAAAAAAEAAABQAAAAAAAAAAAA4D8AAAAAAADgPwAAAAAAAOA/AAAAAAAA4D8AAAAAAADgPwAAAAAAAOA/AAAAAAAA4D8AAAAAAADgPwAAAAAAAOA/AAAAAAAA4D8CAAAAjAAAAAAAAAAAAAAAu+DjDP///wgAAAAAAAAAAAAAAAAAAAAAAAAAAAAAAAAAAAAAZAAAAAEAAABAAAAAAAAAAAAAAAAAAAAAAAAAAAAAAAAAAAAAAAAAAAAAAAAAAAAAAAAAAAAAAAAAAAAAAAAAAAAAAAAAAAAAAAAAAAAAAAAAAAAAAAAAAAAAAAAAAAAAFAAAADwAAAAAAAAAAAAAAAAAAAkUAAAAAQAAABQAAAAUAAAAFAAAAAEAAAAAAAAAZAAAAGQAAAAAAAAAZAAAAGQAAAAVAAAAYAAAAAAAAAAAAAAADwAAACADAAAAAAAAAAAAAAEAAACgMgAAVgcAAKr4//8BAAAAf39/AAEAAABkAAAAAAAAABQAAABAHwAAAAAAACYAAAAAAAAAwOD//wAAAAAmAAAAZAAAABYAAABMAAAAAAAAAAAAAAAEAAAAAAAAAAEAAACAgIAKAAAAACgAAAAoAAAAZAAAAGQAAAAAAAAAzMzMAAAAAABQAAAAUAAAAGQAAABkAAAAAAAAABcAAAAUAAAAAAAAAAAAAAD/fwAA/38AAAAAAAAJAAAABAAAANw7IAEeAAAAaAAAAAAAAAAAAAAAAAAAAAAAAAAAAAAAECcAABAnAAAAAAAAAAAAAAAAAAAAAAAAAAAAAAAAAAAAAAAAAAAAABQAAAAAAAAAwMD/AAAAAABkAAAAMgAAAAAAAABkAAAAAAAAAH9/fwAKAAAAIgAAABgAAAAAAAAAAAAAAAAAAAAAAAAAAAAAAAAAAAAkAAAAJAAAAAAAAAAHAAAAAAAAAAAAAAAAAAAAAAAAAAAAAAAAAAAAf39/ACUAAABYAAAAAAAAAAAAAAAAAAAAAAAAAAAAAAAAAAAAAAAAAAAAAAAAAAAAAAAAAAAAAAA/AAAAAAAAAKCGAQAAAAAAAAAAAAAAAAAMAAAAAQAAAAAAAAAAAAAAAAAAAB8AAABUAAAAAAAABQAAAAEAAAAAAAAAAAAAAAAAAAAAAAAAAAAAAAAAAAAAAAAAAAAAAAJ/f38AAAAAA8zMzADAwP8Af39/AAAAAAAAAAAAAAAAAAAAAAAAAAAAIQAAABgAAAAUAAAAHyYAANgJAABARwAAsCUAABAAAAAmAAAACAAAAAGAAAAAAAAA"/>
               </a:ext>
             </a:extLst>
           </p:cNvSpPr>
@@ -1424,7 +1415,7 @@
             <a:spLocks noGrp="1" noChangeArrowheads="1"/>
             <a:extLst>
               <a:ext uri="smNativeData">
-                <pr:smNativeData xmlns:pr="smNativeData" xmlns="smNativeData" val="SMDATA_15_zA6NYhMAAAAlAAAAZAAAAA8BAAAAkAAAAEgAAACQAAAASAAAAAAAAAABAAAAAAAAAAEAAABQAAAAAAAAAAAA4D8AAAAAAADgPwAAAAAAAOA/AAAAAAAA4D8AAAAAAADgPwAAAAAAAOA/AAAAAAAA4D8AAAAAAADgPwAAAAAAAOA/AAAAAAAA4D8CAAAAjAAAAAAAAAAAAAAAu+DjDP///wgAAAAAAAAAAAAAAAAAAAAAAAAAAAAAAAAAAAAAZAAAAAEAAABAAAAAAAAAAAAAAAAAAAAAAAAAAAAAAAAAAAAAAAAAAAAAAAAAAAAAAAAAAAAAAAAAAAAAAAAAAAAAAAAAAAAAAAAAAAAAAAAAAAAAAAAAAAAAAAAAAAAAFAAAADwAAAAAAAAAAAAAAAAAAAkUAAAAAQAAABQAAAAUAAAAFAAAAAEAAAAAAAAAZAAAAGQAAAAAAAAAZAAAAGQAAAAVAAAAYAAAAAAAAAAAAAAADwAAACADAAAAAAAAAAAAAAEAAACgMgAAVgcAAKr4//8BAAAAf39/AAEAAABkAAAAAAAAABQAAABAHwAAAAAAACYAAAAAAAAAwOD//wAAAAAmAAAAZAAAABYAAABMAAAAAAAAAAAAAAAEAAAAAAAAAAEAAACAgIAKAAAAACgAAAAoAAAAZAAAAGQAAAAAAAAAzMzMAAAAAABQAAAAUAAAAGQAAABkAAAAAAAAABcAAAAUAAAAAAAAAAAAAAD/fwAA/38AAAAAAAAJAAAABAAAANw7IAEeAAAAaAAAAAAAAAAAAAAAAAAAAAAAAAAAAAAAECcAABAnAAAAAAAAAAAAAAAAAAAAAAAAAAAAAAAAAAAAAAAAAAAAABQAAAAAAAAAwMD/AAAAAABkAAAAMgAAAAAAAABkAAAAAAAAAH9/fwAKAAAAIgAAABgAAAAAAAAAAAAAAAAAAAAAAAAAAAAAAAAAAAAkAAAAJAAAAAAAAAAHAAAAAAAAAAAAAAAAAAAAAAAAAAAAAAAAAAAAf39/ACUAAABYAAAAAAAAAAAAAAAAAAAAAAAAAAAAAAAAAAAAAAAAAAAAAAAAAAAAAAAAAAAAAAA/AAAAAAAAAKCGAQAAAAAAAAAAAAAAAAAMAAAAAQAAAAAAAAAAAAAAAAAAAB8AAABUAAAAAAAABQAAAAEAAAAAAAAAAAAAAAAAAAAAAAAAAAAAAAAAAAAAAAAAAAAAAAJ/f38AAAAAA8zMzADAwP8Af39/AAAAAAAAAAAAAAAAAAAAAAAAAAAAIQAAABgAAAAUAAAAwAMAABsnAAA/FQAAWSkAABAAAAAmAAAACAAAAAAAAAAAAAAA"/>
+                <pr:smNativeData xmlns:pr="smNativeData" xmlns="smNativeData" val="SMDATA_15_eM6NYhMAAAAlAAAAZAAAAA8BAAAAkAAAAEgAAACQAAAASAAAAAAAAAABAAAAAAAAAAEAAABQAAAAAAAAAAAA4D8AAAAAAADgPwAAAAAAAOA/AAAAAAAA4D8AAAAAAADgPwAAAAAAAOA/AAAAAAAA4D8AAAAAAADgPwAAAAAAAOA/AAAAAAAA4D8CAAAAjAAAAAAAAAAAAAAAu+DjDP///wgAAAAAAAAAAAAAAAAAAAAAAAAAAAAAAAAAAAAAZAAAAAEAAABAAAAAAAAAAAAAAAAAAAAAAAAAAAAAAAAAAAAAAAAAAAAAAAAAAAAAAAAAAAAAAAAAAAAAAAAAAAAAAAAAAAAAAAAAAAAAAAAAAAAAAAAAAAAAAAAAAAAAFAAAADwAAAAAAAAAAAAAAAAAAAkUAAAAAQAAABQAAAAUAAAAFAAAAAEAAAAAAAAAZAAAAGQAAAAAAAAAZAAAAGQAAAAVAAAAYAAAAAAAAAAAAAAADwAAACADAAAAAAAAAAAAAAEAAACgMgAAVgcAAKr4//8BAAAAf39/AAEAAABkAAAAAAAAABQAAABAHwAAAAAAACYAAAAAAAAAwOD//wAAAAAmAAAAZAAAABYAAABMAAAAAAAAAAAAAAAEAAAAAAAAAAEAAACAgIAKAAAAACgAAAAoAAAAZAAAAGQAAAAAAAAAzMzMAAAAAABQAAAAUAAAAGQAAABkAAAAAAAAABcAAAAUAAAAAAAAAAAAAAD/fwAA/38AAAAAAAAJAAAABAAAANw7IAEeAAAAaAAAAAAAAAAAAAAAAAAAAAAAAAAAAAAAECcAABAnAAAAAAAAAAAAAAAAAAAAAAAAAAAAAAAAAAAAAAAAAAAAABQAAAAAAAAAwMD/AAAAAABkAAAAMgAAAAAAAABkAAAAAAAAAH9/fwAKAAAAIgAAABgAAAAAAAAAAAAAAAAAAAAAAAAAAAAAAAAAAAAkAAAAJAAAAAAAAAAHAAAAAAAAAAAAAAAAAAAAAAAAAAAAAAAAAAAAf39/ACUAAABYAAAAAAAAAAAAAAAAAAAAAAAAAAAAAAAAAAAAAAAAAAAAAAAAAAAAAAAAAAAAAAA/AAAAAAAAAKCGAQAAAAAAAAAAAAAAAAAMAAAAAQAAAAAAAAAAAAAAAAAAAB8AAABUAAAAAAAABQAAAAEAAAAAAAAAAAAAAAAAAAAAAAAAAAAAAAAAAAAAAAAAAAAAAAJ/f38AAAAAA8zMzADAwP8Af39/AAAAAAAAAAAAAAAAAAAAAAAAAAAAIQAAABgAAAAUAAAAwAMAABsnAAA/FQAAWSkAABAAAAAmAAAACAAAAAAAAAAAAAAA"/>
               </a:ext>
             </a:extLst>
           </p:cNvSpPr>
@@ -1438,7 +1429,7 @@
           <a:lstStyle/>
           <a:p>
             <a:pPr/>
-            <a:fld id="{310E1824-6ADC-5BEE-92B6-9CBB56F864C9}" type="datetime1">
+            <a:fld id="{2E3A12FF-B1C3-6FE4-8D82-47B15CCC7B12}" type="datetime1">
               <a:t/>
             </a:fld>
           </a:p>
@@ -1451,7 +1442,7 @@
             <a:spLocks noGrp="1" noChangeArrowheads="1"/>
             <a:extLst>
               <a:ext uri="smNativeData">
-                <pr:smNativeData xmlns:pr="smNativeData" xmlns="smNativeData" val="SMDATA_15_zA6NYhMAAAAlAAAAZAAAAA8BAAAAkAAAAEgAAACQAAAASAAAAAAAAAABAAAAAAAAAAEAAABQAAAAAAAAAAAA4D8AAAAAAADgPwAAAAAAAOA/AAAAAAAA4D8AAAAAAADgPwAAAAAAAOA/AAAAAAAA4D8AAAAAAADgPwAAAAAAAOA/AAAAAAAA4D8CAAAAjAAAAAAAAAAAAAAAu+DjDP///wgAAAAAAAAAAAAAAAAAAAAAAAAAAAAAAAAAAAAAZAAAAAEAAABAAAAAAAAAAAAAAAAAAAAAAAAAAAAAAAAAAAAAAAAAAAAAAAAAAAAAAAAAAAAAAAAAAAAAAAAAAAAAAAAAAAAAAAAAAAAAAAAAAAAAAAAAAAAAAAAAAAAAFAAAADwAAAAAAAAAAAAAAAAAAAkUAAAAAQAAABQAAAAUAAAAFAAAAAEAAAAAAAAAZAAAAGQAAAAAAAAAZAAAAGQAAAAVAAAAYAAAAAAAAAAAAAAADwAAACADAAAAAAAAAAAAAAEAAACgMgAAVgcAAKr4//8BAAAAf39/AAEAAABkAAAAAAAAABQAAABAHwAAAAAAACYAAAAAAAAAwOD//wAAAAAmAAAAZAAAABYAAABMAAAAAAAAAAAAAAAEAAAAAAAAAAEAAACAgIAKAAAAACgAAAAoAAAAZAAAAGQAAAAAAAAAzMzMAAAAAABQAAAAUAAAAGQAAABkAAAAAAAAABcAAAAUAAAAAAAAAAAAAAD/fwAA/38AAAAAAAAJAAAABAAAANw7IAEeAAAAaAAAAAAAAAAAAAAAAAAAAAAAAAAAAAAAECcAABAnAAAAAAAAAAAAAAAAAAAAAAAAAAAAAAAAAAAAAAAAAAAAABQAAAAAAAAAwMD/AAAAAABkAAAAMgAAAAAAAABkAAAAAAAAAH9/fwAKAAAAIgAAABgAAAAAAAAAAAAAAAAAAAAAAAAAAAAAAAAAAAAkAAAAJAAAAAAAAAAHAAAAAAAAAAAAAAAAAAAAAAAAAAAAAAAAAAAAf39/ACUAAABYAAAAAAAAAAAAAAAAAAAAAAAAAAAAAAAAAAAAAAAAAAAAAAAAAAAAAAAAAAAAAAA/AAAAAAAAAKCGAQAAAAAAAAAAAAAAAAAMAAAAAQAAAAAAAAAAAAAAAAAAAB8AAABUAAAAAAAABQAAAAEAAAAAAAAAAAAAAAAAAAAAAAAAAAAAAAAAAAAAAAAAAAAAAAJ/f38AAAAAA8zMzADAwP8Af39/AAAAAAAAAAAAAAAAAAAAAAAAAAAAIQAAABgAAAAUAAAAoRkAABsnAABfMQAAWSkAABAAAAAmAAAACAAAAAAAAAAAAAAA"/>
+                <pr:smNativeData xmlns:pr="smNativeData" xmlns="smNativeData" val="SMDATA_15_eM6NYhMAAAAlAAAAZAAAAA8BAAAAkAAAAEgAAACQAAAASAAAAAAAAAABAAAAAAAAAAEAAABQAAAAAAAAAAAA4D8AAAAAAADgPwAAAAAAAOA/AAAAAAAA4D8AAAAAAADgPwAAAAAAAOA/AAAAAAAA4D8AAAAAAADgPwAAAAAAAOA/AAAAAAAA4D8CAAAAjAAAAAAAAAAAAAAAu+DjDP///wgAAAAAAAAAAAAAAAAAAAAAAAAAAAAAAAAAAAAAZAAAAAEAAABAAAAAAAAAAAAAAAAAAAAAAAAAAAAAAAAAAAAAAAAAAAAAAAAAAAAAAAAAAAAAAAAAAAAAAAAAAAAAAAAAAAAAAAAAAAAAAAAAAAAAAAAAAAAAAAAAAAAAFAAAADwAAAAAAAAAAAAAAAAAAAkUAAAAAQAAABQAAAAUAAAAFAAAAAEAAAAAAAAAZAAAAGQAAAAAAAAAZAAAAGQAAAAVAAAAYAAAAAAAAAAAAAAADwAAACADAAAAAAAAAAAAAAEAAACgMgAAVgcAAKr4//8BAAAAf39/AAEAAABkAAAAAAAAABQAAABAHwAAAAAAACYAAAAAAAAAwOD//wAAAAAmAAAAZAAAABYAAABMAAAAAAAAAAAAAAAEAAAAAAAAAAEAAACAgIAKAAAAACgAAAAoAAAAZAAAAGQAAAAAAAAAzMzMAAAAAABQAAAAUAAAAGQAAABkAAAAAAAAABcAAAAUAAAAAAAAAAAAAAD/fwAA/38AAAAAAAAJAAAABAAAANw7IAEeAAAAaAAAAAAAAAAAAAAAAAAAAAAAAAAAAAAAECcAABAnAAAAAAAAAAAAAAAAAAAAAAAAAAAAAAAAAAAAAAAAAAAAABQAAAAAAAAAwMD/AAAAAABkAAAAMgAAAAAAAABkAAAAAAAAAH9/fwAKAAAAIgAAABgAAAAAAAAAAAAAAAAAAAAAAAAAAAAAAAAAAAAkAAAAJAAAAAAAAAAHAAAAAAAAAAAAAAAAAAAAAAAAAAAAAAAAAAAAf39/ACUAAABYAAAAAAAAAAAAAAAAAAAAAAAAAAAAAAAAAAAAAAAAAAAAAAAAAAAAAAAAAAAAAAA/AAAAAAAAAKCGAQAAAAAAAAAAAAAAAAAMAAAAAQAAAAAAAAAAAAAAAAAAAB8AAABUAAAAAAAABQAAAAEAAAAAAAAAAAAAAAAAAAAAAAAAAAAAAAAAAAAAAAAAAAAAAAJ/f38AAAAAA8zMzADAwP8Af39/AAAAAAAAAAAAAAAAAAAAAAAAAAAAIQAAABgAAAAUAAAAoRkAABsnAABfMQAAWSkAABAAAAAmAAAACAAAAAAAAAAAAAAA"/>
               </a:ext>
             </a:extLst>
           </p:cNvSpPr>
@@ -1465,9 +1456,6 @@
           <a:lstStyle/>
           <a:p>
             <a:pPr/>
-            <a:r>
-              <a:t/>
-            </a:r>
           </a:p>
         </p:txBody>
       </p:sp>
@@ -1478,7 +1466,7 @@
             <a:spLocks noGrp="1" noChangeArrowheads="1"/>
             <a:extLst>
               <a:ext uri="smNativeData">
-                <pr:smNativeData xmlns:pr="smNativeData" xmlns="smNativeData" val="SMDATA_15_zA6NYhMAAAAlAAAAZAAAAA8BAAAAkAAAAEgAAACQAAAASAAAAAAAAAABAAAAAAAAAAEAAABQAAAAAAAAAAAA4D8AAAAAAADgPwAAAAAAAOA/AAAAAAAA4D8AAAAAAADgPwAAAAAAAOA/AAAAAAAA4D8AAAAAAADgPwAAAAAAAOA/AAAAAAAA4D8CAAAAjAAAAAAAAAAAAAAAu+DjDP///wgAAAAAAAAAAAAAAAAAAAAAAAAAAAAAAAAAAAAAZAAAAAEAAABAAAAAAAAAAAAAAAAAAAAAAAAAAAAAAAAAAAAAAAAAAAAAAAAAAAAAAAAAAAAAAAAAAAAAAAAAAAAAAAAAAAAAAAAAAAAAAAAAAAAAAAAAAAAAAAAAAAAAFAAAADwAAAAAAAAAAAAAAAAAAAkUAAAAAQAAABQAAAAUAAAAFAAAAAEAAAAAAAAAZAAAAGQAAAAAAAAAZAAAAGQAAAAVAAAAYAAAAAAAAAAAAAAADwAAACADAAAAAAAAAAAAAAEAAACgMgAAVgcAAKr4//8BAAAAf39/AAEAAABkAAAAAAAAABQAAABAHwAAAAAAACYAAAAAAAAAwOD//wAAAAAmAAAAZAAAABYAAABMAAAAAAAAAAAAAAAEAAAAAAAAAAEAAACAgIAKAAAAACgAAAAoAAAAZAAAAGQAAAAAAAAAzMzMAAAAAABQAAAAUAAAAGQAAABkAAAAAAAAABcAAAAUAAAAAAAAAAAAAAD/fwAA/38AAAAAAAAJAAAABAAAANw7IAEeAAAAaAAAAAAAAAAAAAAAAAAAAAAAAAAAAAAAECcAABAnAAAAAAAAAAAAAAAAAAAAAAAAAAAAAAAAAAAAAAAAAAAAABQAAAAAAAAAwMD/AAAAAABkAAAAMgAAAAAAAABkAAAAAAAAAH9/fwAKAAAAIgAAABgAAAAAAAAAAAAAAAAAAAAAAAAAAAAAAAAAAAAkAAAAJAAAAAAAAAAHAAAAAAAAAAAAAAAAAAAAAAAAAAAAAAAAAAAAf39/ACUAAABYAAAAAAAAAAAAAAAAAAAAAAAAAAAAAAAAAAAAAAAAAAAAAAAAAAAAAAAAAAAAAAA/AAAAAAAAAKCGAQAAAAAAAAAAAAAAAAAMAAAAAQAAAAAAAAAAAAAAAAAAAB8AAABUAAAAAAAABQAAAAEAAAAAAAAAAAAAAAAAAAAAAAAAAAAAAAAAAAAAAAAAAAAAAAJ/f38AAAAAA8zMzADAwP8Af39/AAAAAAAAAAAAAAAAAAAAAAAAAAAAIQAAABgAAAAUAAAAwTUAABsnAABARwAAWSkAABAAAAAmAAAACAAAAAAAAAAAAAAA"/>
+                <pr:smNativeData xmlns:pr="smNativeData" xmlns="smNativeData" val="SMDATA_15_eM6NYhMAAAAlAAAAZAAAAA8BAAAAkAAAAEgAAACQAAAASAAAAAAAAAABAAAAAAAAAAEAAABQAAAAAAAAAAAA4D8AAAAAAADgPwAAAAAAAOA/AAAAAAAA4D8AAAAAAADgPwAAAAAAAOA/AAAAAAAA4D8AAAAAAADgPwAAAAAAAOA/AAAAAAAA4D8CAAAAjAAAAAAAAAAAAAAAu+DjDP///wgAAAAAAAAAAAAAAAAAAAAAAAAAAAAAAAAAAAAAZAAAAAEAAABAAAAAAAAAAAAAAAAAAAAAAAAAAAAAAAAAAAAAAAAAAAAAAAAAAAAAAAAAAAAAAAAAAAAAAAAAAAAAAAAAAAAAAAAAAAAAAAAAAAAAAAAAAAAAAAAAAAAAFAAAADwAAAAAAAAAAAAAAAAAAAkUAAAAAQAAABQAAAAUAAAAFAAAAAEAAAAAAAAAZAAAAGQAAAAAAAAAZAAAAGQAAAAVAAAAYAAAAAAAAAAAAAAADwAAACADAAAAAAAAAAAAAAEAAACgMgAAVgcAAKr4//8BAAAAf39/AAEAAABkAAAAAAAAABQAAABAHwAAAAAAACYAAAAAAAAAwOD//wAAAAAmAAAAZAAAABYAAABMAAAAAAAAAAAAAAAEAAAAAAAAAAEAAACAgIAKAAAAACgAAAAoAAAAZAAAAGQAAAAAAAAAzMzMAAAAAABQAAAAUAAAAGQAAABkAAAAAAAAABcAAAAUAAAAAAAAAAAAAAD/fwAA/38AAAAAAAAJAAAABAAAANw7IAEeAAAAaAAAAAAAAAAAAAAAAAAAAAAAAAAAAAAAECcAABAnAAAAAAAAAAAAAAAAAAAAAAAAAAAAAAAAAAAAAAAAAAAAABQAAAAAAAAAwMD/AAAAAABkAAAAMgAAAAAAAABkAAAAAAAAAH9/fwAKAAAAIgAAABgAAAAAAAAAAAAAAAAAAAAAAAAAAAAAAAAAAAAkAAAAJAAAAAAAAAAHAAAAAAAAAAAAAAAAAAAAAAAAAAAAAAAAAAAAf39/ACUAAABYAAAAAAAAAAAAAAAAAAAAAAAAAAAAAAAAAAAAAAAAAAAAAAAAAAAAAAAAAAAAAAA/AAAAAAAAAKCGAQAAAAAAAAAAAAAAAAAMAAAAAQAAAAAAAAAAAAAAAAAAAB8AAABUAAAAAAAABQAAAAEAAAAAAAAAAAAAAAAAAAAAAAAAAAAAAAAAAAAAAAAAAAAAAAJ/f38AAAAAA8zMzADAwP8Af39/AAAAAAAAAAAAAAAAAAAAAAAAAAAAIQAAABgAAAAUAAAAwTUAABsnAABARwAAWSkAABAAAAAmAAAACAAAAAAAAAAAAAAA"/>
               </a:ext>
             </a:extLst>
           </p:cNvSpPr>
@@ -1492,7 +1480,7 @@
           <a:lstStyle/>
           <a:p>
             <a:pPr/>
-            <a:fld id="{310E19C7-89DC-5BEF-92B6-7FBA57F8642A}" type="slidenum">
+            <a:fld id="{2E3A2244-0AC3-6FD4-8D82-FC816CCC7BA9}" type="slidenum">
               <a:t/>
             </a:fld>
           </a:p>
@@ -1503,6 +1491,7 @@
   <p:clrMapOvr>
     <a:masterClrMapping/>
   </p:clrMapOvr>
+  <p:hf hdr="0" ftr="0"/>
 </p:sldLayout>
 </file>
 
@@ -1530,7 +1519,7 @@
             <a:spLocks noGrp="1" noChangeArrowheads="1"/>
             <a:extLst>
               <a:ext uri="smNativeData">
-                <pr:smNativeData xmlns:pr="smNativeData" xmlns="smNativeData" val="SMDATA_15_zA6NYhMAAAAlAAAAZAAAAA8BAAAAkAAAAEgAAACQAAAASAAAAAAAAAABAAAAAAAAAAEAAABQAAAAAAAAAAAA4D8AAAAAAADgPwAAAAAAAOA/AAAAAAAA4D8AAAAAAADgPwAAAAAAAOA/AAAAAAAA4D8AAAAAAADgPwAAAAAAAOA/AAAAAAAA4D8CAAAAjAAAAAAAAAAAAAAAu+DjDP///wgAAAAAAAAAAAAAAAAAAAAAAAAAAAAAAAAAAAAAZAAAAAEAAABAAAAAAAAAAAAAAAAAAAAAAAAAAAAAAAAAAAAAAAAAAAAAAAAAAAAAAAAAAAAAAAAAAAAAAAAAAAAAAAAAAAAAAAAAAAAAAAAAAAAAAAAAAAAAAAAAAAAAFAAAADwAAAAAAAAAAAAAAAAAAAkUAAAAAQAAABQAAAAUAAAAFAAAAAEAAAAAAAAAZAAAAGQAAAAAAAAAZAAAAGQAAAAVAAAAYAAAAAAAAAAAAAAADwAAACADAAAAAAAAAAAAAAEAAACgMgAAVgcAAKr4//8BAAAAf39/AAEAAABkAAAAAAAAABQAAABAHwAAAAAAACYAAAAAAAAAwOD//wAAAAAmAAAAZAAAABYAAABMAAAAAAAAAAAAAAAEAAAAAAAAAAEAAACAgIAKAAAAACgAAAAoAAAAZAAAAGQAAAAAAAAAzMzMAAAAAABQAAAAUAAAAGQAAABkAAAAAAAAABcAAAAUAAAAAAAAAAAAAAD/fwAA/38AAAAAAAAJAAAABAAAANw7IAEeAAAAaAAAAAAAAAAAAAAAAAAAAAAAAAAAAAAAECcAABAnAAAAAAAAAAAAAAAAAAAAAAAAAAAAAAAAAAAAAAAAAAAAABQAAAAAAAAAwMD/AAAAAABkAAAAMgAAAAAAAABkAAAAAAAAAH9/fwAKAAAAIgAAABgAAAAAAAAAAAAAAAAAAAAAAAAAAAAAAAAAAAAkAAAAJAAAAAAAAAAHAAAAAAAAAAAAAAAAAAAAAAAAAAAAAAAAAAAAf39/ACUAAABYAAAAAAAAAAAAAAAAAAAAAAAAAAAAAAAAAAAAAAAAAAAAAAAAAAAAAAAAAAAAAAA/AAAAAAAAAKCGAQAAAAAAAAAAAAAAAAAMAAAAAQAAAAAAAAAAAAAAAAAAAB8AAABUAAAAAAAABQAAAAEAAAAAAAAAAAAAAAAAAAAAAAAAAAAAAAAAAAAAAAAAAAAAAAJ/f38AAAAAA8zMzADAwP8Af39/AAAAAAAAAAAAAAAAAAAAAAAAAAAAIQAAABgAAAAUAAAAwAMAALABAABARwAAuAgAABAAAAAmAAAACAAAAAAAAAAAAAAA"/>
+                <pr:smNativeData xmlns:pr="smNativeData" xmlns="smNativeData" val="SMDATA_15_eM6NYhMAAAAlAAAAZAAAAA8BAAAAkAAAAEgAAACQAAAASAAAAAAAAAABAAAAAAAAAAEAAABQAAAAAAAAAAAA4D8AAAAAAADgPwAAAAAAAOA/AAAAAAAA4D8AAAAAAADgPwAAAAAAAOA/AAAAAAAA4D8AAAAAAADgPwAAAAAAAOA/AAAAAAAA4D8CAAAAjAAAAAAAAAAAAAAAu+DjDP///wgAAAAAAAAAAAAAAAAAAAAAAAAAAAAAAAAAAAAAZAAAAAEAAABAAAAAAAAAAAAAAAAAAAAAAAAAAAAAAAAAAAAAAAAAAAAAAAAAAAAAAAAAAAAAAAAAAAAAAAAAAAAAAAAAAAAAAAAAAAAAAAAAAAAAAAAAAAAAAAAAAAAAFAAAADwAAAAAAAAAAAAAAAAAAAkUAAAAAQAAABQAAAAUAAAAFAAAAAEAAAAAAAAAZAAAAGQAAAAAAAAAZAAAAGQAAAAVAAAAYAAAAAAAAAAAAAAADwAAACADAAAAAAAAAAAAAAEAAACgMgAAVgcAAKr4//8BAAAAf39/AAEAAABkAAAAAAAAABQAAABAHwAAAAAAACYAAAAAAAAAwOD//wAAAAAmAAAAZAAAABYAAABMAAAAAAAAAAAAAAAEAAAAAAAAAAEAAACAgIAKAAAAACgAAAAoAAAAZAAAAGQAAAAAAAAAzMzMAAAAAABQAAAAUAAAAGQAAABkAAAAAAAAABcAAAAUAAAAAAAAAAAAAAD/fwAA/38AAAAAAAAJAAAABAAAANw7IAEeAAAAaAAAAAAAAAAAAAAAAAAAAAAAAAAAAAAAECcAABAnAAAAAAAAAAAAAAAAAAAAAAAAAAAAAAAAAAAAAAAAAAAAABQAAAAAAAAAwMD/AAAAAABkAAAAMgAAAAAAAABkAAAAAAAAAH9/fwAKAAAAIgAAABgAAAAAAAAAAAAAAAAAAAAAAAAAAAAAAAAAAAAkAAAAJAAAAAAAAAAHAAAAAAAAAAAAAAAAAAAAAAAAAAAAAAAAAAAAf39/ACUAAABYAAAAAAAAAAAAAAAAAAAAAAAAAAAAAAAAAAAAAAAAAAAAAAAAAAAAAAAAAAAAAAA/AAAAAAAAAKCGAQAAAAAAAAAAAAAAAAAMAAAAAQAAAAAAAAAAAAAAAAAAAB8AAABUAAAAAAAABQAAAAEAAAAAAAAAAAAAAAAAAAAAAAAAAAAAAAAAAAAAAAAAAAAAAAJ/f38AAAAAA8zMzADAwP8Af39/AAAAAAAAAAAAAAAAAAAAAAAAAAAAIQAAABgAAAAUAAAAwAMAALABAABARwAAuAgAABAAAAAmAAAACAAAAAAAAAAAAAAA"/>
               </a:ext>
             </a:extLst>
           </p:cNvSpPr>
@@ -1557,7 +1546,7 @@
             <a:spLocks noGrp="1" noChangeArrowheads="1"/>
             <a:extLst>
               <a:ext uri="smNativeData">
-                <pr:smNativeData xmlns:pr="smNativeData" xmlns="smNativeData" val="SMDATA_15_zA6NYhMAAAAlAAAAZAAAAA8BAAAAkAAAAEgAAACQAAAASAAAAAAAAAACAAAAAAAAAAEAAABQAAAAAAAAAAAA4D8AAAAAAADgPwAAAAAAAOA/AAAAAAAA4D8AAAAAAADgPwAAAAAAAOA/AAAAAAAA4D8AAAAAAADgPwAAAAAAAOA/AAAAAAAA4D8CAAAAjAAAAAAAAAAAAAAAu+DjDP///wgAAAAAAAAAAAAAAAAAAAAAAAAAAAAAAAAAAAAAZAAAAAEAAABAAAAAAAAAAAAAAAAAAAAAAAAAAAAAAAAAAAAAAAAAAAAAAAAAAAAAAAAAAAAAAAAAAAAAAAAAAAAAAAAAAAAAAAAAAAAAAAAAAAAAAAAAAAAAAAAAAAAAFAAAADwAAAAAAAAAAAAAAAAAAAkUAAAAAQAAABQAAAAUAAAAFAAAAAEAAAAAAAAAZAAAAGQAAAAAAAAAZAAAAGQAAAAVAAAAYAAAAAAAAAAAAAAADwAAACADAAAAAAAAAAAAAAEAAACgMgAAVgcAAKr4//8BAAAAf39/AAEAAABkAAAAAAAAABQAAABAHwAAAAAAACYAAAAAAAAAwOD//wAAAAAmAAAAZAAAABYAAABMAAAAAAAAAAAAAAAEAAAAAAAAAAEAAACAgIAKAAAAACgAAAAoAAAAZAAAAGQAAAAAAAAAzMzMAAAAAABQAAAAUAAAAGQAAABkAAAAAAAAABcAAAAUAAAAAAAAAAAAAAD/fwAA/38AAAAAAAAJAAAABAAAANw7IAEeAAAAaAAAAAAAAAAAAAAAAAAAAAAAAAAAAAAAECcAABAnAAAAAAAAAAAAAAAAAAAAAAAAAAAAAAAAAAAAAAAAAAAAABQAAAAAAAAAwMD/AAAAAABkAAAAMgAAAAAAAABkAAAAAAAAAH9/fwAKAAAAIgAAABgAAAAAAAAAAAAAAAAAAAAAAAAAAAAAAAAAAAAkAAAAJAAAAAAAAAAHAAAAAAAAAAAAAAAAAAAAAAAAAAAAAAAAAAAAf39/ACUAAABYAAAAAAAAAAAAAAAAAAAAAAAAAAAAAAAAAAAAAAAAAAAAAAAAAAAAAAAAAAAAAAA/AAAAAAAAAKCGAQAAAAAAAAAAAAAAAAAMAAAAAQAAAAAAAAAAAAAAAAAAAB8AAABUAAAAAAAABQAAAAEAAAAAAAAAAAAAAAAAAAAAAAAAAAAAAAAAAAAAAAAAAAAAAAJ/f38AAAAAA8zMzADAwP8Af39/AAAAAAAAAAAAAAAAAAAAAAAAAAAAIQAAABgAAAAUAAAAwAMAAHEJAADjJAAAYQ0AABAAAAAmAAAACAAAAIGAAAAAAAAA"/>
+                <pr:smNativeData xmlns:pr="smNativeData" xmlns="smNativeData" val="SMDATA_15_eM6NYhMAAAAlAAAAZAAAAA8BAAAAkAAAAEgAAACQAAAASAAAAAAAAAACAAAAAAAAAAEAAABQAAAAAAAAAAAA4D8AAAAAAADgPwAAAAAAAOA/AAAAAAAA4D8AAAAAAADgPwAAAAAAAOA/AAAAAAAA4D8AAAAAAADgPwAAAAAAAOA/AAAAAAAA4D8CAAAAjAAAAAAAAAAAAAAAu+DjDP///wgAAAAAAAAAAAAAAAAAAAAAAAAAAAAAAAAAAAAAZAAAAAEAAABAAAAAAAAAAAAAAAAAAAAAAAAAAAAAAAAAAAAAAAAAAAAAAAAAAAAAAAAAAAAAAAAAAAAAAAAAAAAAAAAAAAAAAAAAAAAAAAAAAAAAAAAAAAAAAAAAAAAAFAAAADwAAAAAAAAAAAAAAAAAAAkUAAAAAQAAABQAAAAUAAAAFAAAAAEAAAAAAAAAZAAAAGQAAAAAAAAAZAAAAGQAAAAVAAAAYAAAAAAAAAAAAAAADwAAACADAAAAAAAAAAAAAAEAAACgMgAAVgcAAKr4//8BAAAAf39/AAEAAABkAAAAAAAAABQAAABAHwAAAAAAACYAAAAAAAAAwOD//wAAAAAmAAAAZAAAABYAAABMAAAAAAAAAAAAAAAEAAAAAAAAAAEAAACAgIAKAAAAACgAAAAoAAAAZAAAAGQAAAAAAAAAzMzMAAAAAABQAAAAUAAAAGQAAABkAAAAAAAAABcAAAAUAAAAAAAAAAAAAAD/fwAA/38AAAAAAAAJAAAABAAAANw7IAEeAAAAaAAAAAAAAAAAAAAAAAAAAAAAAAAAAAAAECcAABAnAAAAAAAAAAAAAAAAAAAAAAAAAAAAAAAAAAAAAAAAAAAAABQAAAAAAAAAwMD/AAAAAABkAAAAMgAAAAAAAABkAAAAAAAAAH9/fwAKAAAAIgAAABgAAAAAAAAAAAAAAAAAAAAAAAAAAAAAAAAAAAAkAAAAJAAAAAAAAAAHAAAAAAAAAAAAAAAAAAAAAAAAAAAAAAAAAAAAf39/ACUAAABYAAAAAAAAAAAAAAAAAAAAAAAAAAAAAAAAAAAAAAAAAAAAAAAAAAAAAAAAAAAAAAA/AAAAAAAAAKCGAQAAAAAAAAAAAAAAAAAMAAAAAQAAAAAAAAAAAAAAAAAAAB8AAABUAAAAAAAABQAAAAEAAAAAAAAAAAAAAAAAAAAAAAAAAAAAAAAAAAAAAAAAAAAAAAJ/f38AAAAAA8zMzADAwP8Af39/AAAAAAAAAAAAAAAAAAAAAAAAAAAAIQAAABgAAAAUAAAAwAMAAHEJAADjJAAAYQ0AABAAAAAmAAAACAAAAIGAAAAAAAAA"/>
               </a:ext>
             </a:extLst>
           </p:cNvSpPr>
@@ -1630,7 +1619,7 @@
             <a:spLocks noGrp="1" noChangeArrowheads="1"/>
             <a:extLst>
               <a:ext uri="smNativeData">
-                <pr:smNativeData xmlns:pr="smNativeData" xmlns="smNativeData" val="SMDATA_15_zA6NYhMAAAAlAAAAZAAAAA8BAAAAkAAAAEgAAACQAAAASAAAAAAAAAAAAAAAAAAAAAEAAABQAAAAAAAAAAAA4D8AAAAAAADgPwAAAAAAAOA/AAAAAAAA4D8AAAAAAADgPwAAAAAAAOA/AAAAAAAA4D8AAAAAAADgPwAAAAAAAOA/AAAAAAAA4D8CAAAAjAAAAAAAAAAAAAAAu+DjDP///wgAAAAAAAAAAAAAAAAAAAAAAAAAAAAAAAAAAAAAZAAAAAEAAABAAAAAAAAAAAAAAAAAAAAAAAAAAAAAAAAAAAAAAAAAAAAAAAAAAAAAAAAAAAAAAAAAAAAAAAAAAAAAAAAAAAAAAAAAAAAAAAAAAAAAAAAAAAAAAAAAAAAAFAAAADwAAAAAAAAAAAAAAAAAAAkUAAAAAQAAABQAAAAUAAAAFAAAAAEAAAAAAAAAZAAAAGQAAAAAAAAAZAAAAGQAAAAVAAAAYAAAAAAAAAAAAAAADwAAACADAAAAAAAAAAAAAAEAAACgMgAAVgcAAKr4//8BAAAAf39/AAEAAABkAAAAAAAAABQAAABAHwAAAAAAACYAAAAAAAAAwOD//wAAAAAmAAAAZAAAABYAAABMAAAAAAAAAAAAAAAEAAAAAAAAAAEAAACAgIAKAAAAACgAAAAoAAAAZAAAAGQAAAAAAAAAzMzMAAAAAABQAAAAUAAAAGQAAABkAAAAAAAAABcAAAAUAAAAAAAAAAAAAAD/fwAA/38AAAAAAAAJAAAABAAAANw7IAEeAAAAaAAAAAAAAAAAAAAAAAAAAAAAAAAAAAAAECcAABAnAAAAAAAAAAAAAAAAAAAAAAAAAAAAAAAAAAAAAAAAAAAAABQAAAAAAAAAwMD/AAAAAABkAAAAMgAAAAAAAABkAAAAAAAAAH9/fwAKAAAAIgAAABgAAAAAAAAAAAAAAAAAAAAAAAAAAAAAAAAAAAAkAAAAJAAAAAAAAAAHAAAAAAAAAAAAAAAAAAAAAAAAAAAAAAAAAAAAf39/ACUAAABYAAAAAAAAAAAAAAAAAAAAAAAAAAAAAAAAAAAAAAAAAAAAAAAAAAAAAAAAAAAAAAA/AAAAAAAAAKCGAQAAAAAAAAAAAAAAAAAMAAAAAQAAAAAAAAAAAAAAAAAAAB8AAABUAAAAAAAABQAAAAEAAAAAAAAAAAAAAAAAAAAAAAAAAAAAAAAAAAAAAAAAAAAAAAJ/f38AAAAAA8zMzADAwP8Af39/AAAAAAAAAAAAAAAAAAAAAAAAAAAAIQAAABgAAAAUAAAAwAMAAGENAADjJAAAsCUAABAAAAAmAAAACAAAAAGAAAAAAAAA"/>
+                <pr:smNativeData xmlns:pr="smNativeData" xmlns="smNativeData" val="SMDATA_15_eM6NYhMAAAAlAAAAZAAAAA8BAAAAkAAAAEgAAACQAAAASAAAAAAAAAAAAAAAAAAAAAEAAABQAAAAAAAAAAAA4D8AAAAAAADgPwAAAAAAAOA/AAAAAAAA4D8AAAAAAADgPwAAAAAAAOA/AAAAAAAA4D8AAAAAAADgPwAAAAAAAOA/AAAAAAAA4D8CAAAAjAAAAAAAAAAAAAAAu+DjDP///wgAAAAAAAAAAAAAAAAAAAAAAAAAAAAAAAAAAAAAZAAAAAEAAABAAAAAAAAAAAAAAAAAAAAAAAAAAAAAAAAAAAAAAAAAAAAAAAAAAAAAAAAAAAAAAAAAAAAAAAAAAAAAAAAAAAAAAAAAAAAAAAAAAAAAAAAAAAAAAAAAAAAAFAAAADwAAAAAAAAAAAAAAAAAAAkUAAAAAQAAABQAAAAUAAAAFAAAAAEAAAAAAAAAZAAAAGQAAAAAAAAAZAAAAGQAAAAVAAAAYAAAAAAAAAAAAAAADwAAACADAAAAAAAAAAAAAAEAAACgMgAAVgcAAKr4//8BAAAAf39/AAEAAABkAAAAAAAAABQAAABAHwAAAAAAACYAAAAAAAAAwOD//wAAAAAmAAAAZAAAABYAAABMAAAAAAAAAAAAAAAEAAAAAAAAAAEAAACAgIAKAAAAACgAAAAoAAAAZAAAAGQAAAAAAAAAzMzMAAAAAABQAAAAUAAAAGQAAABkAAAAAAAAABcAAAAUAAAAAAAAAAAAAAD/fwAA/38AAAAAAAAJAAAABAAAANw7IAEeAAAAaAAAAAAAAAAAAAAAAAAAAAAAAAAAAAAAECcAABAnAAAAAAAAAAAAAAAAAAAAAAAAAAAAAAAAAAAAAAAAAAAAABQAAAAAAAAAwMD/AAAAAABkAAAAMgAAAAAAAABkAAAAAAAAAH9/fwAKAAAAIgAAABgAAAAAAAAAAAAAAAAAAAAAAAAAAAAAAAAAAAAkAAAAJAAAAAAAAAAHAAAAAAAAAAAAAAAAAAAAAAAAAAAAAAAAAAAAf39/ACUAAABYAAAAAAAAAAAAAAAAAAAAAAAAAAAAAAAAAAAAAAAAAAAAAAAAAAAAAAAAAAAAAAA/AAAAAAAAAKCGAQAAAAAAAAAAAAAAAAAMAAAAAQAAAAAAAAAAAAAAAAAAAB8AAABUAAAAAAAABQAAAAEAAAAAAAAAAAAAAAAAAAAAAAAAAAAAAAAAAAAAAAAAAAAAAAJ/f38AAAAAA8zMzADAwP8Af39/AAAAAAAAAAAAAAAAAAAAAAAAAAAAIQAAABgAAAAUAAAAwAMAAGENAADjJAAAsCUAABAAAAAmAAAACAAAAAGAAAAAAAAA"/>
               </a:ext>
             </a:extLst>
           </p:cNvSpPr>
@@ -1714,7 +1703,7 @@
             <a:spLocks noGrp="1" noChangeArrowheads="1"/>
             <a:extLst>
               <a:ext uri="smNativeData">
-                <pr:smNativeData xmlns:pr="smNativeData" xmlns="smNativeData" val="SMDATA_15_zA6NYhMAAAAlAAAAZAAAAA8BAAAAkAAAAEgAAACQAAAASAAAAAAAAAACAAAAAAAAAAEAAABQAAAAAAAAAAAA4D8AAAAAAADgPwAAAAAAAOA/AAAAAAAA4D8AAAAAAADgPwAAAAAAAOA/AAAAAAAA4D8AAAAAAADgPwAAAAAAAOA/AAAAAAAA4D8CAAAAjAAAAAAAAAAAAAAAu+DjDP///wgAAAAAAAAAAAAAAAAAAAAAAAAAAAAAAAAAAAAAZAAAAAEAAABAAAAAAAAAAAAAAAAAAAAAAAAAAAAAAAAAAAAAAAAAAAAAAAAAAAAAAAAAAAAAAAAAAAAAAAAAAAAAAAAAAAAAAAAAAAAAAAAAAAAAAAAAAAAAAAAAAAAAFAAAADwAAAAAAAAAAAAAAAAAAAkUAAAAAQAAABQAAAAUAAAAFAAAAAEAAAAAAAAAZAAAAGQAAAAAAAAAZAAAAGQAAAAVAAAAYAAAAAAAAAAAAAAADwAAACADAAAAAAAAAAAAAAEAAACgMgAAVgcAAKr4//8BAAAAf39/AAEAAABkAAAAAAAAABQAAABAHwAAAAAAACYAAAAAAAAAwOD//wAAAAAmAAAAZAAAABYAAABMAAAAAAAAAAAAAAAEAAAAAAAAAAEAAACAgIAKAAAAACgAAAAoAAAAZAAAAGQAAAAAAAAAzMzMAAAAAABQAAAAUAAAAGQAAABkAAAAAAAAABcAAAAUAAAAAAAAAAAAAAD/fwAA/38AAAAAAAAJAAAABAAAANw7IAEeAAAAaAAAAAAAAAAAAAAAAAAAAAAAAAAAAAAAECcAABAnAAAAAAAAAAAAAAAAAAAAAAAAAAAAAAAAAAAAAAAAAAAAABQAAAAAAAAAwMD/AAAAAABkAAAAMgAAAAAAAABkAAAAAAAAAH9/fwAKAAAAIgAAABgAAAAAAAAAAAAAAAAAAAAAAAAAAAAAAAAAAAAkAAAAJAAAAAAAAAAHAAAAAAAAAAAAAAAAAAAAAAAAAAAAAAAAAAAAf39/ACUAAABYAAAAAAAAAAAAAAAAAAAAAAAAAAAAAAAAAAAAAAAAAAAAAAAAAAAAAAAAAAAAAAA/AAAAAAAAAKCGAQAAAAAAAAAAAAAAAAAMAAAAAQAAAAAAAAAAAAAAAAAAAB8AAABUAAAAAAAABQAAAAEAAAAAAAAAAAAAAAAAAAAAAAAAAAAAAAAAAAAAAAAAAAAAAAJ/f38AAAAAA8zMzADAwP8Af39/AAAAAAAAAAAAAAAAAAAAAAAAAAAAIQAAABgAAAAUAAAAHSYAAHEJAABARwAAYQ0AABAAAAAmAAAACAAAAIGAAAAAAAAA"/>
+                <pr:smNativeData xmlns:pr="smNativeData" xmlns="smNativeData" val="SMDATA_15_eM6NYhMAAAAlAAAAZAAAAA8BAAAAkAAAAEgAAACQAAAASAAAAAAAAAACAAAAAAAAAAEAAABQAAAAAAAAAAAA4D8AAAAAAADgPwAAAAAAAOA/AAAAAAAA4D8AAAAAAADgPwAAAAAAAOA/AAAAAAAA4D8AAAAAAADgPwAAAAAAAOA/AAAAAAAA4D8CAAAAjAAAAAAAAAAAAAAAu+DjDP///wgAAAAAAAAAAAAAAAAAAAAAAAAAAAAAAAAAAAAAZAAAAAEAAABAAAAAAAAAAAAAAAAAAAAAAAAAAAAAAAAAAAAAAAAAAAAAAAAAAAAAAAAAAAAAAAAAAAAAAAAAAAAAAAAAAAAAAAAAAAAAAAAAAAAAAAAAAAAAAAAAAAAAFAAAADwAAAAAAAAAAAAAAAAAAAkUAAAAAQAAABQAAAAUAAAAFAAAAAEAAAAAAAAAZAAAAGQAAAAAAAAAZAAAAGQAAAAVAAAAYAAAAAAAAAAAAAAADwAAACADAAAAAAAAAAAAAAEAAACgMgAAVgcAAKr4//8BAAAAf39/AAEAAABkAAAAAAAAABQAAABAHwAAAAAAACYAAAAAAAAAwOD//wAAAAAmAAAAZAAAABYAAABMAAAAAAAAAAAAAAAEAAAAAAAAAAEAAACAgIAKAAAAACgAAAAoAAAAZAAAAGQAAAAAAAAAzMzMAAAAAABQAAAAUAAAAGQAAABkAAAAAAAAABcAAAAUAAAAAAAAAAAAAAD/fwAA/38AAAAAAAAJAAAABAAAANw7IAEeAAAAaAAAAAAAAAAAAAAAAAAAAAAAAAAAAAAAECcAABAnAAAAAAAAAAAAAAAAAAAAAAAAAAAAAAAAAAAAAAAAAAAAABQAAAAAAAAAwMD/AAAAAABkAAAAMgAAAAAAAABkAAAAAAAAAH9/fwAKAAAAIgAAABgAAAAAAAAAAAAAAAAAAAAAAAAAAAAAAAAAAAAkAAAAJAAAAAAAAAAHAAAAAAAAAAAAAAAAAAAAAAAAAAAAAAAAAAAAf39/ACUAAABYAAAAAAAAAAAAAAAAAAAAAAAAAAAAAAAAAAAAAAAAAAAAAAAAAAAAAAAAAAAAAAA/AAAAAAAAAKCGAQAAAAAAAAAAAAAAAAAMAAAAAQAAAAAAAAAAAAAAAAAAAB8AAABUAAAAAAAABQAAAAEAAAAAAAAAAAAAAAAAAAAAAAAAAAAAAAAAAAAAAAAAAAAAAAJ/f38AAAAAA8zMzADAwP8Af39/AAAAAAAAAAAAAAAAAAAAAAAAAAAAIQAAABgAAAAUAAAAHSYAAHEJAABARwAAYQ0AABAAAAAmAAAACAAAAIGAAAAAAAAA"/>
               </a:ext>
             </a:extLst>
           </p:cNvSpPr>
@@ -1787,7 +1776,7 @@
             <a:spLocks noGrp="1" noChangeArrowheads="1"/>
             <a:extLst>
               <a:ext uri="smNativeData">
-                <pr:smNativeData xmlns:pr="smNativeData" xmlns="smNativeData" val="SMDATA_15_zA6NYhMAAAAlAAAAZAAAAA8BAAAAkAAAAEgAAACQAAAASAAAAAAAAAAAAAAAAAAAAAEAAABQAAAAAAAAAAAA4D8AAAAAAADgPwAAAAAAAOA/AAAAAAAA4D8AAAAAAADgPwAAAAAAAOA/AAAAAAAA4D8AAAAAAADgPwAAAAAAAOA/AAAAAAAA4D8CAAAAjAAAAAAAAAAAAAAAu+DjDP///wgAAAAAAAAAAAAAAAAAAAAAAAAAAAAAAAAAAAAAZAAAAAEAAABAAAAAAAAAAAAAAAAAAAAAAAAAAAAAAAAAAAAAAAAAAAAAAAAAAAAAAAAAAAAAAAAAAAAAAAAAAAAAAAAAAAAAAAAAAAAAAAAAAAAAAAAAAAAAAAAAAAAAFAAAADwAAAAAAAAAAAAAAAAAAAkUAAAAAQAAABQAAAAUAAAAFAAAAAEAAAAAAAAAZAAAAGQAAAAAAAAAZAAAAGQAAAAVAAAAYAAAAAAAAAAAAAAADwAAACADAAAAAAAAAAAAAAEAAACgMgAAVgcAAKr4//8BAAAAf39/AAEAAABkAAAAAAAAABQAAABAHwAAAAAAACYAAAAAAAAAwOD//wAAAAAmAAAAZAAAABYAAABMAAAAAAAAAAAAAAAEAAAAAAAAAAEAAACAgIAKAAAAACgAAAAoAAAAZAAAAGQAAAAAAAAAzMzMAAAAAABQAAAAUAAAAGQAAABkAAAAAAAAABcAAAAUAAAAAAAAAAAAAAD/fwAA/38AAAAAAAAJAAAABAAAANw7IAEeAAAAaAAAAAAAAAAAAAAAAAAAAAAAAAAAAAAAECcAABAnAAAAAAAAAAAAAAAAAAAAAAAAAAAAAAAAAAAAAAAAAAAAABQAAAAAAAAAwMD/AAAAAABkAAAAMgAAAAAAAABkAAAAAAAAAH9/fwAKAAAAIgAAABgAAAAAAAAAAAAAAAAAAAAAAAAAAAAAAAAAAAAkAAAAJAAAAAAAAAAHAAAAAAAAAAAAAAAAAAAAAAAAAAAAAAAAAAAAf39/ACUAAABYAAAAAAAAAAAAAAAAAAAAAAAAAAAAAAAAAAAAAAAAAAAAAAAAAAAAAAAAAAAAAAA/AAAAAAAAAKCGAQAAAAAAAAAAAAAAAAAMAAAAAQAAAAAAAAAAAAAAAAAAAB8AAABUAAAAAAAABQAAAAEAAAAAAAAAAAAAAAAAAAAAAAAAAAAAAAAAAAAAAAAAAAAAAAJ/f38AAAAAA8zMzADAwP8Af39/AAAAAAAAAAAAAAAAAAAAAAAAAAAAIQAAABgAAAAUAAAAHSYAAGENAABARwAAsCUAABAAAAAmAAAACAAAAAGAAAAAAAAA"/>
+                <pr:smNativeData xmlns:pr="smNativeData" xmlns="smNativeData" val="SMDATA_15_eM6NYhMAAAAlAAAAZAAAAA8BAAAAkAAAAEgAAACQAAAASAAAAAAAAAAAAAAAAAAAAAEAAABQAAAAAAAAAAAA4D8AAAAAAADgPwAAAAAAAOA/AAAAAAAA4D8AAAAAAADgPwAAAAAAAOA/AAAAAAAA4D8AAAAAAADgPwAAAAAAAOA/AAAAAAAA4D8CAAAAjAAAAAAAAAAAAAAAu+DjDP///wgAAAAAAAAAAAAAAAAAAAAAAAAAAAAAAAAAAAAAZAAAAAEAAABAAAAAAAAAAAAAAAAAAAAAAAAAAAAAAAAAAAAAAAAAAAAAAAAAAAAAAAAAAAAAAAAAAAAAAAAAAAAAAAAAAAAAAAAAAAAAAAAAAAAAAAAAAAAAAAAAAAAAFAAAADwAAAAAAAAAAAAAAAAAAAkUAAAAAQAAABQAAAAUAAAAFAAAAAEAAAAAAAAAZAAAAGQAAAAAAAAAZAAAAGQAAAAVAAAAYAAAAAAAAAAAAAAADwAAACADAAAAAAAAAAAAAAEAAACgMgAAVgcAAKr4//8BAAAAf39/AAEAAABkAAAAAAAAABQAAABAHwAAAAAAACYAAAAAAAAAwOD//wAAAAAmAAAAZAAAABYAAABMAAAAAAAAAAAAAAAEAAAAAAAAAAEAAACAgIAKAAAAACgAAAAoAAAAZAAAAGQAAAAAAAAAzMzMAAAAAABQAAAAUAAAAGQAAABkAAAAAAAAABcAAAAUAAAAAAAAAAAAAAD/fwAA/38AAAAAAAAJAAAABAAAANw7IAEeAAAAaAAAAAAAAAAAAAAAAAAAAAAAAAAAAAAAECcAABAnAAAAAAAAAAAAAAAAAAAAAAAAAAAAAAAAAAAAAAAAAAAAABQAAAAAAAAAwMD/AAAAAABkAAAAMgAAAAAAAABkAAAAAAAAAH9/fwAKAAAAIgAAABgAAAAAAAAAAAAAAAAAAAAAAAAAAAAAAAAAAAAkAAAAJAAAAAAAAAAHAAAAAAAAAAAAAAAAAAAAAAAAAAAAAAAAAAAAf39/ACUAAABYAAAAAAAAAAAAAAAAAAAAAAAAAAAAAAAAAAAAAAAAAAAAAAAAAAAAAAAAAAAAAAA/AAAAAAAAAKCGAQAAAAAAAAAAAAAAAAAMAAAAAQAAAAAAAAAAAAAAAAAAAB8AAABUAAAAAAAABQAAAAEAAAAAAAAAAAAAAAAAAAAAAAAAAAAAAAAAAAAAAAAAAAAAAAJ/f38AAAAAA8zMzADAwP8Af39/AAAAAAAAAAAAAAAAAAAAAAAAAAAAIQAAABgAAAAUAAAAHSYAAGENAABARwAAsCUAABAAAAAmAAAACAAAAAGAAAAAAAAA"/>
               </a:ext>
             </a:extLst>
           </p:cNvSpPr>
@@ -1871,7 +1860,7 @@
             <a:spLocks noGrp="1" noChangeArrowheads="1"/>
             <a:extLst>
               <a:ext uri="smNativeData">
-                <pr:smNativeData xmlns:pr="smNativeData" xmlns="smNativeData" val="SMDATA_15_zA6NYhMAAAAlAAAAZAAAAA8BAAAAkAAAAEgAAACQAAAASAAAAAAAAAABAAAAAAAAAAEAAABQAAAAAAAAAAAA4D8AAAAAAADgPwAAAAAAAOA/AAAAAAAA4D8AAAAAAADgPwAAAAAAAOA/AAAAAAAA4D8AAAAAAADgPwAAAAAAAOA/AAAAAAAA4D8CAAAAjAAAAAAAAAAAAAAAu+DjDP///wgAAAAAAAAAAAAAAAAAAAAAAAAAAAAAAAAAAAAAZAAAAAEAAABAAAAAAAAAAAAAAAAAAAAAAAAAAAAAAAAAAAAAAAAAAAAAAAAAAAAAAAAAAAAAAAAAAAAAAAAAAAAAAAAAAAAAAAAAAAAAAAAAAAAAAAAAAAAAAAAAAAAAFAAAADwAAAAAAAAAAAAAAAAAAAkUAAAAAQAAABQAAAAUAAAAFAAAAAEAAAAAAAAAZAAAAGQAAAAAAAAAZAAAAGQAAAAVAAAAYAAAAAAAAAAAAAAADwAAACADAAAAAAAAAAAAAAEAAACgMgAAVgcAAKr4//8BAAAAf39/AAEAAABkAAAAAAAAABQAAABAHwAAAAAAACYAAAAAAAAAwOD//wAAAAAmAAAAZAAAABYAAABMAAAAAAAAAAAAAAAEAAAAAAAAAAEAAACAgIAKAAAAACgAAAAoAAAAZAAAAGQAAAAAAAAAzMzMAAAAAABQAAAAUAAAAGQAAABkAAAAAAAAABcAAAAUAAAAAAAAAAAAAAD/fwAA/38AAAAAAAAJAAAABAAAANw7IAEeAAAAaAAAAAAAAAAAAAAAAAAAAAAAAAAAAAAAECcAABAnAAAAAAAAAAAAAAAAAAAAAAAAAAAAAAAAAAAAAAAAAAAAABQAAAAAAAAAwMD/AAAAAABkAAAAMgAAAAAAAABkAAAAAAAAAH9/fwAKAAAAIgAAABgAAAAAAAAAAAAAAAAAAAAAAAAAAAAAAAAAAAAkAAAAJAAAAAAAAAAHAAAAAAAAAAAAAAAAAAAAAAAAAAAAAAAAAAAAf39/ACUAAABYAAAAAAAAAAAAAAAAAAAAAAAAAAAAAAAAAAAAAAAAAAAAAAAAAAAAAAAAAAAAAAA/AAAAAAAAAKCGAQAAAAAAAAAAAAAAAAAMAAAAAQAAAAAAAAAAAAAAAAAAAB8AAABUAAAAAAAABQAAAAEAAAAAAAAAAAAAAAAAAAAAAAAAAAAAAAAAAAAAAAAAAAAAAAJ/f38AAAAAA8zMzADAwP8Af39/AAAAAAAAAAAAAAAAAAAAAAAAAAAAIQAAABgAAAAUAAAAwAMAABsnAAA/FQAAWSkAABAAAAAmAAAACAAAAAAAAAAAAAAA"/>
+                <pr:smNativeData xmlns:pr="smNativeData" xmlns="smNativeData" val="SMDATA_15_eM6NYhMAAAAlAAAAZAAAAA8BAAAAkAAAAEgAAACQAAAASAAAAAAAAAABAAAAAAAAAAEAAABQAAAAAAAAAAAA4D8AAAAAAADgPwAAAAAAAOA/AAAAAAAA4D8AAAAAAADgPwAAAAAAAOA/AAAAAAAA4D8AAAAAAADgPwAAAAAAAOA/AAAAAAAA4D8CAAAAjAAAAAAAAAAAAAAAu+DjDP///wgAAAAAAAAAAAAAAAAAAAAAAAAAAAAAAAAAAAAAZAAAAAEAAABAAAAAAAAAAAAAAAAAAAAAAAAAAAAAAAAAAAAAAAAAAAAAAAAAAAAAAAAAAAAAAAAAAAAAAAAAAAAAAAAAAAAAAAAAAAAAAAAAAAAAAAAAAAAAAAAAAAAAFAAAADwAAAAAAAAAAAAAAAAAAAkUAAAAAQAAABQAAAAUAAAAFAAAAAEAAAAAAAAAZAAAAGQAAAAAAAAAZAAAAGQAAAAVAAAAYAAAAAAAAAAAAAAADwAAACADAAAAAAAAAAAAAAEAAACgMgAAVgcAAKr4//8BAAAAf39/AAEAAABkAAAAAAAAABQAAABAHwAAAAAAACYAAAAAAAAAwOD//wAAAAAmAAAAZAAAABYAAABMAAAAAAAAAAAAAAAEAAAAAAAAAAEAAACAgIAKAAAAACgAAAAoAAAAZAAAAGQAAAAAAAAAzMzMAAAAAABQAAAAUAAAAGQAAABkAAAAAAAAABcAAAAUAAAAAAAAAAAAAAD/fwAA/38AAAAAAAAJAAAABAAAANw7IAEeAAAAaAAAAAAAAAAAAAAAAAAAAAAAAAAAAAAAECcAABAnAAAAAAAAAAAAAAAAAAAAAAAAAAAAAAAAAAAAAAAAAAAAABQAAAAAAAAAwMD/AAAAAABkAAAAMgAAAAAAAABkAAAAAAAAAH9/fwAKAAAAIgAAABgAAAAAAAAAAAAAAAAAAAAAAAAAAAAAAAAAAAAkAAAAJAAAAAAAAAAHAAAAAAAAAAAAAAAAAAAAAAAAAAAAAAAAAAAAf39/ACUAAABYAAAAAAAAAAAAAAAAAAAAAAAAAAAAAAAAAAAAAAAAAAAAAAAAAAAAAAAAAAAAAAA/AAAAAAAAAKCGAQAAAAAAAAAAAAAAAAAMAAAAAQAAAAAAAAAAAAAAAAAAAB8AAABUAAAAAAAABQAAAAEAAAAAAAAAAAAAAAAAAAAAAAAAAAAAAAAAAAAAAAAAAAAAAAJ/f38AAAAAA8zMzADAwP8Af39/AAAAAAAAAAAAAAAAAAAAAAAAAAAAIQAAABgAAAAUAAAAwAMAABsnAAA/FQAAWSkAABAAAAAmAAAACAAAAAAAAAAAAAAA"/>
               </a:ext>
             </a:extLst>
           </p:cNvSpPr>
@@ -1885,7 +1874,7 @@
           <a:lstStyle/>
           <a:p>
             <a:pPr/>
-            <a:fld id="{310E4A8F-C1DC-5BBC-92B6-37E904F86462}" type="datetime1">
+            <a:fld id="{2E3A24A3-EDC3-6FD2-8D82-1B876ACC7B4E}" type="datetime1">
               <a:t/>
             </a:fld>
           </a:p>
@@ -1898,7 +1887,7 @@
             <a:spLocks noGrp="1" noChangeArrowheads="1"/>
             <a:extLst>
               <a:ext uri="smNativeData">
-                <pr:smNativeData xmlns:pr="smNativeData" xmlns="smNativeData" val="SMDATA_15_zA6NYhMAAAAlAAAAZAAAAA8BAAAAkAAAAEgAAACQAAAASAAAAAAAAAABAAAAAAAAAAEAAABQAAAAAAAAAAAA4D8AAAAAAADgPwAAAAAAAOA/AAAAAAAA4D8AAAAAAADgPwAAAAAAAOA/AAAAAAAA4D8AAAAAAADgPwAAAAAAAOA/AAAAAAAA4D8CAAAAjAAAAAAAAAAAAAAAu+DjDP///wgAAAAAAAAAAAAAAAAAAAAAAAAAAAAAAAAAAAAAZAAAAAEAAABAAAAAAAAAAAAAAAAAAAAAAAAAAAAAAAAAAAAAAAAAAAAAAAAAAAAAAAAAAAAAAAAAAAAAAAAAAAAAAAAAAAAAAAAAAAAAAAAAAAAAAAAAAAAAAAAAAAAAFAAAADwAAAAAAAAAAAAAAAAAAAkUAAAAAQAAABQAAAAUAAAAFAAAAAEAAAAAAAAAZAAAAGQAAAAAAAAAZAAAAGQAAAAVAAAAYAAAAAAAAAAAAAAADwAAACADAAAAAAAAAAAAAAEAAACgMgAAVgcAAKr4//8BAAAAf39/AAEAAABkAAAAAAAAABQAAABAHwAAAAAAACYAAAAAAAAAwOD//wAAAAAmAAAAZAAAABYAAABMAAAAAAAAAAAAAAAEAAAAAAAAAAEAAACAgIAKAAAAACgAAAAoAAAAZAAAAGQAAAAAAAAAzMzMAAAAAABQAAAAUAAAAGQAAABkAAAAAAAAABcAAAAUAAAAAAAAAAAAAAD/fwAA/38AAAAAAAAJAAAABAAAANw7IAEeAAAAaAAAAAAAAAAAAAAAAAAAAAAAAAAAAAAAECcAABAnAAAAAAAAAAAAAAAAAAAAAAAAAAAAAAAAAAAAAAAAAAAAABQAAAAAAAAAwMD/AAAAAABkAAAAMgAAAAAAAABkAAAAAAAAAH9/fwAKAAAAIgAAABgAAAAAAAAAAAAAAAAAAAAAAAAAAAAAAAAAAAAkAAAAJAAAAAAAAAAHAAAAAAAAAAAAAAAAAAAAAAAAAAAAAAAAAAAAf39/ACUAAABYAAAAAAAAAAAAAAAAAAAAAAAAAAAAAAAAAAAAAAAAAAAAAAAAAAAAAAAAAAAAAAA/AAAAAAAAAKCGAQAAAAAAAAAAAAAAAAAMAAAAAQAAAAAAAAAAAAAAAAAAAB8AAABUAAAAAAAABQAAAAEAAAAAAAAAAAAAAAAAAAAAAAAAAAAAAAAAAAAAAAAAAAAAAAJ/f38AAAAAA8zMzADAwP8Af39/AAAAAAAAAAAAAAAAAAAAAAAAAAAAIQAAABgAAAAUAAAAoRkAABsnAABfMQAAWSkAABAAAAAmAAAACAAAAAAAAAAAAAAA"/>
+                <pr:smNativeData xmlns:pr="smNativeData" xmlns="smNativeData" val="SMDATA_15_eM6NYhMAAAAlAAAAZAAAAA8BAAAAkAAAAEgAAACQAAAASAAAAAAAAAABAAAAAAAAAAEAAABQAAAAAAAAAAAA4D8AAAAAAADgPwAAAAAAAOA/AAAAAAAA4D8AAAAAAADgPwAAAAAAAOA/AAAAAAAA4D8AAAAAAADgPwAAAAAAAOA/AAAAAAAA4D8CAAAAjAAAAAAAAAAAAAAAu+DjDP///wgAAAAAAAAAAAAAAAAAAAAAAAAAAAAAAAAAAAAAZAAAAAEAAABAAAAAAAAAAAAAAAAAAAAAAAAAAAAAAAAAAAAAAAAAAAAAAAAAAAAAAAAAAAAAAAAAAAAAAAAAAAAAAAAAAAAAAAAAAAAAAAAAAAAAAAAAAAAAAAAAAAAAFAAAADwAAAAAAAAAAAAAAAAAAAkUAAAAAQAAABQAAAAUAAAAFAAAAAEAAAAAAAAAZAAAAGQAAAAAAAAAZAAAAGQAAAAVAAAAYAAAAAAAAAAAAAAADwAAACADAAAAAAAAAAAAAAEAAACgMgAAVgcAAKr4//8BAAAAf39/AAEAAABkAAAAAAAAABQAAABAHwAAAAAAACYAAAAAAAAAwOD//wAAAAAmAAAAZAAAABYAAABMAAAAAAAAAAAAAAAEAAAAAAAAAAEAAACAgIAKAAAAACgAAAAoAAAAZAAAAGQAAAAAAAAAzMzMAAAAAABQAAAAUAAAAGQAAABkAAAAAAAAABcAAAAUAAAAAAAAAAAAAAD/fwAA/38AAAAAAAAJAAAABAAAANw7IAEeAAAAaAAAAAAAAAAAAAAAAAAAAAAAAAAAAAAAECcAABAnAAAAAAAAAAAAAAAAAAAAAAAAAAAAAAAAAAAAAAAAAAAAABQAAAAAAAAAwMD/AAAAAABkAAAAMgAAAAAAAABkAAAAAAAAAH9/fwAKAAAAIgAAABgAAAAAAAAAAAAAAAAAAAAAAAAAAAAAAAAAAAAkAAAAJAAAAAAAAAAHAAAAAAAAAAAAAAAAAAAAAAAAAAAAAAAAAAAAf39/ACUAAABYAAAAAAAAAAAAAAAAAAAAAAAAAAAAAAAAAAAAAAAAAAAAAAAAAAAAAAAAAAAAAAA/AAAAAAAAAKCGAQAAAAAAAAAAAAAAAAAMAAAAAQAAAAAAAAAAAAAAAAAAAB8AAABUAAAAAAAABQAAAAEAAAAAAAAAAAAAAAAAAAAAAAAAAAAAAAAAAAAAAAAAAAAAAAJ/f38AAAAAA8zMzADAwP8Af39/AAAAAAAAAAAAAAAAAAAAAAAAAAAAIQAAABgAAAAUAAAAoRkAABsnAABfMQAAWSkAABAAAAAmAAAACAAAAAAAAAAAAAAA"/>
               </a:ext>
             </a:extLst>
           </p:cNvSpPr>
@@ -1912,9 +1901,6 @@
           <a:lstStyle/>
           <a:p>
             <a:pPr/>
-            <a:r>
-              <a:t/>
-            </a:r>
           </a:p>
         </p:txBody>
       </p:sp>
@@ -1925,7 +1911,7 @@
             <a:spLocks noGrp="1" noChangeArrowheads="1"/>
             <a:extLst>
               <a:ext uri="smNativeData">
-                <pr:smNativeData xmlns:pr="smNativeData" xmlns="smNativeData" val="SMDATA_15_zA6NYhMAAAAlAAAAZAAAAA8BAAAAkAAAAEgAAACQAAAASAAAAAAAAAABAAAAAAAAAAEAAABQAAAAAAAAAAAA4D8AAAAAAADgPwAAAAAAAOA/AAAAAAAA4D8AAAAAAADgPwAAAAAAAOA/AAAAAAAA4D8AAAAAAADgPwAAAAAAAOA/AAAAAAAA4D8CAAAAjAAAAAAAAAAAAAAAu+DjDP///wgAAAAAAAAAAAAAAAAAAAAAAAAAAAAAAAAAAAAAZAAAAAEAAABAAAAAAAAAAAAAAAAAAAAAAAAAAAAAAAAAAAAAAAAAAAAAAAAAAAAAAAAAAAAAAAAAAAAAAAAAAAAAAAAAAAAAAAAAAAAAAAAAAAAAAAAAAAAAAAAAAAAAFAAAADwAAAAAAAAAAAAAAAAAAAkUAAAAAQAAABQAAAAUAAAAFAAAAAEAAAAAAAAAZAAAAGQAAAAAAAAAZAAAAGQAAAAVAAAAYAAAAAAAAAAAAAAADwAAACADAAAAAAAAAAAAAAEAAACgMgAAVgcAAKr4//8BAAAAf39/AAEAAABkAAAAAAAAABQAAABAHwAAAAAAACYAAAAAAAAAwOD//wAAAAAmAAAAZAAAABYAAABMAAAAAAAAAAAAAAAEAAAAAAAAAAEAAACAgIAKAAAAACgAAAAoAAAAZAAAAGQAAAAAAAAAzMzMAAAAAABQAAAAUAAAAGQAAABkAAAAAAAAABcAAAAUAAAAAAAAAAAAAAD/fwAA/38AAAAAAAAJAAAABAAAANw7IAEeAAAAaAAAAAAAAAAAAAAAAAAAAAAAAAAAAAAAECcAABAnAAAAAAAAAAAAAAAAAAAAAAAAAAAAAAAAAAAAAAAAAAAAABQAAAAAAAAAwMD/AAAAAABkAAAAMgAAAAAAAABkAAAAAAAAAH9/fwAKAAAAIgAAABgAAAAAAAAAAAAAAAAAAAAAAAAAAAAAAAAAAAAkAAAAJAAAAAAAAAAHAAAAAAAAAAAAAAAAAAAAAAAAAAAAAAAAAAAAf39/ACUAAABYAAAAAAAAAAAAAAAAAAAAAAAAAAAAAAAAAAAAAAAAAAAAAAAAAAAAAAAAAAAAAAA/AAAAAAAAAKCGAQAAAAAAAAAAAAAAAAAMAAAAAQAAAAAAAAAAAAAAAAAAAB8AAABUAAAAAAAABQAAAAEAAAAAAAAAAAAAAAAAAAAAAAAAAAAAAAAAAAAAAAAAAAAAAAJ/f38AAAAAA8zMzADAwP8Af39/AAAAAAAAAAAAAAAAAAAAAAAAAAAAIQAAABgAAAAUAAAAwTUAABsnAABARwAAWSkAABAAAAAmAAAACAAAAAAAAAAAAAAA"/>
+                <pr:smNativeData xmlns:pr="smNativeData" xmlns="smNativeData" val="SMDATA_15_eM6NYhMAAAAlAAAAZAAAAA8BAAAAkAAAAEgAAACQAAAASAAAAAAAAAABAAAAAAAAAAEAAABQAAAAAAAAAAAA4D8AAAAAAADgPwAAAAAAAOA/AAAAAAAA4D8AAAAAAADgPwAAAAAAAOA/AAAAAAAA4D8AAAAAAADgPwAAAAAAAOA/AAAAAAAA4D8CAAAAjAAAAAAAAAAAAAAAu+DjDP///wgAAAAAAAAAAAAAAAAAAAAAAAAAAAAAAAAAAAAAZAAAAAEAAABAAAAAAAAAAAAAAAAAAAAAAAAAAAAAAAAAAAAAAAAAAAAAAAAAAAAAAAAAAAAAAAAAAAAAAAAAAAAAAAAAAAAAAAAAAAAAAAAAAAAAAAAAAAAAAAAAAAAAFAAAADwAAAAAAAAAAAAAAAAAAAkUAAAAAQAAABQAAAAUAAAAFAAAAAEAAAAAAAAAZAAAAGQAAAAAAAAAZAAAAGQAAAAVAAAAYAAAAAAAAAAAAAAADwAAACADAAAAAAAAAAAAAAEAAACgMgAAVgcAAKr4//8BAAAAf39/AAEAAABkAAAAAAAAABQAAABAHwAAAAAAACYAAAAAAAAAwOD//wAAAAAmAAAAZAAAABYAAABMAAAAAAAAAAAAAAAEAAAAAAAAAAEAAACAgIAKAAAAACgAAAAoAAAAZAAAAGQAAAAAAAAAzMzMAAAAAABQAAAAUAAAAGQAAABkAAAAAAAAABcAAAAUAAAAAAAAAAAAAAD/fwAA/38AAAAAAAAJAAAABAAAANw7IAEeAAAAaAAAAAAAAAAAAAAAAAAAAAAAAAAAAAAAECcAABAnAAAAAAAAAAAAAAAAAAAAAAAAAAAAAAAAAAAAAAAAAAAAABQAAAAAAAAAwMD/AAAAAABkAAAAMgAAAAAAAABkAAAAAAAAAH9/fwAKAAAAIgAAABgAAAAAAAAAAAAAAAAAAAAAAAAAAAAAAAAAAAAkAAAAJAAAAAAAAAAHAAAAAAAAAAAAAAAAAAAAAAAAAAAAAAAAAAAAf39/ACUAAABYAAAAAAAAAAAAAAAAAAAAAAAAAAAAAAAAAAAAAAAAAAAAAAAAAAAAAAAAAAAAAAA/AAAAAAAAAKCGAQAAAAAAAAAAAAAAAAAMAAAAAQAAAAAAAAAAAAAAAAAAAB8AAABUAAAAAAAABQAAAAEAAAAAAAAAAAAAAAAAAAAAAAAAAAAAAAAAAAAAAAAAAAAAAAJ/f38AAAAAA8zMzADAwP8Af39/AAAAAAAAAAAAAAAAAAAAAAAAAAAAIQAAABgAAAAUAAAAwTUAABsnAABARwAAWSkAABAAAAAmAAAACAAAAAAAAAAAAAAA"/>
               </a:ext>
             </a:extLst>
           </p:cNvSpPr>
@@ -1939,7 +1925,7 @@
           <a:lstStyle/>
           <a:p>
             <a:pPr/>
-            <a:fld id="{310E07A0-EEDC-5BF1-92B6-18A449F8644D}" type="slidenum">
+            <a:fld id="{2E3A73C2-8CC3-6F85-8D82-7AD03DCC7B2F}" type="slidenum">
               <a:t/>
             </a:fld>
           </a:p>
@@ -1950,6 +1936,7 @@
   <p:clrMapOvr>
     <a:masterClrMapping/>
   </p:clrMapOvr>
+  <p:hf hdr="0" ftr="0"/>
 </p:sldLayout>
 </file>
 
@@ -1977,7 +1964,7 @@
             <a:spLocks noGrp="1" noChangeArrowheads="1"/>
             <a:extLst>
               <a:ext uri="smNativeData">
-                <pr:smNativeData xmlns:pr="smNativeData" xmlns="smNativeData" val="SMDATA_15_zA6NYhMAAAAlAAAAZAAAAA8BAAAAkAAAAEgAAACQAAAASAAAAAAAAAABAAAAAAAAAAEAAABQAAAAAAAAAAAA4D8AAAAAAADgPwAAAAAAAOA/AAAAAAAA4D8AAAAAAADgPwAAAAAAAOA/AAAAAAAA4D8AAAAAAADgPwAAAAAAAOA/AAAAAAAA4D8CAAAAjAAAAAAAAAAAAAAAu+DjDP///wgAAAAAAAAAAAAAAAAAAAAAAAAAAAAAAAAAAAAAZAAAAAEAAABAAAAAAAAAAAAAAAAAAAAAAAAAAAAAAAAAAAAAAAAAAAAAAAAAAAAAAAAAAAAAAAAAAAAAAAAAAAAAAAAAAAAAAAAAAAAAAAAAAAAAAAAAAAAAAAAAAAAAFAAAADwAAAAAAAAAAAAAAAAAAAkUAAAAAQAAABQAAAAUAAAAFAAAAAEAAAAAAAAAZAAAAGQAAAAAAAAAZAAAAGQAAAAVAAAAYAAAAAAAAAAAAAAADwAAACADAAAAAAAAAAAAAAEAAACgMgAAVgcAAKr4//8BAAAAf39/AAEAAABkAAAAAAAAABQAAABAHwAAAAAAACYAAAAAAAAAwOD//wAAAAAmAAAAZAAAABYAAABMAAAAAAAAAAAAAAAEAAAAAAAAAAEAAACAgIAKAAAAACgAAAAoAAAAZAAAAGQAAAAAAAAAzMzMAAAAAABQAAAAUAAAAGQAAABkAAAAAAAAABcAAAAUAAAAAAAAAAAAAAD/fwAA/38AAAAAAAAJAAAABAAAANw7IAEeAAAAaAAAAAAAAAAAAAAAAAAAAAAAAAAAAAAAECcAABAnAAAAAAAAAAAAAAAAAAAAAAAAAAAAAAAAAAAAAAAAAAAAABQAAAAAAAAAwMD/AAAAAABkAAAAMgAAAAAAAABkAAAAAAAAAH9/fwAKAAAAIgAAABgAAAAAAAAAAAAAAAAAAAAAAAAAAAAAAAAAAAAkAAAAJAAAAAAAAAAHAAAAAAAAAAAAAAAAAAAAAAAAAAAAAAAAAAAAf39/ACUAAABYAAAAAAAAAAAAAAAAAAAAAAAAAAAAAAAAAAAAAAAAAAAAAAAAAAAAAAAAAAAAAAA/AAAAAAAAAKCGAQAAAAAAAAAAAAAAAAAMAAAAAQAAAAAAAAAAAAAAAAAAAB8AAABUAAAAAAAABQAAAAEAAAAAAAAAAAAAAAAAAAAAAAAAAAAAAAAAAAAAAAAAAAAAAAJ/f38AAAAAA8zMzADAwP8Af39/AAAAAAAAAAAAAAAAAAAAAAAAAAAAIQAAABgAAAAUAAAAwAMAALABAABARwAAuAgAABAAAAAmAAAACAAAAAAAAAAAAAAA"/>
+                <pr:smNativeData xmlns:pr="smNativeData" xmlns="smNativeData" val="SMDATA_15_eM6NYhMAAAAlAAAAZAAAAA8BAAAAkAAAAEgAAACQAAAASAAAAAAAAAABAAAAAAAAAAEAAABQAAAAAAAAAAAA4D8AAAAAAADgPwAAAAAAAOA/AAAAAAAA4D8AAAAAAADgPwAAAAAAAOA/AAAAAAAA4D8AAAAAAADgPwAAAAAAAOA/AAAAAAAA4D8CAAAAjAAAAAAAAAAAAAAAu+DjDP///wgAAAAAAAAAAAAAAAAAAAAAAAAAAAAAAAAAAAAAZAAAAAEAAABAAAAAAAAAAAAAAAAAAAAAAAAAAAAAAAAAAAAAAAAAAAAAAAAAAAAAAAAAAAAAAAAAAAAAAAAAAAAAAAAAAAAAAAAAAAAAAAAAAAAAAAAAAAAAAAAAAAAAFAAAADwAAAAAAAAAAAAAAAAAAAkUAAAAAQAAABQAAAAUAAAAFAAAAAEAAAAAAAAAZAAAAGQAAAAAAAAAZAAAAGQAAAAVAAAAYAAAAAAAAAAAAAAADwAAACADAAAAAAAAAAAAAAEAAACgMgAAVgcAAKr4//8BAAAAf39/AAEAAABkAAAAAAAAABQAAABAHwAAAAAAACYAAAAAAAAAwOD//wAAAAAmAAAAZAAAABYAAABMAAAAAAAAAAAAAAAEAAAAAAAAAAEAAACAgIAKAAAAACgAAAAoAAAAZAAAAGQAAAAAAAAAzMzMAAAAAABQAAAAUAAAAGQAAABkAAAAAAAAABcAAAAUAAAAAAAAAAAAAAD/fwAA/38AAAAAAAAJAAAABAAAANw7IAEeAAAAaAAAAAAAAAAAAAAAAAAAAAAAAAAAAAAAECcAABAnAAAAAAAAAAAAAAAAAAAAAAAAAAAAAAAAAAAAAAAAAAAAABQAAAAAAAAAwMD/AAAAAABkAAAAMgAAAAAAAABkAAAAAAAAAH9/fwAKAAAAIgAAABgAAAAAAAAAAAAAAAAAAAAAAAAAAAAAAAAAAAAkAAAAJAAAAAAAAAAHAAAAAAAAAAAAAAAAAAAAAAAAAAAAAAAAAAAAf39/ACUAAABYAAAAAAAAAAAAAAAAAAAAAAAAAAAAAAAAAAAAAAAAAAAAAAAAAAAAAAAAAAAAAAA/AAAAAAAAAKCGAQAAAAAAAAAAAAAAAAAMAAAAAQAAAAAAAAAAAAAAAAAAAB8AAABUAAAAAAAABQAAAAEAAAAAAAAAAAAAAAAAAAAAAAAAAAAAAAAAAAAAAAAAAAAAAAJ/f38AAAAAA8zMzADAwP8Af39/AAAAAAAAAAAAAAAAAAAAAAAAAAAAIQAAABgAAAAUAAAAwAMAALABAABARwAAuAgAABAAAAAmAAAACAAAAAAAAAAAAAAA"/>
               </a:ext>
             </a:extLst>
           </p:cNvSpPr>
@@ -2004,7 +1991,7 @@
             <a:spLocks noGrp="1" noChangeArrowheads="1"/>
             <a:extLst>
               <a:ext uri="smNativeData">
-                <pr:smNativeData xmlns:pr="smNativeData" xmlns="smNativeData" val="SMDATA_15_zA6NYhMAAAAlAAAAZAAAAA8BAAAAkAAAAEgAAACQAAAASAAAAAAAAAABAAAAAAAAAAEAAABQAAAAAAAAAAAA4D8AAAAAAADgPwAAAAAAAOA/AAAAAAAA4D8AAAAAAADgPwAAAAAAAOA/AAAAAAAA4D8AAAAAAADgPwAAAAAAAOA/AAAAAAAA4D8CAAAAjAAAAAAAAAAAAAAAu+DjDP///wgAAAAAAAAAAAAAAAAAAAAAAAAAAAAAAAAAAAAAZAAAAAEAAABAAAAAAAAAAAAAAAAAAAAAAAAAAAAAAAAAAAAAAAAAAAAAAAAAAAAAAAAAAAAAAAAAAAAAAAAAAAAAAAAAAAAAAAAAAAAAAAAAAAAAAAAAAAAAAAAAAAAAFAAAADwAAAAAAAAAAAAAAAAAAAkUAAAAAQAAABQAAAAUAAAAFAAAAAEAAAAAAAAAZAAAAGQAAAAAAAAAZAAAAGQAAAAVAAAAYAAAAAAAAAAAAAAADwAAACADAAAAAAAAAAAAAAEAAACgMgAAVgcAAKr4//8BAAAAf39/AAEAAABkAAAAAAAAABQAAABAHwAAAAAAACYAAAAAAAAAwOD//wAAAAAmAAAAZAAAABYAAABMAAAAAAAAAAAAAAAEAAAAAAAAAAEAAACAgIAKAAAAACgAAAAoAAAAZAAAAGQAAAAAAAAAzMzMAAAAAABQAAAAUAAAAGQAAABkAAAAAAAAABcAAAAUAAAAAAAAAAAAAAD/fwAA/38AAAAAAAAJAAAABAAAANw7IAEeAAAAaAAAAAAAAAAAAAAAAAAAAAAAAAAAAAAAECcAABAnAAAAAAAAAAAAAAAAAAAAAAAAAAAAAAAAAAAAAAAAAAAAABQAAAAAAAAAwMD/AAAAAABkAAAAMgAAAAAAAABkAAAAAAAAAH9/fwAKAAAAIgAAABgAAAAAAAAAAAAAAAAAAAAAAAAAAAAAAAAAAAAkAAAAJAAAAAAAAAAHAAAAAAAAAAAAAAAAAAAAAAAAAAAAAAAAAAAAf39/ACUAAABYAAAAAAAAAAAAAAAAAAAAAAAAAAAAAAAAAAAAAAAAAAAAAAAAAAAAAAAAAAAAAAA/AAAAAAAAAKCGAQAAAAAAAAAAAAAAAAAMAAAAAQAAAAAAAAAAAAAAAAAAAB8AAABUAAAAAAAABQAAAAEAAAAAAAAAAAAAAAAAAAAAAAAAAAAAAAAAAAAAAAAAAAAAAAJ/f38AAAAAA8zMzADAwP8Af39/AAAAAAAAAAAAAAAAAAAAAAAAAAAAIQAAABgAAAAUAAAAwAMAABsnAAA/FQAAWSkAABAAAAAmAAAACAAAAAAAAAAAAAAA"/>
+                <pr:smNativeData xmlns:pr="smNativeData" xmlns="smNativeData" val="SMDATA_15_eM6NYhMAAAAlAAAAZAAAAA8BAAAAkAAAAEgAAACQAAAASAAAAAAAAAABAAAAAAAAAAEAAABQAAAAAAAAAAAA4D8AAAAAAADgPwAAAAAAAOA/AAAAAAAA4D8AAAAAAADgPwAAAAAAAOA/AAAAAAAA4D8AAAAAAADgPwAAAAAAAOA/AAAAAAAA4D8CAAAAjAAAAAAAAAAAAAAAu+DjDP///wgAAAAAAAAAAAAAAAAAAAAAAAAAAAAAAAAAAAAAZAAAAAEAAABAAAAAAAAAAAAAAAAAAAAAAAAAAAAAAAAAAAAAAAAAAAAAAAAAAAAAAAAAAAAAAAAAAAAAAAAAAAAAAAAAAAAAAAAAAAAAAAAAAAAAAAAAAAAAAAAAAAAAFAAAADwAAAAAAAAAAAAAAAAAAAkUAAAAAQAAABQAAAAUAAAAFAAAAAEAAAAAAAAAZAAAAGQAAAAAAAAAZAAAAGQAAAAVAAAAYAAAAAAAAAAAAAAADwAAACADAAAAAAAAAAAAAAEAAACgMgAAVgcAAKr4//8BAAAAf39/AAEAAABkAAAAAAAAABQAAABAHwAAAAAAACYAAAAAAAAAwOD//wAAAAAmAAAAZAAAABYAAABMAAAAAAAAAAAAAAAEAAAAAAAAAAEAAACAgIAKAAAAACgAAAAoAAAAZAAAAGQAAAAAAAAAzMzMAAAAAABQAAAAUAAAAGQAAABkAAAAAAAAABcAAAAUAAAAAAAAAAAAAAD/fwAA/38AAAAAAAAJAAAABAAAANw7IAEeAAAAaAAAAAAAAAAAAAAAAAAAAAAAAAAAAAAAECcAABAnAAAAAAAAAAAAAAAAAAAAAAAAAAAAAAAAAAAAAAAAAAAAABQAAAAAAAAAwMD/AAAAAABkAAAAMgAAAAAAAABkAAAAAAAAAH9/fwAKAAAAIgAAABgAAAAAAAAAAAAAAAAAAAAAAAAAAAAAAAAAAAAkAAAAJAAAAAAAAAAHAAAAAAAAAAAAAAAAAAAAAAAAAAAAAAAAAAAAf39/ACUAAABYAAAAAAAAAAAAAAAAAAAAAAAAAAAAAAAAAAAAAAAAAAAAAAAAAAAAAAAAAAAAAAA/AAAAAAAAAKCGAQAAAAAAAAAAAAAAAAAMAAAAAQAAAAAAAAAAAAAAAAAAAB8AAABUAAAAAAAABQAAAAEAAAAAAAAAAAAAAAAAAAAAAAAAAAAAAAAAAAAAAAAAAAAAAAJ/f38AAAAAA8zMzADAwP8Af39/AAAAAAAAAAAAAAAAAAAAAAAAAAAAIQAAABgAAAAUAAAAwAMAABsnAAA/FQAAWSkAABAAAAAmAAAACAAAAAAAAAAAAAAA"/>
               </a:ext>
             </a:extLst>
           </p:cNvSpPr>
@@ -2018,7 +2005,7 @@
           <a:lstStyle/>
           <a:p>
             <a:pPr/>
-            <a:fld id="{310E7F6D-23DC-5B89-92B6-D5DC31F86480}" type="datetime1">
+            <a:fld id="{2E3A214B-05C3-6FD7-8D82-F3826FCC7BA6}" type="datetime1">
               <a:t/>
             </a:fld>
           </a:p>
@@ -2031,7 +2018,7 @@
             <a:spLocks noGrp="1" noChangeArrowheads="1"/>
             <a:extLst>
               <a:ext uri="smNativeData">
-                <pr:smNativeData xmlns:pr="smNativeData" xmlns="smNativeData" val="SMDATA_15_zA6NYhMAAAAlAAAAZAAAAA8BAAAAkAAAAEgAAACQAAAASAAAAAAAAAABAAAAAAAAAAEAAABQAAAAAAAAAAAA4D8AAAAAAADgPwAAAAAAAOA/AAAAAAAA4D8AAAAAAADgPwAAAAAAAOA/AAAAAAAA4D8AAAAAAADgPwAAAAAAAOA/AAAAAAAA4D8CAAAAjAAAAAAAAAAAAAAAu+DjDP///wgAAAAAAAAAAAAAAAAAAAAAAAAAAAAAAAAAAAAAZAAAAAEAAABAAAAAAAAAAAAAAAAAAAAAAAAAAAAAAAAAAAAAAAAAAAAAAAAAAAAAAAAAAAAAAAAAAAAAAAAAAAAAAAAAAAAAAAAAAAAAAAAAAAAAAAAAAAAAAAAAAAAAFAAAADwAAAAAAAAAAAAAAAAAAAkUAAAAAQAAABQAAAAUAAAAFAAAAAEAAAAAAAAAZAAAAGQAAAAAAAAAZAAAAGQAAAAVAAAAYAAAAAAAAAAAAAAADwAAACADAAAAAAAAAAAAAAEAAACgMgAAVgcAAKr4//8BAAAAf39/AAEAAABkAAAAAAAAABQAAABAHwAAAAAAACYAAAAAAAAAwOD//wAAAAAmAAAAZAAAABYAAABMAAAAAAAAAAAAAAAEAAAAAAAAAAEAAACAgIAKAAAAACgAAAAoAAAAZAAAAGQAAAAAAAAAzMzMAAAAAABQAAAAUAAAAGQAAABkAAAAAAAAABcAAAAUAAAAAAAAAAAAAAD/fwAA/38AAAAAAAAJAAAABAAAANw7IAEeAAAAaAAAAAAAAAAAAAAAAAAAAAAAAAAAAAAAECcAABAnAAAAAAAAAAAAAAAAAAAAAAAAAAAAAAAAAAAAAAAAAAAAABQAAAAAAAAAwMD/AAAAAABkAAAAMgAAAAAAAABkAAAAAAAAAH9/fwAKAAAAIgAAABgAAAAAAAAAAAAAAAAAAAAAAAAAAAAAAAAAAAAkAAAAJAAAAAAAAAAHAAAAAAAAAAAAAAAAAAAAAAAAAAAAAAAAAAAAf39/ACUAAABYAAAAAAAAAAAAAAAAAAAAAAAAAAAAAAAAAAAAAAAAAAAAAAAAAAAAAAAAAAAAAAA/AAAAAAAAAKCGAQAAAAAAAAAAAAAAAAAMAAAAAQAAAAAAAAAAAAAAAAAAAB8AAABUAAAAAAAABQAAAAEAAAAAAAAAAAAAAAAAAAAAAAAAAAAAAAAAAAAAAAAAAAAAAAJ/f38AAAAAA8zMzADAwP8Af39/AAAAAAAAAAAAAAAAAAAAAAAAAAAAIQAAABgAAAAUAAAAoRkAABsnAABfMQAAWSkAABAAAAAmAAAACAAAAAAAAAAAAAAA"/>
+                <pr:smNativeData xmlns:pr="smNativeData" xmlns="smNativeData" val="SMDATA_15_eM6NYhMAAAAlAAAAZAAAAA8BAAAAkAAAAEgAAACQAAAASAAAAAAAAAABAAAAAAAAAAEAAABQAAAAAAAAAAAA4D8AAAAAAADgPwAAAAAAAOA/AAAAAAAA4D8AAAAAAADgPwAAAAAAAOA/AAAAAAAA4D8AAAAAAADgPwAAAAAAAOA/AAAAAAAA4D8CAAAAjAAAAAAAAAAAAAAAu+DjDP///wgAAAAAAAAAAAAAAAAAAAAAAAAAAAAAAAAAAAAAZAAAAAEAAABAAAAAAAAAAAAAAAAAAAAAAAAAAAAAAAAAAAAAAAAAAAAAAAAAAAAAAAAAAAAAAAAAAAAAAAAAAAAAAAAAAAAAAAAAAAAAAAAAAAAAAAAAAAAAAAAAAAAAFAAAADwAAAAAAAAAAAAAAAAAAAkUAAAAAQAAABQAAAAUAAAAFAAAAAEAAAAAAAAAZAAAAGQAAAAAAAAAZAAAAGQAAAAVAAAAYAAAAAAAAAAAAAAADwAAACADAAAAAAAAAAAAAAEAAACgMgAAVgcAAKr4//8BAAAAf39/AAEAAABkAAAAAAAAABQAAABAHwAAAAAAACYAAAAAAAAAwOD//wAAAAAmAAAAZAAAABYAAABMAAAAAAAAAAAAAAAEAAAAAAAAAAEAAACAgIAKAAAAACgAAAAoAAAAZAAAAGQAAAAAAAAAzMzMAAAAAABQAAAAUAAAAGQAAABkAAAAAAAAABcAAAAUAAAAAAAAAAAAAAD/fwAA/38AAAAAAAAJAAAABAAAANw7IAEeAAAAaAAAAAAAAAAAAAAAAAAAAAAAAAAAAAAAECcAABAnAAAAAAAAAAAAAAAAAAAAAAAAAAAAAAAAAAAAAAAAAAAAABQAAAAAAAAAwMD/AAAAAABkAAAAMgAAAAAAAABkAAAAAAAAAH9/fwAKAAAAIgAAABgAAAAAAAAAAAAAAAAAAAAAAAAAAAAAAAAAAAAkAAAAJAAAAAAAAAAHAAAAAAAAAAAAAAAAAAAAAAAAAAAAAAAAAAAAf39/ACUAAABYAAAAAAAAAAAAAAAAAAAAAAAAAAAAAAAAAAAAAAAAAAAAAAAAAAAAAAAAAAAAAAA/AAAAAAAAAKCGAQAAAAAAAAAAAAAAAAAMAAAAAQAAAAAAAAAAAAAAAAAAAB8AAABUAAAAAAAABQAAAAEAAAAAAAAAAAAAAAAAAAAAAAAAAAAAAAAAAAAAAAAAAAAAAAJ/f38AAAAAA8zMzADAwP8Af39/AAAAAAAAAAAAAAAAAAAAAAAAAAAAIQAAABgAAAAUAAAAoRkAABsnAABfMQAAWSkAABAAAAAmAAAACAAAAAAAAAAAAAAA"/>
               </a:ext>
             </a:extLst>
           </p:cNvSpPr>
@@ -2045,9 +2032,6 @@
           <a:lstStyle/>
           <a:p>
             <a:pPr/>
-            <a:r>
-              <a:t/>
-            </a:r>
           </a:p>
         </p:txBody>
       </p:sp>
@@ -2058,7 +2042,7 @@
             <a:spLocks noGrp="1" noChangeArrowheads="1"/>
             <a:extLst>
               <a:ext uri="smNativeData">
-                <pr:smNativeData xmlns:pr="smNativeData" xmlns="smNativeData" val="SMDATA_15_zA6NYhMAAAAlAAAAZAAAAA8BAAAAkAAAAEgAAACQAAAASAAAAAAAAAABAAAAAAAAAAEAAABQAAAAAAAAAAAA4D8AAAAAAADgPwAAAAAAAOA/AAAAAAAA4D8AAAAAAADgPwAAAAAAAOA/AAAAAAAA4D8AAAAAAADgPwAAAAAAAOA/AAAAAAAA4D8CAAAAjAAAAAAAAAAAAAAAu+DjDP///wgAAAAAAAAAAAAAAAAAAAAAAAAAAAAAAAAAAAAAZAAAAAEAAABAAAAAAAAAAAAAAAAAAAAAAAAAAAAAAAAAAAAAAAAAAAAAAAAAAAAAAAAAAAAAAAAAAAAAAAAAAAAAAAAAAAAAAAAAAAAAAAAAAAAAAAAAAAAAAAAAAAAAFAAAADwAAAAAAAAAAAAAAAAAAAkUAAAAAQAAABQAAAAUAAAAFAAAAAEAAAAAAAAAZAAAAGQAAAAAAAAAZAAAAGQAAAAVAAAAYAAAAAAAAAAAAAAADwAAACADAAAAAAAAAAAAAAEAAACgMgAAVgcAAKr4//8BAAAAf39/AAEAAABkAAAAAAAAABQAAABAHwAAAAAAACYAAAAAAAAAwOD//wAAAAAmAAAAZAAAABYAAABMAAAAAAAAAAAAAAAEAAAAAAAAAAEAAACAgIAKAAAAACgAAAAoAAAAZAAAAGQAAAAAAAAAzMzMAAAAAABQAAAAUAAAAGQAAABkAAAAAAAAABcAAAAUAAAAAAAAAAAAAAD/fwAA/38AAAAAAAAJAAAABAAAANw7IAEeAAAAaAAAAAAAAAAAAAAAAAAAAAAAAAAAAAAAECcAABAnAAAAAAAAAAAAAAAAAAAAAAAAAAAAAAAAAAAAAAAAAAAAABQAAAAAAAAAwMD/AAAAAABkAAAAMgAAAAAAAABkAAAAAAAAAH9/fwAKAAAAIgAAABgAAAAAAAAAAAAAAAAAAAAAAAAAAAAAAAAAAAAkAAAAJAAAAAAAAAAHAAAAAAAAAAAAAAAAAAAAAAAAAAAAAAAAAAAAf39/ACUAAABYAAAAAAAAAAAAAAAAAAAAAAAAAAAAAAAAAAAAAAAAAAAAAAAAAAAAAAAAAAAAAAA/AAAAAAAAAKCGAQAAAAAAAAAAAAAAAAAMAAAAAQAAAAAAAAAAAAAAAAAAAB8AAABUAAAAAAAABQAAAAEAAAAAAAAAAAAAAAAAAAAAAAAAAAAAAAAAAAAAAAAAAAAAAAJ/f38AAAAAA8zMzADAwP8Af39/AAAAAAAAAAAAAAAAAAAAAAAAAAAAIQAAABgAAAAUAAAAwTUAABsnAABARwAAWSkAABAAAAAmAAAACAAAAAAAAAAAAAAA"/>
+                <pr:smNativeData xmlns:pr="smNativeData" xmlns="smNativeData" val="SMDATA_15_eM6NYhMAAAAlAAAAZAAAAA8BAAAAkAAAAEgAAACQAAAASAAAAAAAAAABAAAAAAAAAAEAAABQAAAAAAAAAAAA4D8AAAAAAADgPwAAAAAAAOA/AAAAAAAA4D8AAAAAAADgPwAAAAAAAOA/AAAAAAAA4D8AAAAAAADgPwAAAAAAAOA/AAAAAAAA4D8CAAAAjAAAAAAAAAAAAAAAu+DjDP///wgAAAAAAAAAAAAAAAAAAAAAAAAAAAAAAAAAAAAAZAAAAAEAAABAAAAAAAAAAAAAAAAAAAAAAAAAAAAAAAAAAAAAAAAAAAAAAAAAAAAAAAAAAAAAAAAAAAAAAAAAAAAAAAAAAAAAAAAAAAAAAAAAAAAAAAAAAAAAAAAAAAAAFAAAADwAAAAAAAAAAAAAAAAAAAkUAAAAAQAAABQAAAAUAAAAFAAAAAEAAAAAAAAAZAAAAGQAAAAAAAAAZAAAAGQAAAAVAAAAYAAAAAAAAAAAAAAADwAAACADAAAAAAAAAAAAAAEAAACgMgAAVgcAAKr4//8BAAAAf39/AAEAAABkAAAAAAAAABQAAABAHwAAAAAAACYAAAAAAAAAwOD//wAAAAAmAAAAZAAAABYAAABMAAAAAAAAAAAAAAAEAAAAAAAAAAEAAACAgIAKAAAAACgAAAAoAAAAZAAAAGQAAAAAAAAAzMzMAAAAAABQAAAAUAAAAGQAAABkAAAAAAAAABcAAAAUAAAAAAAAAAAAAAD/fwAA/38AAAAAAAAJAAAABAAAANw7IAEeAAAAaAAAAAAAAAAAAAAAAAAAAAAAAAAAAAAAECcAABAnAAAAAAAAAAAAAAAAAAAAAAAAAAAAAAAAAAAAAAAAAAAAABQAAAAAAAAAwMD/AAAAAABkAAAAMgAAAAAAAABkAAAAAAAAAH9/fwAKAAAAIgAAABgAAAAAAAAAAAAAAAAAAAAAAAAAAAAAAAAAAAAkAAAAJAAAAAAAAAAHAAAAAAAAAAAAAAAAAAAAAAAAAAAAAAAAAAAAf39/ACUAAABYAAAAAAAAAAAAAAAAAAAAAAAAAAAAAAAAAAAAAAAAAAAAAAAAAAAAAAAAAAAAAAA/AAAAAAAAAKCGAQAAAAAAAAAAAAAAAAAMAAAAAQAAAAAAAAAAAAAAAAAAAB8AAABUAAAAAAAABQAAAAEAAAAAAAAAAAAAAAAAAAAAAAAAAAAAAAAAAAAAAAAAAAAAAAJ/f38AAAAAA8zMzADAwP8Af39/AAAAAAAAAAAAAAAAAAAAAAAAAAAAIQAAABgAAAAUAAAAwTUAABsnAABARwAAWSkAABAAAAAmAAAACAAAAAAAAAAAAAAA"/>
               </a:ext>
             </a:extLst>
           </p:cNvSpPr>
@@ -2072,7 +2056,7 @@
           <a:lstStyle/>
           <a:p>
             <a:pPr/>
-            <a:fld id="{310E5638-76DC-5BA0-92B6-80F518F864D5}" type="slidenum">
+            <a:fld id="{2E3A6542-0CC3-6F93-8D82-FAC62BCC7BAF}" type="slidenum">
               <a:t/>
             </a:fld>
           </a:p>
@@ -2083,6 +2067,7 @@
   <p:clrMapOvr>
     <a:masterClrMapping/>
   </p:clrMapOvr>
+  <p:hf hdr="0" ftr="0"/>
 </p:sldLayout>
 </file>
 
@@ -2110,7 +2095,7 @@
             <a:spLocks noGrp="1" noChangeArrowheads="1"/>
             <a:extLst>
               <a:ext uri="smNativeData">
-                <pr:smNativeData xmlns:pr="smNativeData" xmlns="smNativeData" val="SMDATA_15_zA6NYhMAAAAlAAAAZAAAAA8BAAAAkAAAAEgAAACQAAAASAAAAAAAAAABAAAAAAAAAAEAAABQAAAAAAAAAAAA4D8AAAAAAADgPwAAAAAAAOA/AAAAAAAA4D8AAAAAAADgPwAAAAAAAOA/AAAAAAAA4D8AAAAAAADgPwAAAAAAAOA/AAAAAAAA4D8CAAAAjAAAAAAAAAAAAAAAu+DjDP///wgAAAAAAAAAAAAAAAAAAAAAAAAAAAAAAAAAAAAAZAAAAAEAAABAAAAAAAAAAAAAAAAAAAAAAAAAAAAAAAAAAAAAAAAAAAAAAAAAAAAAAAAAAAAAAAAAAAAAAAAAAAAAAAAAAAAAAAAAAAAAAAAAAAAAAAAAAAAAAAAAAAAAFAAAADwAAAAAAAAAAAAAAAAAAAkUAAAAAQAAABQAAAAUAAAAFAAAAAEAAAAAAAAAZAAAAGQAAAAAAAAAZAAAAGQAAAAVAAAAYAAAAAAAAAAAAAAADwAAACADAAAAAAAAAAAAAAEAAACgMgAAVgcAAKr4//8BAAAAf39/AAEAAABkAAAAAAAAABQAAABAHwAAAAAAACYAAAAAAAAAwOD//wAAAAAmAAAAZAAAABYAAABMAAAAAAAAAAAAAAAEAAAAAAAAAAEAAACAgIAKAAAAACgAAAAoAAAAZAAAAGQAAAAAAAAAzMzMAAAAAABQAAAAUAAAAGQAAABkAAAAAAAAABcAAAAUAAAAAAAAAAAAAAD/fwAA/38AAAAAAAAJAAAABAAAANw7IAEeAAAAaAAAAAAAAAAAAAAAAAAAAAAAAAAAAAAAECcAABAnAAAAAAAAAAAAAAAAAAAAAAAAAAAAAAAAAAAAAAAAAAAAABQAAAAAAAAAwMD/AAAAAABkAAAAMgAAAAAAAABkAAAAAAAAAH9/fwAKAAAAIgAAABgAAAAAAAAAAAAAAAAAAAAAAAAAAAAAAAAAAAAkAAAAJAAAAAAAAAAHAAAAAAAAAAAAAAAAAAAAAAAAAAAAAAAAAAAAf39/ACUAAABYAAAAAAAAAAAAAAAAAAAAAAAAAAAAAAAAAAAAAAAAAAAAAAAAAAAAAAAAAAAAAAA/AAAAAAAAAKCGAQAAAAAAAAAAAAAAAAAMAAAAAQAAAAAAAAAAAAAAAAAAAB8AAABUAAAAAAAABQAAAAEAAAAAAAAAAAAAAAAAAAAAAAAAAAAAAAAAAAAAAAAAAAAAAAJ/f38AAAAAA8zMzADAwP8Af39/AAAAAAAAAAAAAAAAAAAAAAAAAAAAIQAAABgAAAAUAAAAwAMAABsnAAA/FQAAWSkAABAAAAAmAAAACAAAAAAAAAAAAAAA"/>
+                <pr:smNativeData xmlns:pr="smNativeData" xmlns="smNativeData" val="SMDATA_15_eM6NYhMAAAAlAAAAZAAAAA8BAAAAkAAAAEgAAACQAAAASAAAAAAAAAABAAAAAAAAAAEAAABQAAAAAAAAAAAA4D8AAAAAAADgPwAAAAAAAOA/AAAAAAAA4D8AAAAAAADgPwAAAAAAAOA/AAAAAAAA4D8AAAAAAADgPwAAAAAAAOA/AAAAAAAA4D8CAAAAjAAAAAAAAAAAAAAAu+DjDP///wgAAAAAAAAAAAAAAAAAAAAAAAAAAAAAAAAAAAAAZAAAAAEAAABAAAAAAAAAAAAAAAAAAAAAAAAAAAAAAAAAAAAAAAAAAAAAAAAAAAAAAAAAAAAAAAAAAAAAAAAAAAAAAAAAAAAAAAAAAAAAAAAAAAAAAAAAAAAAAAAAAAAAFAAAADwAAAAAAAAAAAAAAAAAAAkUAAAAAQAAABQAAAAUAAAAFAAAAAEAAAAAAAAAZAAAAGQAAAAAAAAAZAAAAGQAAAAVAAAAYAAAAAAAAAAAAAAADwAAACADAAAAAAAAAAAAAAEAAACgMgAAVgcAAKr4//8BAAAAf39/AAEAAABkAAAAAAAAABQAAABAHwAAAAAAACYAAAAAAAAAwOD//wAAAAAmAAAAZAAAABYAAABMAAAAAAAAAAAAAAAEAAAAAAAAAAEAAACAgIAKAAAAACgAAAAoAAAAZAAAAGQAAAAAAAAAzMzMAAAAAABQAAAAUAAAAGQAAABkAAAAAAAAABcAAAAUAAAAAAAAAAAAAAD/fwAA/38AAAAAAAAJAAAABAAAANw7IAEeAAAAaAAAAAAAAAAAAAAAAAAAAAAAAAAAAAAAECcAABAnAAAAAAAAAAAAAAAAAAAAAAAAAAAAAAAAAAAAAAAAAAAAABQAAAAAAAAAwMD/AAAAAABkAAAAMgAAAAAAAABkAAAAAAAAAH9/fwAKAAAAIgAAABgAAAAAAAAAAAAAAAAAAAAAAAAAAAAAAAAAAAAkAAAAJAAAAAAAAAAHAAAAAAAAAAAAAAAAAAAAAAAAAAAAAAAAAAAAf39/ACUAAABYAAAAAAAAAAAAAAAAAAAAAAAAAAAAAAAAAAAAAAAAAAAAAAAAAAAAAAAAAAAAAAA/AAAAAAAAAKCGAQAAAAAAAAAAAAAAAAAMAAAAAQAAAAAAAAAAAAAAAAAAAB8AAABUAAAAAAAABQAAAAEAAAAAAAAAAAAAAAAAAAAAAAAAAAAAAAAAAAAAAAAAAAAAAAJ/f38AAAAAA8zMzADAwP8Af39/AAAAAAAAAAAAAAAAAAAAAAAAAAAAIQAAABgAAAAUAAAAwAMAABsnAAA/FQAAWSkAABAAAAAmAAAACAAAAAAAAAAAAAAA"/>
               </a:ext>
             </a:extLst>
           </p:cNvSpPr>
@@ -2124,7 +2109,7 @@
           <a:lstStyle/>
           <a:p>
             <a:pPr/>
-            <a:fld id="{310E409B-D5DC-5BB6-92B6-23E30EF86476}" type="datetime1">
+            <a:fld id="{2E3A51B6-F8C3-6FA7-8D82-0EF21FCC7B5B}" type="datetime1">
               <a:t/>
             </a:fld>
           </a:p>
@@ -2137,7 +2122,7 @@
             <a:spLocks noGrp="1" noChangeArrowheads="1"/>
             <a:extLst>
               <a:ext uri="smNativeData">
-                <pr:smNativeData xmlns:pr="smNativeData" xmlns="smNativeData" val="SMDATA_15_zA6NYhMAAAAlAAAAZAAAAA8BAAAAkAAAAEgAAACQAAAASAAAAAAAAAABAAAAAAAAAAEAAABQAAAAAAAAAAAA4D8AAAAAAADgPwAAAAAAAOA/AAAAAAAA4D8AAAAAAADgPwAAAAAAAOA/AAAAAAAA4D8AAAAAAADgPwAAAAAAAOA/AAAAAAAA4D8CAAAAjAAAAAAAAAAAAAAAu+DjDP///wgAAAAAAAAAAAAAAAAAAAAAAAAAAAAAAAAAAAAAZAAAAAEAAABAAAAAAAAAAAAAAAAAAAAAAAAAAAAAAAAAAAAAAAAAAAAAAAAAAAAAAAAAAAAAAAAAAAAAAAAAAAAAAAAAAAAAAAAAAAAAAAAAAAAAAAAAAAAAAAAAAAAAFAAAADwAAAAAAAAAAAAAAAAAAAkUAAAAAQAAABQAAAAUAAAAFAAAAAEAAAAAAAAAZAAAAGQAAAAAAAAAZAAAAGQAAAAVAAAAYAAAAAAAAAAAAAAADwAAACADAAAAAAAAAAAAAAEAAACgMgAAVgcAAKr4//8BAAAAf39/AAEAAABkAAAAAAAAABQAAABAHwAAAAAAACYAAAAAAAAAwOD//wAAAAAmAAAAZAAAABYAAABMAAAAAAAAAAAAAAAEAAAAAAAAAAEAAACAgIAKAAAAACgAAAAoAAAAZAAAAGQAAAAAAAAAzMzMAAAAAABQAAAAUAAAAGQAAABkAAAAAAAAABcAAAAUAAAAAAAAAAAAAAD/fwAA/38AAAAAAAAJAAAABAAAAAAAAAAeAAAAaAAAAAAAAAAAAAAAAAAAAAAAAAAAAAAAECcAABAnAAAAAAAAAAAAAAAAAAAAAAAAAAAAAAAAAAAAAAAAAAAAABQAAAAAAAAAwMD/AAAAAABkAAAAMgAAAAAAAABkAAAAAAAAAH9/fwAKAAAAIgAAABgAAAAAAAAAAAAAAAAAAAAAAAAAAAAAAAAAAAAkAAAAJAAAAAAAAAAHAAAAAAAAAAAAAAAAAAAAAAAAAAAAAAAAAAAAf39/ACUAAABYAAAAAAAAAAAAAAAAAAAAAAAAAAAAAAAAAAAAAAAAAAAAAAAAAAAAAAAAAAAAAAA/AAAAAAAAAKCGAQAAAAAAAAAAAAAAAAAMAAAAAQAAAAAAAAAAAAAAAAAAAB8AAABUAAAAAAAABQAAAAEAAAAAAAAAAAAAAAAAAAAAAAAAAAAAAAAAAAAAAAAAAAAAAAJ/f38AAAAAA8zMzADAwP8Af39/AAAAAAAAAAAAAAAAAAAAAAAAAAAAIQAAABgAAAAUAAAAoRkAABsnAABfMQAAWSkAABAAAAAmAAAACAAAAAAAAAAAAAAA"/>
+                <pr:smNativeData xmlns:pr="smNativeData" xmlns="smNativeData" val="SMDATA_15_eM6NYhMAAAAlAAAAZAAAAA8BAAAAkAAAAEgAAACQAAAASAAAAAAAAAABAAAAAAAAAAEAAABQAAAAAAAAAAAA4D8AAAAAAADgPwAAAAAAAOA/AAAAAAAA4D8AAAAAAADgPwAAAAAAAOA/AAAAAAAA4D8AAAAAAADgPwAAAAAAAOA/AAAAAAAA4D8CAAAAjAAAAAAAAAAAAAAAu+DjDP///wgAAAAAAAAAAAAAAAAAAAAAAAAAAAAAAAAAAAAAZAAAAAEAAABAAAAAAAAAAAAAAAAAAAAAAAAAAAAAAAAAAAAAAAAAAAAAAAAAAAAAAAAAAAAAAAAAAAAAAAAAAAAAAAAAAAAAAAAAAAAAAAAAAAAAAAAAAAAAAAAAAAAAFAAAADwAAAAAAAAAAAAAAAAAAAkUAAAAAQAAABQAAAAUAAAAFAAAAAEAAAAAAAAAZAAAAGQAAAAAAAAAZAAAAGQAAAAVAAAAYAAAAAAAAAAAAAAADwAAACADAAAAAAAAAAAAAAEAAACgMgAAVgcAAKr4//8BAAAAf39/AAEAAABkAAAAAAAAABQAAABAHwAAAAAAACYAAAAAAAAAwOD//wAAAAAmAAAAZAAAABYAAABMAAAAAAAAAAAAAAAEAAAAAAAAAAEAAACAgIAKAAAAACgAAAAoAAAAZAAAAGQAAAAAAAAAzMzMAAAAAABQAAAAUAAAAGQAAABkAAAAAAAAABcAAAAUAAAAAAAAAAAAAAD/fwAA/38AAAAAAAAJAAAABAAAAAAAAAAeAAAAaAAAAAAAAAAAAAAAAAAAAAAAAAAAAAAAECcAABAnAAAAAAAAAAAAAAAAAAAAAAAAAAAAAAAAAAAAAAAAAAAAABQAAAAAAAAAwMD/AAAAAABkAAAAMgAAAAAAAABkAAAAAAAAAH9/fwAKAAAAIgAAABgAAAAAAAAAAAAAAAAAAAAAAAAAAAAAAAAAAAAkAAAAJAAAAAAAAAAHAAAAAAAAAAAAAAAAAAAAAAAAAAAAAAAAAAAAf39/ACUAAABYAAAAAAAAAAAAAAAAAAAAAAAAAAAAAAAAAAAAAAAAAAAAAAAAAAAAAAAAAAAAAAA/AAAAAAAAAKCGAQAAAAAAAAAAAAAAAAAMAAAAAQAAAAAAAAAAAAAAAAAAAB8AAABUAAAAAAAABQAAAAEAAAAAAAAAAAAAAAAAAAAAAAAAAAAAAAAAAAAAAAAAAAAAAAJ/f38AAAAAA8zMzADAwP8Af39/AAAAAAAAAAAAAAAAAAAAAAAAAAAAIQAAABgAAAAUAAAAoRkAABsnAABfMQAAWSkAABAAAAAmAAAACAAAAAAAAAAAAAAA"/>
               </a:ext>
             </a:extLst>
           </p:cNvSpPr>
@@ -2151,9 +2136,6 @@
           <a:lstStyle/>
           <a:p>
             <a:pPr/>
-            <a:r>
-              <a:t/>
-            </a:r>
           </a:p>
         </p:txBody>
       </p:sp>
@@ -2164,7 +2146,7 @@
             <a:spLocks noGrp="1" noChangeArrowheads="1"/>
             <a:extLst>
               <a:ext uri="smNativeData">
-                <pr:smNativeData xmlns:pr="smNativeData" xmlns="smNativeData" val="SMDATA_15_zA6NYhMAAAAlAAAAZAAAAA8BAAAAkAAAAEgAAACQAAAASAAAAAAAAAABAAAAAAAAAAEAAABQAAAAAAAAAAAA4D8AAAAAAADgPwAAAAAAAOA/AAAAAAAA4D8AAAAAAADgPwAAAAAAAOA/AAAAAAAA4D8AAAAAAADgPwAAAAAAAOA/AAAAAAAA4D8CAAAAjAAAAAAAAAAAAAAAu+DjDP///wgAAAAAAAAAAAAAAAAAAAAAAAAAAAAAAAAAAAAAZAAAAAEAAABAAAAAAAAAAAAAAAAAAAAAAAAAAAAAAAAAAAAAAAAAAAAAAAAAAAAAAAAAAAAAAAAAAAAAAAAAAAAAAAAAAAAAAAAAAAAAAAAAAAAAAAAAAAAAAAAAAAAAFAAAADwAAAAAAAAAAAAAAAAAAAkUAAAAAQAAABQAAAAUAAAAFAAAAAEAAAAAAAAAZAAAAGQAAAAAAAAAZAAAAGQAAAAVAAAAYAAAAAAAAAAAAAAADwAAACADAAAAAAAAAAAAAAEAAACgMgAAVgcAAKr4//8BAAAAf39/AAEAAABkAAAAAAAAABQAAABAHwAAAAAAACYAAAAAAAAAwOD//wAAAAAmAAAAZAAAABYAAABMAAAAAAAAAAAAAAAEAAAAAAAAAAEAAACAgIAKAAAAACgAAAAoAAAAZAAAAGQAAAAAAAAAzMzMAAAAAABQAAAAUAAAAGQAAABkAAAAAAAAABcAAAAUAAAAAAAAAAAAAAD/fwAA/38AAAAAAAAJAAAABAAAAAAAAAAeAAAAaAAAAAAAAAAAAAAAAAAAAAAAAAAAAAAAECcAABAnAAAAAAAAAAAAAAAAAAAAAAAAAAAAAAAAAAAAAAAAAAAAABQAAAAAAAAAwMD/AAAAAABkAAAAMgAAAAAAAABkAAAAAAAAAH9/fwAKAAAAIgAAABgAAAAAAAAAAAAAAAAAAAAAAAAAAAAAAAAAAAAkAAAAJAAAAAAAAAAHAAAAAAAAAAAAAAAAAAAAAAAAAAAAAAAAAAAAf39/ACUAAABYAAAAAAAAAAAAAAAAAAAAAAAAAAAAAAAAAAAAAAAAAAAAAAAAAAAAAAAAAAAAAAA/AAAAAAAAAKCGAQAAAAAAAAAAAAAAAAAMAAAAAQAAAAAAAAAAAAAAAAAAAB8AAABUAAAAAAAABQAAAAEAAAAAAAAAAAAAAAAAAAAAAAAAAAAAAAAAAAAAAAAAAAAAAAJ/f38AAAAAA8zMzADAwP8Af39/AAAAAAAAAAAAAAAAAAAAAAAAAAAAIQAAABgAAAAUAAAAwTUAABsnAABARwAAWSkAABAAAAAmAAAACAAAAAAAAAAAAAAA"/>
+                <pr:smNativeData xmlns:pr="smNativeData" xmlns="smNativeData" val="SMDATA_15_eM6NYhMAAAAlAAAAZAAAAA8BAAAAkAAAAEgAAACQAAAASAAAAAAAAAABAAAAAAAAAAEAAABQAAAAAAAAAAAA4D8AAAAAAADgPwAAAAAAAOA/AAAAAAAA4D8AAAAAAADgPwAAAAAAAOA/AAAAAAAA4D8AAAAAAADgPwAAAAAAAOA/AAAAAAAA4D8CAAAAjAAAAAAAAAAAAAAAu+DjDP///wgAAAAAAAAAAAAAAAAAAAAAAAAAAAAAAAAAAAAAZAAAAAEAAABAAAAAAAAAAAAAAAAAAAAAAAAAAAAAAAAAAAAAAAAAAAAAAAAAAAAAAAAAAAAAAAAAAAAAAAAAAAAAAAAAAAAAAAAAAAAAAAAAAAAAAAAAAAAAAAAAAAAAFAAAADwAAAAAAAAAAAAAAAAAAAkUAAAAAQAAABQAAAAUAAAAFAAAAAEAAAAAAAAAZAAAAGQAAAAAAAAAZAAAAGQAAAAVAAAAYAAAAAAAAAAAAAAADwAAACADAAAAAAAAAAAAAAEAAACgMgAAVgcAAKr4//8BAAAAf39/AAEAAABkAAAAAAAAABQAAABAHwAAAAAAACYAAAAAAAAAwOD//wAAAAAmAAAAZAAAABYAAABMAAAAAAAAAAAAAAAEAAAAAAAAAAEAAACAgIAKAAAAACgAAAAoAAAAZAAAAGQAAAAAAAAAzMzMAAAAAABQAAAAUAAAAGQAAABkAAAAAAAAABcAAAAUAAAAAAAAAAAAAAD/fwAA/38AAAAAAAAJAAAABAAAAAAAAAAeAAAAaAAAAAAAAAAAAAAAAAAAAAAAAAAAAAAAECcAABAnAAAAAAAAAAAAAAAAAAAAAAAAAAAAAAAAAAAAAAAAAAAAABQAAAAAAAAAwMD/AAAAAABkAAAAMgAAAAAAAABkAAAAAAAAAH9/fwAKAAAAIgAAABgAAAAAAAAAAAAAAAAAAAAAAAAAAAAAAAAAAAAkAAAAJAAAAAAAAAAHAAAAAAAAAAAAAAAAAAAAAAAAAAAAAAAAAAAAf39/ACUAAABYAAAAAAAAAAAAAAAAAAAAAAAAAAAAAAAAAAAAAAAAAAAAAAAAAAAAAAAAAAAAAAA/AAAAAAAAAKCGAQAAAAAAAAAAAAAAAAAMAAAAAQAAAAAAAAAAAAAAAAAAAB8AAABUAAAAAAAABQAAAAEAAAAAAAAAAAAAAAAAAAAAAAAAAAAAAAAAAAAAAAAAAAAAAAJ/f38AAAAAA8zMzADAwP8Af39/AAAAAAAAAAAAAAAAAAAAAAAAAAAAIQAAABgAAAAUAAAAwTUAABsnAABARwAAWSkAABAAAAAmAAAACAAAAAAAAAAAAAAA"/>
               </a:ext>
             </a:extLst>
           </p:cNvSpPr>
@@ -2178,7 +2160,7 @@
           <a:lstStyle/>
           <a:p>
             <a:pPr/>
-            <a:fld id="{310E3A94-DADC-5BCC-92B6-2C9974F86479}" type="slidenum">
+            <a:fld id="{2E3A590C-42C3-6FAF-8D82-B4FA17CC7BE1}" type="slidenum">
               <a:t/>
             </a:fld>
           </a:p>
@@ -2189,6 +2171,7 @@
   <p:clrMapOvr>
     <a:masterClrMapping/>
   </p:clrMapOvr>
+  <p:hf hdr="0" ftr="0"/>
 </p:sldLayout>
 </file>
 
@@ -2216,7 +2199,7 @@
             <a:spLocks noGrp="1" noChangeArrowheads="1"/>
             <a:extLst>
               <a:ext uri="smNativeData">
-                <pr:smNativeData xmlns:pr="smNativeData" xmlns="smNativeData" val="SMDATA_15_zA6NYhMAAAAlAAAAZAAAAA8BAAAAkAAAAEgAAACQAAAASAAAAAAAAAACAAAAAAAAAAEAAABQAAAAAAAAAAAA4D8AAAAAAADgPwAAAAAAAOA/AAAAAAAA4D8AAAAAAADgPwAAAAAAAOA/AAAAAAAA4D8AAAAAAADgPwAAAAAAAOA/AAAAAAAA4D8CAAAAjAAAAAAAAAAAAAAAu+DjDP///wgAAAAAAAAAAAAAAAAAAAAAAAAAAAAAAAAAAAAAZAAAAAEAAABAAAAAAAAAAAAAAAAAAAAAAAAAAAAAAAAAAAAAAAAAAAAAAAAAAAAAAAAAAAAAAAAAAAAAAAAAAAAAAAAAAAAAAAAAAAAAAAAAAAAAAAAAAAAAAAAAAAAAFAAAADwAAAAAAAAAAAAAAAAAAAkUAAAAAQAAABQAAAAUAAAAFAAAAAEAAAAAAAAAZAAAAGQAAAAAAAAAZAAAAGQAAAAVAAAAYAAAAAAAAAAAAAAADwAAACADAAAAAAAAAAAAAAEAAACgMgAAVgcAAKr4//8BAAAAf39/AAEAAABkAAAAAAAAABQAAABAHwAAAAAAACYAAAAAAAAAwOD//wAAAAAmAAAAZAAAABYAAABMAAAAAAAAAAAAAAAEAAAAAAAAAAEAAACAgIAKAAAAACgAAAAoAAAAZAAAAGQAAAAAAAAAzMzMAAAAAABQAAAAUAAAAGQAAABkAAAAAAAAABcAAAAUAAAAAAAAAAAAAAD/fwAA/38AAAAAAAAJAAAABAAAAAAAAAAeAAAAaAAAAAAAAAAAAAAAAAAAAAAAAAAAAAAAECcAABAnAAAAAAAAAAAAAAAAAAAAAAAAAAAAAAAAAAAAAAAAAAAAABQAAAAAAAAAwMD/AAAAAABkAAAAMgAAAAAAAABkAAAAAAAAAH9/fwAKAAAAIgAAABgAAAAAAAAAAAAAAAAAAAAAAAAAAAAAAAAAAAAkAAAAJAAAAAAAAAAHAAAAAAAAAAAAAAAAAAAAAAAAAAAAAAAAAAAAf39/ACUAAABYAAAAAAAAAAAAAAAAAAAAAAAAAAAAAAAAAAAAAAAAAAAAAAAAAAAAAAAAAAAAAAA/AAAAAAAAAKCGAQAAAAAAAAAAAAAAAAAMAAAAAQAAAAAAAAAAAAAAAAAAAB8AAABUAAAAAAAABQAAAAEAAAAAAAAAAAAAAAAAAAAAAAAAAAAAAAAAAAAAAAAAAAAAAAJ/f38AAAAAA8zMzADAwP8Af39/AAAAAAAAAAAAAAAAAAAAAAAAAAAAIQAAABgAAAAUAAAAwAMAAK4BAABtHAAA1AgAABAAAAAmAAAACAAAAIGAAAAAAAAA"/>
+                <pr:smNativeData xmlns:pr="smNativeData" xmlns="smNativeData" val="SMDATA_15_eM6NYhMAAAAlAAAAZAAAAA8BAAAAkAAAAEgAAACQAAAASAAAAAAAAAACAAAAAAAAAAEAAABQAAAAAAAAAAAA4D8AAAAAAADgPwAAAAAAAOA/AAAAAAAA4D8AAAAAAADgPwAAAAAAAOA/AAAAAAAA4D8AAAAAAADgPwAAAAAAAOA/AAAAAAAA4D8CAAAAjAAAAAAAAAAAAAAAu+DjDP///wgAAAAAAAAAAAAAAAAAAAAAAAAAAAAAAAAAAAAAZAAAAAEAAABAAAAAAAAAAAAAAAAAAAAAAAAAAAAAAAAAAAAAAAAAAAAAAAAAAAAAAAAAAAAAAAAAAAAAAAAAAAAAAAAAAAAAAAAAAAAAAAAAAAAAAAAAAAAAAAAAAAAAFAAAADwAAAAAAAAAAAAAAAAAAAkUAAAAAQAAABQAAAAUAAAAFAAAAAEAAAAAAAAAZAAAAGQAAAAAAAAAZAAAAGQAAAAVAAAAYAAAAAAAAAAAAAAADwAAACADAAAAAAAAAAAAAAEAAACgMgAAVgcAAKr4//8BAAAAf39/AAEAAABkAAAAAAAAABQAAABAHwAAAAAAACYAAAAAAAAAwOD//wAAAAAmAAAAZAAAABYAAABMAAAAAAAAAAAAAAAEAAAAAAAAAAEAAACAgIAKAAAAACgAAAAoAAAAZAAAAGQAAAAAAAAAzMzMAAAAAABQAAAAUAAAAGQAAABkAAAAAAAAABcAAAAUAAAAAAAAAAAAAAD/fwAA/38AAAAAAAAJAAAABAAAAAAAAAAeAAAAaAAAAAAAAAAAAAAAAAAAAAAAAAAAAAAAECcAABAnAAAAAAAAAAAAAAAAAAAAAAAAAAAAAAAAAAAAAAAAAAAAABQAAAAAAAAAwMD/AAAAAABkAAAAMgAAAAAAAABkAAAAAAAAAH9/fwAKAAAAIgAAABgAAAAAAAAAAAAAAAAAAAAAAAAAAAAAAAAAAAAkAAAAJAAAAAAAAAAHAAAAAAAAAAAAAAAAAAAAAAAAAAAAAAAAAAAAf39/ACUAAABYAAAAAAAAAAAAAAAAAAAAAAAAAAAAAAAAAAAAAAAAAAAAAAAAAAAAAAAAAAAAAAA/AAAAAAAAAKCGAQAAAAAAAAAAAAAAAAAMAAAAAQAAAAAAAAAAAAAAAAAAAB8AAABUAAAAAAAABQAAAAEAAAAAAAAAAAAAAAAAAAAAAAAAAAAAAAAAAAAAAAAAAAAAAAJ/f38AAAAAA8zMzADAwP8Af39/AAAAAAAAAAAAAAAAAAAAAAAAAAAAIQAAABgAAAAUAAAAwAMAAK4BAABtHAAA1AgAABAAAAAmAAAACAAAAIGAAAAAAAAA"/>
               </a:ext>
             </a:extLst>
           </p:cNvSpPr>
@@ -2256,7 +2239,7 @@
             <a:spLocks noGrp="1" noChangeArrowheads="1"/>
             <a:extLst>
               <a:ext uri="smNativeData">
-                <pr:smNativeData xmlns:pr="smNativeData" xmlns="smNativeData" val="SMDATA_15_zA6NYhMAAAAlAAAAZAAAAA8BAAAAkAAAAEgAAACQAAAASAAAAAAAAAAAAAAAAAAAAAEAAABQAAAAAAAAAAAA4D8AAAAAAADgPwAAAAAAAOA/AAAAAAAA4D8AAAAAAADgPwAAAAAAAOA/AAAAAAAA4D8AAAAAAADgPwAAAAAAAOA/AAAAAAAA4D8CAAAAjAAAAAAAAAAAAAAAu+DjDP///wgAAAAAAAAAAAAAAAAAAAAAAAAAAAAAAAAAAAAAZAAAAAEAAABAAAAAAAAAAAAAAAAAAAAAAAAAAAAAAAAAAAAAAAAAAAAAAAAAAAAAAAAAAAAAAAAAAAAAAAAAAAAAAAAAAAAAAAAAAAAAAAAAAAAAAAAAAAAAAAAAAAAAFAAAADwAAAAAAAAAAAAAAAAAAAkUAAAAAQAAABQAAAAUAAAAFAAAAAEAAAAAAAAAZAAAAGQAAAAAAAAAZAAAAGQAAAAVAAAAYAAAAAAAAAAAAAAADwAAACADAAAAAAAAAAAAAAEAAACgMgAAVgcAAKr4//8BAAAAf39/AAEAAABkAAAAAAAAABQAAABAHwAAAAAAACYAAAAAAAAAwOD//wAAAAAmAAAAZAAAABYAAABMAAAAAAAAAAAAAAAEAAAAAAAAAAEAAACAgIAKAAAAACgAAAAoAAAAZAAAAGQAAAAAAAAAzMzMAAAAAABQAAAAUAAAAGQAAABkAAAAAAAAABcAAAAUAAAAAAAAAAAAAAD/fwAA/38AAAAAAAAJAAAABAAAAAAAAAAeAAAAaAAAAAAAAAAAAAAAAAAAAAAAAAAAAAAAECcAABAnAAAAAAAAAAAAAAAAAAAAAAAAAAAAAAAAAAAAAAAAAAAAABQAAAAAAAAAwMD/AAAAAABkAAAAMgAAAAAAAABkAAAAAAAAAH9/fwAKAAAAIgAAABgAAAAAAAAAAAAAAAAAAAAAAAAAAAAAAAAAAAAkAAAAJAAAAAAAAAAHAAAAAAAAAAAAAAAAAAAAAAAAAAAAAAAAAAAAf39/ACUAAABYAAAAAAAAAAAAAAAAAAAAAAAAAAAAAAAAAAAAAAAAAAAAAAAAAAAAAAAAAAAAAAA/AAAAAAAAAKCGAQAAAAAAAAAAAAAAAAAMAAAAAQAAAAAAAAAAAAAAAAAAAB8AAABUAAAAAAAABQAAAAEAAAAAAAAAAAAAAAAAAAAAAAAAAAAAAAAAAAAAAAAAAAAAAAJ/f38AAAAAA8zMzADAwP8Af39/AAAAAAAAAAAAAAAAAAAAAAAAAAAAIQAAABgAAAAUAAAAUx0AAK4BAABARwAAsCUAABAAAAAmAAAACAAAAAGAAAAAAAAA"/>
+                <pr:smNativeData xmlns:pr="smNativeData" xmlns="smNativeData" val="SMDATA_15_eM6NYhMAAAAlAAAAZAAAAA8BAAAAkAAAAEgAAACQAAAASAAAAAAAAAAAAAAAAAAAAAEAAABQAAAAAAAAAAAA4D8AAAAAAADgPwAAAAAAAOA/AAAAAAAA4D8AAAAAAADgPwAAAAAAAOA/AAAAAAAA4D8AAAAAAADgPwAAAAAAAOA/AAAAAAAA4D8CAAAAjAAAAAAAAAAAAAAAu+DjDP///wgAAAAAAAAAAAAAAAAAAAAAAAAAAAAAAAAAAAAAZAAAAAEAAABAAAAAAAAAAAAAAAAAAAAAAAAAAAAAAAAAAAAAAAAAAAAAAAAAAAAAAAAAAAAAAAAAAAAAAAAAAAAAAAAAAAAAAAAAAAAAAAAAAAAAAAAAAAAAAAAAAAAAFAAAADwAAAAAAAAAAAAAAAAAAAkUAAAAAQAAABQAAAAUAAAAFAAAAAEAAAAAAAAAZAAAAGQAAAAAAAAAZAAAAGQAAAAVAAAAYAAAAAAAAAAAAAAADwAAACADAAAAAAAAAAAAAAEAAACgMgAAVgcAAKr4//8BAAAAf39/AAEAAABkAAAAAAAAABQAAABAHwAAAAAAACYAAAAAAAAAwOD//wAAAAAmAAAAZAAAABYAAABMAAAAAAAAAAAAAAAEAAAAAAAAAAEAAACAgIAKAAAAACgAAAAoAAAAZAAAAGQAAAAAAAAAzMzMAAAAAABQAAAAUAAAAGQAAABkAAAAAAAAABcAAAAUAAAAAAAAAAAAAAD/fwAA/38AAAAAAAAJAAAABAAAAAAAAAAeAAAAaAAAAAAAAAAAAAAAAAAAAAAAAAAAAAAAECcAABAnAAAAAAAAAAAAAAAAAAAAAAAAAAAAAAAAAAAAAAAAAAAAABQAAAAAAAAAwMD/AAAAAABkAAAAMgAAAAAAAABkAAAAAAAAAH9/fwAKAAAAIgAAABgAAAAAAAAAAAAAAAAAAAAAAAAAAAAAAAAAAAAkAAAAJAAAAAAAAAAHAAAAAAAAAAAAAAAAAAAAAAAAAAAAAAAAAAAAf39/ACUAAABYAAAAAAAAAAAAAAAAAAAAAAAAAAAAAAAAAAAAAAAAAAAAAAAAAAAAAAAAAAAAAAA/AAAAAAAAAKCGAQAAAAAAAAAAAAAAAAAMAAAAAQAAAAAAAAAAAAAAAAAAAB8AAABUAAAAAAAABQAAAAEAAAAAAAAAAAAAAAAAAAAAAAAAAAAAAAAAAAAAAAAAAAAAAAJ/f38AAAAAA8zMzADAwP8Af39/AAAAAAAAAAAAAAAAAAAAAAAAAAAAIQAAABgAAAAUAAAAUx0AAK4BAABARwAAsCUAABAAAAAmAAAACAAAAAGAAAAAAAAA"/>
               </a:ext>
             </a:extLst>
           </p:cNvSpPr>
@@ -2340,7 +2323,7 @@
             <a:spLocks noGrp="1" noChangeArrowheads="1"/>
             <a:extLst>
               <a:ext uri="smNativeData">
-                <pr:smNativeData xmlns:pr="smNativeData" xmlns="smNativeData" val="SMDATA_15_zA6NYhMAAAAlAAAAZAAAAA8BAAAAkAAAAEgAAACQAAAASAAAAAAAAAAAAAAAAAAAAAEAAABQAAAAAAAAAAAA4D8AAAAAAADgPwAAAAAAAOA/AAAAAAAA4D8AAAAAAADgPwAAAAAAAOA/AAAAAAAA4D8AAAAAAADgPwAAAAAAAOA/AAAAAAAA4D8CAAAAjAAAAAAAAAAAAAAAu+DjDP///wgAAAAAAAAAAAAAAAAAAAAAAAAAAAAAAAAAAAAAZAAAAAEAAABAAAAAAAAAAAAAAAAAAAAAAAAAAAAAAAAAAAAAAAAAAAAAAAAAAAAAAAAAAAAAAAAAAAAAAAAAAAAAAAAAAAAAAAAAAAAAAAAAAAAAAAAAAAAAAAAAAAAAFAAAADwAAAAAAAAAAAAAAAAAAAkUAAAAAQAAABQAAAAUAAAAFAAAAAEAAAAAAAAAZAAAAGQAAAAAAAAAZAAAAGQAAAAVAAAAYAAAAAAAAAAAAAAADwAAACADAAAAAAAAAAAAAAEAAACgMgAAVgcAAKr4//8BAAAAf39/AAEAAABkAAAAAAAAABQAAABAHwAAAAAAACYAAAAAAAAAwOD//wAAAAAmAAAAZAAAABYAAABMAAAAAAAAAAAAAAAEAAAAAAAAAAEAAACAgIAKAAAAACgAAAAoAAAAZAAAAGQAAAAAAAAAzMzMAAAAAABQAAAAUAAAAGQAAABkAAAAAAAAABcAAAAUAAAAAAAAAAAAAAD/fwAA/38AAAAAAAAJAAAABAAAAAAAAAAeAAAAaAAAAAAAAAAAAAAAAAAAAAAAAAAAAAAAECcAABAnAAAAAAAAAAAAAAAAAAAAAAAAAAAAAAAAAAAAAAAAAAAAABQAAAAAAAAAwMD/AAAAAABkAAAAMgAAAAAAAABkAAAAAAAAAH9/fwAKAAAAIgAAABgAAAAAAAAAAAAAAAAAAAAAAAAAAAAAAAAAAAAkAAAAJAAAAAAAAAAHAAAAAAAAAAAAAAAAAAAAAAAAAAAAAAAAAAAAf39/ACUAAABYAAAAAAAAAAAAAAAAAAAAAAAAAAAAAAAAAAAAAAAAAAAAAAAAAAAAAAAAAAAAAAA/AAAAAAAAAKCGAQAAAAAAAAAAAAAAAAAMAAAAAQAAAAAAAAAAAAAAAAAAAB8AAABUAAAAAAAABQAAAAEAAAAAAAAAAAAAAAAAAAAAAAAAAAAAAAAAAAAAAAAAAAAAAAJ/f38AAAAAA8zMzADAwP8Af39/AAAAAAAAAAAAAAAAAAAAAAAAAAAAIQAAABgAAAAUAAAAwAMAANQIAABtHAAAsCUAABAAAAAmAAAACAAAAAGAAAAAAAAA"/>
+                <pr:smNativeData xmlns:pr="smNativeData" xmlns="smNativeData" val="SMDATA_15_eM6NYhMAAAAlAAAAZAAAAA8BAAAAkAAAAEgAAACQAAAASAAAAAAAAAAAAAAAAAAAAAEAAABQAAAAAAAAAAAA4D8AAAAAAADgPwAAAAAAAOA/AAAAAAAA4D8AAAAAAADgPwAAAAAAAOA/AAAAAAAA4D8AAAAAAADgPwAAAAAAAOA/AAAAAAAA4D8CAAAAjAAAAAAAAAAAAAAAu+DjDP///wgAAAAAAAAAAAAAAAAAAAAAAAAAAAAAAAAAAAAAZAAAAAEAAABAAAAAAAAAAAAAAAAAAAAAAAAAAAAAAAAAAAAAAAAAAAAAAAAAAAAAAAAAAAAAAAAAAAAAAAAAAAAAAAAAAAAAAAAAAAAAAAAAAAAAAAAAAAAAAAAAAAAAFAAAADwAAAAAAAAAAAAAAAAAAAkUAAAAAQAAABQAAAAUAAAAFAAAAAEAAAAAAAAAZAAAAGQAAAAAAAAAZAAAAGQAAAAVAAAAYAAAAAAAAAAAAAAADwAAACADAAAAAAAAAAAAAAEAAACgMgAAVgcAAKr4//8BAAAAf39/AAEAAABkAAAAAAAAABQAAABAHwAAAAAAACYAAAAAAAAAwOD//wAAAAAmAAAAZAAAABYAAABMAAAAAAAAAAAAAAAEAAAAAAAAAAEAAACAgIAKAAAAACgAAAAoAAAAZAAAAGQAAAAAAAAAzMzMAAAAAABQAAAAUAAAAGQAAABkAAAAAAAAABcAAAAUAAAAAAAAAAAAAAD/fwAA/38AAAAAAAAJAAAABAAAAAAAAAAeAAAAaAAAAAAAAAAAAAAAAAAAAAAAAAAAAAAAECcAABAnAAAAAAAAAAAAAAAAAAAAAAAAAAAAAAAAAAAAAAAAAAAAABQAAAAAAAAAwMD/AAAAAABkAAAAMgAAAAAAAABkAAAAAAAAAH9/fwAKAAAAIgAAABgAAAAAAAAAAAAAAAAAAAAAAAAAAAAAAAAAAAAkAAAAJAAAAAAAAAAHAAAAAAAAAAAAAAAAAAAAAAAAAAAAAAAAAAAAf39/ACUAAABYAAAAAAAAAAAAAAAAAAAAAAAAAAAAAAAAAAAAAAAAAAAAAAAAAAAAAAAAAAAAAAA/AAAAAAAAAKCGAQAAAAAAAAAAAAAAAAAMAAAAAQAAAAAAAAAAAAAAAAAAAB8AAABUAAAAAAAABQAAAAEAAAAAAAAAAAAAAAAAAAAAAAAAAAAAAAAAAAAAAAAAAAAAAAJ/f38AAAAAA8zMzADAwP8Af39/AAAAAAAAAAAAAAAAAAAAAAAAAAAAIQAAABgAAAAUAAAAwAMAANQIAABtHAAAsCUAABAAAAAmAAAACAAAAAGAAAAAAAAA"/>
               </a:ext>
             </a:extLst>
           </p:cNvSpPr>
@@ -2409,7 +2392,7 @@
             <a:spLocks noGrp="1" noChangeArrowheads="1"/>
             <a:extLst>
               <a:ext uri="smNativeData">
-                <pr:smNativeData xmlns:pr="smNativeData" xmlns="smNativeData" val="SMDATA_15_zA6NYhMAAAAlAAAAZAAAAA8BAAAAkAAAAEgAAACQAAAASAAAAAAAAAABAAAAAAAAAAEAAABQAAAAAAAAAAAA4D8AAAAAAADgPwAAAAAAAOA/AAAAAAAA4D8AAAAAAADgPwAAAAAAAOA/AAAAAAAA4D8AAAAAAADgPwAAAAAAAOA/AAAAAAAA4D8CAAAAjAAAAAAAAAAAAAAAu+DjDP///wgAAAAAAAAAAAAAAAAAAAAAAAAAAAAAAAAAAAAAZAAAAAEAAABAAAAAAAAAAAAAAAAAAAAAAAAAAAAAAAAAAAAAAAAAAAAAAAAAAAAAAAAAAAAAAAAAAAAAAAAAAAAAAAAAAAAAAAAAAAAAAAAAAAAAAAAAAAAAAAAAAAAAFAAAADwAAAAAAAAAAAAAAAAAAAkUAAAAAQAAABQAAAAUAAAAFAAAAAEAAAAAAAAAZAAAAGQAAAAAAAAAZAAAAGQAAAAVAAAAYAAAAAAAAAAAAAAADwAAACADAAAAAAAAAAAAAAEAAACgMgAAVgcAAKr4//8BAAAAf39/AAEAAABkAAAAAAAAABQAAABAHwAAAAAAACYAAAAAAAAAwOD//wAAAAAmAAAAZAAAABYAAABMAAAAAAAAAAAAAAAEAAAAAAAAAAEAAACAgIAKAAAAACgAAAAoAAAAZAAAAGQAAAAAAAAAzMzMAAAAAABQAAAAUAAAAGQAAABkAAAAAAAAABcAAAAUAAAAAAAAAAAAAAD/fwAA/38AAAAAAAAJAAAABAAAAAAAAAAeAAAAaAAAAAAAAAAAAAAAAAAAAAAAAAAAAAAAECcAABAnAAAAAAAAAAAAAAAAAAAAAAAAAAAAAAAAAAAAAAAAAAAAABQAAAAAAAAAwMD/AAAAAABkAAAAMgAAAAAAAABkAAAAAAAAAH9/fwAKAAAAIgAAABgAAAAAAAAAAAAAAAAAAAAAAAAAAAAAAAAAAAAkAAAAJAAAAAAAAAAHAAAAAAAAAAAAAAAAAAAAAAAAAAAAAAAAAAAAf39/ACUAAABYAAAAAAAAAAAAAAAAAAAAAAAAAAAAAAAAAAAAAAAAAAAAAAAAAAAAAAAAAAAAAAA/AAAAAAAAAKCGAQAAAAAAAAAAAAAAAAAMAAAAAQAAAAAAAAAAAAAAAAAAAB8AAABUAAAAAAAABQAAAAEAAAAAAAAAAAAAAAAAAAAAAAAAAAAAAAAAAAAAAAAAAAAAAAJ/f38AAAAAA8zMzADAwP8Af39/AAAAAAAAAAAAAAAAAAAAAAAAAAAAIQAAABgAAAAUAAAAwAMAABsnAAA/FQAAWSkAABAAAAAmAAAACAAAAAAAAAAAAAAA"/>
+                <pr:smNativeData xmlns:pr="smNativeData" xmlns="smNativeData" val="SMDATA_15_eM6NYhMAAAAlAAAAZAAAAA8BAAAAkAAAAEgAAACQAAAASAAAAAAAAAABAAAAAAAAAAEAAABQAAAAAAAAAAAA4D8AAAAAAADgPwAAAAAAAOA/AAAAAAAA4D8AAAAAAADgPwAAAAAAAOA/AAAAAAAA4D8AAAAAAADgPwAAAAAAAOA/AAAAAAAA4D8CAAAAjAAAAAAAAAAAAAAAu+DjDP///wgAAAAAAAAAAAAAAAAAAAAAAAAAAAAAAAAAAAAAZAAAAAEAAABAAAAAAAAAAAAAAAAAAAAAAAAAAAAAAAAAAAAAAAAAAAAAAAAAAAAAAAAAAAAAAAAAAAAAAAAAAAAAAAAAAAAAAAAAAAAAAAAAAAAAAAAAAAAAAAAAAAAAFAAAADwAAAAAAAAAAAAAAAAAAAkUAAAAAQAAABQAAAAUAAAAFAAAAAEAAAAAAAAAZAAAAGQAAAAAAAAAZAAAAGQAAAAVAAAAYAAAAAAAAAAAAAAADwAAACADAAAAAAAAAAAAAAEAAACgMgAAVgcAAKr4//8BAAAAf39/AAEAAABkAAAAAAAAABQAAABAHwAAAAAAACYAAAAAAAAAwOD//wAAAAAmAAAAZAAAABYAAABMAAAAAAAAAAAAAAAEAAAAAAAAAAEAAACAgIAKAAAAACgAAAAoAAAAZAAAAGQAAAAAAAAAzMzMAAAAAABQAAAAUAAAAGQAAABkAAAAAAAAABcAAAAUAAAAAAAAAAAAAAD/fwAA/38AAAAAAAAJAAAABAAAAAAAAAAeAAAAaAAAAAAAAAAAAAAAAAAAAAAAAAAAAAAAECcAABAnAAAAAAAAAAAAAAAAAAAAAAAAAAAAAAAAAAAAAAAAAAAAABQAAAAAAAAAwMD/AAAAAABkAAAAMgAAAAAAAABkAAAAAAAAAH9/fwAKAAAAIgAAABgAAAAAAAAAAAAAAAAAAAAAAAAAAAAAAAAAAAAkAAAAJAAAAAAAAAAHAAAAAAAAAAAAAAAAAAAAAAAAAAAAAAAAAAAAf39/ACUAAABYAAAAAAAAAAAAAAAAAAAAAAAAAAAAAAAAAAAAAAAAAAAAAAAAAAAAAAAAAAAAAAA/AAAAAAAAAKCGAQAAAAAAAAAAAAAAAAAMAAAAAQAAAAAAAAAAAAAAAAAAAB8AAABUAAAAAAAABQAAAAEAAAAAAAAAAAAAAAAAAAAAAAAAAAAAAAAAAAAAAAAAAAAAAAJ/f38AAAAAA8zMzADAwP8Af39/AAAAAAAAAAAAAAAAAAAAAAAAAAAAIQAAABgAAAAUAAAAwAMAABsnAAA/FQAAWSkAABAAAAAmAAAACAAAAAAAAAAAAAAA"/>
               </a:ext>
             </a:extLst>
           </p:cNvSpPr>
@@ -2423,7 +2406,7 @@
           <a:lstStyle/>
           <a:p>
             <a:pPr/>
-            <a:fld id="{310E74E4-AADC-5B82-92B6-5CD73AF86409}" type="datetime1">
+            <a:fld id="{2E3A4B85-CBC3-6FBD-8D82-3DE805CC7B68}" type="datetime1">
               <a:t/>
             </a:fld>
           </a:p>
@@ -2436,7 +2419,7 @@
             <a:spLocks noGrp="1" noChangeArrowheads="1"/>
             <a:extLst>
               <a:ext uri="smNativeData">
-                <pr:smNativeData xmlns:pr="smNativeData" xmlns="smNativeData" val="SMDATA_15_zA6NYhMAAAAlAAAAZAAAAA8BAAAAkAAAAEgAAACQAAAASAAAAAAAAAABAAAAAAAAAAEAAABQAAAAAAAAAAAA4D8AAAAAAADgPwAAAAAAAOA/AAAAAAAA4D8AAAAAAADgPwAAAAAAAOA/AAAAAAAA4D8AAAAAAADgPwAAAAAAAOA/AAAAAAAA4D8CAAAAjAAAAAAAAAAAAAAAu+DjDP///wgAAAAAAAAAAAAAAAAAAAAAAAAAAAAAAAAAAAAAZAAAAAEAAABAAAAAAAAAAAAAAAAAAAAAAAAAAAAAAAAAAAAAAAAAAAAAAAAAAAAAAAAAAAAAAAAAAAAAAAAAAAAAAAAAAAAAAAAAAAAAAAAAAAAAAAAAAAAAAAAAAAAAFAAAADwAAAAAAAAAAAAAAAAAAAkUAAAAAQAAABQAAAAUAAAAFAAAAAEAAAAAAAAAZAAAAGQAAAAAAAAAZAAAAGQAAAAVAAAAYAAAAAAAAAAAAAAADwAAACADAAAAAAAAAAAAAAEAAACgMgAAVgcAAKr4//8BAAAAf39/AAEAAABkAAAAAAAAABQAAABAHwAAAAAAACYAAAAAAAAAwOD//wAAAAAmAAAAZAAAABYAAABMAAAAAAAAAAAAAAAEAAAAAAAAAAEAAACAgIAKAAAAACgAAAAoAAAAZAAAAGQAAAAAAAAAzMzMAAAAAABQAAAAUAAAAGQAAABkAAAAAAAAABcAAAAUAAAAAAAAAAAAAAD/fwAA/38AAAAAAAAJAAAABAAAAHNwY0IeAAAAaAAAAAAAAAAAAAAAAAAAAAAAAAAAAAAAECcAABAnAAAAAAAAAAAAAAAAAAAAAAAAAAAAAAAAAAAAAAAAAAAAABQAAAAAAAAAwMD/AAAAAABkAAAAMgAAAAAAAABkAAAAAAAAAH9/fwAKAAAAIgAAABgAAAAAAAAAAAAAAAAAAAAAAAAAAAAAAAAAAAAkAAAAJAAAAAAAAAAHAAAAAAAAAAAAAAAAAAAAAAAAAAAAAAAAAAAAf39/ACUAAABYAAAAAAAAAAAAAAAAAAAAAAAAAAAAAAAAAAAAAAAAAAAAAAAAAAAAAAAAAAAAAAA/AAAAAAAAAKCGAQAAAAAAAAAAAAAAAAAMAAAAAQAAAAAAAAAAAAAAAAAAAB8AAABUAAAAAAAABQAAAAEAAAAAAAAAAAAAAAAAAAAAAAAAAAAAAAAAAAAAAAAAAAAAAAJ/f38AAAAAA8zMzADAwP8Af39/AAAAAAAAAAAAAAAAAAAAAAAAAAAAIQAAABgAAAAUAAAAoRkAABsnAABfMQAAWSkAABAAAAAmAAAACAAAAAAAAAAAAAAA"/>
+                <pr:smNativeData xmlns:pr="smNativeData" xmlns="smNativeData" val="SMDATA_15_eM6NYhMAAAAlAAAAZAAAAA8BAAAAkAAAAEgAAACQAAAASAAAAAAAAAABAAAAAAAAAAEAAABQAAAAAAAAAAAA4D8AAAAAAADgPwAAAAAAAOA/AAAAAAAA4D8AAAAAAADgPwAAAAAAAOA/AAAAAAAA4D8AAAAAAADgPwAAAAAAAOA/AAAAAAAA4D8CAAAAjAAAAAAAAAAAAAAAu+DjDP///wgAAAAAAAAAAAAAAAAAAAAAAAAAAAAAAAAAAAAAZAAAAAEAAABAAAAAAAAAAAAAAAAAAAAAAAAAAAAAAAAAAAAAAAAAAAAAAAAAAAAAAAAAAAAAAAAAAAAAAAAAAAAAAAAAAAAAAAAAAAAAAAAAAAAAAAAAAAAAAAAAAAAAFAAAADwAAAAAAAAAAAAAAAAAAAkUAAAAAQAAABQAAAAUAAAAFAAAAAEAAAAAAAAAZAAAAGQAAAAAAAAAZAAAAGQAAAAVAAAAYAAAAAAAAAAAAAAADwAAACADAAAAAAAAAAAAAAEAAACgMgAAVgcAAKr4//8BAAAAf39/AAEAAABkAAAAAAAAABQAAABAHwAAAAAAACYAAAAAAAAAwOD//wAAAAAmAAAAZAAAABYAAABMAAAAAAAAAAAAAAAEAAAAAAAAAAEAAACAgIAKAAAAACgAAAAoAAAAZAAAAGQAAAAAAAAAzMzMAAAAAABQAAAAUAAAAGQAAABkAAAAAAAAABcAAAAUAAAAAAAAAAAAAAD/fwAA/38AAAAAAAAJAAAABAAAAHNwY0IeAAAAaAAAAAAAAAAAAAAAAAAAAAAAAAAAAAAAECcAABAnAAAAAAAAAAAAAAAAAAAAAAAAAAAAAAAAAAAAAAAAAAAAABQAAAAAAAAAwMD/AAAAAABkAAAAMgAAAAAAAABkAAAAAAAAAH9/fwAKAAAAIgAAABgAAAAAAAAAAAAAAAAAAAAAAAAAAAAAAAAAAAAkAAAAJAAAAAAAAAAHAAAAAAAAAAAAAAAAAAAAAAAAAAAAAAAAAAAAf39/ACUAAABYAAAAAAAAAAAAAAAAAAAAAAAAAAAAAAAAAAAAAAAAAAAAAAAAAAAAAAAAAAAAAAA/AAAAAAAAAKCGAQAAAAAAAAAAAAAAAAAMAAAAAQAAAAAAAAAAAAAAAAAAAB8AAABUAAAAAAAABQAAAAEAAAAAAAAAAAAAAAAAAAAAAAAAAAAAAAAAAAAAAAAAAAAAAAJ/f38AAAAAA8zMzADAwP8Af39/AAAAAAAAAAAAAAAAAAAAAAAAAAAAIQAAABgAAAAUAAAAoRkAABsnAABfMQAAWSkAABAAAAAmAAAACAAAAAAAAAAAAAAA"/>
               </a:ext>
             </a:extLst>
           </p:cNvSpPr>
@@ -2450,9 +2433,6 @@
           <a:lstStyle/>
           <a:p>
             <a:pPr/>
-            <a:r>
-              <a:t/>
-            </a:r>
           </a:p>
         </p:txBody>
       </p:sp>
@@ -2463,7 +2443,7 @@
             <a:spLocks noGrp="1" noChangeArrowheads="1"/>
             <a:extLst>
               <a:ext uri="smNativeData">
-                <pr:smNativeData xmlns:pr="smNativeData" xmlns="smNativeData" val="SMDATA_15_zA6NYhMAAAAlAAAAZAAAAA8BAAAAkAAAAEgAAACQAAAASAAAAAAAAAABAAAAAAAAAAEAAABQAAAAAAAAAAAA4D8AAAAAAADgPwAAAAAAAOA/AAAAAAAA4D8AAAAAAADgPwAAAAAAAOA/AAAAAAAA4D8AAAAAAADgPwAAAAAAAOA/AAAAAAAA4D8CAAAAjAAAAAAAAAAAAAAAu+DjDP///wgAAAAAAAAAAAAAAAAAAAAAAAAAAAAAAAAAAAAAZAAAAAEAAABAAAAAAAAAAAAAAAAAAAAAAAAAAAAAAAAAAAAAAAAAAAAAAAAAAAAAAAAAAAAAAAAAAAAAAAAAAAAAAAAAAAAAAAAAAAAAAAAAAAAAAAAAAAAAAAAAAAAAFAAAADwAAAAAAAAAAAAAAAAAAAkUAAAAAQAAABQAAAAUAAAAFAAAAAEAAAAAAAAAZAAAAGQAAAAAAAAAZAAAAGQAAAAVAAAAYAAAAAAAAAAAAAAADwAAACADAAAAAAAAAAAAAAEAAACgMgAAVgcAAKr4//8BAAAAf39/AAEAAABkAAAAAAAAABQAAABAHwAAAAAAACYAAAAAAAAAwOD//wAAAAAmAAAAZAAAABYAAABMAAAAAAAAAAAAAAAEAAAAAAAAAAEAAACAgIAKAAAAACgAAAAoAAAAZAAAAGQAAAAAAAAAzMzMAAAAAABQAAAAUAAAAGQAAABkAAAAAAAAABcAAAAUAAAAAAAAAAAAAAD/fwAA/38AAAAAAAAJAAAABAAAAAAAAAAeAAAAaAAAAAAAAAAAAAAAAAAAAAAAAAAAAAAAECcAABAnAAAAAAAAAAAAAAAAAAAAAAAAAAAAAAAAAAAAAAAAAAAAABQAAAAAAAAAwMD/AAAAAABkAAAAMgAAAAAAAABkAAAAAAAAAH9/fwAKAAAAIgAAABgAAAAAAAAAAAAAAAAAAAAAAAAAAAAAAAAAAAAkAAAAJAAAAAAAAAAHAAAAAAAAAAAAAAAAAAAAAAAAAAAAAAAAAAAAf39/ACUAAABYAAAAAAAAAAAAAAAAAAAAAAAAAAAAAAAAAAAAAAAAAAAAAAAAAAAAAAAAAAAAAAA/AAAAAAAAAKCGAQAAAAAAAAAAAAAAAAAMAAAAAQAAAAAAAAAAAAAAAAAAAB8AAABUAAAAAAAABQAAAAEAAAAAAAAAAAAAAAAAAAAAAAAAAAAAAAAAAAAAAAAAAAAAAAJ/f38AAAAAA8zMzADAwP8Af39/AAAAAAAAAAAAAAAAAAAAAAAAAAAAIQAAABgAAAAUAAAAwTUAABsnAABARwAAWSkAABAAAAAmAAAACAAAAAAAAAAAAAAA"/>
+                <pr:smNativeData xmlns:pr="smNativeData" xmlns="smNativeData" val="SMDATA_15_eM6NYhMAAAAlAAAAZAAAAA8BAAAAkAAAAEgAAACQAAAASAAAAAAAAAABAAAAAAAAAAEAAABQAAAAAAAAAAAA4D8AAAAAAADgPwAAAAAAAOA/AAAAAAAA4D8AAAAAAADgPwAAAAAAAOA/AAAAAAAA4D8AAAAAAADgPwAAAAAAAOA/AAAAAAAA4D8CAAAAjAAAAAAAAAAAAAAAu+DjDP///wgAAAAAAAAAAAAAAAAAAAAAAAAAAAAAAAAAAAAAZAAAAAEAAABAAAAAAAAAAAAAAAAAAAAAAAAAAAAAAAAAAAAAAAAAAAAAAAAAAAAAAAAAAAAAAAAAAAAAAAAAAAAAAAAAAAAAAAAAAAAAAAAAAAAAAAAAAAAAAAAAAAAAFAAAADwAAAAAAAAAAAAAAAAAAAkUAAAAAQAAABQAAAAUAAAAFAAAAAEAAAAAAAAAZAAAAGQAAAAAAAAAZAAAAGQAAAAVAAAAYAAAAAAAAAAAAAAADwAAACADAAAAAAAAAAAAAAEAAACgMgAAVgcAAKr4//8BAAAAf39/AAEAAABkAAAAAAAAABQAAABAHwAAAAAAACYAAAAAAAAAwOD//wAAAAAmAAAAZAAAABYAAABMAAAAAAAAAAAAAAAEAAAAAAAAAAEAAACAgIAKAAAAACgAAAAoAAAAZAAAAGQAAAAAAAAAzMzMAAAAAABQAAAAUAAAAGQAAABkAAAAAAAAABcAAAAUAAAAAAAAAAAAAAD/fwAA/38AAAAAAAAJAAAABAAAAAAAAAAeAAAAaAAAAAAAAAAAAAAAAAAAAAAAAAAAAAAAECcAABAnAAAAAAAAAAAAAAAAAAAAAAAAAAAAAAAAAAAAAAAAAAAAABQAAAAAAAAAwMD/AAAAAABkAAAAMgAAAAAAAABkAAAAAAAAAH9/fwAKAAAAIgAAABgAAAAAAAAAAAAAAAAAAAAAAAAAAAAAAAAAAAAkAAAAJAAAAAAAAAAHAAAAAAAAAAAAAAAAAAAAAAAAAAAAAAAAAAAAf39/ACUAAABYAAAAAAAAAAAAAAAAAAAAAAAAAAAAAAAAAAAAAAAAAAAAAAAAAAAAAAAAAAAAAAA/AAAAAAAAAKCGAQAAAAAAAAAAAAAAAAAMAAAAAQAAAAAAAAAAAAAAAAAAAB8AAABUAAAAAAAABQAAAAEAAAAAAAAAAAAAAAAAAAAAAAAAAAAAAAAAAAAAAAAAAAAAAAJ/f38AAAAAA8zMzADAwP8Af39/AAAAAAAAAAAAAAAAAAAAAAAAAAAAIQAAABgAAAAUAAAAwTUAABsnAABARwAAWSkAABAAAAAmAAAACAAAAAAAAAAAAAAA"/>
               </a:ext>
             </a:extLst>
           </p:cNvSpPr>
@@ -2477,7 +2457,7 @@
           <a:lstStyle/>
           <a:p>
             <a:pPr/>
-            <a:fld id="{310E33A7-E9DC-5BC5-92B6-1F907DF8644A}" type="slidenum">
+            <a:fld id="{2E3A7F04-4AC3-6F89-8D82-BCDC31CC7BE9}" type="slidenum">
               <a:t/>
             </a:fld>
           </a:p>
@@ -2488,6 +2468,7 @@
   <p:clrMapOvr>
     <a:masterClrMapping/>
   </p:clrMapOvr>
+  <p:hf hdr="0" ftr="0"/>
 </p:sldLayout>
 </file>
 
@@ -2515,7 +2496,7 @@
             <a:spLocks noGrp="1" noChangeArrowheads="1"/>
             <a:extLst>
               <a:ext uri="smNativeData">
-                <pr:smNativeData xmlns:pr="smNativeData" xmlns="smNativeData" val="SMDATA_15_zA6NYhMAAAAlAAAAZAAAAA8BAAAAkAAAAEgAAACQAAAASAAAAAAAAAACAAAAAAAAAAEAAABQAAAAAAAAAAAA4D8AAAAAAADgPwAAAAAAAOA/AAAAAAAA4D8AAAAAAADgPwAAAAAAAOA/AAAAAAAA4D8AAAAAAADgPwAAAAAAAOA/AAAAAAAA4D8CAAAAjAAAAAAAAAAAAAAAu+DjDP///wgAAAAAAAAAAAAAAAAAAAAAAAAAAAAAAAAAAAAAZAAAAAEAAABAAAAAAAAAAAAAAAAAAAAAAAAAAAAAAAAAAAAAAAAAAAAAAAAAAAAAAAAAAAAAAAAAAAAAAAAAAAAAAAAAAAAAAAAAAAAAAAAAAAAAAAAAAAAAAAAAAAAAFAAAADwAAAAAAAAAAAAAAAAAAAkUAAAAAQAAABQAAAAUAAAAFAAAAAEAAAAAAAAAZAAAAGQAAAAAAAAAZAAAAGQAAAAVAAAAYAAAAAAAAAAAAAAADwAAACADAAAAAAAAAAAAAAEAAACgMgAAVgcAAKr4//8BAAAAf39/AAEAAABkAAAAAAAAABQAAABAHwAAAAAAACYAAAAAAAAAwOD//wAAAAAmAAAAZAAAABYAAABMAAAAAAAAAAAAAAAEAAAAAAAAAAEAAACAgIAKAAAAACgAAAAoAAAAZAAAAGQAAAAAAAAAzMzMAAAAAABQAAAAUAAAAGQAAABkAAAAAAAAABcAAAAUAAAAAAAAAAAAAAD/fwAA/38AAAAAAAAJAAAABAAAAAAAAAAeAAAAaAAAAAAAAAAAAAAAAAAAAAAAAAAAAAAAECcAABAnAAAAAAAAAAAAAAAAAAAAAAAAAAAAAAAAAAAAAAAAAAAAABQAAAAAAAAAwMD/AAAAAABkAAAAMgAAAAAAAABkAAAAAAAAAH9/fwAKAAAAIgAAABgAAAAAAAAAAAAAAAAAAAAAAAAAAAAAAAAAAAAkAAAAJAAAAAAAAAAHAAAAAAAAAAAAAAAAAAAAAAAAAAAAAAAAAAAAf39/ACUAAABYAAAAAAAAAAAAAAAAAAAAAAAAAAAAAAAAAAAAAAAAAAAAAAAAAAAAAAAAAAAAAAA/AAAAAAAAAKCGAQAAAAAAAAAAAAAAAAAMAAAAAQAAAAAAAAAAAAAAAAAAAB8AAABUAAAAAAAABQAAAAEAAAAAAAAAAAAAAAAAAAAAAAAAAAAAAAAAAAAAAAAAAAAAAAJ/f38AAAAAA8zMzADAwP8Af39/AAAAAAAAAAAAAAAAAAAAAAAAAAAAIQAAABgAAAAUAAAAsw4AAIgdAACzOwAABCEAABAAAAAmAAAACAAAAIGAAAAAAAAA"/>
+                <pr:smNativeData xmlns:pr="smNativeData" xmlns="smNativeData" val="SMDATA_15_eM6NYhMAAAAlAAAAZAAAAA8BAAAAkAAAAEgAAACQAAAASAAAAAAAAAACAAAAAAAAAAEAAABQAAAAAAAAAAAA4D8AAAAAAADgPwAAAAAAAOA/AAAAAAAA4D8AAAAAAADgPwAAAAAAAOA/AAAAAAAA4D8AAAAAAADgPwAAAAAAAOA/AAAAAAAA4D8CAAAAjAAAAAAAAAAAAAAAu+DjDP///wgAAAAAAAAAAAAAAAAAAAAAAAAAAAAAAAAAAAAAZAAAAAEAAABAAAAAAAAAAAAAAAAAAAAAAAAAAAAAAAAAAAAAAAAAAAAAAAAAAAAAAAAAAAAAAAAAAAAAAAAAAAAAAAAAAAAAAAAAAAAAAAAAAAAAAAAAAAAAAAAAAAAAFAAAADwAAAAAAAAAAAAAAAAAAAkUAAAAAQAAABQAAAAUAAAAFAAAAAEAAAAAAAAAZAAAAGQAAAAAAAAAZAAAAGQAAAAVAAAAYAAAAAAAAAAAAAAADwAAACADAAAAAAAAAAAAAAEAAACgMgAAVgcAAKr4//8BAAAAf39/AAEAAABkAAAAAAAAABQAAABAHwAAAAAAACYAAAAAAAAAwOD//wAAAAAmAAAAZAAAABYAAABMAAAAAAAAAAAAAAAEAAAAAAAAAAEAAACAgIAKAAAAACgAAAAoAAAAZAAAAGQAAAAAAAAAzMzMAAAAAABQAAAAUAAAAGQAAABkAAAAAAAAABcAAAAUAAAAAAAAAAAAAAD/fwAA/38AAAAAAAAJAAAABAAAAAAAAAAeAAAAaAAAAAAAAAAAAAAAAAAAAAAAAAAAAAAAECcAABAnAAAAAAAAAAAAAAAAAAAAAAAAAAAAAAAAAAAAAAAAAAAAABQAAAAAAAAAwMD/AAAAAABkAAAAMgAAAAAAAABkAAAAAAAAAH9/fwAKAAAAIgAAABgAAAAAAAAAAAAAAAAAAAAAAAAAAAAAAAAAAAAkAAAAJAAAAAAAAAAHAAAAAAAAAAAAAAAAAAAAAAAAAAAAAAAAAAAAf39/ACUAAABYAAAAAAAAAAAAAAAAAAAAAAAAAAAAAAAAAAAAAAAAAAAAAAAAAAAAAAAAAAAAAAA/AAAAAAAAAKCGAQAAAAAAAAAAAAAAAAAMAAAAAQAAAAAAAAAAAAAAAAAAAB8AAABUAAAAAAAABQAAAAEAAAAAAAAAAAAAAAAAAAAAAAAAAAAAAAAAAAAAAAAAAAAAAAJ/f38AAAAAA8zMzADAwP8Af39/AAAAAAAAAAAAAAAAAAAAAAAAAAAAIQAAABgAAAAUAAAAsw4AAIgdAACzOwAABCEAABAAAAAmAAAACAAAAIGAAAAAAAAA"/>
               </a:ext>
             </a:extLst>
           </p:cNvSpPr>
@@ -2555,7 +2536,7 @@
             <a:spLocks noGrp="1" noChangeArrowheads="1"/>
             <a:extLst>
               <a:ext uri="smNativeData">
-                <pr:smNativeData xmlns:pr="smNativeData" xmlns="smNativeData" val="SMDATA_15_zA6NYhMAAAAlAAAAZAAAAA8BAAAAkAAAAEgAAACQAAAASAAAAAAAAAAAAAAAAAAAAAEAAABQAAAAAAAAAAAA4D8AAAAAAADgPwAAAAAAAOA/AAAAAAAA4D8AAAAAAADgPwAAAAAAAOA/AAAAAAAA4D8AAAAAAADgPwAAAAAAAOA/AAAAAAAA4D8CAAAAjAAAAAAAAAAAAAAAu+DjDP///wgAAAAAAAAAAAAAAAAAAAAAAAAAAAAAAAAAAAAAZAAAAAEAAABAAAAAAAAAAAAAAAAAAAAAAAAAAAAAAAAAAAAAAAAAAAAAAAAAAAAAAAAAAAAAAAAAAAAAAAAAAAAAAAAAAAAAAAAAAAAAAAAAAAAAAAAAAAAAAAAAAAAAFAAAADwAAAAAAAAAAAAAAAAAAAkUAAAAAQAAABQAAAAUAAAAFAAAAAEAAAAAAAAAZAAAAGQAAAAAAAAAZAAAAGQAAAAVAAAAYAAAAAAAAAAAAAAADwAAACADAAAAAAAAAAAAAAEAAACgMgAAVgcAAKr4//8BAAAAf39/AAEAAABkAAAAAAAAABQAAABAHwAAAAAAACYAAAAAAAAAwOD//wAAAAAmAAAAZAAAABYAAABMAAAAAAAAAAAAAAAEAAAAAAAAAAEAAACAgIAKAAAAACgAAAAoAAAAZAAAAGQAAAAAAAAAzMzMAAAAAABQAAAAUAAAAGQAAABkAAAAAAAAABcAAAAUAAAAAAAAAAAAAAD/fwAA/38AAAAAAAAJAAAABAAAAAAAAAAeAAAAaAAAAAAAAAAAAAAAAAAAAAAAAAAAAAAAECcAABAnAAAAAAAAAAAAAAAAAAAAAAAAAAAAAAAAAAAAAAAAAAAAABQAAAAAAAAAwMD/AAAAAABkAAAAMgAAAAAAAABkAAAAAAAAAH9/fwAKAAAAIgAAABgAAAAAAAAAAAAAAAAAAAAAAAAAAAAAAAAAAAAkAAAAJAAAAAAAAAAHAAAAAAAAAAAAAAAAAAAAAAAAAAAAAAAAAAAAf39/ACUAAABYAAAAAAAAAAAAAAAAAAAAAAAAAAAAAAAAAAAAAAAAAAAAAAAAAAAAAAAAAAAAAAA/AAAAAAAAAKCGAQAAAAAAAAAAAAAAAAAMAAAAAQAAAAAAAAAAAAAAAAAAAB8AAABUAAAAAAAABQAAAAEAAAAAAAAAAAAAAAAAAAAAAAAAAAAAAAAAAAAAAAAAAAAAAAJ/f38AAAAAA8zMzADAwP8Af39/AAAAAAAAAAAAAAAAAAAAAAAAAAAAIQAAABgAAAAUAAAAsw4AAMYDAACzOwAAFh0AABAAAAAmAAAACAAAAAGAAAAAAAAA"/>
+                <pr:smNativeData xmlns:pr="smNativeData" xmlns="smNativeData" val="SMDATA_15_eM6NYhMAAAAlAAAAZAAAAA8BAAAAkAAAAEgAAACQAAAASAAAAAAAAAAAAAAAAAAAAAEAAABQAAAAAAAAAAAA4D8AAAAAAADgPwAAAAAAAOA/AAAAAAAA4D8AAAAAAADgPwAAAAAAAOA/AAAAAAAA4D8AAAAAAADgPwAAAAAAAOA/AAAAAAAA4D8CAAAAjAAAAAAAAAAAAAAAu+DjDP///wgAAAAAAAAAAAAAAAAAAAAAAAAAAAAAAAAAAAAAZAAAAAEAAABAAAAAAAAAAAAAAAAAAAAAAAAAAAAAAAAAAAAAAAAAAAAAAAAAAAAAAAAAAAAAAAAAAAAAAAAAAAAAAAAAAAAAAAAAAAAAAAAAAAAAAAAAAAAAAAAAAAAAFAAAADwAAAAAAAAAAAAAAAAAAAkUAAAAAQAAABQAAAAUAAAAFAAAAAEAAAAAAAAAZAAAAGQAAAAAAAAAZAAAAGQAAAAVAAAAYAAAAAAAAAAAAAAADwAAACADAAAAAAAAAAAAAAEAAACgMgAAVgcAAKr4//8BAAAAf39/AAEAAABkAAAAAAAAABQAAABAHwAAAAAAACYAAAAAAAAAwOD//wAAAAAmAAAAZAAAABYAAABMAAAAAAAAAAAAAAAEAAAAAAAAAAEAAACAgIAKAAAAACgAAAAoAAAAZAAAAGQAAAAAAAAAzMzMAAAAAABQAAAAUAAAAGQAAABkAAAAAAAAABcAAAAUAAAAAAAAAAAAAAD/fwAA/38AAAAAAAAJAAAABAAAAAAAAAAeAAAAaAAAAAAAAAAAAAAAAAAAAAAAAAAAAAAAECcAABAnAAAAAAAAAAAAAAAAAAAAAAAAAAAAAAAAAAAAAAAAAAAAABQAAAAAAAAAwMD/AAAAAABkAAAAMgAAAAAAAABkAAAAAAAAAH9/fwAKAAAAIgAAABgAAAAAAAAAAAAAAAAAAAAAAAAAAAAAAAAAAAAkAAAAJAAAAAAAAAAHAAAAAAAAAAAAAAAAAAAAAAAAAAAAAAAAAAAAf39/ACUAAABYAAAAAAAAAAAAAAAAAAAAAAAAAAAAAAAAAAAAAAAAAAAAAAAAAAAAAAAAAAAAAAA/AAAAAAAAAKCGAQAAAAAAAAAAAAAAAAAMAAAAAQAAAAAAAAAAAAAAAAAAAB8AAABUAAAAAAAABQAAAAEAAAAAAAAAAAAAAAAAAAAAAAAAAAAAAAAAAAAAAAAAAAAAAAJ/f38AAAAAA8zMzADAwP8Af39/AAAAAAAAAAAAAAAAAAAAAAAAAAAAIQAAABgAAAAUAAAAsw4AAMYDAACzOwAAFh0AABAAAAAmAAAACAAAAAGAAAAAAAAA"/>
               </a:ext>
             </a:extLst>
           </p:cNvSpPr>
@@ -2624,7 +2605,7 @@
             <a:spLocks noGrp="1" noChangeArrowheads="1"/>
             <a:extLst>
               <a:ext uri="smNativeData">
-                <pr:smNativeData xmlns:pr="smNativeData" xmlns="smNativeData" val="SMDATA_15_zA6NYhMAAAAlAAAAZAAAAA8BAAAAkAAAAEgAAACQAAAASAAAAAAAAAAAAAAAAAAAAAEAAABQAAAAAAAAAAAA4D8AAAAAAADgPwAAAAAAAOA/AAAAAAAA4D8AAAAAAADgPwAAAAAAAOA/AAAAAAAA4D8AAAAAAADgPwAAAAAAAOA/AAAAAAAA4D8CAAAAjAAAAAAAAAAAAAAAu+DjDP///wgAAAAAAAAAAAAAAAAAAAAAAAAAAAAAAAAAAAAAZAAAAAEAAABAAAAAAAAAAAAAAAAAAAAAAAAAAAAAAAAAAAAAAAAAAAAAAAAAAAAAAAAAAAAAAAAAAAAAAAAAAAAAAAAAAAAAAAAAAAAAAAAAAAAAAAAAAAAAAAAAAAAAFAAAADwAAAAAAAAAAAAAAAAAAAkUAAAAAQAAABQAAAAUAAAAFAAAAAEAAAAAAAAAZAAAAGQAAAAAAAAAZAAAAGQAAAAVAAAAYAAAAAAAAAAAAAAADwAAACADAAAAAAAAAAAAAAEAAACgMgAAVgcAAKr4//8BAAAAf39/AAEAAABkAAAAAAAAABQAAABAHwAAAAAAACYAAAAAAAAAwOD//wAAAAAmAAAAZAAAABYAAABMAAAAAAAAAAAAAAAEAAAAAAAAAAEAAACAgIAKAAAAACgAAAAoAAAAZAAAAGQAAAAAAAAAzMzMAAAAAABQAAAAUAAAAGQAAABkAAAAAAAAABcAAAAUAAAAAAAAAAAAAAD/fwAA/38AAAAAAAAJAAAABAAAAAAAAAAeAAAAaAAAAAAAAAAAAAAAAAAAAAAAAAAAAAAAECcAABAnAAAAAAAAAAAAAAAAAAAAAAAAAAAAAAAAAAAAAAAAAAAAABQAAAAAAAAAwMD/AAAAAABkAAAAMgAAAAAAAABkAAAAAAAAAH9/fwAKAAAAIgAAABgAAAAAAAAAAAAAAAAAAAAAAAAAAAAAAAAAAAAkAAAAJAAAAAAAAAAHAAAAAAAAAAAAAAAAAAAAAAAAAAAAAAAAAAAAf39/ACUAAABYAAAAAAAAAAAAAAAAAAAAAAAAAAAAAAAAAAAAAAAAAAAAAAAAAAAAAAAAAAAAAAA/AAAAAAAAAKCGAQAAAAAAAAAAAAAAAAAMAAAAAQAAAAAAAAAAAAAAAAAAAB8AAABUAAAAAAAABQAAAAEAAAAAAAAAAAAAAAAAAAAAAAAAAAAAAAAAAAAAAAAAAAAAAAJ/f38AAAAAA8zMzADAwP8Af39/AAAAAAAAAAAAAAAAAAAAAAAAAAAAIQAAABgAAAAUAAAAsw4AAAQhAACzOwAA+CUAABAAAAAmAAAACAAAAAGAAAAAAAAA"/>
+                <pr:smNativeData xmlns:pr="smNativeData" xmlns="smNativeData" val="SMDATA_15_eM6NYhMAAAAlAAAAZAAAAA8BAAAAkAAAAEgAAACQAAAASAAAAAAAAAAAAAAAAAAAAAEAAABQAAAAAAAAAAAA4D8AAAAAAADgPwAAAAAAAOA/AAAAAAAA4D8AAAAAAADgPwAAAAAAAOA/AAAAAAAA4D8AAAAAAADgPwAAAAAAAOA/AAAAAAAA4D8CAAAAjAAAAAAAAAAAAAAAu+DjDP///wgAAAAAAAAAAAAAAAAAAAAAAAAAAAAAAAAAAAAAZAAAAAEAAABAAAAAAAAAAAAAAAAAAAAAAAAAAAAAAAAAAAAAAAAAAAAAAAAAAAAAAAAAAAAAAAAAAAAAAAAAAAAAAAAAAAAAAAAAAAAAAAAAAAAAAAAAAAAAAAAAAAAAFAAAADwAAAAAAAAAAAAAAAAAAAkUAAAAAQAAABQAAAAUAAAAFAAAAAEAAAAAAAAAZAAAAGQAAAAAAAAAZAAAAGQAAAAVAAAAYAAAAAAAAAAAAAAADwAAACADAAAAAAAAAAAAAAEAAACgMgAAVgcAAKr4//8BAAAAf39/AAEAAABkAAAAAAAAABQAAABAHwAAAAAAACYAAAAAAAAAwOD//wAAAAAmAAAAZAAAABYAAABMAAAAAAAAAAAAAAAEAAAAAAAAAAEAAACAgIAKAAAAACgAAAAoAAAAZAAAAGQAAAAAAAAAzMzMAAAAAABQAAAAUAAAAGQAAABkAAAAAAAAABcAAAAUAAAAAAAAAAAAAAD/fwAA/38AAAAAAAAJAAAABAAAAAAAAAAeAAAAaAAAAAAAAAAAAAAAAAAAAAAAAAAAAAAAECcAABAnAAAAAAAAAAAAAAAAAAAAAAAAAAAAAAAAAAAAAAAAAAAAABQAAAAAAAAAwMD/AAAAAABkAAAAMgAAAAAAAABkAAAAAAAAAH9/fwAKAAAAIgAAABgAAAAAAAAAAAAAAAAAAAAAAAAAAAAAAAAAAAAkAAAAJAAAAAAAAAAHAAAAAAAAAAAAAAAAAAAAAAAAAAAAAAAAAAAAf39/ACUAAABYAAAAAAAAAAAAAAAAAAAAAAAAAAAAAAAAAAAAAAAAAAAAAAAAAAAAAAAAAAAAAAA/AAAAAAAAAKCGAQAAAAAAAAAAAAAAAAAMAAAAAQAAAAAAAAAAAAAAAAAAAB8AAABUAAAAAAAABQAAAAEAAAAAAAAAAAAAAAAAAAAAAAAAAAAAAAAAAAAAAAAAAAAAAAJ/f38AAAAAA8zMzADAwP8Af39/AAAAAAAAAAAAAAAAAAAAAAAAAAAAIQAAABgAAAAUAAAAsw4AAAQhAACzOwAA+CUAABAAAAAmAAAACAAAAAGAAAAAAAAA"/>
               </a:ext>
             </a:extLst>
           </p:cNvSpPr>
@@ -2693,7 +2674,7 @@
             <a:spLocks noGrp="1" noChangeArrowheads="1"/>
             <a:extLst>
               <a:ext uri="smNativeData">
-                <pr:smNativeData xmlns:pr="smNativeData" xmlns="smNativeData" val="SMDATA_15_zA6NYhMAAAAlAAAAZAAAAA8BAAAAkAAAAEgAAACQAAAASAAAAAAAAAABAAAAAAAAAAEAAABQAAAAAAAAAAAA4D8AAAAAAADgPwAAAAAAAOA/AAAAAAAA4D8AAAAAAADgPwAAAAAAAOA/AAAAAAAA4D8AAAAAAADgPwAAAAAAAOA/AAAAAAAA4D8CAAAAjAAAAAAAAAAAAAAAu+DjDP///wgAAAAAAAAAAAAAAAAAAAAAAAAAAAAAAAAAAAAAZAAAAAEAAABAAAAAAAAAAAAAAAAAAAAAAAAAAAAAAAAAAAAAAAAAAAAAAAAAAAAAAAAAAAAAAAAAAAAAAAAAAAAAAAAAAAAAAAAAAAAAAAAAAAAAAAAAAAAAAAAAAAAAFAAAADwAAAAAAAAAAAAAAAAAAAkUAAAAAQAAABQAAAAUAAAAFAAAAAEAAAAAAAAAZAAAAGQAAAAAAAAAZAAAAGQAAAAVAAAAYAAAAAAAAAAAAAAADwAAACADAAAAAAAAAAAAAAEAAACgMgAAVgcAAKr4//8BAAAAf39/AAEAAABkAAAAAAAAABQAAABAHwAAAAAAACYAAAAAAAAAwOD//wAAAAAmAAAAZAAAABYAAABMAAAAAAAAAAAAAAAEAAAAAAAAAAEAAACAgIAKAAAAACgAAAAoAAAAZAAAAGQAAAAAAAAAzMzMAAAAAABQAAAAUAAAAGQAAABkAAAAAAAAABcAAAAUAAAAAAAAAAAAAAD/fwAA/38AAAAAAAAJAAAABAAAAAAAAAAeAAAAaAAAAAAAAAAAAAAAAAAAAAAAAAAAAAAAECcAABAnAAAAAAAAAAAAAAAAAAAAAAAAAAAAAAAAAAAAAAAAAAAAABQAAAAAAAAAwMD/AAAAAABkAAAAMgAAAAAAAABkAAAAAAAAAH9/fwAKAAAAIgAAABgAAAAAAAAAAAAAAAAAAAAAAAAAAAAAAAAAAAAkAAAAJAAAAAAAAAAHAAAAAAAAAAAAAAAAAAAAAAAAAAAAAAAAAAAAf39/ACUAAABYAAAAAAAAAAAAAAAAAAAAAAAAAAAAAAAAAAAAAAAAAAAAAAAAAAAAAAAAAAAAAAA/AAAAAAAAAKCGAQAAAAAAAAAAAAAAAAAMAAAAAQAAAAAAAAAAAAAAAAAAAB8AAABUAAAAAAAABQAAAAEAAAAAAAAAAAAAAAAAAAAAAAAAAAAAAAAAAAAAAAAAAAAAAAJ/f38AAAAAA8zMzADAwP8Af39/AAAAAAAAAAAAAAAAAAAAAAAAAAAAIQAAABgAAAAUAAAAwAMAABsnAAA/FQAAWSkAABAAAAAmAAAACAAAAAAAAAAAAAAA"/>
+                <pr:smNativeData xmlns:pr="smNativeData" xmlns="smNativeData" val="SMDATA_15_eM6NYhMAAAAlAAAAZAAAAA8BAAAAkAAAAEgAAACQAAAASAAAAAAAAAABAAAAAAAAAAEAAABQAAAAAAAAAAAA4D8AAAAAAADgPwAAAAAAAOA/AAAAAAAA4D8AAAAAAADgPwAAAAAAAOA/AAAAAAAA4D8AAAAAAADgPwAAAAAAAOA/AAAAAAAA4D8CAAAAjAAAAAAAAAAAAAAAu+DjDP///wgAAAAAAAAAAAAAAAAAAAAAAAAAAAAAAAAAAAAAZAAAAAEAAABAAAAAAAAAAAAAAAAAAAAAAAAAAAAAAAAAAAAAAAAAAAAAAAAAAAAAAAAAAAAAAAAAAAAAAAAAAAAAAAAAAAAAAAAAAAAAAAAAAAAAAAAAAAAAAAAAAAAAFAAAADwAAAAAAAAAAAAAAAAAAAkUAAAAAQAAABQAAAAUAAAAFAAAAAEAAAAAAAAAZAAAAGQAAAAAAAAAZAAAAGQAAAAVAAAAYAAAAAAAAAAAAAAADwAAACADAAAAAAAAAAAAAAEAAACgMgAAVgcAAKr4//8BAAAAf39/AAEAAABkAAAAAAAAABQAAABAHwAAAAAAACYAAAAAAAAAwOD//wAAAAAmAAAAZAAAABYAAABMAAAAAAAAAAAAAAAEAAAAAAAAAAEAAACAgIAKAAAAACgAAAAoAAAAZAAAAGQAAAAAAAAAzMzMAAAAAABQAAAAUAAAAGQAAABkAAAAAAAAABcAAAAUAAAAAAAAAAAAAAD/fwAA/38AAAAAAAAJAAAABAAAAAAAAAAeAAAAaAAAAAAAAAAAAAAAAAAAAAAAAAAAAAAAECcAABAnAAAAAAAAAAAAAAAAAAAAAAAAAAAAAAAAAAAAAAAAAAAAABQAAAAAAAAAwMD/AAAAAABkAAAAMgAAAAAAAABkAAAAAAAAAH9/fwAKAAAAIgAAABgAAAAAAAAAAAAAAAAAAAAAAAAAAAAAAAAAAAAkAAAAJAAAAAAAAAAHAAAAAAAAAAAAAAAAAAAAAAAAAAAAAAAAAAAAf39/ACUAAABYAAAAAAAAAAAAAAAAAAAAAAAAAAAAAAAAAAAAAAAAAAAAAAAAAAAAAAAAAAAAAAA/AAAAAAAAAKCGAQAAAAAAAAAAAAAAAAAMAAAAAQAAAAAAAAAAAAAAAAAAAB8AAABUAAAAAAAABQAAAAEAAAAAAAAAAAAAAAAAAAAAAAAAAAAAAAAAAAAAAAAAAAAAAAJ/f38AAAAAA8zMzADAwP8Af39/AAAAAAAAAAAAAAAAAAAAAAAAAAAAIQAAABgAAAAUAAAAwAMAABsnAAA/FQAAWSkAABAAAAAmAAAACAAAAAAAAAAAAAAA"/>
               </a:ext>
             </a:extLst>
           </p:cNvSpPr>
@@ -2707,7 +2688,7 @@
           <a:lstStyle/>
           <a:p>
             <a:pPr/>
-            <a:fld id="{310E4174-3ADC-5BB7-92B6-CCE20FF86499}" type="datetime1">
+            <a:fld id="{2E3A34E3-ADC3-6FC2-8D82-5B977ACC7B0E}" type="datetime1">
               <a:t/>
             </a:fld>
           </a:p>
@@ -2720,7 +2701,7 @@
             <a:spLocks noGrp="1" noChangeArrowheads="1"/>
             <a:extLst>
               <a:ext uri="smNativeData">
-                <pr:smNativeData xmlns:pr="smNativeData" xmlns="smNativeData" val="SMDATA_15_zA6NYhMAAAAlAAAAZAAAAA8BAAAAkAAAAEgAAACQAAAASAAAAAAAAAABAAAAAAAAAAEAAABQAAAAAAAAAAAA4D8AAAAAAADgPwAAAAAAAOA/AAAAAAAA4D8AAAAAAADgPwAAAAAAAOA/AAAAAAAA4D8AAAAAAADgPwAAAAAAAOA/AAAAAAAA4D8CAAAAjAAAAAAAAAAAAAAAu+DjDP///wgAAAAAAAAAAAAAAAAAAAAAAAAAAAAAAAAAAAAAZAAAAAEAAABAAAAAAAAAAAAAAAAAAAAAAAAAAAAAAAAAAAAAAAAAAAAAAAAAAAAAAAAAAAAAAAAAAAAAAAAAAAAAAAAAAAAAAAAAAAAAAAAAAAAAAAAAAAAAAAAAAAAAFAAAADwAAAAAAAAAAAAAAAAAAAkUAAAAAQAAABQAAAAUAAAAFAAAAAEAAAAAAAAAZAAAAGQAAAAAAAAAZAAAAGQAAAAVAAAAYAAAAAAAAAAAAAAADwAAACADAAAAAAAAAAAAAAEAAACgMgAAVgcAAKr4//8BAAAAf39/AAEAAABkAAAAAAAAABQAAABAHwAAAAAAACYAAAAAAAAAwOD//wAAAAAmAAAAZAAAABYAAABMAAAAAAAAAAAAAAAEAAAAAAAAAAEAAACAgIAKAAAAACgAAAAoAAAAZAAAAGQAAAAAAAAAzMzMAAAAAABQAAAAUAAAAGQAAABkAAAAAAAAABcAAAAUAAAAAAAAAAAAAAD/fwAA/38AAAAAAAAJAAAABAAAAAAAAAAeAAAAaAAAAAAAAAAAAAAAAAAAAAAAAAAAAAAAECcAABAnAAAAAAAAAAAAAAAAAAAAAAAAAAAAAAAAAAAAAAAAAAAAABQAAAAAAAAAwMD/AAAAAABkAAAAMgAAAAAAAABkAAAAAAAAAH9/fwAKAAAAIgAAABgAAAAAAAAAAAAAAAAAAAAAAAAAAAAAAAAAAAAkAAAAJAAAAAAAAAAHAAAAAAAAAAAAAAAAAAAAAAAAAAAAAAAAAAAAf39/ACUAAABYAAAAAAAAAAAAAAAAAAAAAAAAAAAAAAAAAAAAAAAAAAAAAAAAAAAAAAAAAAAAAAA/AAAAAAAAAKCGAQAAAAAAAAAAAAAAAAAMAAAAAQAAAAAAAAAAAAAAAAAAAB8AAABUAAAAAAAABQAAAAEAAAAAAAAAAAAAAAAAAAAAAAAAAAAAAAAAAAAAAAAAAAAAAAJ/f38AAAAAA8zMzADAwP8Af39/AAAAAAAAAAAAAAAAAAAAAAAAAAAAIQAAABgAAAAUAAAAoRkAABsnAABfMQAAWSkAABAAAAAmAAAACAAAAAAAAAAAAAAA"/>
+                <pr:smNativeData xmlns:pr="smNativeData" xmlns="smNativeData" val="SMDATA_15_eM6NYhMAAAAlAAAAZAAAAA8BAAAAkAAAAEgAAACQAAAASAAAAAAAAAABAAAAAAAAAAEAAABQAAAAAAAAAAAA4D8AAAAAAADgPwAAAAAAAOA/AAAAAAAA4D8AAAAAAADgPwAAAAAAAOA/AAAAAAAA4D8AAAAAAADgPwAAAAAAAOA/AAAAAAAA4D8CAAAAjAAAAAAAAAAAAAAAu+DjDP///wgAAAAAAAAAAAAAAAAAAAAAAAAAAAAAAAAAAAAAZAAAAAEAAABAAAAAAAAAAAAAAAAAAAAAAAAAAAAAAAAAAAAAAAAAAAAAAAAAAAAAAAAAAAAAAAAAAAAAAAAAAAAAAAAAAAAAAAAAAAAAAAAAAAAAAAAAAAAAAAAAAAAAFAAAADwAAAAAAAAAAAAAAAAAAAkUAAAAAQAAABQAAAAUAAAAFAAAAAEAAAAAAAAAZAAAAGQAAAAAAAAAZAAAAGQAAAAVAAAAYAAAAAAAAAAAAAAADwAAACADAAAAAAAAAAAAAAEAAACgMgAAVgcAAKr4//8BAAAAf39/AAEAAABkAAAAAAAAABQAAABAHwAAAAAAACYAAAAAAAAAwOD//wAAAAAmAAAAZAAAABYAAABMAAAAAAAAAAAAAAAEAAAAAAAAAAEAAACAgIAKAAAAACgAAAAoAAAAZAAAAGQAAAAAAAAAzMzMAAAAAABQAAAAUAAAAGQAAABkAAAAAAAAABcAAAAUAAAAAAAAAAAAAAD/fwAA/38AAAAAAAAJAAAABAAAAAAAAAAeAAAAaAAAAAAAAAAAAAAAAAAAAAAAAAAAAAAAECcAABAnAAAAAAAAAAAAAAAAAAAAAAAAAAAAAAAAAAAAAAAAAAAAABQAAAAAAAAAwMD/AAAAAABkAAAAMgAAAAAAAABkAAAAAAAAAH9/fwAKAAAAIgAAABgAAAAAAAAAAAAAAAAAAAAAAAAAAAAAAAAAAAAkAAAAJAAAAAAAAAAHAAAAAAAAAAAAAAAAAAAAAAAAAAAAAAAAAAAAf39/ACUAAABYAAAAAAAAAAAAAAAAAAAAAAAAAAAAAAAAAAAAAAAAAAAAAAAAAAAAAAAAAAAAAAA/AAAAAAAAAKCGAQAAAAAAAAAAAAAAAAAMAAAAAQAAAAAAAAAAAAAAAAAAAB8AAABUAAAAAAAABQAAAAEAAAAAAAAAAAAAAAAAAAAAAAAAAAAAAAAAAAAAAAAAAAAAAAJ/f38AAAAAA8zMzADAwP8Af39/AAAAAAAAAAAAAAAAAAAAAAAAAAAAIQAAABgAAAAUAAAAoRkAABsnAABfMQAAWSkAABAAAAAmAAAACAAAAAAAAAAAAAAA"/>
               </a:ext>
             </a:extLst>
           </p:cNvSpPr>
@@ -2734,9 +2715,6 @@
           <a:lstStyle/>
           <a:p>
             <a:pPr/>
-            <a:r>
-              <a:t/>
-            </a:r>
           </a:p>
         </p:txBody>
       </p:sp>
@@ -2747,7 +2725,7 @@
             <a:spLocks noGrp="1" noChangeArrowheads="1"/>
             <a:extLst>
               <a:ext uri="smNativeData">
-                <pr:smNativeData xmlns:pr="smNativeData" xmlns="smNativeData" val="SMDATA_15_zA6NYhMAAAAlAAAAZAAAAA8BAAAAkAAAAEgAAACQAAAASAAAAAAAAAABAAAAAAAAAAEAAABQAAAAAAAAAAAA4D8AAAAAAADgPwAAAAAAAOA/AAAAAAAA4D8AAAAAAADgPwAAAAAAAOA/AAAAAAAA4D8AAAAAAADgPwAAAAAAAOA/AAAAAAAA4D8CAAAAjAAAAAAAAAAAAAAAu+DjDP///wgAAAAAAAAAAAAAAAAAAAAAAAAAAAAAAAAAAAAAZAAAAAEAAABAAAAAAAAAAAAAAAAAAAAAAAAAAAAAAAAAAAAAAAAAAAAAAAAAAAAAAAAAAAAAAAAAAAAAAAAAAAAAAAAAAAAAAAAAAAAAAAAAAAAAAAAAAAAAAAAAAAAAFAAAADwAAAAAAAAAAAAAAAAAAAkUAAAAAQAAABQAAAAUAAAAFAAAAAEAAAAAAAAAZAAAAGQAAAAAAAAAZAAAAGQAAAAVAAAAYAAAAAAAAAAAAAAADwAAACADAAAAAAAAAAAAAAEAAACgMgAAVgcAAKr4//8BAAAAf39/AAEAAABkAAAAAAAAABQAAABAHwAAAAAAACYAAAAAAAAAwOD//wAAAAAmAAAAZAAAABYAAABMAAAAAAAAAAAAAAAEAAAAAAAAAAEAAACAgIAKAAAAACgAAAAoAAAAZAAAAGQAAAAAAAAAzMzMAAAAAABQAAAAUAAAAGQAAABkAAAAAAAAABcAAAAUAAAAAAAAAAAAAAD/fwAA/38AAAAAAAAJAAAABAAAAAAAAAAeAAAAaAAAAAAAAAAAAAAAAAAAAAAAAAAAAAAAECcAABAnAAAAAAAAAAAAAAAAAAAAAAAAAAAAAAAAAAAAAAAAAAAAABQAAAAAAAAAwMD/AAAAAABkAAAAMgAAAAAAAABkAAAAAAAAAH9/fwAKAAAAIgAAABgAAAAAAAAAAAAAAAAAAAAAAAAAAAAAAAAAAAAkAAAAJAAAAAAAAAAHAAAAAAAAAAAAAAAAAAAAAAAAAAAAAAAAAAAAf39/ACUAAABYAAAAAAAAAAAAAAAAAAAAAAAAAAAAAAAAAAAAAAAAAAAAAAAAAAAAAAAAAAAAAAA/AAAAAAAAAKCGAQAAAAAAAAAAAAAAAAAMAAAAAQAAAAAAAAAAAAAAAAAAAB8AAABUAAAAAAAABQAAAAEAAAAAAAAAAAAAAAAAAAAAAAAAAAAAAAAAAAAAAAAAAAAAAAJ/f38AAAAAA8zMzADAwP8Af39/AAAAAAAAAAAAAAAAAAAAAAAAAAAAIQAAABgAAAAUAAAAwTUAABsnAABARwAAWSkAABAAAAAmAAAACAAAAAAAAAAAAAAA"/>
+                <pr:smNativeData xmlns:pr="smNativeData" xmlns="smNativeData" val="SMDATA_15_eM6NYhMAAAAlAAAAZAAAAA8BAAAAkAAAAEgAAACQAAAASAAAAAAAAAABAAAAAAAAAAEAAABQAAAAAAAAAAAA4D8AAAAAAADgPwAAAAAAAOA/AAAAAAAA4D8AAAAAAADgPwAAAAAAAOA/AAAAAAAA4D8AAAAAAADgPwAAAAAAAOA/AAAAAAAA4D8CAAAAjAAAAAAAAAAAAAAAu+DjDP///wgAAAAAAAAAAAAAAAAAAAAAAAAAAAAAAAAAAAAAZAAAAAEAAABAAAAAAAAAAAAAAAAAAAAAAAAAAAAAAAAAAAAAAAAAAAAAAAAAAAAAAAAAAAAAAAAAAAAAAAAAAAAAAAAAAAAAAAAAAAAAAAAAAAAAAAAAAAAAAAAAAAAAFAAAADwAAAAAAAAAAAAAAAAAAAkUAAAAAQAAABQAAAAUAAAAFAAAAAEAAAAAAAAAZAAAAGQAAAAAAAAAZAAAAGQAAAAVAAAAYAAAAAAAAAAAAAAADwAAACADAAAAAAAAAAAAAAEAAACgMgAAVgcAAKr4//8BAAAAf39/AAEAAABkAAAAAAAAABQAAABAHwAAAAAAACYAAAAAAAAAwOD//wAAAAAmAAAAZAAAABYAAABMAAAAAAAAAAAAAAAEAAAAAAAAAAEAAACAgIAKAAAAACgAAAAoAAAAZAAAAGQAAAAAAAAAzMzMAAAAAABQAAAAUAAAAGQAAABkAAAAAAAAABcAAAAUAAAAAAAAAAAAAAD/fwAA/38AAAAAAAAJAAAABAAAAAAAAAAeAAAAaAAAAAAAAAAAAAAAAAAAAAAAAAAAAAAAECcAABAnAAAAAAAAAAAAAAAAAAAAAAAAAAAAAAAAAAAAAAAAAAAAABQAAAAAAAAAwMD/AAAAAABkAAAAMgAAAAAAAABkAAAAAAAAAH9/fwAKAAAAIgAAABgAAAAAAAAAAAAAAAAAAAAAAAAAAAAAAAAAAAAkAAAAJAAAAAAAAAAHAAAAAAAAAAAAAAAAAAAAAAAAAAAAAAAAAAAAf39/ACUAAABYAAAAAAAAAAAAAAAAAAAAAAAAAAAAAAAAAAAAAAAAAAAAAAAAAAAAAAAAAAAAAAA/AAAAAAAAAKCGAQAAAAAAAAAAAAAAAAAMAAAAAQAAAAAAAAAAAAAAAAAAAB8AAABUAAAAAAAABQAAAAEAAAAAAAAAAAAAAAAAAAAAAAAAAAAAAAAAAAAAAAAAAAAAAAJ/f38AAAAAA8zMzADAwP8Af39/AAAAAAAAAAAAAAAAAAAAAAAAAAAAIQAAABgAAAAUAAAAwTUAABsnAABARwAAWSkAABAAAAAmAAAACAAAAAAAAAAAAAAA"/>
               </a:ext>
             </a:extLst>
           </p:cNvSpPr>
@@ -2761,7 +2739,7 @@
           <a:lstStyle/>
           <a:p>
             <a:pPr/>
-            <a:fld id="{310E33D9-97DC-5BC5-92B6-61907DF86434}" type="slidenum">
+            <a:fld id="{2E3A7CFF-B1C3-6F8A-8D82-47DF32CC7B12}" type="slidenum">
               <a:t/>
             </a:fld>
           </a:p>
@@ -2772,6 +2750,7 @@
   <p:clrMapOvr>
     <a:masterClrMapping/>
   </p:clrMapOvr>
+  <p:hf hdr="0" ftr="0"/>
 </p:sldLayout>
 </file>
 
@@ -2807,7 +2786,7 @@
             <a:spLocks noGrp="1" noChangeArrowheads="1"/>
             <a:extLst>
               <a:ext uri="smNativeData">
-                <pr:smNativeData xmlns:pr="smNativeData" xmlns="smNativeData" val="SMDATA_15_zA6NYhMAAAAlAAAAZAAAAA8BAAAAkAAAAEgAAACQAAAASAAAAAAAAAABAAAAAAAAAAEAAABQAAAAAAAAAAAA4D8AAAAAAADgPwAAAAAAAOA/AAAAAAAA4D8AAAAAAADgPwAAAAAAAOA/AAAAAAAA4D8AAAAAAADgPwAAAAAAAOA/AAAAAAAA4D8CAAAAjAAAAAAAAAAAAAAAu+DjDP///wgAAAAAAAAAAAAAAAAAAAAAAAAAAAAAAAAAAAAAZAAAAAEAAABAAAAAAAAAAAAAAAAAAAAAAAAAAAAAAAAAAAAAAAAAAAAAAAAAAAAAAAAAAAAAAAAAAAAAAAAAAAAAAAAAAAAAAAAAAAAAAAAAAAAAAAAAAAAAAAAAAAAAFAAAADwAAAAAAAAAAAAAAAAAAAkUAAAAAQAAABQAAAAUAAAAFAAAAAEAAAAAAAAAZAAAAGQAAAAAAAAAZAAAAGQAAAAVAAAAYAAAAAAAAAAAAAAADwAAACADAAAAAAAAAAAAAAEAAACgMgAAVgcAAKr4//8BAAAAf39/AAEAAABkAAAAAAAAABQAAABAHwAAAAAAACYAAAAAAAAAwOD//wAAAAAmAAAAZAAAABYAAABMAAAAAAAAAAAAAAAEAAAAAAAAAAEAAACAgIAKAAAAACgAAAAoAAAAZAAAAGQAAAAAAAAAzMzMAAAAAABQAAAAUAAAAGQAAABkAAAAAAAAABcAAAAUAAAAAAAAAAAAAAD/fwAA/38AAAAAAAAJAAAABAAAAHsAfAAeAAAAaAAAAAAAAAAAAAAAAAAAAAAAAAAAAAAAECcAABAnAAAAAAAAAAAAAAAAAAAAAAAAAAAAAAAAAAAAAAAAAAAAABQAAAAAAAAAwMD/AAAAAABkAAAAMgAAAAAAAABkAAAAAAAAAH9/fwAKAAAAIgAAABgAAAAAAAAAAAAAAAAAAAAAAAAAAAAAAAAAAAAkAAAAJAAAAAAAAAAHAAAAAAAAAAAAAAAAAAAAAAAAAAAAAAAAAAAAf39/ACUAAABYAAAAAAAAAAAAAAAAAAAAAAAAAAAAAAAAAAAAAAAAAAAAAAAAAAAAAAAAAAAAAAA/AAAAAAAAAKCGAQAAAAAAAAAAAAAAAAAMAAAAAQAAAAAAAAAAAAAAAAAAAB8AAABUAAAAAAAABQAAAAEAAAAAAAAAAAAAAAAAAAAAAAAAAAAAAAAAAAAAAAAAAAAAAAJ/f38AAAAAA8zMzADAwP8Af39/AAAAAAAAAAAAAAAAAAAAAAAAAAAAIQAAABgAAAAUAAAAwAMAALABAABARwAAuAgAABAAAAAmAAAACAAAAP//////////"/>
+                <pr:smNativeData xmlns:pr="smNativeData" xmlns="smNativeData" val="SMDATA_15_eM6NYhMAAAAlAAAAZAAAAA8BAAAAkAAAAEgAAACQAAAASAAAAAAAAAABAAAAAAAAAAEAAABQAAAAAAAAAAAA4D8AAAAAAADgPwAAAAAAAOA/AAAAAAAA4D8AAAAAAADgPwAAAAAAAOA/AAAAAAAA4D8AAAAAAADgPwAAAAAAAOA/AAAAAAAA4D8CAAAAjAAAAAAAAAAAAAAAu+DjDP///wgAAAAAAAAAAAAAAAAAAAAAAAAAAAAAAAAAAAAAZAAAAAEAAABAAAAAAAAAAAAAAAAAAAAAAAAAAAAAAAAAAAAAAAAAAAAAAAAAAAAAAAAAAAAAAAAAAAAAAAAAAAAAAAAAAAAAAAAAAAAAAAAAAAAAAAAAAAAAAAAAAAAAFAAAADwAAAAAAAAAAAAAAAAAAAkUAAAAAQAAABQAAAAUAAAAFAAAAAEAAAAAAAAAZAAAAGQAAAAAAAAAZAAAAGQAAAAVAAAAYAAAAAAAAAAAAAAADwAAACADAAAAAAAAAAAAAAEAAACgMgAAVgcAAKr4//8BAAAAf39/AAEAAABkAAAAAAAAABQAAABAHwAAAAAAACYAAAAAAAAAwOD//wAAAAAmAAAAZAAAABYAAABMAAAAAAAAAAAAAAAEAAAAAAAAAAEAAACAgIAKAAAAACgAAAAoAAAAZAAAAGQAAAAAAAAAzMzMAAAAAABQAAAAUAAAAGQAAABkAAAAAAAAABcAAAAUAAAAAAAAAAAAAAD/fwAA/38AAAAAAAAJAAAABAAAAHsAfAAeAAAAaAAAAAAAAAAAAAAAAAAAAAAAAAAAAAAAECcAABAnAAAAAAAAAAAAAAAAAAAAAAAAAAAAAAAAAAAAAAAAAAAAABQAAAAAAAAAwMD/AAAAAABkAAAAMgAAAAAAAABkAAAAAAAAAH9/fwAKAAAAIgAAABgAAAAAAAAAAAAAAAAAAAAAAAAAAAAAAAAAAAAkAAAAJAAAAAAAAAAHAAAAAAAAAAAAAAAAAAAAAAAAAAAAAAAAAAAAf39/ACUAAABYAAAAAAAAAAAAAAAAAAAAAAAAAAAAAAAAAAAAAAAAAAAAAAAAAAAAAAAAAAAAAAA/AAAAAAAAAKCGAQAAAAAAAAAAAAAAAAAMAAAAAQAAAAAAAAAAAAAAAAAAAB8AAABUAAAAAAAABQAAAAEAAAAAAAAAAAAAAAAAAAAAAAAAAAAAAAAAAAAAAAAAAAAAAAJ/f38AAAAAA8zMzADAwP8Af39/AAAAAAAAAAAAAAAAAAAAAAAAAAAAIQAAABgAAAAUAAAAwAMAALABAABARwAAuAgAABAAAAAmAAAACAAAAP//////////"/>
               </a:ext>
             </a:extLst>
           </p:cNvSpPr>
@@ -2851,7 +2830,7 @@
             <a:spLocks noGrp="1" noChangeArrowheads="1"/>
             <a:extLst>
               <a:ext uri="smNativeData">
-                <pr:smNativeData xmlns:pr="smNativeData" xmlns="smNativeData" val="SMDATA_15_zA6NYhMAAAAlAAAAZAAAAA8BAAAAkAAAAEgAAACQAAAASAAAAAAAAAAAAAAAAAAAAAEAAABQAAAAAAAAAAAA4D8AAAAAAADgPwAAAAAAAOA/AAAAAAAA4D8AAAAAAADgPwAAAAAAAOA/AAAAAAAA4D8AAAAAAADgPwAAAAAAAOA/AAAAAAAA4D8CAAAAjAAAAAAAAAAAAAAAu+DjDP///wgAAAAAAAAAAAAAAAAAAAAAAAAAAAAAAAAAAAAAZAAAAAEAAABAAAAAAAAAAAAAAAAAAAAAAAAAAAAAAAAAAAAAAAAAAAAAAAAAAAAAAAAAAAAAAAAAAAAAAAAAAAAAAAAAAAAAAAAAAAAAAAAAAAAAAAAAAAAAAAAAAAAAFAAAADwAAAAAAAAAAAAAAAAAAAkUAAAAAQAAABQAAAAUAAAAFAAAAAEAAAAAAAAAZAAAAGQAAAAAAAAAZAAAAGQAAAAVAAAAYAAAAAAAAAAAAAAADwAAACADAAAAAAAAAAAAAAEAAACgMgAAVgcAAKr4//8BAAAAf39/AAEAAABkAAAAAAAAABQAAABAHwAAAAAAACYAAAAAAAAAwOD//wAAAAAmAAAAZAAAABYAAABMAAAAAAAAAAAAAAAEAAAAAAAAAAEAAACAgIAKAAAAACgAAAAoAAAAZAAAAGQAAAAAAAAAzMzMAAAAAABQAAAAUAAAAGQAAABkAAAAAAAAABcAAAAUAAAAAAAAAAAAAAD/fwAA/38AAAAAAAAJAAAABAAAAHsAfAAeAAAAaAAAAAAAAAAAAAAAAAAAAAAAAAAAAAAAECcAABAnAAAAAAAAAAAAAAAAAAAAAAAAAAAAAAAAAAAAAAAAAAAAABQAAAAAAAAAwMD/AAAAAABkAAAAMgAAAAAAAABkAAAAAAAAAH9/fwAKAAAAIgAAABgAAAAAAAAAAAAAAAAAAAAAAAAAAAAAAAAAAAAkAAAAJAAAAAAAAAAHAAAAAAAAAAAAAAAAAAAAAAAAAAAAAAAAAAAAf39/ACUAAABYAAAAAAAAAAAAAAAAAAAAAAAAAAAAAAAAAAAAAAAAAAAAAAAAAAAAAAAAAAAAAAA/AAAAAAAAAKCGAQAAAAAAAAAAAAAAAAAMAAAAAQAAAAAAAAAAAAAAAAAAAB8AAABUAAAAAAAABQAAAAEAAAAAAAAAAAAAAAAAAAAAAAAAAAAAAAAAAAAAAAAAAAAAAAJ/f38AAAAAA8zMzADAwP8Af39/AAAAAAAAAAAAAAAAAAAAAAAAAAAAIQAAABgAAAAUAAAAwAMAANgJAABARwAAsCUAABAAAAAmAAAACAAAAP//////////"/>
+                <pr:smNativeData xmlns:pr="smNativeData" xmlns="smNativeData" val="SMDATA_15_eM6NYhMAAAAlAAAAZAAAAA8BAAAAkAAAAEgAAACQAAAASAAAAAAAAAAAAAAAAAAAAAEAAABQAAAAAAAAAAAA4D8AAAAAAADgPwAAAAAAAOA/AAAAAAAA4D8AAAAAAADgPwAAAAAAAOA/AAAAAAAA4D8AAAAAAADgPwAAAAAAAOA/AAAAAAAA4D8CAAAAjAAAAAAAAAAAAAAAu+DjDP///wgAAAAAAAAAAAAAAAAAAAAAAAAAAAAAAAAAAAAAZAAAAAEAAABAAAAAAAAAAAAAAAAAAAAAAAAAAAAAAAAAAAAAAAAAAAAAAAAAAAAAAAAAAAAAAAAAAAAAAAAAAAAAAAAAAAAAAAAAAAAAAAAAAAAAAAAAAAAAAAAAAAAAFAAAADwAAAAAAAAAAAAAAAAAAAkUAAAAAQAAABQAAAAUAAAAFAAAAAEAAAAAAAAAZAAAAGQAAAAAAAAAZAAAAGQAAAAVAAAAYAAAAAAAAAAAAAAADwAAACADAAAAAAAAAAAAAAEAAACgMgAAVgcAAKr4//8BAAAAf39/AAEAAABkAAAAAAAAABQAAABAHwAAAAAAACYAAAAAAAAAwOD//wAAAAAmAAAAZAAAABYAAABMAAAAAAAAAAAAAAAEAAAAAAAAAAEAAACAgIAKAAAAACgAAAAoAAAAZAAAAGQAAAAAAAAAzMzMAAAAAABQAAAAUAAAAGQAAABkAAAAAAAAABcAAAAUAAAAAAAAAAAAAAD/fwAA/38AAAAAAAAJAAAABAAAAHsAfAAeAAAAaAAAAAAAAAAAAAAAAAAAAAAAAAAAAAAAECcAABAnAAAAAAAAAAAAAAAAAAAAAAAAAAAAAAAAAAAAAAAAAAAAABQAAAAAAAAAwMD/AAAAAABkAAAAMgAAAAAAAABkAAAAAAAAAH9/fwAKAAAAIgAAABgAAAAAAAAAAAAAAAAAAAAAAAAAAAAAAAAAAAAkAAAAJAAAAAAAAAAHAAAAAAAAAAAAAAAAAAAAAAAAAAAAAAAAAAAAf39/ACUAAABYAAAAAAAAAAAAAAAAAAAAAAAAAAAAAAAAAAAAAAAAAAAAAAAAAAAAAAAAAAAAAAA/AAAAAAAAAKCGAQAAAAAAAAAAAAAAAAAMAAAAAQAAAAAAAAAAAAAAAAAAAB8AAABUAAAAAAAABQAAAAEAAAAAAAAAAAAAAAAAAAAAAAAAAAAAAAAAAAAAAAAAAAAAAAJ/f38AAAAAA8zMzADAwP8Af39/AAAAAAAAAAAAAAAAAAAAAAAAAAAAIQAAABgAAAAUAAAAwAMAANgJAABARwAAsCUAABAAAAAmAAAACAAAAP//////////"/>
               </a:ext>
             </a:extLst>
           </p:cNvSpPr>
@@ -2919,7 +2898,7 @@
             <a:spLocks noGrp="1" noChangeArrowheads="1"/>
             <a:extLst>
               <a:ext uri="smNativeData">
-                <pr:smNativeData xmlns:pr="smNativeData" xmlns="smNativeData" val="SMDATA_15_zA6NYhMAAAAlAAAAZAAAAA8BAAAAkAAAAEgAAACQAAAASAAAAAAAAAABAAAAAAAAAAEAAABQAAAAAAAAAAAA4D8AAAAAAADgPwAAAAAAAOA/AAAAAAAA4D8AAAAAAADgPwAAAAAAAOA/AAAAAAAA4D8AAAAAAADgPwAAAAAAAOA/AAAAAAAA4D8CAAAAjAAAAAAAAAAAAAAAu+DjDP///wgAAAAAAAAAAAAAAAAAAAAAAAAAAAAAAAAAAAAAZAAAAAEAAABAAAAAAAAAAAAAAAAAAAAAAAAAAAAAAAAAAAAAAAAAAAAAAAAAAAAAAAAAAAAAAAAAAAAAAAAAAAAAAAAAAAAAAAAAAAAAAAAAAAAAAAAAAAAAAAAAAAAAFAAAADwAAAAAAAAAAAAAAAAAAAkUAAAAAQAAABQAAAAUAAAAFAAAAAEAAAAAAAAAZAAAAGQAAAAAAAAAZAAAAGQAAAAVAAAAYAAAAAAAAAAAAAAADwAAACADAAAAAAAAAAAAAAEAAACgMgAAVgcAAKr4//8BAAAAf39/AAEAAABkAAAAAAAAABQAAABAHwAAAAAAACYAAAAAAAAAwOD//wAAAAAmAAAAZAAAABYAAABMAAAAAAAAAAAAAAAEAAAAAAAAAAEAAACAgIAKAAAAACgAAAAoAAAAZAAAAGQAAAAAAAAAzMzMAAAAAABQAAAAUAAAAGQAAABkAAAAAAAAABcAAAAUAAAAAAAAAAAAAAD/fwAA/38AAAAAAAAJAAAABAAAAHsAfAAeAAAAaAAAAAAAAAAAAAAAAAAAAAAAAAAAAAAAECcAABAnAAAAAAAAAAAAAAAAAAAAAAAAAAAAAAAAAAAAAAAAAAAAABQAAAAAAAAAwMD/AAAAAABkAAAAMgAAAAAAAABkAAAAAAAAAH9/fwAKAAAAIgAAABgAAAAAAAAAAAAAAAAAAAAAAAAAAAAAAAAAAAAkAAAAJAAAAAAAAAAHAAAAAAAAAAAAAAAAAAAAAAAAAAAAAAAAAAAAf39/ACUAAABYAAAAAAAAAAAAAAAAAAAAAAAAAAAAAAAAAAAAAAAAAAAAAAAAAAAAAAAAAAAAAAA/AAAAAAAAAKCGAQAAAAAAAAAAAAAAAAAMAAAAAQAAAAAAAAAAAAAAAAAAAB8AAABUAAAAAAAABQAAAAEAAAAAAAAAAAAAAAAAAAAAAAAAAAAAAAAAAAAAAAAAAAAAAAJ/f38AAAAAA8zMzADAwP8Af39/AAAAAAAAAAAAAAAAAAAAAAAAAAAAIQAAABgAAAAUAAAAwAMAABsnAAA/FQAAWSkAABAAAAAmAAAACAAAAP//////////"/>
+                <pr:smNativeData xmlns:pr="smNativeData" xmlns="smNativeData" val="SMDATA_15_eM6NYhMAAAAlAAAAZAAAAA8BAAAAkAAAAEgAAACQAAAASAAAAAAAAAABAAAAAAAAAAEAAABQAAAAAAAAAAAA4D8AAAAAAADgPwAAAAAAAOA/AAAAAAAA4D8AAAAAAADgPwAAAAAAAOA/AAAAAAAA4D8AAAAAAADgPwAAAAAAAOA/AAAAAAAA4D8CAAAAjAAAAAAAAAAAAAAAu+DjDP///wgAAAAAAAAAAAAAAAAAAAAAAAAAAAAAAAAAAAAAZAAAAAEAAABAAAAAAAAAAAAAAAAAAAAAAAAAAAAAAAAAAAAAAAAAAAAAAAAAAAAAAAAAAAAAAAAAAAAAAAAAAAAAAAAAAAAAAAAAAAAAAAAAAAAAAAAAAAAAAAAAAAAAFAAAADwAAAAAAAAAAAAAAAAAAAkUAAAAAQAAABQAAAAUAAAAFAAAAAEAAAAAAAAAZAAAAGQAAAAAAAAAZAAAAGQAAAAVAAAAYAAAAAAAAAAAAAAADwAAACADAAAAAAAAAAAAAAEAAACgMgAAVgcAAKr4//8BAAAAf39/AAEAAABkAAAAAAAAABQAAABAHwAAAAAAACYAAAAAAAAAwOD//wAAAAAmAAAAZAAAABYAAABMAAAAAAAAAAAAAAAEAAAAAAAAAAEAAACAgIAKAAAAACgAAAAoAAAAZAAAAGQAAAAAAAAAzMzMAAAAAABQAAAAUAAAAGQAAABkAAAAAAAAABcAAAAUAAAAAAAAAAAAAAD/fwAA/38AAAAAAAAJAAAABAAAAHsAfAAeAAAAaAAAAAAAAAAAAAAAAAAAAAAAAAAAAAAAECcAABAnAAAAAAAAAAAAAAAAAAAAAAAAAAAAAAAAAAAAAAAAAAAAABQAAAAAAAAAwMD/AAAAAABkAAAAMgAAAAAAAABkAAAAAAAAAH9/fwAKAAAAIgAAABgAAAAAAAAAAAAAAAAAAAAAAAAAAAAAAAAAAAAkAAAAJAAAAAAAAAAHAAAAAAAAAAAAAAAAAAAAAAAAAAAAAAAAAAAAf39/ACUAAABYAAAAAAAAAAAAAAAAAAAAAAAAAAAAAAAAAAAAAAAAAAAAAAAAAAAAAAAAAAAAAAA/AAAAAAAAAKCGAQAAAAAAAAAAAAAAAAAMAAAAAQAAAAAAAAAAAAAAAAAAAB8AAABUAAAAAAAABQAAAAEAAAAAAAAAAAAAAAAAAAAAAAAAAAAAAAAAAAAAAAAAAAAAAAJ/f38AAAAAA8zMzADAwP8Af39/AAAAAAAAAAAAAAAAAAAAAAAAAAAAIQAAABgAAAAUAAAAwAMAABsnAAA/FQAAWSkAABAAAAAmAAAACAAAAP//////////"/>
               </a:ext>
             </a:extLst>
           </p:cNvSpPr>
@@ -2954,7 +2933,7 @@
           </a:lstStyle>
           <a:p>
             <a:pPr/>
-            <a:fld id="{310E443A-74DC-5BB2-92B6-82E70AF864D7}" type="datetime1">
+            <a:fld id="{2E3A2C8E-C0C3-6FDA-8D82-368F62CC7B63}" type="datetime1">
               <a:t/>
             </a:fld>
           </a:p>
@@ -2967,7 +2946,7 @@
             <a:spLocks noGrp="1" noChangeArrowheads="1"/>
             <a:extLst>
               <a:ext uri="smNativeData">
-                <pr:smNativeData xmlns:pr="smNativeData" xmlns="smNativeData" val="SMDATA_15_zA6NYhMAAAAlAAAAZAAAAA8BAAAAkAAAAEgAAACQAAAASAAAAAAAAAABAAAAAAAAAAEAAABQAAAAAAAAAAAA4D8AAAAAAADgPwAAAAAAAOA/AAAAAAAA4D8AAAAAAADgPwAAAAAAAOA/AAAAAAAA4D8AAAAAAADgPwAAAAAAAOA/AAAAAAAA4D8CAAAAjAAAAAAAAAAAAAAAu+DjDP///wgAAAAAAAAAAAAAAAAAAAAAAAAAAAAAAAAAAAAAZAAAAAEAAABAAAAAAAAAAAAAAAAAAAAAAAAAAAAAAAAAAAAAAAAAAAAAAAAAAAAAAAAAAAAAAAAAAAAAAAAAAAAAAAAAAAAAAAAAAAAAAAAAAAAAAAAAAAAAAAAAAAAAFAAAADwAAAAAAAAAAAAAAAAAAAkUAAAAAQAAABQAAAAUAAAAFAAAAAEAAAAAAAAAZAAAAGQAAAAAAAAAZAAAAGQAAAAVAAAAYAAAAAAAAAAAAAAADwAAACADAAAAAAAAAAAAAAEAAACgMgAAVgcAAKr4//8BAAAAf39/AAEAAABkAAAAAAAAABQAAABAHwAAAAAAACYAAAAAAAAAwOD//wAAAAAmAAAAZAAAABYAAABMAAAAAAAAAAAAAAAEAAAAAAAAAAEAAACAgIAKAAAAACgAAAAoAAAAZAAAAGQAAAAAAAAAzMzMAAAAAABQAAAAUAAAAGQAAABkAAAAAAAAABcAAAAUAAAAAAAAAAAAAAD/fwAA/38AAAAAAAAJAAAABAAAAAAAAAAeAAAAaAAAAAAAAAAAAAAAAAAAAAAAAAAAAAAAECcAABAnAAAAAAAAAAAAAAAAAAAAAAAAAAAAAAAAAAAAAAAAAAAAABQAAAAAAAAAwMD/AAAAAABkAAAAMgAAAAAAAABkAAAAAAAAAH9/fwAKAAAAIgAAABgAAAAAAAAAAAAAAAAAAAAAAAAAAAAAAAAAAAAkAAAAJAAAAAAAAAAHAAAAAAAAAAAAAAAAAAAAAAAAAAAAAAAAAAAAf39/ACUAAABYAAAAAAAAAAAAAAAAAAAAAAAAAAAAAAAAAAAAAAAAAAAAAAAAAAAAAAAAAAAAAAA/AAAAAAAAAKCGAQAAAAAAAAAAAAAAAAAMAAAAAQAAAAAAAAAAAAAAAAAAAB8AAABUAAAAAAAABQAAAAEAAAAAAAAAAAAAAAAAAAAAAAAAAAAAAAAAAAAAAAAAAAAAAAJ/f38AAAAAA8zMzADAwP8Af39/AAAAAAAAAAAAAAAAAAAAAAAAAAAAIQAAABgAAAAUAAAAoRkAABsnAABfMQAAWSkAABAAAAAmAAAACAAAAP//////////"/>
+                <pr:smNativeData xmlns:pr="smNativeData" xmlns="smNativeData" val="SMDATA_15_eM6NYhMAAAAlAAAAZAAAAA8BAAAAkAAAAEgAAACQAAAASAAAAAAAAAABAAAAAAAAAAEAAABQAAAAAAAAAAAA4D8AAAAAAADgPwAAAAAAAOA/AAAAAAAA4D8AAAAAAADgPwAAAAAAAOA/AAAAAAAA4D8AAAAAAADgPwAAAAAAAOA/AAAAAAAA4D8CAAAAjAAAAAAAAAAAAAAAu+DjDP///wgAAAAAAAAAAAAAAAAAAAAAAAAAAAAAAAAAAAAAZAAAAAEAAABAAAAAAAAAAAAAAAAAAAAAAAAAAAAAAAAAAAAAAAAAAAAAAAAAAAAAAAAAAAAAAAAAAAAAAAAAAAAAAAAAAAAAAAAAAAAAAAAAAAAAAAAAAAAAAAAAAAAAFAAAADwAAAAAAAAAAAAAAAAAAAkUAAAAAQAAABQAAAAUAAAAFAAAAAEAAAAAAAAAZAAAAGQAAAAAAAAAZAAAAGQAAAAVAAAAYAAAAAAAAAAAAAAADwAAACADAAAAAAAAAAAAAAEAAACgMgAAVgcAAKr4//8BAAAAf39/AAEAAABkAAAAAAAAABQAAABAHwAAAAAAACYAAAAAAAAAwOD//wAAAAAmAAAAZAAAABYAAABMAAAAAAAAAAAAAAAEAAAAAAAAAAEAAACAgIAKAAAAACgAAAAoAAAAZAAAAGQAAAAAAAAAzMzMAAAAAABQAAAAUAAAAGQAAABkAAAAAAAAABcAAAAUAAAAAAAAAAAAAAD/fwAA/38AAAAAAAAJAAAABAAAAAAAAAAeAAAAaAAAAAAAAAAAAAAAAAAAAAAAAAAAAAAAECcAABAnAAAAAAAAAAAAAAAAAAAAAAAAAAAAAAAAAAAAAAAAAAAAABQAAAAAAAAAwMD/AAAAAABkAAAAMgAAAAAAAABkAAAAAAAAAH9/fwAKAAAAIgAAABgAAAAAAAAAAAAAAAAAAAAAAAAAAAAAAAAAAAAkAAAAJAAAAAAAAAAHAAAAAAAAAAAAAAAAAAAAAAAAAAAAAAAAAAAAf39/ACUAAABYAAAAAAAAAAAAAAAAAAAAAAAAAAAAAAAAAAAAAAAAAAAAAAAAAAAAAAAAAAAAAAA/AAAAAAAAAKCGAQAAAAAAAAAAAAAAAAAMAAAAAQAAAAAAAAAAAAAAAAAAAB8AAABUAAAAAAAABQAAAAEAAAAAAAAAAAAAAAAAAAAAAAAAAAAAAAAAAAAAAAAAAAAAAAJ/f38AAAAAA8zMzADAwP8Af39/AAAAAAAAAAAAAAAAAAAAAAAAAAAAIQAAABgAAAAUAAAAoRkAABsnAABfMQAAWSkAABAAAAAmAAAACAAAAP//////////"/>
               </a:ext>
             </a:extLst>
           </p:cNvSpPr>
@@ -3002,9 +2981,6 @@
           </a:lstStyle>
           <a:p>
             <a:pPr/>
-            <a:r>
-              <a:t/>
-            </a:r>
           </a:p>
         </p:txBody>
       </p:sp>
@@ -3015,7 +2991,7 @@
             <a:spLocks noGrp="1" noChangeArrowheads="1"/>
             <a:extLst>
               <a:ext uri="smNativeData">
-                <pr:smNativeData xmlns:pr="smNativeData" xmlns="smNativeData" val="SMDATA_15_zA6NYhMAAAAlAAAAZAAAAA8BAAAAkAAAAEgAAACQAAAASAAAAAAAAAABAAAAAAAAAAEAAABQAAAAAAAAAAAA4D8AAAAAAADgPwAAAAAAAOA/AAAAAAAA4D8AAAAAAADgPwAAAAAAAOA/AAAAAAAA4D8AAAAAAADgPwAAAAAAAOA/AAAAAAAA4D8CAAAAjAAAAAAAAAAAAAAAu+DjDP///wgAAAAAAAAAAAAAAAAAAAAAAAAAAAAAAAAAAAAAZAAAAAEAAABAAAAAAAAAAAAAAAAAAAAAAAAAAAAAAAAAAAAAAAAAAAAAAAAAAAAAAAAAAAAAAAAAAAAAAAAAAAAAAAAAAAAAAAAAAAAAAAAAAAAAAAAAAAAAAAAAAAAAFAAAADwAAAAAAAAAAAAAAAAAAAkUAAAAAQAAABQAAAAUAAAAFAAAAAEAAAAAAAAAZAAAAGQAAAAAAAAAZAAAAGQAAAAVAAAAYAAAAAAAAAAAAAAADwAAACADAAAAAAAAAAAAAAEAAACgMgAAVgcAAKr4//8BAAAAf39/AAEAAABkAAAAAAAAABQAAABAHwAAAAAAACYAAAAAAAAAwOD//wAAAAAmAAAAZAAAABYAAABMAAAAAAAAAAAAAAAEAAAAAAAAAAEAAACAgIAKAAAAACgAAAAoAAAAZAAAAGQAAAAAAAAAzMzMAAAAAABQAAAAUAAAAGQAAABkAAAAAAAAABcAAAAUAAAAAAAAAAAAAAD/fwAA/38AAAAAAAAJAAAABAAAAP////8eAAAAaAAAAAAAAAAAAAAAAAAAAAAAAAAAAAAAECcAABAnAAAAAAAAAAAAAAAAAAAAAAAAAAAAAAAAAAAAAAAAAAAAABQAAAAAAAAAwMD/AAAAAABkAAAAMgAAAAAAAABkAAAAAAAAAH9/fwAKAAAAIgAAABgAAAAAAAAAAAAAAAAAAAAAAAAAAAAAAAAAAAAkAAAAJAAAAAAAAAAHAAAAAAAAAAAAAAAAAAAAAAAAAAAAAAAAAAAAf39/ACUAAABYAAAAAAAAAAAAAAAAAAAAAAAAAAAAAAAAAAAAAAAAAAAAAAAAAAAAAAAAAAAAAAA/AAAAAAAAAKCGAQAAAAAAAAAAAAAAAAAMAAAAAQAAAAAAAAAAAAAAAAAAAB8AAABUAAAAAAAABQAAAAEAAAAAAAAAAAAAAAAAAAAAAAAAAAAAAAAAAAAAAAAAAAAAAAJ/f38AAAAAA8zMzADAwP8Af39/AAAAAAAAAAAAAAAAAAAAAAAAAAAAIQAAABgAAAAUAAAAwTUAABsnAABARwAAWSkAABAAAAAmAAAACAAAAP//////////"/>
+                <pr:smNativeData xmlns:pr="smNativeData" xmlns="smNativeData" val="SMDATA_15_eM6NYhMAAAAlAAAAZAAAAA8BAAAAkAAAAEgAAACQAAAASAAAAAAAAAABAAAAAAAAAAEAAABQAAAAAAAAAAAA4D8AAAAAAADgPwAAAAAAAOA/AAAAAAAA4D8AAAAAAADgPwAAAAAAAOA/AAAAAAAA4D8AAAAAAADgPwAAAAAAAOA/AAAAAAAA4D8CAAAAjAAAAAAAAAAAAAAAu+DjDP///wgAAAAAAAAAAAAAAAAAAAAAAAAAAAAAAAAAAAAAZAAAAAEAAABAAAAAAAAAAAAAAAAAAAAAAAAAAAAAAAAAAAAAAAAAAAAAAAAAAAAAAAAAAAAAAAAAAAAAAAAAAAAAAAAAAAAAAAAAAAAAAAAAAAAAAAAAAAAAAAAAAAAAFAAAADwAAAAAAAAAAAAAAAAAAAkUAAAAAQAAABQAAAAUAAAAFAAAAAEAAAAAAAAAZAAAAGQAAAAAAAAAZAAAAGQAAAAVAAAAYAAAAAAAAAAAAAAADwAAACADAAAAAAAAAAAAAAEAAACgMgAAVgcAAKr4//8BAAAAf39/AAEAAABkAAAAAAAAABQAAABAHwAAAAAAACYAAAAAAAAAwOD//wAAAAAmAAAAZAAAABYAAABMAAAAAAAAAAAAAAAEAAAAAAAAAAEAAACAgIAKAAAAACgAAAAoAAAAZAAAAGQAAAAAAAAAzMzMAAAAAABQAAAAUAAAAGQAAABkAAAAAAAAABcAAAAUAAAAAAAAAAAAAAD/fwAA/38AAAAAAAAJAAAABAAAAP////8eAAAAaAAAAAAAAAAAAAAAAAAAAAAAAAAAAAAAECcAABAnAAAAAAAAAAAAAAAAAAAAAAAAAAAAAAAAAAAAAAAAAAAAABQAAAAAAAAAwMD/AAAAAABkAAAAMgAAAAAAAABkAAAAAAAAAH9/fwAKAAAAIgAAABgAAAAAAAAAAAAAAAAAAAAAAAAAAAAAAAAAAAAkAAAAJAAAAAAAAAAHAAAAAAAAAAAAAAAAAAAAAAAAAAAAAAAAAAAAf39/ACUAAABYAAAAAAAAAAAAAAAAAAAAAAAAAAAAAAAAAAAAAAAAAAAAAAAAAAAAAAAAAAAAAAA/AAAAAAAAAKCGAQAAAAAAAAAAAAAAAAAMAAAAAQAAAAAAAAAAAAAAAAAAAB8AAABUAAAAAAAABQAAAAEAAAAAAAAAAAAAAAAAAAAAAAAAAAAAAAAAAAAAAAAAAAAAAAJ/f38AAAAAA8zMzADAwP8Af39/AAAAAAAAAAAAAAAAAAAAAAAAAAAAIQAAABgAAAAUAAAAwTUAABsnAABARwAAWSkAABAAAAAmAAAACAAAAP//////////"/>
               </a:ext>
             </a:extLst>
           </p:cNvSpPr>
@@ -3050,7 +3026,7 @@
           </a:lstStyle>
           <a:p>
             <a:pPr/>
-            <a:fld id="{310E3E1C-52DC-5BC8-92B6-A49D70F864F1}" type="slidenum">
+            <a:fld id="{2E3A62A8-E6C3-6F94-8D82-10C12CCC7B45}" type="slidenum">
               <a:t/>
             </a:fld>
           </a:p>
@@ -3728,7 +3704,7 @@
           <p:cNvSpPr>
             <a:extLst>
               <a:ext uri="smNativeData">
-                <pr:smNativeData xmlns:pr="smNativeData" xmlns="smNativeData" val="SMDATA_15_zA6NYhMAAAAlAAAAZAAAAA8BAAAAkAAAAEgAAACQAAAASAAAAAAAAAABAAAAAAAAAAEAAABQAAAAAAAAAAAA4D8AAAAAAADgPwAAAAAAAOA/AAAAAAAA4D8AAAAAAADgPwAAAAAAAOA/AAAAAAAA4D8AAAAAAADgPwAAAAAAAOA/AAAAAAAA4D8CAAAAjAAAAAEAAAAAAAAAtLTaPf///wgAAAAAAAAAAAAAAAAAAAAAAAAAAAAAAAAAAAAAZAAAAAEAAABAAAAAAAAAAAAAAAAAAAAAAAAAAAAAAAAAAAAAAAAAAAAAAAAAAAAAAAAAAAAAAAAAAAAAAAAAAAAAAAAAAAAAAAAAAAAAAAAAAAAAAAAAAAAAAAAAAAAAFAAAADwAAAABAAAAAAAAAAAAAAlkAAAAAgAAAAIAAAACAAAAAAAAAAEAAAAAAAAAZAAAAGQAAAAAAAAAZAAAAGQAAAAVAAAAYAAAAAAAAAAAAAAADwAAACADAAAAAAAAAAAAAAEAAACgMgAAVgcAAKr4//8BAAAAf39/AAEAAABkAAAAAAAAABQAAABAHwAAAAAAACYAAAAAAAAAwOD//wAAAAAmAAAAZAAAABYAAABMAAAAAAAAAAAAAAAEAAAAAAAAAAEAAACAgIAKAAAAACgAAAAoAAAAZAAAAGQAAAAAAAAAzMzMAAAAAABQAAAAUAAAAGQAAABkAAAAAAAAABcAAAAUAAAAAAAAAAAAAAD/fwAA/38AAAAAAAAJAAAABAAAAMfw+v8eAAAAaAAAAAAAAAAAAAAAAAAAAAAAAAAAAAAAECcAABAnAAAAAAAAAAAAAAAAAAAAAAAAAAAAAAAAAAAAAAAAAAAAABQAAAAAAAAAwMD/AAAAAABkAAAAMgAAAAAAAABkAAAAAAAAAH9/fwAKAAAAIgAAABgAAAAAAAAAAAAAAAAAAAAAAAAAAAAAAAAAAAAkAAAAJAAAAAAAAAAHAAAAAAAAAAAAAAAAAAAAAAAAAAAAAAAAAAAAf39/ACUAAABYAAAAAAAAAAAAAAAAAAAAAAAAAAAAAAAAAAAAAAAAAAAAAAAAAAAAAAAAAAAAAAA/AAAAAAAAAKCGAQAAAAAAAAAAAAAAAAAMAAAAAQAAAAAAAAAAAAAAAAAAAB8AAABUAAAAtLTaNv///wEAAAAAAAAAAAAAAAAAAAAAAAAAAAAAAAAAAAAAAAAAAAAAAAJ/f38AgICAA8zMzADAwP8Af39/AAAAAAAAAAAAAAAAAAAAAAAAAAAAIQAAABgAAAAUAAAAPg0AACgHAABXHwAAExMAABAAAAAmAAAACAAAAP//////////"/>
+                <pr:smNativeData xmlns:pr="smNativeData" xmlns="smNativeData" val="SMDATA_15_eM6NYhMAAAAlAAAAZAAAAA8BAAAAkAAAAEgAAACQAAAASAAAAAAAAAABAAAAAAAAAAEAAABQAAAAAAAAAAAA4D8AAAAAAADgPwAAAAAAAOA/AAAAAAAA4D8AAAAAAADgPwAAAAAAAOA/AAAAAAAA4D8AAAAAAADgPwAAAAAAAOA/AAAAAAAA4D8CAAAAjAAAAAEAAAAAAAAAtLTaPf///wgAAAAAAAAAAAAAAAAAAAAAAAAAAAAAAAAAAAAAZAAAAAEAAABAAAAAAAAAAAAAAAAAAAAAAAAAAAAAAAAAAAAAAAAAAAAAAAAAAAAAAAAAAAAAAAAAAAAAAAAAAAAAAAAAAAAAAAAAAAAAAAAAAAAAAAAAAAAAAAAAAAAAFAAAADwAAAABAAAAAAAAAAAAAAlkAAAAAgAAAAIAAAACAAAAAAAAAAEAAAAAAAAAZAAAAGQAAAAAAAAAZAAAAGQAAAAVAAAAYAAAAAAAAAAAAAAADwAAACADAAAAAAAAAAAAAAEAAACgMgAAVgcAAKr4//8BAAAAf39/AAEAAABkAAAAAAAAABQAAABAHwAAAAAAACYAAAAAAAAAwOD//wAAAAAmAAAAZAAAABYAAABMAAAAAAAAAAAAAAAEAAAAAAAAAAEAAACAgIAKAAAAACgAAAAoAAAAZAAAAGQAAAAAAAAAzMzMAAAAAABQAAAAUAAAAGQAAABkAAAAAAAAABcAAAAUAAAAAAAAAAAAAAD/fwAA/38AAAAAAAAJAAAABAAAAMfw+v8eAAAAaAAAAAAAAAAAAAAAAAAAAAAAAAAAAAAAECcAABAnAAAAAAAAAAAAAAAAAAAAAAAAAAAAAAAAAAAAAAAAAAAAABQAAAAAAAAAwMD/AAAAAABkAAAAMgAAAAAAAABkAAAAAAAAAH9/fwAKAAAAIgAAABgAAAAAAAAAAAAAAAAAAAAAAAAAAAAAAAAAAAAkAAAAJAAAAAAAAAAHAAAAAAAAAAAAAAAAAAAAAAAAAAAAAAAAAAAAf39/ACUAAABYAAAAAAAAAAAAAAAAAAAAAAAAAAAAAAAAAAAAAAAAAAAAAAAAAAAAAAAAAAAAAAA/AAAAAAAAAKCGAQAAAAAAAAAAAAAAAAAMAAAAAQAAAAAAAAAAAAAAAAAAAB8AAABUAAAAtLTaNv///wEAAAAAAAAAAAAAAAAAAAAAAAAAAAAAAAAAAAAAAAAAAAAAAAJ/f38AgICAA8zMzADAwP8Af39/AAAAAAAAAAAAAAAAAAAAAAAAAAAAIQAAABgAAAAUAAAAPg0AACgHAABXHwAAExMAABAAAAAmAAAACAAAAP//////////"/>
               </a:ext>
             </a:extLst>
           </p:cNvSpPr>
@@ -3780,7 +3756,7 @@
           <p:cNvSpPr>
             <a:extLst>
               <a:ext uri="smNativeData">
-                <pr:smNativeData xmlns:pr="smNativeData" xmlns="smNativeData" val="SMDATA_15_zA6NYhMAAAAlAAAAjgIAAA8BAAAAkAAAAEgAAACQAAAASAAAAAAAAAAAAAAAAAAAAAEAAABQAAAAJXUCmggbvj8ldQKaCBvePwAAAAAAAOA/AAAAAAAA4D8AAAAAAADgPwAAAAAAAOA/AAAAAAAA4D8AAAAAAADgPwAAAAAAAOA/AAAAAAAA4D8CAAAAjAAAAAEAAAAAAAAA////CP///wgAAAAAAAAAAAAAAAAAAAAAAAAAAAAAAAAAAAAAZAAAAAEAAABAAAAAAAAAAAAAAAAAAAAAAAAAAAAAAAAAAAAAAAAAAAAAAAAAAAAAAAAAAAAAAAAAAAAAAAAAAAAAAAAAAAAAAAAAAAAAAAAAAAAAAAAAAAAAAAAAAAAAFAAAADwAAAABAAAAAAAAAAAAAAkoAAAAAQAAAAIAAAAAAAAAAAAAAAAAAAAAAAAAZAAAAGQAAAAAAAAAZAAAAGQAAAAVAAAAYAAAAAAAAAAAAAAADwAAACADAAAAAAAAAAAAAAEAAACgMgAAVgcAAKr4//8BAAAAf39/AAEAAABkAAAAAAAAABQAAABAHwAAAAAAACYAAAAAAAAAwOD//wAAAAAmAAAAZAAAABYAAABMAAAAAAAAAAAAAAAEAAAAAAAAAAEAAACAgIAKAAAAACgAAAAoAAAAZAAAAGQAAAAAAAAAzMzMAAAAAABQAAAAUAAAAGQAAABkAAAAAAAAABcAAAAUAAAAAAAAAAAAAAD/fwAA/38AAAAAAAAJAAAABAAAAAAAAEoeAAAAaAAAAAAAAAAAAAAAAAAAAAAAAAAAAAAAECcAABAnAAAAAAAAAAAAAAAAAAAAAAAAAAAAAAAAAAAAAAAAAAAAABQAAAAAAAAAwMD/AAAAAABkAAAAMgAAAAAAAABkAAAAAAAAAH9/fwAKAAAAIgAAABgAAAAAAAAAAAAAAAAAAAAAAAAAAAAAAAAAAAAkAAAAJAAAAAAAAAAHAAAAAAAAAAAAAAAAAAAAAAAAAAAAAAAAAAAAf39/ACUAAABYAAAAAAAAAAAAAAAAAAAAAAAAAAAAAAAAAAAAAAAAAAAAAAAAAAAAAAAAAAAAAAA/AAAAAAAAAKCGAQAAAAAAAAAAAAAAAAAMAAAAAQAAAAAAAAAAAAAAAAAAAB8AAABUAAAA////Af///wEAAAAAAAAAAAAAAAAAAAAAAAAAAAAAAAAAAAAAAAAAAAAAAAJ/f38AgICAA8zMzADAwP8Af39/AAAAAAAAAAAAAAAAAAAAAAAAAAAAIQAAABgAAAAUAAAAIh0AAAoIAAD9IQAAIQsAABAAAAAmAAAACAAAAP//////////"/>
+                <pr:smNativeData xmlns:pr="smNativeData" xmlns="smNativeData" val="SMDATA_15_eM6NYhMAAAAlAAAAjgIAAA8BAAAAkAAAAEgAAACQAAAASAAAAAAAAAAAAAAAAAAAAAEAAABQAAAAJXUCmggbvj8ldQKaCBvePwAAAAAAAOA/AAAAAAAA4D8AAAAAAADgPwAAAAAAAOA/AAAAAAAA4D8AAAAAAADgPwAAAAAAAOA/AAAAAAAA4D8CAAAAjAAAAAEAAAAAAAAA////CP///wgAAAAAAAAAAAAAAAAAAAAAAAAAAAAAAAAAAAAAZAAAAAEAAABAAAAAAAAAAAAAAAAAAAAAAAAAAAAAAAAAAAAAAAAAAAAAAAAAAAAAAAAAAAAAAAAAAAAAAAAAAAAAAAAAAAAAAAAAAAAAAAAAAAAAAAAAAAAAAAAAAAAAFAAAADwAAAABAAAAAAAAAAAAAAkoAAAAAQAAAAIAAAAAAAAAAAAAAAAAAAAAAAAAZAAAAGQAAAAAAAAAZAAAAGQAAAAVAAAAYAAAAAAAAAAAAAAADwAAACADAAAAAAAAAAAAAAEAAACgMgAAVgcAAKr4//8BAAAAf39/AAEAAABkAAAAAAAAABQAAABAHwAAAAAAACYAAAAAAAAAwOD//wAAAAAmAAAAZAAAABYAAABMAAAAAAAAAAAAAAAEAAAAAAAAAAEAAACAgIAKAAAAACgAAAAoAAAAZAAAAGQAAAAAAAAAzMzMAAAAAABQAAAAUAAAAGQAAABkAAAAAAAAABcAAAAUAAAAAAAAAAAAAAD/fwAA/38AAAAAAAAJAAAABAAAAAAAAEoeAAAAaAAAAAAAAAAAAAAAAAAAAAAAAAAAAAAAECcAABAnAAAAAAAAAAAAAAAAAAAAAAAAAAAAAAAAAAAAAAAAAAAAABQAAAAAAAAAwMD/AAAAAABkAAAAMgAAAAAAAABkAAAAAAAAAH9/fwAKAAAAIgAAABgAAAAAAAAAAAAAAAAAAAAAAAAAAAAAAAAAAAAkAAAAJAAAAAAAAAAHAAAAAAAAAAAAAAAAAAAAAAAAAAAAAAAAAAAAf39/ACUAAABYAAAAAAAAAAAAAAAAAAAAAAAAAAAAAAAAAAAAAAAAAAAAAAAAAAAAAAAAAAAAAAA/AAAAAAAAAKCGAQAAAAAAAAAAAAAAAAAMAAAAAQAAAAAAAAAAAAAAAAAAAB8AAABUAAAA////Af///wEAAAAAAAAAAAAAAAAAAAAAAAAAAAAAAAAAAAAAAAAAAAAAAAJ/f38AgICAA8zMzADAwP8Af39/AAAAAAAAAAAAAAAAAAAAAAAAAAAAIQAAABgAAAAUAAAAIh0AAAoIAAD9IQAAIQsAABAAAAAmAAAACAAAAP//////////"/>
               </a:ext>
             </a:extLst>
           </p:cNvSpPr>
@@ -3817,7 +3793,7 @@
           <p:cNvSpPr>
             <a:extLst>
               <a:ext uri="smNativeData">
-                <pr:smNativeData xmlns:pr="smNativeData" xmlns="smNativeData" val="SMDATA_15_zA6NYhMAAAAlAAAAZAAAAA8BAAAAkAAAAEgAAACQAAAASAAAAAAAAAABAAAAAAAAAAEAAABQAAAAAAAAAAAA4D8AAAAAAADgPwAAAAAAAOA/AAAAAAAA4D8AAAAAAADgPwAAAAAAAOA/AAAAAAAA4D8AAAAAAADgPwAAAAAAAOA/AAAAAAAA4D8CAAAAjAAAAAEAAAAAAAAAu+DjDP///wgAAAAAAAAAAAAAAAAAAAAAAAAAAAAAAAAAAAAAZAAAAAEAAABAAAAAAAAAAAAAAAAAAAAAAAAAAAAAAAAAAAAAAAAAAAAAAAAAAAAAAAAAAAAAAAAAAAAAAAAAAAAAAAAAAAAAAAAAAAAAAAAAAAAAAAAAAAAAAAAAAAAAFAAAADwAAAABAAAAAAAAAAAAAAlkAAAAAgAAAAIAAAACAAAAAAAAAAEAAAAAAAAAZAAAAGQAAAAAAAAAZAAAAGQAAAAVAAAAYAAAAAAAAAAAAAAADwAAACADAAAAAAAAAAAAAAEAAACgMgAAVgcAAKr4//8BAAAAf39/AAEAAABkAAAAAAAAABQAAABAHwAAAAAAACYAAAAAAAAAwOD//wAAAAAmAAAAZAAAABYAAABMAAAAAAAAAAAAAAAEAAAAAAAAAAEAAACAgIAKAAAAACgAAAAoAAAAZAAAAGQAAAAAAAAAzMzMAAAAAABQAAAAUAAAAGQAAABkAAAAAAAAABcAAAAUAAAAAAAAAAAAAAD/fwAA/38AAAAAAAAJAAAABAAAAMfw+v8eAAAAaAAAAAAAAAAAAAAAAAAAAAAAAAAAAAAAECcAABAnAAAAAAAAAAAAAAAAAAAAAAAAAAAAAAAAAAAAAAAAAAAAABQAAAAAAAAAwMD/AAAAAABkAAAAMgAAAAAAAABkAAAAAAAAAH9/fwAKAAAAIgAAABgAAAAAAAAAAAAAAAAAAAAAAAAAAAAAAAAAAAAkAAAAJAAAAAAAAAAHAAAAAAAAAAAAAAAAAAAAAAAAAAAAAAAAAAAAf39/ACUAAABYAAAAAAAAAAAAAAAAAAAAAAAAAAAAAAAAAAAAAAAAAAAAAAAAAAAAAAAAAAAAAAA/AAAAAAAAAKCGAQAAAAAAAAAAAAAAAAAMAAAAAQAAAAAAAAAAAAAAAAAAAB8AAABUAAAAu+DjBf///wEAAAAAAAAAAAAAAAAAAAAAAAAAAAAAAAAAAAAAAAAAAAAAAAJ/f38AgICAA8zMzADAwP8Af39/AAAAAAAAAAAAAAAAAAAAAAAAAAAAIQAAABgAAAAUAAAAdy0AACgHAACAOAAAwQ4AABAAAAAmAAAACAAAAP//////////"/>
+                <pr:smNativeData xmlns:pr="smNativeData" xmlns="smNativeData" val="SMDATA_15_eM6NYhMAAAAlAAAAZAAAAA8BAAAAkAAAAEgAAACQAAAASAAAAAAAAAABAAAAAAAAAAEAAABQAAAAAAAAAAAA4D8AAAAAAADgPwAAAAAAAOA/AAAAAAAA4D8AAAAAAADgPwAAAAAAAOA/AAAAAAAA4D8AAAAAAADgPwAAAAAAAOA/AAAAAAAA4D8CAAAAjAAAAAEAAAAAAAAAu+DjDP///wgAAAAAAAAAAAAAAAAAAAAAAAAAAAAAAAAAAAAAZAAAAAEAAABAAAAAAAAAAAAAAAAAAAAAAAAAAAAAAAAAAAAAAAAAAAAAAAAAAAAAAAAAAAAAAAAAAAAAAAAAAAAAAAAAAAAAAAAAAAAAAAAAAAAAAAAAAAAAAAAAAAAAFAAAADwAAAABAAAAAAAAAAAAAAlkAAAAAgAAAAIAAAACAAAAAAAAAAEAAAAAAAAAZAAAAGQAAAAAAAAAZAAAAGQAAAAVAAAAYAAAAAAAAAAAAAAADwAAACADAAAAAAAAAAAAAAEAAACgMgAAVgcAAKr4//8BAAAAf39/AAEAAABkAAAAAAAAABQAAABAHwAAAAAAACYAAAAAAAAAwOD//wAAAAAmAAAAZAAAABYAAABMAAAAAAAAAAAAAAAEAAAAAAAAAAEAAACAgIAKAAAAACgAAAAoAAAAZAAAAGQAAAAAAAAAzMzMAAAAAABQAAAAUAAAAGQAAABkAAAAAAAAABcAAAAUAAAAAAAAAAAAAAD/fwAA/38AAAAAAAAJAAAABAAAAMfw+v8eAAAAaAAAAAAAAAAAAAAAAAAAAAAAAAAAAAAAECcAABAnAAAAAAAAAAAAAAAAAAAAAAAAAAAAAAAAAAAAAAAAAAAAABQAAAAAAAAAwMD/AAAAAABkAAAAMgAAAAAAAABkAAAAAAAAAH9/fwAKAAAAIgAAABgAAAAAAAAAAAAAAAAAAAAAAAAAAAAAAAAAAAAkAAAAJAAAAAAAAAAHAAAAAAAAAAAAAAAAAAAAAAAAAAAAAAAAAAAAf39/ACUAAABYAAAAAAAAAAAAAAAAAAAAAAAAAAAAAAAAAAAAAAAAAAAAAAAAAAAAAAAAAAAAAAA/AAAAAAAAAKCGAQAAAAAAAAAAAAAAAAAMAAAAAQAAAAAAAAAAAAAAAAAAAB8AAABUAAAAu+DjBf///wEAAAAAAAAAAAAAAAAAAAAAAAAAAAAAAAAAAAAAAAAAAAAAAAJ/f38AgICAA8zMzADAwP8Af39/AAAAAAAAAAAAAAAAAAAAAAAAAAAAIQAAABgAAAAUAAAAdy0AACgHAACAOAAAwQ4AABAAAAAmAAAACAAAAP//////////"/>
               </a:ext>
             </a:extLst>
           </p:cNvSpPr>
@@ -3867,7 +3843,7 @@
           <p:cNvSpPr>
             <a:extLst>
               <a:ext uri="smNativeData">
-                <pr:smNativeData xmlns:pr="smNativeData" xmlns="smNativeData" val="SMDATA_15_zA6NYhMAAAAlAAAACgAAAA8BAAAAkAAAAEgAAACQAAAASAAAAAAAAAAAAAAAAAAAAAEAAABQAAAAAAAAAAAA4D8AAAAAAADgPwAAAAAAAOA/AAAAAAAA4D8AAAAAAADgPwAAAAAAAOA/AAAAAAAA4D8AAAAAAADgPwAAAAAAAOA/AAAAAAAA4D8CAAAAjAAAAAAAAAAAAAAAu+DjDP///wgAAAAAAAAAAAAAAAAAAAAAAAAAAAAAAAAAAAAAZAAAAAEAAABAAAAAAAAAAAAAAAAAAAAAAAAAAAAAAAAAAAAAAAAAAAAAAAAAAAAAAAAAAAAAAAAAAAAAAAAAAAAAAAAAAAAAAAAAAAAAAAAAAAAAAAAAAAAAAAAAAAAAFAAAADwAAAABAAAAAAAAAAAAAAk8AAAAAQAAAAMAAAAAAAAAAAAAAAAAAAAAAAAAZAAAAGQAAAABAAAAlgAAAJYAAAAVAAAAYAAAAAAAAAAAAAAADwAAACADAAAAAAAAAAAAAAEAAACgMgAAVgcAAKr4//8BAAAAf39/AAEAAABkAAAAAAAAABQAAABAHwAAAAAAACYAAAAAAAAAwOD//wAAAAAmAAAAZAAAABYAAABMAAAAAAAAAAAAAAAEAAAAAAAAAAEAAACAgIAKAAAAACgAAAAoAAAAZAAAAGQAAAAAAAAAzMzMAAAAAABQAAAAUAAAAGQAAABkAAAAAAAAABcAAAAUAAAAAAAAAAAAAAD/fwAA/38AAAAAAAAJAAAABAAAAGoEAAAeAAAAaAAAAAAAAAAAAAAAAAAAAAAAAAAAAAAAECcAABAnAAAAAAAAAAAAAAAAAAAAAAAAAAAAAAAAAAAAAAAAAAAAABQAAAAAAAAAwMD/AAAAAABkAAAAMgAAAAAAAABkAAAAAAAAAH9/fwAKAAAAIgAAABgAAAAAAAAAAAAAAAAAAAAAAAAAAAAAAAAAAAAkAAAAJAAAAAAAAAAHAAAAAAAAAAAAAAAAAAAAAAAAAAAAAAAAAAAAf39/ACUAAABYAAAAAAAAAAAAAAAAAAAAAAAAAAAAAAAAAAAAAAAAAAAAAAAAAAAAAAAAAAAAAAA/AAAAAAAAAKCGAQAAAAAAAAAAAAAAAAAMAAAAAQAAAAAAAAAAAAAAAAAAAB8AAABUAAAAu+DjBf///wEAAAAAAAAAAAAAAAAAAAAAAAAAAAAAAAAAAAAAAAAAAAAAAAJ/f38AgICAA8zMzADAwP8Af39/AAAAAAAAAAAAAAAAAAAAAAAAAAAAIQAAABgAAAAUAAAAjCEAAMYIAAAGLQAAyAgAABAAAAAmAAAACAAAAP//////////"/>
+                <pr:smNativeData xmlns:pr="smNativeData" xmlns="smNativeData" val="SMDATA_15_eM6NYhMAAAAlAAAACgAAAA8BAAAAkAAAAEgAAACQAAAASAAAAAAAAAAAAAAAAAAAAAEAAABQAAAAAAAAAAAA4D8AAAAAAADgPwAAAAAAAOA/AAAAAAAA4D8AAAAAAADgPwAAAAAAAOA/AAAAAAAA4D8AAAAAAADgPwAAAAAAAOA/AAAAAAAA4D8CAAAAjAAAAAAAAAAAAAAAu+DjDP///wgAAAAAAAAAAAAAAAAAAAAAAAAAAAAAAAAAAAAAZAAAAAEAAABAAAAAAAAAAAAAAAAAAAAAAAAAAAAAAAAAAAAAAAAAAAAAAAAAAAAAAAAAAAAAAAAAAAAAAAAAAAAAAAAAAAAAAAAAAAAAAAAAAAAAAAAAAAAAAAAAAAAAFAAAADwAAAABAAAAAAAAAAAAAAk8AAAAAQAAAAMAAAAAAAAAAAAAAAAAAAAAAAAAZAAAAGQAAAABAAAAlgAAAJYAAAAVAAAAYAAAAAAAAAAAAAAADwAAACADAAAAAAAAAAAAAAEAAACgMgAAVgcAAKr4//8BAAAAf39/AAEAAABkAAAAAAAAABQAAABAHwAAAAAAACYAAAAAAAAAwOD//wAAAAAmAAAAZAAAABYAAABMAAAAAAAAAAAAAAAEAAAAAAAAAAEAAACAgIAKAAAAACgAAAAoAAAAZAAAAGQAAAAAAAAAzMzMAAAAAABQAAAAUAAAAGQAAABkAAAAAAAAABcAAAAUAAAAAAAAAAAAAAD/fwAA/38AAAAAAAAJAAAABAAAAGoEAAAeAAAAaAAAAAAAAAAAAAAAAAAAAAAAAAAAAAAAECcAABAnAAAAAAAAAAAAAAAAAAAAAAAAAAAAAAAAAAAAAAAAAAAAABQAAAAAAAAAwMD/AAAAAABkAAAAMgAAAAAAAABkAAAAAAAAAH9/fwAKAAAAIgAAABgAAAAAAAAAAAAAAAAAAAAAAAAAAAAAAAAAAAAkAAAAJAAAAAAAAAAHAAAAAAAAAAAAAAAAAAAAAAAAAAAAAAAAAAAAf39/ACUAAABYAAAAAAAAAAAAAAAAAAAAAAAAAAAAAAAAAAAAAAAAAAAAAAAAAAAAAAAAAAAAAAA/AAAAAAAAAKCGAQAAAAAAAAAAAAAAAAAMAAAAAQAAAAAAAAAAAAAAAAAAAB8AAABUAAAAu+DjBf///wEAAAAAAAAAAAAAAAAAAAAAAAAAAAAAAAAAAAAAAAAAAAAAAAJ/f38AgICAA8zMzADAwP8Af39/AAAAAAAAAAAAAAAAAAAAAAAAAAAAIQAAABgAAAAUAAAAjCEAAMYIAAAGLQAAyAgAABAAAAAmAAAACAAAAP//////////"/>
               </a:ext>
             </a:extLst>
           </p:cNvSpPr>
@@ -3899,7 +3875,7 @@
           <p:cNvSpPr>
             <a:extLst>
               <a:ext uri="smNativeData">
-                <pr:smNativeData xmlns:pr="smNativeData" xmlns="smNativeData" val="SMDATA_15_zA6NYhMAAAAlAAAACgAAAA8BAAAAkAAAAEgAAACQAAAASAAAAAAAAAAAAAAAAAAAAAEAAABQAAAAAAAAAAAA4D8AAAAAAADgPwAAAAAAAOA/AAAAAAAA4D8AAAAAAADgPwAAAAAAAOA/AAAAAAAA4D8AAAAAAADgPwAAAAAAAOA/AAAAAAAA4D8CAAAAjAAAAAAAAAAAAAAAu+DjDP///wgAAAAAAAAAAAAAAAAAAAAAAAAAAAAAAAAAAAAAZAAAAAEAAABAAAAAAAAAAAAAAAAAAAAAAAAAAAAAAAAAAAAAAAAAAAAAAAAAAAAAAAAAAAAAAAAAAAAAAAAAAAAAAAAAAAAAAAAAAAAAAAAAAAAAAAAAAAAAAAAAAAAAFAAAADwAAAABAAAAAAAAAAAAAAk8AAAAAQAAAAMAAAAAAAAAAAAAAAAAAAAAAAAAZAAAAGQAAAABAAAAlgAAAJYAAAAVAAAAYAAAAAAAAAAAAAAADwAAACADAAAAAAAAAAAAAAEAAACgMgAAVgcAAKr4//8BAAAAf39/AAEAAABkAAAAAAAAABQAAABAHwAAAAAAACYAAAAAAAAAwOD//wAAAAAmAAAAZAAAABYAAABMAAAAAAAAAAAAAAAEAAAAAAAAAAEAAACAgIAKAAAAACgAAAAoAAAAZAAAAGQAAAAAAAAAzMzMAAAAAABQAAAAUAAAAGQAAABkAAAAAAAAABcAAAAUAAAAAAAAAAAAAAD/fwAA/38AAAAAAAAJAAAABAAAAMwAAAAeAAAAaAAAAAAAAAAAAAAAAAAAAAAAAAAAAAAAECcAABAnAAAAAAAAAAAAAAAAAAAAAAAAAAAAAAAAAAAAAAAAAAAAABQAAAAAAAAAwMD/AAAAAABkAAAAMgAAAAAAAABkAAAAAAAAAH9/fwAKAAAAIgAAABgAAAAAAAAAAAAAAAAAAAAAAAAAAAAAAAAAAAAkAAAAJAAAAAAAAAAHAAAAAAAAAAAAAAAAAAAAAAAAAAAAAAAAAAAAf39/ACUAAABYAAAAAAAAAAAAAAAAAAAAAAAAAAAAAAAAAAAAAAAAAAAAAAAAAAAAAAAAAAAAAAA/AAAAAAAAAKCGAQAAAAAAAAAAAAAAAAAMAAAAAQAAAAAAAAAAAAAAAAAAAB8AAABUAAAAu+DjBf///wEAAAAAAAAAAAAAAAAAAAAAAAAAAAAAAAAAAAAAAAAAAAAAAAJ/f38AgICAA8zMzADAwP8Af39/AAAAAAAAAAAAAAAAAAAAAAAAAAAAIQAAABgAAAAUAAAAuyEAAM4JAAAGLQAA2QkAABAAAAAmAAAACAAAAP//////////"/>
+                <pr:smNativeData xmlns:pr="smNativeData" xmlns="smNativeData" val="SMDATA_15_eM6NYhMAAAAlAAAACgAAAA8BAAAAkAAAAEgAAACQAAAASAAAAAAAAAAAAAAAAAAAAAEAAABQAAAAAAAAAAAA4D8AAAAAAADgPwAAAAAAAOA/AAAAAAAA4D8AAAAAAADgPwAAAAAAAOA/AAAAAAAA4D8AAAAAAADgPwAAAAAAAOA/AAAAAAAA4D8CAAAAjAAAAAAAAAAAAAAAu+DjDP///wgAAAAAAAAAAAAAAAAAAAAAAAAAAAAAAAAAAAAAZAAAAAEAAABAAAAAAAAAAAAAAAAAAAAAAAAAAAAAAAAAAAAAAAAAAAAAAAAAAAAAAAAAAAAAAAAAAAAAAAAAAAAAAAAAAAAAAAAAAAAAAAAAAAAAAAAAAAAAAAAAAAAAFAAAADwAAAABAAAAAAAAAAAAAAk8AAAAAQAAAAMAAAAAAAAAAAAAAAAAAAAAAAAAZAAAAGQAAAABAAAAlgAAAJYAAAAVAAAAYAAAAAAAAAAAAAAADwAAACADAAAAAAAAAAAAAAEAAACgMgAAVgcAAKr4//8BAAAAf39/AAEAAABkAAAAAAAAABQAAABAHwAAAAAAACYAAAAAAAAAwOD//wAAAAAmAAAAZAAAABYAAABMAAAAAAAAAAAAAAAEAAAAAAAAAAEAAACAgIAKAAAAACgAAAAoAAAAZAAAAGQAAAAAAAAAzMzMAAAAAABQAAAAUAAAAGQAAABkAAAAAAAAABcAAAAUAAAAAAAAAAAAAAD/fwAA/38AAAAAAAAJAAAABAAAAMwAAAAeAAAAaAAAAAAAAAAAAAAAAAAAAAAAAAAAAAAAECcAABAnAAAAAAAAAAAAAAAAAAAAAAAAAAAAAAAAAAAAAAAAAAAAABQAAAAAAAAAwMD/AAAAAABkAAAAMgAAAAAAAABkAAAAAAAAAH9/fwAKAAAAIgAAABgAAAAAAAAAAAAAAAAAAAAAAAAAAAAAAAAAAAAkAAAAJAAAAAAAAAAHAAAAAAAAAAAAAAAAAAAAAAAAAAAAAAAAAAAAf39/ACUAAABYAAAAAAAAAAAAAAAAAAAAAAAAAAAAAAAAAAAAAAAAAAAAAAAAAAAAAAAAAAAAAAA/AAAAAAAAAKCGAQAAAAAAAAAAAAAAAAAMAAAAAQAAAAAAAAAAAAAAAAAAAB8AAABUAAAAu+DjBf///wEAAAAAAAAAAAAAAAAAAAAAAAAAAAAAAAAAAAAAAAAAAAAAAAJ/f38AgICAA8zMzADAwP8Af39/AAAAAAAAAAAAAAAAAAAAAAAAAAAAIQAAABgAAAAUAAAAuyEAAM4JAAAGLQAA2QkAABAAAAAmAAAACAAAAP//////////"/>
               </a:ext>
             </a:extLst>
           </p:cNvSpPr>
@@ -3931,7 +3907,7 @@
           <p:cNvSpPr>
             <a:extLst>
               <a:ext uri="smNativeData">
-                <pr:smNativeData xmlns:pr="smNativeData" xmlns="smNativeData" val="SMDATA_15_zA6NYhMAAAAlAAAACgAAAA8BAAAAkAAAAEgAAACQAAAASAAAAAAAAAAAAAAAAAAAAAEAAABQAAAAAAAAAAAA4D8AAAAAAADgPwAAAAAAAOA/AAAAAAAA4D8AAAAAAADgPwAAAAAAAOA/AAAAAAAA4D8AAAAAAADgPwAAAAAAAOA/AAAAAAAA4D8CAAAAjAAAAAAAAAAAAAAAu+DjDP///wgAAAAAAAAAAAAAAAAAAAAAAAAAAAAAAAAAAAAAZAAAAAEAAABAAAAAAAAAAAAAAAAAAAAAAAAAAAAAAAAAAAAAAAAAAAAAAAAAAAAAAAAAAAAAAAAAAAAAAAAAAAAAAAAAAAAAAAAAAAAAAAAAAAAAAAAAAAAAAAAAAAAAFAAAADwAAAABAAAAAAAAAAAAAAk8AAAAAQAAAAMAAAAAAAAAAAAAAAAAAAAAAAAAZAAAAGQAAAABAAAAlgAAAJYAAAAVAAAAYAAAAAAAAAAAAAAADwAAACADAAAAAAAAAAAAAAEAAACgMgAAVgcAAKr4//8BAAAAf39/AAEAAABkAAAAAAAAABQAAABAHwAAAAAAACYAAAAAAAAAwOD//wAAAAAmAAAAZAAAABYAAABMAAAAAAAAAAAAAAAEAAAAAAAAAAEAAACAgIAKAAAAACgAAAAoAAAAZAAAAGQAAAAAAAAAzMzMAAAAAABQAAAAUAAAAGQAAABkAAAAAAAAABcAAAAUAAAAAAAAAAAAAAD/fwAA/38AAAAAAAAJAAAABAAAAKD///8eAAAAaAAAAAAAAAAAAAAAAAAAAAAAAAAAAAAAECcAABAnAAAAAAAAAAAAAAAAAAAAAAAAAAAAAAAAAAAAAAAAAAAAABQAAAAAAAAAwMD/AAAAAABkAAAAMgAAAAAAAABkAAAAAAAAAH9/fwAKAAAAIgAAABgAAAAAAAAAAAAAAAAAAAAAAAAAAAAAAAAAAAAkAAAAJAAAAAAAAAAHAAAAAAAAAAAAAAAAAAAAAAAAAAAAAAAAAAAAf39/ACUAAABYAAAAAAAAAAAAAAAAAAAAAAAAAAAAAAAAAAAAAAAAAAAAAAAAAAAAAAAAAAAAAAA/AAAAAAAAAKCGAQAAAAAAAAAAAAAAAAAMAAAAAQAAAAAAAAAAAAAAAAAAAB8AAABUAAAAu+DjBf///wEAAAAAAAAAAAAAAAAAAAAAAAAAAAAAAAAAAAAAAAAAAAAAAAJ/f38AgICAA8zMzADAwP8Af39/AAAAAAAAAAAAAAAAAAAAAAAAAAAAIQAAABgAAAAUAAAAGRIAAPUTAABOFAAAdhsAABAAAAAmAAAACAAAAP//////////"/>
+                <pr:smNativeData xmlns:pr="smNativeData" xmlns="smNativeData" val="SMDATA_15_eM6NYhMAAAAlAAAACgAAAA8BAAAAkAAAAEgAAACQAAAASAAAAAAAAAAAAAAAAAAAAAEAAABQAAAAAAAAAAAA4D8AAAAAAADgPwAAAAAAAOA/AAAAAAAA4D8AAAAAAADgPwAAAAAAAOA/AAAAAAAA4D8AAAAAAADgPwAAAAAAAOA/AAAAAAAA4D8CAAAAjAAAAAAAAAAAAAAAu+DjDP///wgAAAAAAAAAAAAAAAAAAAAAAAAAAAAAAAAAAAAAZAAAAAEAAABAAAAAAAAAAAAAAAAAAAAAAAAAAAAAAAAAAAAAAAAAAAAAAAAAAAAAAAAAAAAAAAAAAAAAAAAAAAAAAAAAAAAAAAAAAAAAAAAAAAAAAAAAAAAAAAAAAAAAFAAAADwAAAABAAAAAAAAAAAAAAk8AAAAAQAAAAMAAAAAAAAAAAAAAAAAAAAAAAAAZAAAAGQAAAABAAAAlgAAAJYAAAAVAAAAYAAAAAAAAAAAAAAADwAAACADAAAAAAAAAAAAAAEAAACgMgAAVgcAAKr4//8BAAAAf39/AAEAAABkAAAAAAAAABQAAABAHwAAAAAAACYAAAAAAAAAwOD//wAAAAAmAAAAZAAAABYAAABMAAAAAAAAAAAAAAAEAAAAAAAAAAEAAACAgIAKAAAAACgAAAAoAAAAZAAAAGQAAAAAAAAAzMzMAAAAAABQAAAAUAAAAGQAAABkAAAAAAAAABcAAAAUAAAAAAAAAAAAAAD/fwAA/38AAAAAAAAJAAAABAAAAKD///8eAAAAaAAAAAAAAAAAAAAAAAAAAAAAAAAAAAAAECcAABAnAAAAAAAAAAAAAAAAAAAAAAAAAAAAAAAAAAAAAAAAAAAAABQAAAAAAAAAwMD/AAAAAABkAAAAMgAAAAAAAABkAAAAAAAAAH9/fwAKAAAAIgAAABgAAAAAAAAAAAAAAAAAAAAAAAAAAAAAAAAAAAAkAAAAJAAAAAAAAAAHAAAAAAAAAAAAAAAAAAAAAAAAAAAAAAAAAAAAf39/ACUAAABYAAAAAAAAAAAAAAAAAAAAAAAAAAAAAAAAAAAAAAAAAAAAAAAAAAAAAAAAAAAAAAA/AAAAAAAAAKCGAQAAAAAAAAAAAAAAAAAMAAAAAQAAAAAAAAAAAAAAAAAAAB8AAABUAAAAu+DjBf///wEAAAAAAAAAAAAAAAAAAAAAAAAAAAAAAAAAAAAAAAAAAAAAAAJ/f38AgICAA8zMzADAwP8Af39/AAAAAAAAAAAAAAAAAAAAAAAAAAAAIQAAABgAAAAUAAAAGRIAAPUTAABOFAAAdhsAABAAAAAmAAAACAAAAP//////////"/>
               </a:ext>
             </a:extLst>
           </p:cNvSpPr>
@@ -3963,7 +3939,7 @@
           <p:cNvSpPr>
             <a:extLst>
               <a:ext uri="smNativeData">
-                <pr:smNativeData xmlns:pr="smNativeData" xmlns="smNativeData" val="SMDATA_15_zA6NYhMAAAAlAAAAZAAAAA8BAAAAkAAAAEgAAACQAAAASAAAAAAAAAABAAAAAAAAAAEAAABQAAAAAAAAAAAA4D8AAAAAAADgPwAAAAAAAOA/AAAAAAAA4D8AAAAAAADgPwAAAAAAAOA/AAAAAAAA4D8AAAAAAADgPwAAAAAAAOA/AAAAAAAA4D8CAAAAjAAAAAEAAAAAAAAAAJmZDv///wgAAAAAAAAAAAAAAAAAAAAAAAAAAAAAAAAAAAAAZAAAAAEAAABAAAAAAAAAAAAAAAAAAAAAAAAAAAAAAAAAAAAAAAAAAAAAAAAAAAAAAAAAAAAAAAAAAAAAAAAAAAAAAAAAAAAAAAAAAAAAAAAAAAAAAAAAAAAAAAAAAAAAFAAAADwAAAABAAAAAAAAAAAAAAlkAAAAAgAAAAIAAAACAAAAAAAAAAEAAAAAAAAAZAAAAGQAAAAAAAAAZAAAAGQAAAAVAAAAYAAAAAAAAAAAAAAADwAAACADAAAAAAAAAAAAAAEAAACgMgAAVgcAAKr4//8BAAAAf39/AAEAAABkAAAAAAAAABQAAABAHwAAAAAAACYAAAAAAAAAwOD//wAAAAAmAAAAZAAAABYAAABMAAAAAAAAAAAAAAAEAAAAAAAAAAEAAACAgIAKAAAAACgAAAAoAAAAZAAAAGQAAAAAAAAAzMzMAAAAAABQAAAAUAAAAGQAAABkAAAAAAAAABcAAAAUAAAAAAAAAAAAAAD/fwAA/38AAAAAAAAJAAAABAAAAP////8eAAAAaAAAAAAAAAAAAAAAAAAAAAAAAAAAAAAAECcAABAnAAAAAAAAAAAAAAAAAAAAAAAAAAAAAAAAAAAAAAAAAAAAABQAAAAAAAAAwMD/AAAAAABkAAAAMgAAAAAAAABkAAAAAAAAAH9/fwAKAAAAIgAAABgAAAAAAAAAAAAAAAAAAAAAAAAAAAAAAAAAAAAkAAAAJAAAAAAAAAAHAAAAAAAAAAAAAAAAAAAAAAAAAAAAAAAAAAAAf39/ACUAAABYAAAAAAAAAAAAAAAAAAAAAAAAAAAAAAAAAAAAAAAAAAAAAAAAAAAAAAAAAAAAAAA/AAAAAAAAAKCGAQAAAAAAAAAAAAAAAAAMAAAAAQAAAAAAAAAAAAAAAAAAAB8AAABUAAAAAJmZB////wEAAAAAAAAAAAAAAAAAAAAAAAAAAAAAAAAAAAAAAAAAAAAAAAJ/f38AgICAA8zMzADAwP8Af39/AAAAAAAAAAAAAAAAAAAAAAAAAAAAIQAAABgAAAAUAAAAcw8AAEAcAAB1HgAAFCUAABAAAAAmAAAACAAAAP//////////"/>
+                <pr:smNativeData xmlns:pr="smNativeData" xmlns="smNativeData" val="SMDATA_15_eM6NYhMAAAAlAAAAZAAAAA8BAAAAkAAAAEgAAACQAAAASAAAAAAAAAABAAAAAAAAAAEAAABQAAAAAAAAAAAA4D8AAAAAAADgPwAAAAAAAOA/AAAAAAAA4D8AAAAAAADgPwAAAAAAAOA/AAAAAAAA4D8AAAAAAADgPwAAAAAAAOA/AAAAAAAA4D8CAAAAjAAAAAEAAAAAAAAAAJmZDv///wgAAAAAAAAAAAAAAAAAAAAAAAAAAAAAAAAAAAAAZAAAAAEAAABAAAAAAAAAAAAAAAAAAAAAAAAAAAAAAAAAAAAAAAAAAAAAAAAAAAAAAAAAAAAAAAAAAAAAAAAAAAAAAAAAAAAAAAAAAAAAAAAAAAAAAAAAAAAAAAAAAAAAFAAAADwAAAABAAAAAAAAAAAAAAlkAAAAAgAAAAIAAAACAAAAAAAAAAEAAAAAAAAAZAAAAGQAAAAAAAAAZAAAAGQAAAAVAAAAYAAAAAAAAAAAAAAADwAAACADAAAAAAAAAAAAAAEAAACgMgAAVgcAAKr4//8BAAAAf39/AAEAAABkAAAAAAAAABQAAABAHwAAAAAAACYAAAAAAAAAwOD//wAAAAAmAAAAZAAAABYAAABMAAAAAAAAAAAAAAAEAAAAAAAAAAEAAACAgIAKAAAAACgAAAAoAAAAZAAAAGQAAAAAAAAAzMzMAAAAAABQAAAAUAAAAGQAAABkAAAAAAAAABcAAAAUAAAAAAAAAAAAAAD/fwAA/38AAAAAAAAJAAAABAAAAP////8eAAAAaAAAAAAAAAAAAAAAAAAAAAAAAAAAAAAAECcAABAnAAAAAAAAAAAAAAAAAAAAAAAAAAAAAAAAAAAAAAAAAAAAABQAAAAAAAAAwMD/AAAAAABkAAAAMgAAAAAAAABkAAAAAAAAAH9/fwAKAAAAIgAAABgAAAAAAAAAAAAAAAAAAAAAAAAAAAAAAAAAAAAkAAAAJAAAAAAAAAAHAAAAAAAAAAAAAAAAAAAAAAAAAAAAAAAAAAAAf39/ACUAAABYAAAAAAAAAAAAAAAAAAAAAAAAAAAAAAAAAAAAAAAAAAAAAAAAAAAAAAAAAAAAAAA/AAAAAAAAAKCGAQAAAAAAAAAAAAAAAAAMAAAAAQAAAAAAAAAAAAAAAAAAAB8AAABUAAAAAJmZB////wEAAAAAAAAAAAAAAAAAAAAAAAAAAAAAAAAAAAAAAAAAAAAAAAJ/f38AgICAA8zMzADAwP8Af39/AAAAAAAAAAAAAAAAAAAAAAAAAAAAIQAAABgAAAAUAAAAcw8AAEAcAAB1HgAAFCUAABAAAAAmAAAACAAAAP//////////"/>
               </a:ext>
             </a:extLst>
           </p:cNvSpPr>
@@ -4013,7 +3989,7 @@
           <p:cNvSpPr>
             <a:extLst>
               <a:ext uri="smNativeData">
-                <pr:smNativeData xmlns:pr="smNativeData" xmlns="smNativeData" val="SMDATA_15_zA6NYhMAAAAlAAAACgAAAA8BAAAAkAAAAEgAAACQAAAASAAAAAAAAAAAAAAAAAAAAAEAAABQAAAAAAAAAAAA4D8AAAAAAADgPwAAAAAAAOA/AAAAAAAA4D8AAAAAAADgPwAAAAAAAOA/AAAAAAAA4D8AAAAAAADgPwAAAAAAAOA/AAAAAAAA4D8CAAAAjAAAAAAAAAAAAAAAu+DjDP///wgAAAAAAAAAAAAAAAAAAAAAAAAAAAAAAAAAAAAAZAAAAAEAAABAAAAAAAAAAAAAAAAAAAAAAAAAAAAAAAAAAAAAAAAAAAAAAAAAAAAAAAAAAAAAAAAAAAAAAAAAAAAAAAAAAAAAAAAAAAAAAAAAAAAAAAAAAAAAAAAAAAAAFAAAADwAAAABAAAAAAAAAAAAAAk8AAAAAQAAAAMAAAAAAAAAAAAAAAAAAAAAAAAAZAAAAGQAAAABAAAAlgAAAJYAAAAVAAAAYAAAAAAAAAAAAAAADwAAACADAAAAAAAAAAAAAAEAAACgMgAAVgcAAKr4//8BAAAAf39/AAEAAABkAAAAAAAAABQAAABAHwAAAAAAACYAAAAAAAAAwOD//wAAAAAmAAAAZAAAABYAAABMAAAAAAAAAAAAAAAEAAAAAAAAAAEAAACAgIAKAAAAACgAAAAoAAAAZAAAAGQAAAAAAAAAzMzMAAAAAABQAAAAUAAAAGQAAABkAAAAAAAAABcAAAAUAAAAAAAAAAAAAAD/fwAA/38AAAAAAAAJAAAABAAAAAAAAAAeAAAAaAAAAAAAAAAAAAAAAAAAAAAAAAAAAAAAECcAABAnAAAAAAAAAAAAAAAAAAAAAAAAAAAAAAAAAAAAAAAAAAAAABQAAAAAAAAAwMD/AAAAAABkAAAAMgAAAAAAAABkAAAAAAAAAH9/fwAKAAAAIgAAABgAAAAAAAAAAAAAAAAAAAAAAAAAAAAAAAAAAAAkAAAAJAAAAAAAAAAHAAAAAAAAAAAAAAAAAAAAAAAAAAAAAAAAAAAAf39/ACUAAABYAAAAAAAAAAAAAAAAAAAAAAAAAAAAAAAAAAAAAAAAAAAAAAAAAAAAAAAAAAAAAAA/AAAAAAAAAKCGAQAAAAAAAAAAAAAAAAAMAAAAAQAAAAAAAAAAAAAAAAAAAB8AAABUAAAAu+DjBf///wEAAAAAAAAAAAAAAAAAAAAAAAAAAAAAAAAAAAAAAAAAAAAAAAJ/f38AgICAA8zMzADAwP8Af39/AAAAAAAAAAAAAAAAAAAAAAAAAAAAIQAAABgAAAAUAAAACxoAAHoLAACTHQAAfBoAABAAAAAmAAAACAAAAP//////////"/>
+                <pr:smNativeData xmlns:pr="smNativeData" xmlns="smNativeData" val="SMDATA_15_eM6NYhMAAAAlAAAACgAAAA8BAAAAkAAAAEgAAACQAAAASAAAAAAAAAAAAAAAAAAAAAEAAABQAAAAAAAAAAAA4D8AAAAAAADgPwAAAAAAAOA/AAAAAAAA4D8AAAAAAADgPwAAAAAAAOA/AAAAAAAA4D8AAAAAAADgPwAAAAAAAOA/AAAAAAAA4D8CAAAAjAAAAAAAAAAAAAAAu+DjDP///wgAAAAAAAAAAAAAAAAAAAAAAAAAAAAAAAAAAAAAZAAAAAEAAABAAAAAAAAAAAAAAAAAAAAAAAAAAAAAAAAAAAAAAAAAAAAAAAAAAAAAAAAAAAAAAAAAAAAAAAAAAAAAAAAAAAAAAAAAAAAAAAAAAAAAAAAAAAAAAAAAAAAAFAAAADwAAAABAAAAAAAAAAAAAAk8AAAAAQAAAAMAAAAAAAAAAAAAAAAAAAAAAAAAZAAAAGQAAAABAAAAlgAAAJYAAAAVAAAAYAAAAAAAAAAAAAAADwAAACADAAAAAAAAAAAAAAEAAACgMgAAVgcAAKr4//8BAAAAf39/AAEAAABkAAAAAAAAABQAAABAHwAAAAAAACYAAAAAAAAAwOD//wAAAAAmAAAAZAAAABYAAABMAAAAAAAAAAAAAAAEAAAAAAAAAAEAAACAgIAKAAAAACgAAAAoAAAAZAAAAGQAAAAAAAAAzMzMAAAAAABQAAAAUAAAAGQAAABkAAAAAAAAABcAAAAUAAAAAAAAAAAAAAD/fwAA/38AAAAAAAAJAAAABAAAAAAAAAAeAAAAaAAAAAAAAAAAAAAAAAAAAAAAAAAAAAAAECcAABAnAAAAAAAAAAAAAAAAAAAAAAAAAAAAAAAAAAAAAAAAAAAAABQAAAAAAAAAwMD/AAAAAABkAAAAMgAAAAAAAABkAAAAAAAAAH9/fwAKAAAAIgAAABgAAAAAAAAAAAAAAAAAAAAAAAAAAAAAAAAAAAAkAAAAJAAAAAAAAAAHAAAAAAAAAAAAAAAAAAAAAAAAAAAAAAAAAAAAf39/ACUAAABYAAAAAAAAAAAAAAAAAAAAAAAAAAAAAAAAAAAAAAAAAAAAAAAAAAAAAAAAAAAAAAA/AAAAAAAAAKCGAQAAAAAAAAAAAAAAAAAMAAAAAQAAAAAAAAAAAAAAAAAAAB8AAABUAAAAu+DjBf///wEAAAAAAAAAAAAAAAAAAAAAAAAAAAAAAAAAAAAAAAAAAAAAAAJ/f38AgICAA8zMzADAwP8Af39/AAAAAAAAAAAAAAAAAAAAAAAAAAAAIQAAABgAAAAUAAAACxoAAHoLAACTHQAAfBoAABAAAAAmAAAACAAAAP//////////"/>
               </a:ext>
             </a:extLst>
           </p:cNvSpPr>
@@ -4045,7 +4021,7 @@
           <p:cNvSpPr>
             <a:extLst>
               <a:ext uri="smNativeData">
-                <pr:smNativeData xmlns:pr="smNativeData" xmlns="smNativeData" val="SMDATA_15_zA6NYhMAAAAlAAAA/wEAAA8BAAAAkAAAAEgAAACQAAAASAAAAAAAAAAAAAAAAAAAAAEAAABQAAAA6qvznb46/7/b1FkQFuC7P8J7CSS8l/C/AAAAAAAA+L8AAAAAAADgPwAAAAAAAOA/AAAAAAAA4D8AAAAAAADgPwAAAAAAAOA/AAAAAAAA4D8CAAAAjAAAAAEAAAAAAAAA////CP///wgAAAAAAAAAAAAAAAAAAAAAAAAAAAAAAAAAAAAAZAAAAAEAAABAAAAAAAAAAAAAAAAAAAAAAAAAAAAAAAAAAAAAAAAAAAAAAAAAAAAAAAAAAAAAAAAAAAAAAAAAAAAAAAAAAAAAAAAAAAAAAAAAAAAAAAAAAAAAAAAAAAAAFAAAADwAAAABAAAAAAAAAAAAAAk8AAAAAQAAAAMAAAAAAAAAAAAAAAAAAAAAAAAAZAAAAGQAAAAAAAAAZAAAAGQAAAAVAAAAYAAAAAAAAAAAAAAADwAAACADAAAAAAAAAAAAAAEAAACgMgAAVgcAAKr4//8BAAAAf39/AAEAAABkAAAAAAAAABQAAABAHwAAAAAAACYAAAAAAAAAwOD//wAAAAAmAAAAZAAAABYAAABMAAAAAAAAAAAAAAAEAAAAAAAAAAEAAACAgIAKAAAAACgAAAAoAAAAZAAAAGQAAAAAAAAAzMzMAAAAAABQAAAAUAAAAGQAAABkAAAAAAAAABcAAAAUAAAAAAAAAAAAAAD/fwAA/38AAAAAAAAJAAAABAAAAP////8eAAAAaAAAAAAAAAAAAAAAAAAAAAAAAAAAAAAAECcAABAnAAAAAAAAAAAAAAAAAAAAAAAAAAAAAAAAAAAAAAAAAAAAABQAAAAAAAAAwMD/AAAAAABkAAAAMgAAAAAAAABkAAAAAAAAAH9/fwAKAAAAIgAAABgAAAAAAAAAAAAAAAAAAAAAAAAAAAAAAAAAAAAkAAAAJAAAAAAAAAAHAAAAAAAAAAAAAAAAAAAAAAAAAAAAAAAAAAAAf39/ACUAAABYAAAAAAAAAAAAAAAAAAAAAAAAAAAAAAAAAAAAAAAAAAAAAAAAAAAAAAAAAAAAAAA/AAAAAAAAAKCGAQAAAAAAAAAAAAAAAAAMAAAAAQAAAAAAAAAAAAAAAAAAAB8AAABUAAAA////Af///wEAAAAAAAAAAAAAAAAAAAAAAAAAAAAAAAAAAAAAAAAAAAAAAAJ/f38AgICAA8zMzADAwP8Af39/AAAAAAAAAAAAAAAAAAAAAAAAAAAAIQAAABgAAAAUAAAAwSMAAEcYAAC8NgAAbiIAABAAAAAmAAAACAAAAP//////////"/>
+                <pr:smNativeData xmlns:pr="smNativeData" xmlns="smNativeData" val="SMDATA_15_eM6NYhMAAAAlAAAA/wEAAA8BAAAAkAAAAEgAAACQAAAASAAAAAAAAAAAAAAAAAAAAAEAAABQAAAA6qvznb46/7/b1FkQFuC7P8J7CSS8l/C/AAAAAAAA+L8AAAAAAADgPwAAAAAAAOA/AAAAAAAA4D8AAAAAAADgPwAAAAAAAOA/AAAAAAAA4D8CAAAAjAAAAAEAAAAAAAAA////CP///wgAAAAAAAAAAAAAAAAAAAAAAAAAAAAAAAAAAAAAZAAAAAEAAABAAAAAAAAAAAAAAAAAAAAAAAAAAAAAAAAAAAAAAAAAAAAAAAAAAAAAAAAAAAAAAAAAAAAAAAAAAAAAAAAAAAAAAAAAAAAAAAAAAAAAAAAAAAAAAAAAAAAAFAAAADwAAAABAAAAAAAAAAAAAAk8AAAAAQAAAAMAAAAAAAAAAAAAAAAAAAAAAAAAZAAAAGQAAAAAAAAAZAAAAGQAAAAVAAAAYAAAAAAAAAAAAAAADwAAACADAAAAAAAAAAAAAAEAAACgMgAAVgcAAKr4//8BAAAAf39/AAEAAABkAAAAAAAAABQAAABAHwAAAAAAACYAAAAAAAAAwOD//wAAAAAmAAAAZAAAABYAAABMAAAAAAAAAAAAAAAEAAAAAAAAAAEAAACAgIAKAAAAACgAAAAoAAAAZAAAAGQAAAAAAAAAzMzMAAAAAABQAAAAUAAAAGQAAABkAAAAAAAAABcAAAAUAAAAAAAAAAAAAAD/fwAA/38AAAAAAAAJAAAABAAAAP////8eAAAAaAAAAAAAAAAAAAAAAAAAAAAAAAAAAAAAECcAABAnAAAAAAAAAAAAAAAAAAAAAAAAAAAAAAAAAAAAAAAAAAAAABQAAAAAAAAAwMD/AAAAAABkAAAAMgAAAAAAAABkAAAAAAAAAH9/fwAKAAAAIgAAABgAAAAAAAAAAAAAAAAAAAAAAAAAAAAAAAAAAAAkAAAAJAAAAAAAAAAHAAAAAAAAAAAAAAAAAAAAAAAAAAAAAAAAAAAAf39/ACUAAABYAAAAAAAAAAAAAAAAAAAAAAAAAAAAAAAAAAAAAAAAAAAAAAAAAAAAAAAAAAAAAAA/AAAAAAAAAKCGAQAAAAAAAAAAAAAAAAAMAAAAAQAAAAAAAAAAAAAAAAAAAB8AAABUAAAA////Af///wEAAAAAAAAAAAAAAAAAAAAAAAAAAAAAAAAAAAAAAAAAAAAAAAJ/f38AgICAA8zMzADAwP8Af39/AAAAAAAAAAAAAAAAAAAAAAAAAAAAIQAAABgAAAAUAAAAwSMAAEcYAAC8NgAAbiIAABAAAAAmAAAACAAAAP//////////"/>
               </a:ext>
             </a:extLst>
           </p:cNvSpPr>
@@ -4106,7 +4082,7 @@
           <p:cNvSpPr>
             <a:extLst>
               <a:ext uri="smNativeData">
-                <pr:smNativeData xmlns:pr="smNativeData" xmlns="smNativeData" val="SMDATA_15_zA6NYhMAAAAlAAAAAwIAAA8BAAAAkAAAAEgAAACQAAAASAAAAAAAAAAAAAAAAAAAAAEAAABQAAAAczpjMacztr9x4EGeEUsCwJSxXwvF4eK/AAAAAAAA+L+/TxDs+wTxvwAAAAAAAOA/AAAAAAAA4D8AAAAAAADgPwAAAAAAAOA/AAAAAAAA4D8CAAAAjAAAAAEAAAAAAAAA////CP///wgAAAAAAAAAAAAAAAAAAAAAAAAAAAAAAAAAAAAAZAAAAAEAAABAAAAAAAAAAAAAAAAAAAAAAAAAAAAAAAAAAAAAAAAAAAAAAAAAAAAAAAAAAAAAAAAAAAAAAAAAAAAAAAAAAAAAAAAAAAAAAAAAAAAAAAAAAAAAAAAAAAAAFAAAADwAAAABAAAAAAAAAAAAAAk8AAAAAQAAAAMAAAAAAAAAAAAAAAAAAAAAAAAAZAAAAGQAAAAAAAAAZAAAAGQAAAAVAAAAYAAAAAAAAAAAAAAADwAAACADAAAAAAAAAAAAAAEAAACgMgAAVgcAAKr4//8BAAAAf39/AAEAAABkAAAAAAAAABQAAABAHwAAAAAAACYAAAAAAAAAwOD//wAAAAAmAAAAZAAAABYAAABMAAAAAAAAAAAAAAAEAAAAAAAAAAEAAACAgIAKAAAAACgAAAAoAAAAZAAAAGQAAAAAAAAAzMzMAAAAAABQAAAAUAAAAGQAAABkAAAAAAAAABcAAAAUAAAAAAAAAAAAAAD/fwAA/38AAAAAAAAJAAAABAAAAAAAAEoeAAAAaAAAAAAAAAAAAAAAAAAAAAAAAAAAAAAAECcAABAnAAAAAAAAAAAAAAAAAAAAAAAAAAAAAAAAAAAAAAAAAAAAABQAAAAAAAAAwMD/AAAAAABkAAAAMgAAAAAAAABkAAAAAAAAAH9/fwAKAAAAIgAAABgAAAAAAAAAAAAAAAAAAAAAAAAAAAAAAAAAAAAkAAAAJAAAAAAAAAAHAAAAAAAAAAAAAAAAAAAAAAAAAAAAAAAAAAAAf39/ACUAAABYAAAAAAAAAAAAAAAAAAAAAAAAAAAAAAAAAAAAAAAAAAAAAAAAAAAAAAAAAAAAAAA/AAAAAAAAAKCGAQAAAAAAAAAAAAAAAAAMAAAAAQAAAAAAAAAAAAAAAAAAAB8AAABUAAAA////Af///wEAAAAAAAAAAAAAAAAAAAAAAAAAAAAAAAAAAAAAAAAAAAAAAAJ/f38AgICAA8zMzADAwP8Af39/AAAAAAAAAAAAAAAAAAAAAAAAAAAAIQAAABgAAAAUAAAAjCEAAJEOAACVLAAAGBUAAAAAAAAmAAAACAAAAP//////////"/>
+                <pr:smNativeData xmlns:pr="smNativeData" xmlns="smNativeData" val="SMDATA_15_eM6NYhMAAAAlAAAAAwIAAA8BAAAAkAAAAEgAAACQAAAASAAAAAAAAAAAAAAAAAAAAAEAAABQAAAAczpjMacztr9x4EGeEUsCwJSxXwvF4eK/AAAAAAAA+L+/TxDs+wTxvwAAAAAAAOA/AAAAAAAA4D8AAAAAAADgPwAAAAAAAOA/AAAAAAAA4D8CAAAAjAAAAAEAAAAAAAAA////CP///wgAAAAAAAAAAAAAAAAAAAAAAAAAAAAAAAAAAAAAZAAAAAEAAABAAAAAAAAAAAAAAAAAAAAAAAAAAAAAAAAAAAAAAAAAAAAAAAAAAAAAAAAAAAAAAAAAAAAAAAAAAAAAAAAAAAAAAAAAAAAAAAAAAAAAAAAAAAAAAAAAAAAAFAAAADwAAAABAAAAAAAAAAAAAAk8AAAAAQAAAAMAAAAAAAAAAAAAAAAAAAAAAAAAZAAAAGQAAAAAAAAAZAAAAGQAAAAVAAAAYAAAAAAAAAAAAAAADwAAACADAAAAAAAAAAAAAAEAAACgMgAAVgcAAKr4//8BAAAAf39/AAEAAABkAAAAAAAAABQAAABAHwAAAAAAACYAAAAAAAAAwOD//wAAAAAmAAAAZAAAABYAAABMAAAAAAAAAAAAAAAEAAAAAAAAAAEAAACAgIAKAAAAACgAAAAoAAAAZAAAAGQAAAAAAAAAzMzMAAAAAABQAAAAUAAAAGQAAABkAAAAAAAAABcAAAAUAAAAAAAAAAAAAAD/fwAA/38AAAAAAAAJAAAABAAAAAAAAEoeAAAAaAAAAAAAAAAAAAAAAAAAAAAAAAAAAAAAECcAABAnAAAAAAAAAAAAAAAAAAAAAAAAAAAAAAAAAAAAAAAAAAAAABQAAAAAAAAAwMD/AAAAAABkAAAAMgAAAAAAAABkAAAAAAAAAH9/fwAKAAAAIgAAABgAAAAAAAAAAAAAAAAAAAAAAAAAAAAAAAAAAAAkAAAAJAAAAAAAAAAHAAAAAAAAAAAAAAAAAAAAAAAAAAAAAAAAAAAAf39/ACUAAABYAAAAAAAAAAAAAAAAAAAAAAAAAAAAAAAAAAAAAAAAAAAAAAAAAAAAAAAAAAAAAAA/AAAAAAAAAKCGAQAAAAAAAAAAAAAAAAAMAAAAAQAAAAAAAAAAAAAAAAAAAB8AAABUAAAA////Af///wEAAAAAAAAAAAAAAAAAAAAAAAAAAAAAAAAAAAAAAAAAAAAAAAJ/f38AgICAA8zMzADAwP8Af39/AAAAAAAAAAAAAAAAAAAAAAAAAAAAIQAAABgAAAAUAAAAjCEAAJEOAACVLAAAGBUAABAAAAAmAAAACAAAAP//////////"/>
               </a:ext>
             </a:extLst>
           </p:cNvSpPr>
@@ -4169,7 +4145,7 @@
           <p:cNvSpPr txBox="1">
             <a:extLst>
               <a:ext uri="smNativeData">
-                <pr:smNativeData xmlns:pr="smNativeData" xmlns="smNativeData" val="SMDATA_15_zA6NYhMAAAAlAAAAEgAAAE8BAAAAkAAAAEgAAACQAAAASAAAAAAAAAAAAAAAAAAAAAEAAABQAAAAAAAAAAAA4D8AAAAAAADgPwAAAAAAAOA/AAAAAAAA4D8AAAAAAADgPwAAAAAAAOA/AAAAAAAA4D8AAAAAAADgPwAAAAAAAOA/AAAAAAAA4D8CAAAAjAAAAAAAAAAAAAAAu+DjDP///wgAAAAAAAAAAAAAAAAAAAAAAAAAAAAAAAAAAAAAZAAAAAEAAABAAAAAAAAAAAAAAAAAAAAAAAAAAAAAAAAAAAAAAAAAAAAAAAAAAAAAAAAAAAAAAAAAAAAAAAAAAAAAAAAAAAAAAAAAAAAAAAAAAAAAAAAAAAAAAAAAAAAAFAAAADwAAAAAAAAAAAAAAAAAAAkUAAAAAQAAABQAAAAUAAAAFAAAAAEAAAAAAAAAZAAAAGQAAAAAAAAAZAAAAGQAAAAVAAAAYAAAAAAAAAAAAAAADwAAACADAAAAAAAAAAAAAAEAAACgMgAAVgcAAKr4//8BAAAAf39/AAEAAABkAAAAAAAAABQAAABAHwAAAAAAACYAAAAAAAAAwOD//wAAAAAmAAAAZAAAABYAAABMAAAAAAAAAAAAAAAEAAAAAAAAAAEAAACAgIAKAAAAACgAAAAoAAAAZAAAAGQAAAAAAAAAzMzMAAAAAABQAAAAUAAAAGQAAABkAAAAAAAAABcAAAAUAAAAAAAAANwIAAD/fwAA/38AAAAAAAAJAAAABAAAAOBsaP8eAAAAaAAAAAAAAAAAAAAAAAAAAAAAAAAAAAAAECcAABAnAAAAAAAAAAAAAAAAAAAAAAAAAAAAAAAAAAAAAAAAAAAAABQAAAAAAAAAwMD/AAAAAABkAAAAMgAAAAAAAABkAAAAAAAAAH9/fwAKAAAAIgAAABgAAAAAAAAAAAAAAAAAAAAAAAAAAAAAAAAAAAAkAAAAJAAAAAAAAAAHAAAAAAAAAAAAAAAAAAAAAAAAAAAAAAAAAAAAf39/ACUAAABYAAAAAAAAAAAAAAAAAAAAAAAAAAAAAAAAAAAAAAAAAAAAAAAAAAAAAAAAAAAAAAA/AAAAAAAAAKCGAQAAAAAAAAAAAAAAAAAMAAAAAQAAAAAAAAAAAAAAAAAAAB8AAABUAAAAu+DjBf///wEAAAAAAAAAAAAAAAAAAAAAAAAAAAAAAAAAAAAAAAAAAAAAAAJ/f38AgICAA8zMzADAwP8Af39/AAAAAAAAAAAAAAAAAAAAAAAAAAAAIQAAABgAAAAUAAAA2wQAABcDAAC3DQAARwYAAAAgAAAmAAAACAAAAP//////////"/>
+                <pr:smNativeData xmlns:pr="smNativeData" xmlns="smNativeData" val="SMDATA_15_eM6NYhMAAAAlAAAAEgAAAE8BAAAAkAAAAEgAAACQAAAASAAAAAAAAAAAAAAAAAAAAAEAAABQAAAAAAAAAAAA4D8AAAAAAADgPwAAAAAAAOA/AAAAAAAA4D8AAAAAAADgPwAAAAAAAOA/AAAAAAAA4D8AAAAAAADgPwAAAAAAAOA/AAAAAAAA4D8CAAAAjAAAAAAAAAAAAAAAu+DjDP///wgAAAAAAAAAAAAAAAAAAAAAAAAAAAAAAAAAAAAAZAAAAAEAAABAAAAAAAAAAAAAAAAAAAAAAAAAAAAAAAAAAAAAAAAAAAAAAAAAAAAAAAAAAAAAAAAAAAAAAAAAAAAAAAAAAAAAAAAAAAAAAAAAAAAAAAAAAAAAAAAAAAAAFAAAADwAAAAAAAAAAAAAAAAAAAkUAAAAAQAAABQAAAAUAAAAFAAAAAEAAAAAAAAAZAAAAGQAAAAAAAAAZAAAAGQAAAAVAAAAYAAAAAAAAAAAAAAADwAAACADAAAAAAAAAAAAAAEAAACgMgAAVgcAAKr4//8BAAAAf39/AAEAAABkAAAAAAAAABQAAABAHwAAAAAAACYAAAAAAAAAwOD//wAAAAAmAAAAZAAAABYAAABMAAAAAAAAAAAAAAAEAAAAAAAAAAEAAACAgIAKAAAAACgAAAAoAAAAZAAAAGQAAAAAAAAAzMzMAAAAAABQAAAAUAAAAGQAAABkAAAAAAAAABcAAAAUAAAAAAAAANwIAAD/fwAA/38AAAAAAAAJAAAABAAAAOBsaP8eAAAAaAAAAAAAAAAAAAAAAAAAAAAAAAAAAAAAECcAABAnAAAAAAAAAAAAAAAAAAAAAAAAAAAAAAAAAAAAAAAAAAAAABQAAAAAAAAAwMD/AAAAAABkAAAAMgAAAAAAAABkAAAAAAAAAH9/fwAKAAAAIgAAABgAAAAAAAAAAAAAAAAAAAAAAAAAAAAAAAAAAAAkAAAAJAAAAAAAAAAHAAAAAAAAAAAAAAAAAAAAAAAAAAAAAAAAAAAAf39/ACUAAABYAAAAAAAAAAAAAAAAAAAAAAAAAAAAAAAAAAAAAAAAAAAAAAAAAAAAAAAAAAAAAAA/AAAAAAAAAKCGAQAAAAAAAAAAAAAAAAAMAAAAAQAAAAAAAAAAAAAAAAAAAB8AAABUAAAAu+DjBf///wEAAAAAAAAAAAAAAAAAAAAAAAAAAAAAAAAAAAAAAAAAAAAAAAJ/f38AgICAA8zMzADAwP8Af39/AAAAAAAAAAAAAAAAAAAAAAAAAAAAIQAAABgAAAAUAAAA2wQAABcDAAC3DQAARwYAABAgAAAmAAAACAAAAP//////////"/>
               </a:ext>
             </a:extLst>
           </p:cNvSpPr>
@@ -4240,7 +4216,7 @@
           <p:cNvSpPr>
             <a:extLst>
               <a:ext uri="smNativeData">
-                <pr:smNativeData xmlns:pr="smNativeData" xmlns="smNativeData" val="SMDATA_15_zA6NYhMAAAAlAAAAZAAAAA8BAAAAkAAAAEgAAACQAAAASAAAAAAAAAABAAAAAAAAAAEAAABQAAAAAAAAAAAA4D8AAAAAAADgPwAAAAAAAOA/AAAAAAAA4D8AAAAAAADgPwAAAAAAAOA/AAAAAAAA4D8AAAAAAADgPwAAAAAAAOA/AAAAAAAA4D8CAAAAjAAAAAEAAAAAAAAAtLTaPf///wgAAAAAAAAAAAAAAAAAAAAAAAAAAAAAAAAAAAAAZAAAAAEAAABAAAAAAAAAAAAAAAAAAAAAAAAAAAAAAAAAAAAAAAAAAAAAAAAAAAAAAAAAAAAAAAAAAAAAAAAAAAAAAAAAAAAAAAAAAAAAAAAAAAAAAAAAAAAAAAAAAAAAFAAAADwAAAABAAAAAAAAAAAAAAlkAAAAAgAAAAIAAAACAAAAAAAAAAEAAAAAAAAAZAAAAGQAAAAAAAAAZAAAAGQAAAAVAAAAYAAAAAAAAAAAAAAADwAAACADAAAAAAAAAAAAAAEAAACgMgAAVgcAAKr4//8BAAAAf39/AAEAAABkAAAAAAAAABQAAABAHwAAAAAAACYAAAAAAAAAwOD//wAAAAAmAAAAZAAAABYAAABMAAAAAAAAAAAAAAAEAAAAAAAAAAEAAACAgIAKAAAAACgAAAAoAAAAZAAAAGQAAAAAAAAAzMzMAAAAAABQAAAAUAAAAGQAAABkAAAAAAAAABcAAAAUAAAAAAAAAAAAAAD/fwAA/38AAAAAAAAJAAAABAAAAMfw+v8eAAAAaAAAAAAAAAAAAAAAAAAAAAAAAAAAAAAAECcAABAnAAAAAAAAAAAAAAAAAAAAAAAAAAAAAAAAAAAAAAAAAAAAABQAAAAAAAAAwMD/AAAAAABkAAAAMgAAAAAAAABkAAAAAAAAAH9/fwAKAAAAIgAAABgAAAAAAAAAAAAAAAAAAAAAAAAAAAAAAAAAAAAkAAAAJAAAAAAAAAAHAAAAAAAAAAAAAAAAAAAAAAAAAAAAAAAAAAAAf39/ACUAAABYAAAAAAAAAAAAAAAAAAAAAAAAAAAAAAAAAAAAAAAAAAAAAAAAAAAAAAAAAAAAAAA/AAAAAAAAAKCGAQAAAAAAAAAAAAAAAAAMAAAAAQAAAAAAAAAAAAAAAAAAAB8AAABUAAAAtLTaNv///wEAAAAAAAAAAAAAAAAAAAAAAAAAAAAAAAAAAAAAAAAAAAAAAAJ/f38AgICAA8zMzADAwP8Af39/AAAAAAAAAAAAAAAAAAAAAAAAAAAAIQAAABgAAAAUAAAAPg0AACgHAABXHwAAExMAABAAAAAmAAAACAAAAP//////////"/>
+                <pr:smNativeData xmlns:pr="smNativeData" xmlns="smNativeData" val="SMDATA_15_eM6NYhMAAAAlAAAAZAAAAA8BAAAAkAAAAEgAAACQAAAASAAAAAAAAAABAAAAAAAAAAEAAABQAAAAAAAAAAAA4D8AAAAAAADgPwAAAAAAAOA/AAAAAAAA4D8AAAAAAADgPwAAAAAAAOA/AAAAAAAA4D8AAAAAAADgPwAAAAAAAOA/AAAAAAAA4D8CAAAAjAAAAAEAAAAAAAAAtLTaPf///wgAAAAAAAAAAAAAAAAAAAAAAAAAAAAAAAAAAAAAZAAAAAEAAABAAAAAAAAAAAAAAAAAAAAAAAAAAAAAAAAAAAAAAAAAAAAAAAAAAAAAAAAAAAAAAAAAAAAAAAAAAAAAAAAAAAAAAAAAAAAAAAAAAAAAAAAAAAAAAAAAAAAAFAAAADwAAAABAAAAAAAAAAAAAAlkAAAAAgAAAAIAAAACAAAAAAAAAAEAAAAAAAAAZAAAAGQAAAAAAAAAZAAAAGQAAAAVAAAAYAAAAAAAAAAAAAAADwAAACADAAAAAAAAAAAAAAEAAACgMgAAVgcAAKr4//8BAAAAf39/AAEAAABkAAAAAAAAABQAAABAHwAAAAAAACYAAAAAAAAAwOD//wAAAAAmAAAAZAAAABYAAABMAAAAAAAAAAAAAAAEAAAAAAAAAAEAAACAgIAKAAAAACgAAAAoAAAAZAAAAGQAAAAAAAAAzMzMAAAAAABQAAAAUAAAAGQAAABkAAAAAAAAABcAAAAUAAAAAAAAAAAAAAD/fwAA/38AAAAAAAAJAAAABAAAAMfw+v8eAAAAaAAAAAAAAAAAAAAAAAAAAAAAAAAAAAAAECcAABAnAAAAAAAAAAAAAAAAAAAAAAAAAAAAAAAAAAAAAAAAAAAAABQAAAAAAAAAwMD/AAAAAABkAAAAMgAAAAAAAABkAAAAAAAAAH9/fwAKAAAAIgAAABgAAAAAAAAAAAAAAAAAAAAAAAAAAAAAAAAAAAAkAAAAJAAAAAAAAAAHAAAAAAAAAAAAAAAAAAAAAAAAAAAAAAAAAAAAf39/ACUAAABYAAAAAAAAAAAAAAAAAAAAAAAAAAAAAAAAAAAAAAAAAAAAAAAAAAAAAAAAAAAAAAA/AAAAAAAAAKCGAQAAAAAAAAAAAAAAAAAMAAAAAQAAAAAAAAAAAAAAAAAAAB8AAABUAAAAtLTaNv///wEAAAAAAAAAAAAAAAAAAAAAAAAAAAAAAAAAAAAAAAAAAAAAAAJ/f38AgICAA8zMzADAwP8Af39/AAAAAAAAAAAAAAAAAAAAAAAAAAAAIQAAABgAAAAUAAAAPg0AACgHAABXHwAAExMAABAAAAAmAAAACAAAAP//////////"/>
               </a:ext>
             </a:extLst>
           </p:cNvSpPr>
@@ -4292,7 +4268,7 @@
           <p:cNvSpPr>
             <a:extLst>
               <a:ext uri="smNativeData">
-                <pr:smNativeData xmlns:pr="smNativeData" xmlns="smNativeData" val="SMDATA_15_zA6NYhMAAAAlAAAAjgIAAA8BAAAAkAAAAEgAAACQAAAASAAAAAAAAAAAAAAAAAAAAAEAAABQAAAAJXUCmggbvj8ldQKaCBvePwAAAAAAAOA/AAAAAAAA4D8AAAAAAADgPwAAAAAAAOA/AAAAAAAA4D8AAAAAAADgPwAAAAAAAOA/AAAAAAAA4D8CAAAAjAAAAAEAAAAAAAAA////CP///wgAAAAAAAAAAAAAAAAAAAAAAAAAAAAAAAAAAAAAZAAAAAEAAABAAAAAAAAAAAAAAAAAAAAAAAAAAAAAAAAAAAAAAAAAAAAAAAAAAAAAAAAAAAAAAAAAAAAAAAAAAAAAAAAAAAAAAAAAAAAAAAAAAAAAAAAAAAAAAAAAAAAAFAAAADwAAAABAAAAAAAAAAAAAAkoAAAAAQAAAAIAAAAAAAAAAAAAAAAAAAAAAAAAZAAAAGQAAAAAAAAAZAAAAGQAAAAVAAAAYAAAAAAAAAAAAAAADwAAACADAAAAAAAAAAAAAAEAAACgMgAAVgcAAKr4//8BAAAAf39/AAEAAABkAAAAAAAAABQAAABAHwAAAAAAACYAAAAAAAAAwOD//wAAAAAmAAAAZAAAABYAAABMAAAAAAAAAAAAAAAEAAAAAAAAAAEAAACAgIAKAAAAACgAAAAoAAAAZAAAAGQAAAAAAAAAzMzMAAAAAABQAAAAUAAAAGQAAABkAAAAAAAAABcAAAAUAAAAAAAAAAAAAAD/fwAA/38AAAAAAAAJAAAABAAAAAAAAEoeAAAAaAAAAAAAAAAAAAAAAAAAAAAAAAAAAAAAECcAABAnAAAAAAAAAAAAAAAAAAAAAAAAAAAAAAAAAAAAAAAAAAAAABQAAAAAAAAAwMD/AAAAAABkAAAAMgAAAAAAAABkAAAAAAAAAH9/fwAKAAAAIgAAABgAAAAAAAAAAAAAAAAAAAAAAAAAAAAAAAAAAAAkAAAAJAAAAAAAAAAHAAAAAAAAAAAAAAAAAAAAAAAAAAAAAAAAAAAAf39/ACUAAABYAAAAAAAAAAAAAAAAAAAAAAAAAAAAAAAAAAAAAAAAAAAAAAAAAAAAAAAAAAAAAAA/AAAAAAAAAKCGAQAAAAAAAAAAAAAAAAAMAAAAAQAAAAAAAAAAAAAAAAAAAB8AAABUAAAA////Af///wEAAAAAAAAAAAAAAAAAAAAAAAAAAAAAAAAAAAAAAAAAAAAAAAJ/f38AgICAA8zMzADAwP8Af39/AAAAAAAAAAAAAAAAAAAAAAAAAAAAIQAAABgAAAAUAAAAIh0AAAoIAAD9IQAAIQsAABAAAAAmAAAACAAAAP//////////"/>
+                <pr:smNativeData xmlns:pr="smNativeData" xmlns="smNativeData" val="SMDATA_15_eM6NYhMAAAAlAAAAjgIAAA8BAAAAkAAAAEgAAACQAAAASAAAAAAAAAAAAAAAAAAAAAEAAABQAAAAJXUCmggbvj8ldQKaCBvePwAAAAAAAOA/AAAAAAAA4D8AAAAAAADgPwAAAAAAAOA/AAAAAAAA4D8AAAAAAADgPwAAAAAAAOA/AAAAAAAA4D8CAAAAjAAAAAEAAAAAAAAA////CP///wgAAAAAAAAAAAAAAAAAAAAAAAAAAAAAAAAAAAAAZAAAAAEAAABAAAAAAAAAAAAAAAAAAAAAAAAAAAAAAAAAAAAAAAAAAAAAAAAAAAAAAAAAAAAAAAAAAAAAAAAAAAAAAAAAAAAAAAAAAAAAAAAAAAAAAAAAAAAAAAAAAAAAFAAAADwAAAABAAAAAAAAAAAAAAkoAAAAAQAAAAIAAAAAAAAAAAAAAAAAAAAAAAAAZAAAAGQAAAAAAAAAZAAAAGQAAAAVAAAAYAAAAAAAAAAAAAAADwAAACADAAAAAAAAAAAAAAEAAACgMgAAVgcAAKr4//8BAAAAf39/AAEAAABkAAAAAAAAABQAAABAHwAAAAAAACYAAAAAAAAAwOD//wAAAAAmAAAAZAAAABYAAABMAAAAAAAAAAAAAAAEAAAAAAAAAAEAAACAgIAKAAAAACgAAAAoAAAAZAAAAGQAAAAAAAAAzMzMAAAAAABQAAAAUAAAAGQAAABkAAAAAAAAABcAAAAUAAAAAAAAAAAAAAD/fwAA/38AAAAAAAAJAAAABAAAAAAAAEoeAAAAaAAAAAAAAAAAAAAAAAAAAAAAAAAAAAAAECcAABAnAAAAAAAAAAAAAAAAAAAAAAAAAAAAAAAAAAAAAAAAAAAAABQAAAAAAAAAwMD/AAAAAABkAAAAMgAAAAAAAABkAAAAAAAAAH9/fwAKAAAAIgAAABgAAAAAAAAAAAAAAAAAAAAAAAAAAAAAAAAAAAAkAAAAJAAAAAAAAAAHAAAAAAAAAAAAAAAAAAAAAAAAAAAAAAAAAAAAf39/ACUAAABYAAAAAAAAAAAAAAAAAAAAAAAAAAAAAAAAAAAAAAAAAAAAAAAAAAAAAAAAAAAAAAA/AAAAAAAAAKCGAQAAAAAAAAAAAAAAAAAMAAAAAQAAAAAAAAAAAAAAAAAAAB8AAABUAAAA////Af///wEAAAAAAAAAAAAAAAAAAAAAAAAAAAAAAAAAAAAAAAAAAAAAAAJ/f38AgICAA8zMzADAwP8Af39/AAAAAAAAAAAAAAAAAAAAAAAAAAAAIQAAABgAAAAUAAAAIh0AAAoIAAD9IQAAIQsAABAAAAAmAAAACAAAAP//////////"/>
               </a:ext>
             </a:extLst>
           </p:cNvSpPr>
@@ -4329,7 +4305,7 @@
           <p:cNvSpPr>
             <a:extLst>
               <a:ext uri="smNativeData">
-                <pr:smNativeData xmlns:pr="smNativeData" xmlns="smNativeData" val="SMDATA_15_zA6NYhMAAAAlAAAAZAAAAA8BAAAAkAAAAEgAAACQAAAASAAAAAAAAAABAAAAAAAAAAEAAABQAAAAAAAAAAAA4D8AAAAAAADgPwAAAAAAAOA/AAAAAAAA4D8AAAAAAADgPwAAAAAAAOA/AAAAAAAA4D8AAAAAAADgPwAAAAAAAOA/AAAAAAAA4D8CAAAAjAAAAAEAAAAAAAAAu+DjDP///wgAAAAAAAAAAAAAAAAAAAAAAAAAAAAAAAAAAAAAZAAAAAEAAABAAAAAAAAAAAAAAAAAAAAAAAAAAAAAAAAAAAAAAAAAAAAAAAAAAAAAAAAAAAAAAAAAAAAAAAAAAAAAAAAAAAAAAAAAAAAAAAAAAAAAAAAAAAAAAAAAAAAAFAAAADwAAAABAAAAAAAAAAAAAAlkAAAAAgAAAAIAAAACAAAAAAAAAAEAAAAAAAAAZAAAAGQAAAAAAAAAZAAAAGQAAAAVAAAAYAAAAAAAAAAAAAAADwAAACADAAAAAAAAAAAAAAEAAACgMgAAVgcAAKr4//8BAAAAf39/AAEAAABkAAAAAAAAABQAAABAHwAAAAAAACYAAAAAAAAAwOD//wAAAAAmAAAAZAAAABYAAABMAAAAAAAAAAAAAAAEAAAAAAAAAAEAAACAgIAKAAAAACgAAAAoAAAAZAAAAGQAAAAAAAAAzMzMAAAAAABQAAAAUAAAAGQAAABkAAAAAAAAABcAAAAUAAAAAAAAAAAAAAD/fwAA/38AAAAAAAAJAAAABAAAAMfw+v8eAAAAaAAAAAAAAAAAAAAAAAAAAAAAAAAAAAAAECcAABAnAAAAAAAAAAAAAAAAAAAAAAAAAAAAAAAAAAAAAAAAAAAAABQAAAAAAAAAwMD/AAAAAABkAAAAMgAAAAAAAABkAAAAAAAAAH9/fwAKAAAAIgAAABgAAAAAAAAAAAAAAAAAAAAAAAAAAAAAAAAAAAAkAAAAJAAAAAAAAAAHAAAAAAAAAAAAAAAAAAAAAAAAAAAAAAAAAAAAf39/ACUAAABYAAAAAAAAAAAAAAAAAAAAAAAAAAAAAAAAAAAAAAAAAAAAAAAAAAAAAAAAAAAAAAA/AAAAAAAAAKCGAQAAAAAAAAAAAAAAAAAMAAAAAQAAAAAAAAAAAAAAAAAAAB8AAABUAAAAu+DjBf///wEAAAAAAAAAAAAAAAAAAAAAAAAAAAAAAAAAAAAAAAAAAAAAAAJ/f38AgICAA8zMzADAwP8Af39/AAAAAAAAAAAAAAAAAAAAAAAAAAAAIQAAABgAAAAUAAAAdy0AACgHAACAOAAAwQ4AABAAAAAmAAAACAAAAP//////////"/>
+                <pr:smNativeData xmlns:pr="smNativeData" xmlns="smNativeData" val="SMDATA_15_eM6NYhMAAAAlAAAAZAAAAA8BAAAAkAAAAEgAAACQAAAASAAAAAAAAAABAAAAAAAAAAEAAABQAAAAAAAAAAAA4D8AAAAAAADgPwAAAAAAAOA/AAAAAAAA4D8AAAAAAADgPwAAAAAAAOA/AAAAAAAA4D8AAAAAAADgPwAAAAAAAOA/AAAAAAAA4D8CAAAAjAAAAAEAAAAAAAAAu+DjDP///wgAAAAAAAAAAAAAAAAAAAAAAAAAAAAAAAAAAAAAZAAAAAEAAABAAAAAAAAAAAAAAAAAAAAAAAAAAAAAAAAAAAAAAAAAAAAAAAAAAAAAAAAAAAAAAAAAAAAAAAAAAAAAAAAAAAAAAAAAAAAAAAAAAAAAAAAAAAAAAAAAAAAAFAAAADwAAAABAAAAAAAAAAAAAAlkAAAAAgAAAAIAAAACAAAAAAAAAAEAAAAAAAAAZAAAAGQAAAAAAAAAZAAAAGQAAAAVAAAAYAAAAAAAAAAAAAAADwAAACADAAAAAAAAAAAAAAEAAACgMgAAVgcAAKr4//8BAAAAf39/AAEAAABkAAAAAAAAABQAAABAHwAAAAAAACYAAAAAAAAAwOD//wAAAAAmAAAAZAAAABYAAABMAAAAAAAAAAAAAAAEAAAAAAAAAAEAAACAgIAKAAAAACgAAAAoAAAAZAAAAGQAAAAAAAAAzMzMAAAAAABQAAAAUAAAAGQAAABkAAAAAAAAABcAAAAUAAAAAAAAAAAAAAD/fwAA/38AAAAAAAAJAAAABAAAAMfw+v8eAAAAaAAAAAAAAAAAAAAAAAAAAAAAAAAAAAAAECcAABAnAAAAAAAAAAAAAAAAAAAAAAAAAAAAAAAAAAAAAAAAAAAAABQAAAAAAAAAwMD/AAAAAABkAAAAMgAAAAAAAABkAAAAAAAAAH9/fwAKAAAAIgAAABgAAAAAAAAAAAAAAAAAAAAAAAAAAAAAAAAAAAAkAAAAJAAAAAAAAAAHAAAAAAAAAAAAAAAAAAAAAAAAAAAAAAAAAAAAf39/ACUAAABYAAAAAAAAAAAAAAAAAAAAAAAAAAAAAAAAAAAAAAAAAAAAAAAAAAAAAAAAAAAAAAA/AAAAAAAAAKCGAQAAAAAAAAAAAAAAAAAMAAAAAQAAAAAAAAAAAAAAAAAAAB8AAABUAAAAu+DjBf///wEAAAAAAAAAAAAAAAAAAAAAAAAAAAAAAAAAAAAAAAAAAAAAAAJ/f38AgICAA8zMzADAwP8Af39/AAAAAAAAAAAAAAAAAAAAAAAAAAAAIQAAABgAAAAUAAAAdy0AACgHAACAOAAAwQ4AABAAAAAmAAAACAAAAP//////////"/>
               </a:ext>
             </a:extLst>
           </p:cNvSpPr>
@@ -4379,7 +4355,7 @@
           <p:cNvSpPr>
             <a:extLst>
               <a:ext uri="smNativeData">
-                <pr:smNativeData xmlns:pr="smNativeData" xmlns="smNativeData" val="SMDATA_15_zA6NYhMAAAAlAAAACgAAAA8BAAAAkAAAAEgAAACQAAAASAAAAAAAAAAAAAAAAAAAAAEAAABQAAAAAAAAAAAA4D8AAAAAAADgPwAAAAAAAOA/AAAAAAAA4D8AAAAAAADgPwAAAAAAAOA/AAAAAAAA4D8AAAAAAADgPwAAAAAAAOA/AAAAAAAA4D8CAAAAjAAAAAAAAAAAAAAAu+DjDP///wgAAAAAAAAAAAAAAAAAAAAAAAAAAAAAAAAAAAAAZAAAAAEAAABAAAAAAAAAAAAAAAAAAAAAAAAAAAAAAAAAAAAAAAAAAAAAAAAAAAAAAAAAAAAAAAAAAAAAAAAAAAAAAAAAAAAAAAAAAAAAAAAAAAAAAAAAAAAAAAAAAAAAFAAAADwAAAABAAAAAAAAAAAAAAk8AAAAAQAAAAMAAAAAAAAAAAAAAAAAAAAAAAAAZAAAAGQAAAABAAAAlgAAAJYAAAAVAAAAYAAAAAAAAAAAAAAADwAAACADAAAAAAAAAAAAAAEAAACgMgAAVgcAAKr4//8BAAAAf39/AAEAAABkAAAAAAAAABQAAABAHwAAAAAAACYAAAAAAAAAwOD//wAAAAAmAAAAZAAAABYAAABMAAAAAAAAAAAAAAAEAAAAAAAAAAEAAACAgIAKAAAAACgAAAAoAAAAZAAAAGQAAAAAAAAAzMzMAAAAAABQAAAAUAAAAGQAAABkAAAAAAAAABcAAAAUAAAAAAAAAAAAAAD/fwAA/38AAAAAAAAJAAAABAAAAGoEAAAeAAAAaAAAAAAAAAAAAAAAAAAAAAAAAAAAAAAAECcAABAnAAAAAAAAAAAAAAAAAAAAAAAAAAAAAAAAAAAAAAAAAAAAABQAAAAAAAAAwMD/AAAAAABkAAAAMgAAAAAAAABkAAAAAAAAAH9/fwAKAAAAIgAAABgAAAAAAAAAAAAAAAAAAAAAAAAAAAAAAAAAAAAkAAAAJAAAAAAAAAAHAAAAAAAAAAAAAAAAAAAAAAAAAAAAAAAAAAAAf39/ACUAAABYAAAAAAAAAAAAAAAAAAAAAAAAAAAAAAAAAAAAAAAAAAAAAAAAAAAAAAAAAAAAAAA/AAAAAAAAAKCGAQAAAAAAAAAAAAAAAAAMAAAAAQAAAAAAAAAAAAAAAAAAAB8AAABUAAAAu+DjBf///wEAAAAAAAAAAAAAAAAAAAAAAAAAAAAAAAAAAAAAAAAAAAAAAAJ/f38AgICAA8zMzADAwP8Af39/AAAAAAAAAAAAAAAAAAAAAAAAAAAAIQAAABgAAAAUAAAAjCEAAMYIAAAGLQAAyAgAABAAAAAmAAAACAAAAP//////////"/>
+                <pr:smNativeData xmlns:pr="smNativeData" xmlns="smNativeData" val="SMDATA_15_eM6NYhMAAAAlAAAACgAAAA8BAAAAkAAAAEgAAACQAAAASAAAAAAAAAAAAAAAAAAAAAEAAABQAAAAAAAAAAAA4D8AAAAAAADgPwAAAAAAAOA/AAAAAAAA4D8AAAAAAADgPwAAAAAAAOA/AAAAAAAA4D8AAAAAAADgPwAAAAAAAOA/AAAAAAAA4D8CAAAAjAAAAAAAAAAAAAAAu+DjDP///wgAAAAAAAAAAAAAAAAAAAAAAAAAAAAAAAAAAAAAZAAAAAEAAABAAAAAAAAAAAAAAAAAAAAAAAAAAAAAAAAAAAAAAAAAAAAAAAAAAAAAAAAAAAAAAAAAAAAAAAAAAAAAAAAAAAAAAAAAAAAAAAAAAAAAAAAAAAAAAAAAAAAAFAAAADwAAAABAAAAAAAAAAAAAAk8AAAAAQAAAAMAAAAAAAAAAAAAAAAAAAAAAAAAZAAAAGQAAAABAAAAlgAAAJYAAAAVAAAAYAAAAAAAAAAAAAAADwAAACADAAAAAAAAAAAAAAEAAACgMgAAVgcAAKr4//8BAAAAf39/AAEAAABkAAAAAAAAABQAAABAHwAAAAAAACYAAAAAAAAAwOD//wAAAAAmAAAAZAAAABYAAABMAAAAAAAAAAAAAAAEAAAAAAAAAAEAAACAgIAKAAAAACgAAAAoAAAAZAAAAGQAAAAAAAAAzMzMAAAAAABQAAAAUAAAAGQAAABkAAAAAAAAABcAAAAUAAAAAAAAAAAAAAD/fwAA/38AAAAAAAAJAAAABAAAAGoEAAAeAAAAaAAAAAAAAAAAAAAAAAAAAAAAAAAAAAAAECcAABAnAAAAAAAAAAAAAAAAAAAAAAAAAAAAAAAAAAAAAAAAAAAAABQAAAAAAAAAwMD/AAAAAABkAAAAMgAAAAAAAABkAAAAAAAAAH9/fwAKAAAAIgAAABgAAAAAAAAAAAAAAAAAAAAAAAAAAAAAAAAAAAAkAAAAJAAAAAAAAAAHAAAAAAAAAAAAAAAAAAAAAAAAAAAAAAAAAAAAf39/ACUAAABYAAAAAAAAAAAAAAAAAAAAAAAAAAAAAAAAAAAAAAAAAAAAAAAAAAAAAAAAAAAAAAA/AAAAAAAAAKCGAQAAAAAAAAAAAAAAAAAMAAAAAQAAAAAAAAAAAAAAAAAAAB8AAABUAAAAu+DjBf///wEAAAAAAAAAAAAAAAAAAAAAAAAAAAAAAAAAAAAAAAAAAAAAAAJ/f38AgICAA8zMzADAwP8Af39/AAAAAAAAAAAAAAAAAAAAAAAAAAAAIQAAABgAAAAUAAAAjCEAAMYIAAAGLQAAyAgAABAAAAAmAAAACAAAAP//////////"/>
               </a:ext>
             </a:extLst>
           </p:cNvSpPr>
@@ -4411,7 +4387,7 @@
           <p:cNvSpPr>
             <a:extLst>
               <a:ext uri="smNativeData">
-                <pr:smNativeData xmlns:pr="smNativeData" xmlns="smNativeData" val="SMDATA_15_zA6NYhMAAAAlAAAACgAAAA8BAAAAkAAAAEgAAACQAAAASAAAAAAAAAAAAAAAAAAAAAEAAABQAAAAAAAAAAAA4D8AAAAAAADgPwAAAAAAAOA/AAAAAAAA4D8AAAAAAADgPwAAAAAAAOA/AAAAAAAA4D8AAAAAAADgPwAAAAAAAOA/AAAAAAAA4D8CAAAAjAAAAAAAAAAAAAAAu+DjDP///wgAAAAAAAAAAAAAAAAAAAAAAAAAAAAAAAAAAAAAZAAAAAEAAABAAAAAAAAAAAAAAAAAAAAAAAAAAAAAAAAAAAAAAAAAAAAAAAAAAAAAAAAAAAAAAAAAAAAAAAAAAAAAAAAAAAAAAAAAAAAAAAAAAAAAAAAAAAAAAAAAAAAAFAAAADwAAAABAAAAAAAAAAAAAAk8AAAAAQAAAAMAAAAAAAAAAAAAAAAAAAAAAAAAZAAAAGQAAAABAAAAlgAAAJYAAAAVAAAAYAAAAAAAAAAAAAAADwAAACADAAAAAAAAAAAAAAEAAACgMgAAVgcAAKr4//8BAAAAf39/AAEAAABkAAAAAAAAABQAAABAHwAAAAAAACYAAAAAAAAAwOD//wAAAAAmAAAAZAAAABYAAABMAAAAAAAAAAAAAAAEAAAAAAAAAAEAAACAgIAKAAAAACgAAAAoAAAAZAAAAGQAAAAAAAAAzMzMAAAAAABQAAAAUAAAAGQAAABkAAAAAAAAABcAAAAUAAAAAAAAAAAAAAD/fwAA/38AAAAAAAAJAAAABAAAAMwAAAAeAAAAaAAAAAAAAAAAAAAAAAAAAAAAAAAAAAAAECcAABAnAAAAAAAAAAAAAAAAAAAAAAAAAAAAAAAAAAAAAAAAAAAAABQAAAAAAAAAwMD/AAAAAABkAAAAMgAAAAAAAABkAAAAAAAAAH9/fwAKAAAAIgAAABgAAAAAAAAAAAAAAAAAAAAAAAAAAAAAAAAAAAAkAAAAJAAAAAAAAAAHAAAAAAAAAAAAAAAAAAAAAAAAAAAAAAAAAAAAf39/ACUAAABYAAAAAAAAAAAAAAAAAAAAAAAAAAAAAAAAAAAAAAAAAAAAAAAAAAAAAAAAAAAAAAA/AAAAAAAAAKCGAQAAAAAAAAAAAAAAAAAMAAAAAQAAAAAAAAAAAAAAAAAAAB8AAABUAAAAu+DjBf///wEAAAAAAAAAAAAAAAAAAAAAAAAAAAAAAAAAAAAAAAAAAAAAAAJ/f38AgICAA8zMzADAwP8Af39/AAAAAAAAAAAAAAAAAAAAAAAAAAAAIQAAABgAAAAUAAAAuyEAAM4JAAAGLQAA2QkAABAAAAAmAAAACAAAAP//////////"/>
+                <pr:smNativeData xmlns:pr="smNativeData" xmlns="smNativeData" val="SMDATA_15_eM6NYhMAAAAlAAAACgAAAA8BAAAAkAAAAEgAAACQAAAASAAAAAAAAAAAAAAAAAAAAAEAAABQAAAAAAAAAAAA4D8AAAAAAADgPwAAAAAAAOA/AAAAAAAA4D8AAAAAAADgPwAAAAAAAOA/AAAAAAAA4D8AAAAAAADgPwAAAAAAAOA/AAAAAAAA4D8CAAAAjAAAAAAAAAAAAAAAu+DjDP///wgAAAAAAAAAAAAAAAAAAAAAAAAAAAAAAAAAAAAAZAAAAAEAAABAAAAAAAAAAAAAAAAAAAAAAAAAAAAAAAAAAAAAAAAAAAAAAAAAAAAAAAAAAAAAAAAAAAAAAAAAAAAAAAAAAAAAAAAAAAAAAAAAAAAAAAAAAAAAAAAAAAAAFAAAADwAAAABAAAAAAAAAAAAAAk8AAAAAQAAAAMAAAAAAAAAAAAAAAAAAAAAAAAAZAAAAGQAAAABAAAAlgAAAJYAAAAVAAAAYAAAAAAAAAAAAAAADwAAACADAAAAAAAAAAAAAAEAAACgMgAAVgcAAKr4//8BAAAAf39/AAEAAABkAAAAAAAAABQAAABAHwAAAAAAACYAAAAAAAAAwOD//wAAAAAmAAAAZAAAABYAAABMAAAAAAAAAAAAAAAEAAAAAAAAAAEAAACAgIAKAAAAACgAAAAoAAAAZAAAAGQAAAAAAAAAzMzMAAAAAABQAAAAUAAAAGQAAABkAAAAAAAAABcAAAAUAAAAAAAAAAAAAAD/fwAA/38AAAAAAAAJAAAABAAAAMwAAAAeAAAAaAAAAAAAAAAAAAAAAAAAAAAAAAAAAAAAECcAABAnAAAAAAAAAAAAAAAAAAAAAAAAAAAAAAAAAAAAAAAAAAAAABQAAAAAAAAAwMD/AAAAAABkAAAAMgAAAAAAAABkAAAAAAAAAH9/fwAKAAAAIgAAABgAAAAAAAAAAAAAAAAAAAAAAAAAAAAAAAAAAAAkAAAAJAAAAAAAAAAHAAAAAAAAAAAAAAAAAAAAAAAAAAAAAAAAAAAAf39/ACUAAABYAAAAAAAAAAAAAAAAAAAAAAAAAAAAAAAAAAAAAAAAAAAAAAAAAAAAAAAAAAAAAAA/AAAAAAAAAKCGAQAAAAAAAAAAAAAAAAAMAAAAAQAAAAAAAAAAAAAAAAAAAB8AAABUAAAAu+DjBf///wEAAAAAAAAAAAAAAAAAAAAAAAAAAAAAAAAAAAAAAAAAAAAAAAJ/f38AgICAA8zMzADAwP8Af39/AAAAAAAAAAAAAAAAAAAAAAAAAAAAIQAAABgAAAAUAAAAuyEAAM4JAAAGLQAA2QkAABAAAAAmAAAACAAAAP//////////"/>
               </a:ext>
             </a:extLst>
           </p:cNvSpPr>
@@ -4443,7 +4419,7 @@
           <p:cNvSpPr>
             <a:extLst>
               <a:ext uri="smNativeData">
-                <pr:smNativeData xmlns:pr="smNativeData" xmlns="smNativeData" val="SMDATA_15_zA6NYhMAAAAlAAAAZAAAAA8BAAAAkAAAAEgAAACQAAAASAAAAAAAAAABAAAAAAAAAAEAAABQAAAAAAAAAAAA4D8AAAAAAADgPwAAAAAAAOA/AAAAAAAA4D8AAAAAAADgPwAAAAAAAOA/AAAAAAAA4D8AAAAAAADgPwAAAAAAAOA/AAAAAAAA4D8CAAAAjAAAAAEAAAAAAAAAAJmZDv///wgAAAAAAAAAAAAAAAAAAAAAAAAAAAAAAAAAAAAAZAAAAAEAAABAAAAAAAAAAAAAAAAAAAAAAAAAAAAAAAAAAAAAAAAAAAAAAAAAAAAAAAAAAAAAAAAAAAAAAAAAAAAAAAAAAAAAAAAAAAAAAAAAAAAAAAAAAAAAAAAAAAAAFAAAADwAAAABAAAAAAAAAAAAAAlkAAAAAgAAAAIAAAACAAAAAAAAAAEAAAAAAAAAZAAAAGQAAAAAAAAAZAAAAGQAAAAVAAAAYAAAAAAAAAAAAAAADwAAACADAAAAAAAAAAAAAAEAAACgMgAAVgcAAKr4//8BAAAAf39/AAEAAABkAAAAAAAAABQAAABAHwAAAAAAACYAAAAAAAAAwOD//wAAAAAmAAAAZAAAABYAAABMAAAAAAAAAAAAAAAEAAAAAAAAAAEAAACAgIAKAAAAACgAAAAoAAAAZAAAAGQAAAAAAAAAzMzMAAAAAABQAAAAUAAAAGQAAABkAAAAAAAAABcAAAAUAAAAAAAAAAAAAAD/fwAA/38AAAAAAAAJAAAABAAAAP////8eAAAAaAAAAAAAAAAAAAAAAAAAAAAAAAAAAAAAECcAABAnAAAAAAAAAAAAAAAAAAAAAAAAAAAAAAAAAAAAAAAAAAAAABQAAAAAAAAAwMD/AAAAAABkAAAAMgAAAAAAAABkAAAAAAAAAH9/fwAKAAAAIgAAABgAAAAAAAAAAAAAAAAAAAAAAAAAAAAAAAAAAAAkAAAAJAAAAAAAAAAHAAAAAAAAAAAAAAAAAAAAAAAAAAAAAAAAAAAAf39/ACUAAABYAAAAAAAAAAAAAAAAAAAAAAAAAAAAAAAAAAAAAAAAAAAAAAAAAAAAAAAAAAAAAAA/AAAAAAAAAKCGAQAAAAAAAAAAAAAAAAAMAAAAAQAAAAAAAAAAAAAAAAAAAB8AAABUAAAAAJmZB////wEAAAAAAAAAAAAAAAAAAAAAAAAAAAAAAAAAAAAAAAAAAAAAAAJ/f38AgICAA8zMzADAwP8Af39/AAAAAAAAAAAAAAAAAAAAAAAAAAAAIQAAABgAAAAUAAAAcw8AAEAcAAB1HgAAFCUAABAAAAAmAAAACAAAAP//////////"/>
+                <pr:smNativeData xmlns:pr="smNativeData" xmlns="smNativeData" val="SMDATA_15_eM6NYhMAAAAlAAAAZAAAAA8BAAAAkAAAAEgAAACQAAAASAAAAAAAAAABAAAAAAAAAAEAAABQAAAAAAAAAAAA4D8AAAAAAADgPwAAAAAAAOA/AAAAAAAA4D8AAAAAAADgPwAAAAAAAOA/AAAAAAAA4D8AAAAAAADgPwAAAAAAAOA/AAAAAAAA4D8CAAAAjAAAAAEAAAAAAAAAAJmZDv///wgAAAAAAAAAAAAAAAAAAAAAAAAAAAAAAAAAAAAAZAAAAAEAAABAAAAAAAAAAAAAAAAAAAAAAAAAAAAAAAAAAAAAAAAAAAAAAAAAAAAAAAAAAAAAAAAAAAAAAAAAAAAAAAAAAAAAAAAAAAAAAAAAAAAAAAAAAAAAAAAAAAAAFAAAADwAAAABAAAAAAAAAAAAAAlkAAAAAgAAAAIAAAACAAAAAAAAAAEAAAAAAAAAZAAAAGQAAAAAAAAAZAAAAGQAAAAVAAAAYAAAAAAAAAAAAAAADwAAACADAAAAAAAAAAAAAAEAAACgMgAAVgcAAKr4//8BAAAAf39/AAEAAABkAAAAAAAAABQAAABAHwAAAAAAACYAAAAAAAAAwOD//wAAAAAmAAAAZAAAABYAAABMAAAAAAAAAAAAAAAEAAAAAAAAAAEAAACAgIAKAAAAACgAAAAoAAAAZAAAAGQAAAAAAAAAzMzMAAAAAABQAAAAUAAAAGQAAABkAAAAAAAAABcAAAAUAAAAAAAAAAAAAAD/fwAA/38AAAAAAAAJAAAABAAAAP////8eAAAAaAAAAAAAAAAAAAAAAAAAAAAAAAAAAAAAECcAABAnAAAAAAAAAAAAAAAAAAAAAAAAAAAAAAAAAAAAAAAAAAAAABQAAAAAAAAAwMD/AAAAAABkAAAAMgAAAAAAAABkAAAAAAAAAH9/fwAKAAAAIgAAABgAAAAAAAAAAAAAAAAAAAAAAAAAAAAAAAAAAAAkAAAAJAAAAAAAAAAHAAAAAAAAAAAAAAAAAAAAAAAAAAAAAAAAAAAAf39/ACUAAABYAAAAAAAAAAAAAAAAAAAAAAAAAAAAAAAAAAAAAAAAAAAAAAAAAAAAAAAAAAAAAAA/AAAAAAAAAKCGAQAAAAAAAAAAAAAAAAAMAAAAAQAAAAAAAAAAAAAAAAAAAB8AAABUAAAAAJmZB////wEAAAAAAAAAAAAAAAAAAAAAAAAAAAAAAAAAAAAAAAAAAAAAAAJ/f38AgICAA8zMzADAwP8Af39/AAAAAAAAAAAAAAAAAAAAAAAAAAAAIQAAABgAAAAUAAAAcw8AAEAcAAB1HgAAFCUAABAAAAAmAAAACAAAAP//////////"/>
               </a:ext>
             </a:extLst>
           </p:cNvSpPr>
@@ -4493,7 +4469,7 @@
           <p:cNvSpPr>
             <a:extLst>
               <a:ext uri="smNativeData">
-                <pr:smNativeData xmlns:pr="smNativeData" xmlns="smNativeData" val="SMDATA_15_zA6NYhMAAAAlAAAA/wEAAA8BAAAAkAAAAEgAAACQAAAASAAAAAAAAAAAAAAAAAAAAAEAAABQAAAAG5uAtbEJAMDWOKmm/A0GwMJ7CSS8l/C/AAAAAAAA+L8AAAAAAADgPwAAAAAAAOA/AAAAAAAA4D8AAAAAAADgPwAAAAAAAOA/AAAAAAAA4D8CAAAAjAAAAAEAAAAAAAAA////CP///wgAAAAAAAAAAAAAAAAAAAAAAAAAAAAAAAAAAAAAZAAAAAEAAABAAAAAAAAAAAAAAAAAAAAAAAAAAAAAAAAAAAAAAAAAAAAAAAAAAAAAAAAAAAAAAAAAAAAAAAAAAAAAAAAAAAAAAAAAAAAAAAAAAAAAAAAAAAAAAAAAAAAAFAAAADwAAAABAAAAAAAAAAAAAAk8AAAAAQAAAAMAAAAAAAAAAAAAAAAAAAAAAAAAZAAAAGQAAAAAAAAAZAAAAGQAAAAVAAAAYAAAAAAAAAAAAAAADwAAACADAAAAAAAAAAAAAAEAAACgMgAAVgcAAKr4//8BAAAAf39/AAEAAABkAAAAAAAAABQAAABAHwAAAAAAACYAAAAAAAAAwOD//wAAAAAmAAAAZAAAABYAAABMAAAAAAAAAAAAAAAEAAAAAAAAAAEAAACAgIAKAAAAACgAAAAoAAAAZAAAAGQAAAAAAAAAzMzMAAAAAABQAAAAUAAAAGQAAABkAAAAAAAAABcAAAAUAAAAAAAAAAAAAAD/fwAA/38AAAAAAAAJAAAABAAAAP////8eAAAAaAAAAAAAAAAAAAAAAAAAAAAAAAAAAAAAECcAABAnAAAAAAAAAAAAAAAAAAAAAAAAAAAAAAAAAAAAAAAAAAAAABQAAAAAAAAAwMD/AAAAAABkAAAAMgAAAAAAAABkAAAAAAAAAH9/fwAKAAAAIgAAABgAAAAAAAAAAAAAAAAAAAAAAAAAAAAAAAAAAAAkAAAAJAAAAAAAAAAHAAAAAAAAAAAAAAAAAAAAAAAAAAAAAAAAAAAAf39/ACUAAABYAAAAAAAAAAAAAAAAAAAAAAAAAAAAAAAAAAAAAAAAAAAAAAAAAAAAAAAAAAAAAAA/AAAAAAAAAKCGAQAAAAAAAAAAAAAAAAAMAAAAAQAAAAAAAAAAAAAAAAAAAB8AAABUAAAA////Af///wEAAAAAAAAAAAAAAAAAAAAAAAAAAAAAAAAAAAAAAAAAAAAAAAJ/f38AgICAA8zMzADAwP8Af39/AAAAAAAAAAAAAAAAAAAAAAAAAAAAIQAAABgAAAAUAAAAwSMAAEcYAAC8NgAAbiIAABAAAAAmAAAACAAAAP//////////"/>
+                <pr:smNativeData xmlns:pr="smNativeData" xmlns="smNativeData" val="SMDATA_15_eM6NYhMAAAAlAAAA/wEAAA8BAAAAkAAAAEgAAACQAAAASAAAAAAAAAAAAAAAAAAAAAEAAABQAAAAG5uAtbEJAMDWOKmm/A0GwMJ7CSS8l/C/AAAAAAAA+L8AAAAAAADgPwAAAAAAAOA/AAAAAAAA4D8AAAAAAADgPwAAAAAAAOA/AAAAAAAA4D8CAAAAjAAAAAEAAAAAAAAA////CP///wgAAAAAAAAAAAAAAAAAAAAAAAAAAAAAAAAAAAAAZAAAAAEAAABAAAAAAAAAAAAAAAAAAAAAAAAAAAAAAAAAAAAAAAAAAAAAAAAAAAAAAAAAAAAAAAAAAAAAAAAAAAAAAAAAAAAAAAAAAAAAAAAAAAAAAAAAAAAAAAAAAAAAFAAAADwAAAABAAAAAAAAAAAAAAk8AAAAAQAAAAMAAAAAAAAAAAAAAAAAAAAAAAAAZAAAAGQAAAAAAAAAZAAAAGQAAAAVAAAAYAAAAAAAAAAAAAAADwAAACADAAAAAAAAAAAAAAEAAACgMgAAVgcAAKr4//8BAAAAf39/AAEAAABkAAAAAAAAABQAAABAHwAAAAAAACYAAAAAAAAAwOD//wAAAAAmAAAAZAAAABYAAABMAAAAAAAAAAAAAAAEAAAAAAAAAAEAAACAgIAKAAAAACgAAAAoAAAAZAAAAGQAAAAAAAAAzMzMAAAAAABQAAAAUAAAAGQAAABkAAAAAAAAABcAAAAUAAAAAAAAAAAAAAD/fwAA/38AAAAAAAAJAAAABAAAAP////8eAAAAaAAAAAAAAAAAAAAAAAAAAAAAAAAAAAAAECcAABAnAAAAAAAAAAAAAAAAAAAAAAAAAAAAAAAAAAAAAAAAAAAAABQAAAAAAAAAwMD/AAAAAABkAAAAMgAAAAAAAABkAAAAAAAAAH9/fwAKAAAAIgAAABgAAAAAAAAAAAAAAAAAAAAAAAAAAAAAAAAAAAAkAAAAJAAAAAAAAAAHAAAAAAAAAAAAAAAAAAAAAAAAAAAAAAAAAAAAf39/ACUAAABYAAAAAAAAAAAAAAAAAAAAAAAAAAAAAAAAAAAAAAAAAAAAAAAAAAAAAAAAAAAAAAA/AAAAAAAAAKCGAQAAAAAAAAAAAAAAAAAMAAAAAQAAAAAAAAAAAAAAAAAAAB8AAABUAAAA////Af///wEAAAAAAAAAAAAAAAAAAAAAAAAAAAAAAAAAAAAAAAAAAAAAAAJ/f38AgICAA8zMzADAwP8Af39/AAAAAAAAAAAAAAAAAAAAAAAAAAAAIQAAABgAAAAUAAAAwSMAAEcYAAC8NgAAbiIAABAAAAAmAAAACAAAAP//////////"/>
               </a:ext>
             </a:extLst>
           </p:cNvSpPr>
@@ -4554,7 +4530,7 @@
           <p:cNvSpPr>
             <a:extLst>
               <a:ext uri="smNativeData">
-                <pr:smNativeData xmlns:pr="smNativeData" xmlns="smNativeData" val="SMDATA_15_zA6NYhMAAAAlAAAAjAIAAA8BAAAAkAAAAEgAAACQAAAASAAAAAAAAAAAAAAAAAAAAAEAAABQAAAALvoK0ozF3T8AAAAAAADgPwAAAAAAAOA/AAAAAAAA4D8AAAAAAADgPwAAAAAAAOA/AAAAAAAA4D8AAAAAAADgPwAAAAAAAOA/AAAAAAAA4D8CAAAAjAAAAAEAAAAAAAAA/wAAAP///wgAAAAAAAAAAAAAAAAAAAAAAAAAAAAAAAAAAAAAZAAAAAEAAABAAAAAAAAAAAAAAAAAAAAAAAAAAAAAAAAAAAAAAAAAAAAAAAAAAAAAAAAAAAAAAAAAAAAAAAAAAAAAAAAAAAAAAAAAAAAAAAAAAAAAAAAAAAAAAAAAAAAAFAAAADwAAAABAAAAAAAAAAAAAAk8AAAAAQAAAAMAAAAAAAAAAAAAAAAAAAAAAAAAZAAAAGQAAAAAAAAAZAAAAGQAAAAVAAAAYAAAAAAAAAAAAAAADwAAACADAAAAAAAAAAAAAAEAAACgMgAAVgcAAKr4//8BAAAAf39/AAEAAABkAAAAAAAAABQAAABAHwAAAAAAACYAAAAAAAAAwOD//wAAAAAmAAAAZAAAABYAAABMAAAAAAAAAAAAAAAEAAAAAAAAAAEAAACAgIAKAAAAACgAAAAoAAAAZAAAAGQAAAAAAAAAzMzMAAAAAABQAAAAUAAAAGQAAABkAAAAAAAAABcAAAAUAAAAAAAAAAAAAAD/fwAA/38AAAAAAAAJAAAABAAAAAAAAAAeAAAAaAAAAAAAAAAAAAAAAAAAAAAAAAAAAAAAECcAABAnAAAAAAAAAAAAAAAAAAAAAAAAAAAAAAAAAAAAAAAAAAAAABQAAAAAAAAAwMD/AAAAAABkAAAAMgAAAAAAAABkAAAAAAAAAH9/fwAKAAAAIgAAABgAAAAAAAAAAAAAAAAAAAAAAAAAAAAAAAAAAAAkAAAAJAAAAAAAAAAHAAAAAAAAAAAAAAAAAAAAAAAAAAAAAAAAAAAAf39/ACUAAABYAAAAAAAAAAAAAAAAAAAAAAAAAAAAAAAAAAAAAAAAAAAAAAAAAAAAAAAAAAAAAAA/AAAAAAAAAKCGAQAAAAAAAAAAAAAAAAAMAAAAAQAAAAAAAAAAAAAAAAAAAB8AAABUAAAA/wAAAP///wEAAAAAAAAAAAAAAAAAAAAAAAAAAAAAAAAAAAAAAAAAAAAAAAJ/f38AgICAA8zMzADAwP8Af39/AAAAAAAAAAAAAAAAAAAAAAAAAAAAIQAAABgAAAAUAAAAAg8AAEcYAADmHgAAnCgAABAAAAAmAAAACAAAAP//////////"/>
+                <pr:smNativeData xmlns:pr="smNativeData" xmlns="smNativeData" val="SMDATA_15_eM6NYhMAAAAlAAAAjAIAAA8BAAAAkAAAAEgAAACQAAAASAAAAAAAAAAAAAAAAAAAAAEAAABQAAAALvoK0ozF3T8AAAAAAADgPwAAAAAAAOA/AAAAAAAA4D8AAAAAAADgPwAAAAAAAOA/AAAAAAAA4D8AAAAAAADgPwAAAAAAAOA/AAAAAAAA4D8CAAAAjAAAAAEAAAAAAAAA/wAAAP///wgAAAAAAAAAAAAAAAAAAAAAAAAAAAAAAAAAAAAAZAAAAAEAAABAAAAAAAAAAAAAAAAAAAAAAAAAAAAAAAAAAAAAAAAAAAAAAAAAAAAAAAAAAAAAAAAAAAAAAAAAAAAAAAAAAAAAAAAAAAAAAAAAAAAAAAAAAAAAAAAAAAAAFAAAADwAAAABAAAAAAAAAAAAAAk8AAAAAQAAAAMAAAAAAAAAAAAAAAAAAAAAAAAAZAAAAGQAAAAAAAAAZAAAAGQAAAAVAAAAYAAAAAAAAAAAAAAADwAAACADAAAAAAAAAAAAAAEAAACgMgAAVgcAAKr4//8BAAAAf39/AAEAAABkAAAAAAAAABQAAABAHwAAAAAAACYAAAAAAAAAwOD//wAAAAAmAAAAZAAAABYAAABMAAAAAAAAAAAAAAAEAAAAAAAAAAEAAACAgIAKAAAAACgAAAAoAAAAZAAAAGQAAAAAAAAAzMzMAAAAAABQAAAAUAAAAGQAAABkAAAAAAAAABcAAAAUAAAAAAAAAAAAAAD/fwAA/38AAAAAAAAJAAAABAAAAAAAAAAeAAAAaAAAAAAAAAAAAAAAAAAAAAAAAAAAAAAAECcAABAnAAAAAAAAAAAAAAAAAAAAAAAAAAAAAAAAAAAAAAAAAAAAABQAAAAAAAAAwMD/AAAAAABkAAAAMgAAAAAAAABkAAAAAAAAAH9/fwAKAAAAIgAAABgAAAAAAAAAAAAAAAAAAAAAAAAAAAAAAAAAAAAkAAAAJAAAAAAAAAAHAAAAAAAAAAAAAAAAAAAAAAAAAAAAAAAAAAAAf39/ACUAAABYAAAAAAAAAAAAAAAAAAAAAAAAAAAAAAAAAAAAAAAAAAAAAAAAAAAAAAAAAAAAAAA/AAAAAAAAAKCGAQAAAAAAAAAAAAAAAAAMAAAAAQAAAAAAAAAAAAAAAAAAAB8AAABUAAAA/wAAAP///wEAAAAAAAAAAAAAAAAAAAAAAAAAAAAAAAAAAAAAAAAAAAAAAAJ/f38AgICAA8zMzADAwP8Af39/AAAAAAAAAAAAAAAAAAAAAAAAAAAAIQAAABgAAAAUAAAAAg8AAEcYAADmHgAAnCgAABAAAAAmAAAACAAAAP//////////"/>
               </a:ext>
             </a:extLst>
           </p:cNvSpPr>
@@ -4590,7 +4566,7 @@
           <p:cNvSpPr>
             <a:extLst>
               <a:ext uri="smNativeData">
-                <pr:smNativeData xmlns:pr="smNativeData" xmlns="smNativeData" val="SMDATA_15_zA6NYhMAAAAlAAAAAwIAAA8BAAAAkAAAAEgAAACQAAAASAAAAAAAAAAAAAAAAAAAAAEAAABQAAAAczpjMacztr9x4EGeEUsCwJSxXwvF4eK/AAAAAAAA+L+/TxDs+wTxvwAAAAAAAOA/AAAAAAAA4D8AAAAAAADgPwAAAAAAAOA/AAAAAAAA4D8CAAAAjAAAAAEAAAAAAAAA////CP///wgAAAAAAAAAAAAAAAAAAAAAAAAAAAAAAAAAAAAAZAAAAAEAAABAAAAAAAAAAAAAAAAAAAAAAAAAAAAAAAAAAAAAAAAAAAAAAAAAAAAAAAAAAAAAAAAAAAAAAAAAAAAAAAAAAAAAAAAAAAAAAAAAAAAAAAAAAAAAAAAAAAAAFAAAADwAAAABAAAAAAAAAAAAAAk8AAAAAQAAAAMAAAAAAAAAAAAAAAAAAAAAAAAAZAAAAGQAAAAAAAAAZAAAAGQAAAAVAAAAYAAAAAAAAAAAAAAADwAAACADAAAAAAAAAAAAAAEAAACgMgAAVgcAAKr4//8BAAAAf39/AAEAAABkAAAAAAAAABQAAABAHwAAAAAAACYAAAAAAAAAwOD//wAAAAAmAAAAZAAAABYAAABMAAAAAAAAAAAAAAAEAAAAAAAAAAEAAACAgIAKAAAAACgAAAAoAAAAZAAAAGQAAAAAAAAAzMzMAAAAAABQAAAAUAAAAGQAAABkAAAAAAAAABcAAAAUAAAAAAAAAAAAAAD/fwAA/38AAAAAAAAJAAAABAAAAOBsaP8eAAAAaAAAAAAAAAAAAAAAAAAAAAAAAAAAAAAAECcAABAnAAAAAAAAAAAAAAAAAAAAAAAAAAAAAAAAAAAAAAAAAAAAABQAAAAAAAAAwMD/AAAAAABkAAAAMgAAAAAAAABkAAAAAAAAAH9/fwAKAAAAIgAAABgAAAAAAAAAAAAAAAAAAAAAAAAAAAAAAAAAAAAkAAAAJAAAAAAAAAAHAAAAAAAAAAAAAAAAAAAAAAAAAAAAAAAAAAAAf39/ACUAAABYAAAAAAAAAAAAAAAAAAAAAAAAAAAAAAAAAAAAAAAAAAAAAAAAAAAAAAAAAAAAAAA/AAAAAAAAAKCGAQAAAAAAAAAAAAAAAAAMAAAAAQAAAAAAAAAAAAAAAAAAAB8AAABUAAAA////Af///wEAAAAAAAAAAAAAAAAAAAAAAAAAAAAAAAAAAAAAAAAAAAAAAAJ/f38AgICAA8zMzADAwP8Af39/AAAAAAAAAAAAAAAAAAAAAAAAAAAAIQAAABgAAAAUAAAAjCEAAJEOAACVLAAAGBUAABAAAAAmAAAACAAAAP//////////"/>
+                <pr:smNativeData xmlns:pr="smNativeData" xmlns="smNativeData" val="SMDATA_15_eM6NYhMAAAAlAAAAAwIAAA8BAAAAkAAAAEgAAACQAAAASAAAAAAAAAAAAAAAAAAAAAEAAABQAAAAczpjMacztr9x4EGeEUsCwJSxXwvF4eK/AAAAAAAA+L+/TxDs+wTxvwAAAAAAAOA/AAAAAAAA4D8AAAAAAADgPwAAAAAAAOA/AAAAAAAA4D8CAAAAjAAAAAEAAAAAAAAA////CP///wgAAAAAAAAAAAAAAAAAAAAAAAAAAAAAAAAAAAAAZAAAAAEAAABAAAAAAAAAAAAAAAAAAAAAAAAAAAAAAAAAAAAAAAAAAAAAAAAAAAAAAAAAAAAAAAAAAAAAAAAAAAAAAAAAAAAAAAAAAAAAAAAAAAAAAAAAAAAAAAAAAAAAFAAAADwAAAABAAAAAAAAAAAAAAk8AAAAAQAAAAMAAAAAAAAAAAAAAAAAAAAAAAAAZAAAAGQAAAAAAAAAZAAAAGQAAAAVAAAAYAAAAAAAAAAAAAAADwAAACADAAAAAAAAAAAAAAEAAACgMgAAVgcAAKr4//8BAAAAf39/AAEAAABkAAAAAAAAABQAAABAHwAAAAAAACYAAAAAAAAAwOD//wAAAAAmAAAAZAAAABYAAABMAAAAAAAAAAAAAAAEAAAAAAAAAAEAAACAgIAKAAAAACgAAAAoAAAAZAAAAGQAAAAAAAAAzMzMAAAAAABQAAAAUAAAAGQAAABkAAAAAAAAABcAAAAUAAAAAAAAAAAAAAD/fwAA/38AAAAAAAAJAAAABAAAAOBsaP8eAAAAaAAAAAAAAAAAAAAAAAAAAAAAAAAAAAAAECcAABAnAAAAAAAAAAAAAAAAAAAAAAAAAAAAAAAAAAAAAAAAAAAAABQAAAAAAAAAwMD/AAAAAABkAAAAMgAAAAAAAABkAAAAAAAAAH9/fwAKAAAAIgAAABgAAAAAAAAAAAAAAAAAAAAAAAAAAAAAAAAAAAAkAAAAJAAAAAAAAAAHAAAAAAAAAAAAAAAAAAAAAAAAAAAAAAAAAAAAf39/ACUAAABYAAAAAAAAAAAAAAAAAAAAAAAAAAAAAAAAAAAAAAAAAAAAAAAAAAAAAAAAAAAAAAA/AAAAAAAAAKCGAQAAAAAAAAAAAAAAAAAMAAAAAQAAAAAAAAAAAAAAAAAAAB8AAABUAAAA////Af///wEAAAAAAAAAAAAAAAAAAAAAAAAAAAAAAAAAAAAAAAAAAAAAAAJ/f38AgICAA8zMzADAwP8Af39/AAAAAAAAAAAAAAAAAAAAAAAAAAAAIQAAABgAAAAUAAAAjCEAAJEOAACVLAAAGBUAABAAAAAmAAAACAAAAP//////////"/>
               </a:ext>
             </a:extLst>
           </p:cNvSpPr>
@@ -4653,7 +4629,7 @@
           <p:cNvSpPr txBox="1">
             <a:extLst>
               <a:ext uri="smNativeData">
-                <pr:smNativeData xmlns:pr="smNativeData" xmlns="smNativeData" val="SMDATA_15_zA6NYhMAAAAlAAAAEgAAAE8BAAAAkAAAAEgAAACQAAAASAAAAAAAAAAAAAAAAAAAAAEAAABQAAAAAAAAAAAA4D8AAAAAAADgPwAAAAAAAOA/AAAAAAAA4D8AAAAAAADgPwAAAAAAAOA/AAAAAAAA4D8AAAAAAADgPwAAAAAAAOA/AAAAAAAA4D8CAAAAjAAAAAAAAAAAAAAAu+DjDP///wgAAAAAAAAAAAAAAAAAAAAAAAAAAAAAAAAAAAAAZAAAAAEAAABAAAAAAAAAAAAAAAAAAAAAAAAAAAAAAAAAAAAAAAAAAAAAAAAAAAAAAAAAAAAAAAAAAAAAAAAAAAAAAAAAAAAAAAAAAAAAAAAAAAAAAAAAAAAAAAAAAAAAFAAAADwAAAAAAAAAAAAAAAAAAAkUAAAAAQAAABQAAAAUAAAAFAAAAAEAAAAAAAAAZAAAAGQAAAAAAAAAZAAAAGQAAAAVAAAAYAAAAAAAAAAAAAAADwAAACADAAAAAAAAAAAAAAEAAACgMgAAVgcAAKr4//8BAAAAf39/AAEAAABkAAAAAAAAABQAAABAHwAAAAAAACYAAAAAAAAAwOD//wAAAAAmAAAAZAAAABYAAABMAAAAAAAAAAAAAAAEAAAAAAAAAAEAAACAgIAKAAAAACgAAAAoAAAAZAAAAGQAAAAAAAAAzMzMAAAAAABQAAAAUAAAAGQAAABkAAAAAAAAABcAAAAUAAAAAAAAANwIAAD/fwAA/38AAAAAAAAJAAAABAAAAAAAAEoeAAAAaAAAAAAAAAAAAAAAAAAAAAAAAAAAAAAAECcAABAnAAAAAAAAAAAAAAAAAAAAAAAAAAAAAAAAAAAAAAAAAAAAABQAAAAAAAAAwMD/AAAAAABkAAAAMgAAAAAAAABkAAAAAAAAAH9/fwAKAAAAIgAAABgAAAAAAAAAAAAAAAAAAAAAAAAAAAAAAAAAAAAkAAAAJAAAAAAAAAAHAAAAAAAAAAAAAAAAAAAAAAAAAAAAAAAAAAAAf39/ACUAAABYAAAAAAAAAAAAAAAAAAAAAAAAAAAAAAAAAAAAAAAAAAAAAAAAAAAAAAAAAAAAAAA/AAAAAAAAAKCGAQAAAAAAAAAAAAAAAAAMAAAAAQAAAAAAAAAAAAAAAAAAAB8AAABUAAAAu+DjBf///wEAAAAAAAAAAAAAAAAAAAAAAAAAAAAAAAAAAAAAAAAAAAAAAAJ/f38AgICAA8zMzADAwP8Af39/AAAAAAAAAAAAAAAAAAAAAAAAAAAAIQAAABgAAAAUAAAA2wQAABcDAAC3DQAARwYAABAgAAAmAAAACAAAAP//////////"/>
+                <pr:smNativeData xmlns:pr="smNativeData" xmlns="smNativeData" val="SMDATA_15_eM6NYhMAAAAlAAAAEgAAAE8BAAAAkAAAAEgAAACQAAAASAAAAAAAAAAAAAAAAAAAAAEAAABQAAAAAAAAAAAA4D8AAAAAAADgPwAAAAAAAOA/AAAAAAAA4D8AAAAAAADgPwAAAAAAAOA/AAAAAAAA4D8AAAAAAADgPwAAAAAAAOA/AAAAAAAA4D8CAAAAjAAAAAAAAAAAAAAAu+DjDP///wgAAAAAAAAAAAAAAAAAAAAAAAAAAAAAAAAAAAAAZAAAAAEAAABAAAAAAAAAAAAAAAAAAAAAAAAAAAAAAAAAAAAAAAAAAAAAAAAAAAAAAAAAAAAAAAAAAAAAAAAAAAAAAAAAAAAAAAAAAAAAAAAAAAAAAAAAAAAAAAAAAAAAFAAAADwAAAAAAAAAAAAAAAAAAAkUAAAAAQAAABQAAAAUAAAAFAAAAAEAAAAAAAAAZAAAAGQAAAAAAAAAZAAAAGQAAAAVAAAAYAAAAAAAAAAAAAAADwAAACADAAAAAAAAAAAAAAEAAACgMgAAVgcAAKr4//8BAAAAf39/AAEAAABkAAAAAAAAABQAAABAHwAAAAAAACYAAAAAAAAAwOD//wAAAAAmAAAAZAAAABYAAABMAAAAAAAAAAAAAAAEAAAAAAAAAAEAAACAgIAKAAAAACgAAAAoAAAAZAAAAGQAAAAAAAAAzMzMAAAAAABQAAAAUAAAAGQAAABkAAAAAAAAABcAAAAUAAAAAAAAANwIAAD/fwAA/38AAAAAAAAJAAAABAAAAAAAAEoeAAAAaAAAAAAAAAAAAAAAAAAAAAAAAAAAAAAAECcAABAnAAAAAAAAAAAAAAAAAAAAAAAAAAAAAAAAAAAAAAAAAAAAABQAAAAAAAAAwMD/AAAAAABkAAAAMgAAAAAAAABkAAAAAAAAAH9/fwAKAAAAIgAAABgAAAAAAAAAAAAAAAAAAAAAAAAAAAAAAAAAAAAkAAAAJAAAAAAAAAAHAAAAAAAAAAAAAAAAAAAAAAAAAAAAAAAAAAAAf39/ACUAAABYAAAAAAAAAAAAAAAAAAAAAAAAAAAAAAAAAAAAAAAAAAAAAAAAAAAAAAAAAAAAAAA/AAAAAAAAAKCGAQAAAAAAAAAAAAAAAAAMAAAAAQAAAAAAAAAAAAAAAAAAAB8AAABUAAAAu+DjBf///wEAAAAAAAAAAAAAAAAAAAAAAAAAAAAAAAAAAAAAAAAAAAAAAAJ/f38AgICAA8zMzADAwP8Af39/AAAAAAAAAAAAAAAAAAAAAAAAAAAAIQAAABgAAAAUAAAA2wQAABcDAAC3DQAARwYAABAgAAAmAAAACAAAAP//////////"/>
               </a:ext>
             </a:extLst>
           </p:cNvSpPr>
@@ -4724,7 +4700,7 @@
           <p:cNvSpPr txBox="1">
             <a:extLst>
               <a:ext uri="smNativeData">
-                <pr:smNativeData xmlns:pr="smNativeData" xmlns="smNativeData" val="SMDATA_15_zA6NYhMAAAAlAAAAEgAAAE8BAAAAkAAAAEgAAACQAAAASAAAAAAAAAAAAAAAAAAAAAEAAABQAAAAAAAAAAAA4D8AAAAAAADgPwAAAAAAAOA/AAAAAAAA4D8AAAAAAADgPwAAAAAAAOA/AAAAAAAA4D8AAAAAAADgPwAAAAAAAOA/AAAAAAAA4D8CAAAAjAAAAAAAAAAAAAAAu+DjDP///wgAAAAAAAAAAAAAAAAAAAAAAAAAAAAAAAAAAAAAZAAAAAEAAABAAAAAAAAAAAAAAAAAAAAAAAAAAAAAAAAAAAAAAAAAAAAAAAAAAAAAAAAAAAAAAAAAAAAAAAAAAAAAAAAAAAAAAAAAAAAAAAAAAAAAAAAAAAAAAAAAAAAAFAAAADwAAAAAAAAAAAAAAAAAAAkUAAAAAQAAABQAAAAUAAAAFAAAAAEAAAAAAAAAZAAAAGQAAAAAAAAAZAAAAGQAAAAVAAAAYAAAAAAAAAAAAAAADwAAACADAAAAAAAAAAAAAAEAAACgMgAAVgcAAKr4//8BAAAAf39/AAEAAABkAAAAAAAAABQAAABAHwAAAAAAACYAAAAAAAAAwOD//wAAAAAmAAAAZAAAABYAAABMAAAAAAAAAAAAAAAEAAAAAAAAAAEAAACAgIAKAAAAACgAAAAoAAAAZAAAAGQAAAAAAAAAzMzMAAAAAABQAAAAUAAAAGQAAABkAAAAAAAAABcAAAAUAAAAAAAAANwIAAD/fwAA/38AAAAAAAAJAAAABAAAAAAAAEoeAAAAaAAAAAAAAAAAAAAAAAAAAAAAAAAAAAAAECcAABAnAAAAAAAAAAAAAAAAAAAAAAAAAAAAAAAAAAAAAAAAAAAAABQAAAAAAAAAwMD/AAAAAABkAAAAMgAAAAAAAABkAAAAAAAAAH9/fwAKAAAAIgAAABgAAAAAAAAAAAAAAAAAAAAAAAAAAAAAAAAAAAAkAAAAJAAAAAAAAAAHAAAAAAAAAAAAAAAAAAAAAAAAAAAAAAAAAAAAf39/ACUAAABYAAAAAAAAAAAAAAAAAAAAAAAAAAAAAAAAAAAAAAAAAAAAAAAAAAAAAAAAAAAAAAA/AAAAAAAAAKCGAQAAAAAAAAAAAAAAAAAMAAAAAQAAAAAAAAAAAAAAAAAAAB8AAABUAAAAu+DjBf///wEAAAAAAAAAAAAAAAAAAAAAAAAAAAAAAAAAAAAAAAAAAAAAAAJ/f38AgICAA8zMzADAwP8Af39/AAAAAAAAAAAAAAAAAAAAAAAAAAAAIQAAABgAAAAUAAAA2wQAABcDAABlFwAARwYAAAAgAAAmAAAACAAAAP//////////"/>
+                <pr:smNativeData xmlns:pr="smNativeData" xmlns="smNativeData" val="SMDATA_15_eM6NYhMAAAAlAAAAEgAAAE8BAAAAkAAAAEgAAACQAAAASAAAAAAAAAAAAAAAAAAAAAEAAABQAAAAAAAAAAAA4D8AAAAAAADgPwAAAAAAAOA/AAAAAAAA4D8AAAAAAADgPwAAAAAAAOA/AAAAAAAA4D8AAAAAAADgPwAAAAAAAOA/AAAAAAAA4D8CAAAAjAAAAAAAAAAAAAAAu+DjDP///wgAAAAAAAAAAAAAAAAAAAAAAAAAAAAAAAAAAAAAZAAAAAEAAABAAAAAAAAAAAAAAAAAAAAAAAAAAAAAAAAAAAAAAAAAAAAAAAAAAAAAAAAAAAAAAAAAAAAAAAAAAAAAAAAAAAAAAAAAAAAAAAAAAAAAAAAAAAAAAAAAAAAAFAAAADwAAAAAAAAAAAAAAAAAAAkUAAAAAQAAABQAAAAUAAAAFAAAAAEAAAAAAAAAZAAAAGQAAAAAAAAAZAAAAGQAAAAVAAAAYAAAAAAAAAAAAAAADwAAACADAAAAAAAAAAAAAAEAAACgMgAAVgcAAKr4//8BAAAAf39/AAEAAABkAAAAAAAAABQAAABAHwAAAAAAACYAAAAAAAAAwOD//wAAAAAmAAAAZAAAABYAAABMAAAAAAAAAAAAAAAEAAAAAAAAAAEAAACAgIAKAAAAACgAAAAoAAAAZAAAAGQAAAAAAAAAzMzMAAAAAABQAAAAUAAAAGQAAABkAAAAAAAAABcAAAAUAAAAAAAAANwIAAD/fwAA/38AAAAAAAAJAAAABAAAAAAAAEoeAAAAaAAAAAAAAAAAAAAAAAAAAAAAAAAAAAAAECcAABAnAAAAAAAAAAAAAAAAAAAAAAAAAAAAAAAAAAAAAAAAAAAAABQAAAAAAAAAwMD/AAAAAABkAAAAMgAAAAAAAABkAAAAAAAAAH9/fwAKAAAAIgAAABgAAAAAAAAAAAAAAAAAAAAAAAAAAAAAAAAAAAAkAAAAJAAAAAAAAAAHAAAAAAAAAAAAAAAAAAAAAAAAAAAAAAAAAAAAf39/ACUAAABYAAAAAAAAAAAAAAAAAAAAAAAAAAAAAAAAAAAAAAAAAAAAAAAAAAAAAAAAAAAAAAA/AAAAAAAAAKCGAQAAAAAAAAAAAAAAAAAMAAAAAQAAAAAAAAAAAAAAAAAAAB8AAABUAAAAu+DjBf///wEAAAAAAAAAAAAAAAAAAAAAAAAAAAAAAAAAAAAAAAAAAAAAAAJ/f38AgICAA8zMzADAwP8Af39/AAAAAAAAAAAAAAAAAAAAAAAAAAAAIQAAABgAAAAUAAAA2wQAABcDAABlFwAARwYAABAgAAAmAAAACAAAAP//////////"/>
               </a:ext>
             </a:extLst>
           </p:cNvSpPr>
@@ -4764,7 +4740,7 @@
             <a:picLocks noChangeAspect="1"/>
             <a:extLst>
               <a:ext uri="smNativeData">
-                <pr:smNativeData xmlns:pr="smNativeData" xmlns="smNativeData" val="SMDATA_17_zA6NYhMAAAAlAAAAEQAAAC8BAAAAkAAAAEgAAACQAAAASAAAAAAAAAAAAAAAAAAAAAEAAABQAAAAAAAAAAAA4D8AAAAAAADgPwAAAAAAAOA/AAAAAAAA4D8AAAAAAADgPwAAAAAAAOA/AAAAAAAA4D8AAAAAAADgPwAAAAAAAOA/AAAAAAAA4D8CAAAAjAAAAAAAAAAAAAAAu+DjDP///wgAAAAAAAAAAAAAAAAAAAAAAAAAAAAAAAAAAAAAZAAAAAEAAABAAAAAAAAAAAAAAAAAAAAAAAAAAAAAAAAAAAAAAAAAAAAAAAAAAAAAAAAAAAAAAAAAAAAAAAAAAAAAAAAAAAAAAAAAAAAAAAAAAAAAAAAAAAAAAAAAAAAAFAAAADwAAAABAAAAAAAAAAAAAAkoAAAAAQAAAAIAAAAAAAAAAAAAAAAAAAAAAAAAZAAAAGQAAAAAAAAAZAAAAGQAAAAVAAAAYAAAAAAAAAAAAAAADwAAACADAAAAAAAAAAAAAAEAAACgMgAAVgcAAKr4//8BAAAAf39/AAEAAABkAAAAAAAAABQAAABAHwAAAAAAACYAAAAAAAAAwOD//wAAAAAmAAAAZAAAABYAAABMAAAAAAAAAAAAAAAEAAAAAAAAAAEAAACAgIAKAAAAACgAAAAoAAAAZAAAAGQAAAAAAAAAzMzMAAAAAABQAAAAUAAAAGQAAABkAAAAAAAAAAcAAAA4AAAAAAAAAAAAAAAAAAAA////AAAAAAAAAAAAAAAAAAAAAAAAAAAAAAAAAAAAAABkAAAAZAAAAAAAAAAjAAAABAAAAGQAAAAXAAAAFAAAAAAAAAAAAAAA/38AAP9/AAAAAAAACQAAAAQAAABkdz48HgAAAGgAAAAAAAAAAAAAAAAAAAAAAAAAAAAAABAnAAAQJwAAAAAAAAAAAAAAAAAAAAAAAAAAAAAAAAAAAAAAAAAAAAAUAAAAAAAAAMDA/wAAAAAAZAAAADIAAAAAAAAAZAAAAAAAAAB/f38ACgAAACIAAAAYAAAAAAAAAAAAAAAAAAAAAAAAAAAAAAAAAAAAJAAAACQAAAAAAAAABwAAAAAAAAAAAAAAAAAAAAAAAAAAAAAAAAAAAH9/fwAlAAAAWAAAAAAAAAAAAAAAAAAAAAAAAAAAAAAAAAAAAAAAAAAAAAAAAAAAAAAAAAAAAAAAPwAAAAAAAACghgEAAAAAAAAAAAAAAAAADAAAAAEAAAAAAAAAAAAAAAAAAAAfAAAAVAAAALvg4wX///8BAAAAAAAAAAAAAAAAAAAAAAAAAAAAAAAAAAAAAAAAAAAAAAACf39/AICAgAPMzMwAwMD/AH9/fwAAAAAAAAAAAAAAAAD///8AAAAAACEAAAAYAAAAFAAAADoEAABzDwAACxoAAF4bAAAAAAAAJgAAAAgAAAD//////////w=="/>
+                <pr:smNativeData xmlns:pr="smNativeData" xmlns="smNativeData" val="SMDATA_17_eM6NYhMAAAAlAAAAEQAAAC8BAAAAkAAAAEgAAACQAAAASAAAAAAAAAAAAAAAAAAAAAEAAABQAAAAAAAAAAAA4D8AAAAAAADgPwAAAAAAAOA/AAAAAAAA4D8AAAAAAADgPwAAAAAAAOA/AAAAAAAA4D8AAAAAAADgPwAAAAAAAOA/AAAAAAAA4D8CAAAAjAAAAAAAAAAAAAAAu+DjDP///wgAAAAAAAAAAAAAAAAAAAAAAAAAAAAAAAAAAAAAZAAAAAEAAABAAAAAAAAAAAAAAAAAAAAAAAAAAAAAAAAAAAAAAAAAAAAAAAAAAAAAAAAAAAAAAAAAAAAAAAAAAAAAAAAAAAAAAAAAAAAAAAAAAAAAAAAAAAAAAAAAAAAAFAAAADwAAAABAAAAAAAAAAAAAAkoAAAAAQAAAAIAAAAAAAAAAAAAAAAAAAAAAAAAZAAAAGQAAAAAAAAAZAAAAGQAAAAVAAAAYAAAAAAAAAAAAAAADwAAACADAAAAAAAAAAAAAAEAAACgMgAAVgcAAKr4//8BAAAAf39/AAEAAABkAAAAAAAAABQAAABAHwAAAAAAACYAAAAAAAAAwOD//wAAAAAmAAAAZAAAABYAAABMAAAAAAAAAAAAAAAEAAAAAAAAAAEAAACAgIAKAAAAACgAAAAoAAAAZAAAAGQAAAAAAAAAzMzMAAAAAABQAAAAUAAAAGQAAABkAAAAAAAAAAcAAAA4AAAAAAAAAAAAAAAAAAAA////AAAAAAAAAAAAAAAAAAAAAAAAAAAAAAAAAAAAAABkAAAAZAAAAAAAAAAjAAAABAAAAGQAAAAXAAAAFAAAAAAAAAAAAAAA/38AAP9/AAAAAAAACQAAAAQAAABkdz48HgAAAGgAAAAAAAAAAAAAAAAAAAAAAAAAAAAAABAnAAAQJwAAAAAAAAAAAAAAAAAAAAAAAAAAAAAAAAAAAAAAAAAAAAAUAAAAAAAAAMDA/wAAAAAAZAAAADIAAAAAAAAAZAAAAAAAAAB/f38ACgAAACIAAAAYAAAAAAAAAAAAAAAAAAAAAAAAAAAAAAAAAAAAJAAAACQAAAAAAAAABwAAAAAAAAAAAAAAAAAAAAAAAAAAAAAAAAAAAH9/fwAlAAAAWAAAAAAAAAAAAAAAAAAAAAAAAAAAAAAAAAAAAAAAAAAAAAAAAAAAAAAAAAAAAAAAPwAAAAAAAACghgEAAAAAAAAAAAAAAAAADAAAAAEAAAAAAAAAAAAAAAAAAAAfAAAAVAAAALvg4wX///8BAAAAAAAAAAAAAAAAAAAAAAAAAAAAAAAAAAAAAAAAAAAAAAACf39/AICAgAPMzMwAwMD/AH9/fwAAAAAAAAAAAAAAAAD///8AAAAAACEAAAAYAAAAFAAAADoEAABzDwAACxoAAF4bAAAQAAAAJgAAAAgAAAD//////////w=="/>
               </a:ext>
             </a:extLst>
           </p:cNvPicPr>
@@ -4802,7 +4778,7 @@
           <p:cNvSpPr>
             <a:extLst>
               <a:ext uri="smNativeData">
-                <pr:smNativeData xmlns:pr="smNativeData" xmlns="smNativeData" val="SMDATA_15_zA6NYhMAAAAlAAAACgAAAA8BAAAAkAAAAEgAAACQAAAASAAAAAAAAAAAAAAAAAAAAAEAAABQAAAAAAAAAAAA4D8AAAAAAADgPwAAAAAAAOA/AAAAAAAA4D8AAAAAAADgPwAAAAAAAOA/AAAAAAAA4D8AAAAAAADgPwAAAAAAAOA/AAAAAAAA4D8CAAAAjAAAAAAAAAAAAAAAu+DjDP///wgAAAAAAAAAAAAAAAAAAAAAAAAAAAAAAAAAAAAAZAAAAAEAAABAAAAAAAAAAAAAAAAAAAAAAAAAAAAAAAAAAAAAAAAAAAAAAAAAAAAAAAAAAAAAAAAAAAAAAAAAAAAAAAAAAAAAAAAAAAAAAAAAAAAAAAAAAAAAAAAAAAAAFAAAADwAAAABAAAAAAAAAAAAAAk8AAAAAQAAAAMAAAAAAAAAAAAAAAAAAAAAAAAAZAAAAGQAAAABAAAAlgAAAJYAAAAVAAAAYAAAAAAAAAAAAAAADwAAACADAAAAAAAAAAAAAAEAAACgMgAAVgcAAKr4//8BAAAAf39/AAEAAABkAAAAAAAAABQAAABAHwAAAAAAACYAAAAAAAAAwOD//wAAAAAmAAAAZAAAABYAAABMAAAAAAAAAAAAAAAEAAAAAAAAAAEAAACAgIAKAAAAACgAAAAoAAAAZAAAAGQAAAAAAAAAzMzMAAAAAABQAAAAUAAAAGQAAABkAAAAAAAAABcAAAAUAAAAAAAAAAAAAAD/fwAA/38AAAAAAAAJAAAABAAAAEIpOgAeAAAAaAAAAAAAAAAAAAAAAAAAAAAAAAAAAAAAECcAABAnAAAAAAAAAAAAAAAAAAAAAAAAAAAAAAAAAAAAAAAAAAAAABQAAAAAAAAAwMD/AAAAAABkAAAAMgAAAAAAAABkAAAAAAAAAH9/fwAKAAAAIgAAABgAAAAAAAAAAAAAAAAAAAAAAAAAAAAAAAAAAAAkAAAAJAAAAAAAAAAHAAAAAAAAAAAAAAAAAAAAAAAAAAAAAAAAAAAAf39/ACUAAABYAAAAAAAAAAAAAAAAAAAAAAAAAAAAAAAAAAAAAAAAAAAAAAAAAAAAAAAAAAAAAAA/AAAAAAAAAKCGAQAAAAAAAAAAAAAAAAAMAAAAAQAAAAAAAAAAAAAAAAAAAB8AAABUAAAAu+DjBf///wEAAAAAAAAAAAAAAAAAAAAAAAAAAAAAAAAAAAAAAAAAAAAAAAJ/f38AgICAA8zMzADAwP8Af39/AAAAAAAAAAAAAAAAAAAAAAAAAAAAIQAAABgAAAAUAAAAlxwAACgMAAC3KgAAVhIAAAAAAAAmAAAACAAAAP//////////"/>
+                <pr:smNativeData xmlns:pr="smNativeData" xmlns="smNativeData" val="SMDATA_15_eM6NYhMAAAAlAAAACgAAAA8BAAAAkAAAAEgAAACQAAAASAAAAAAAAAAAAAAAAAAAAAEAAABQAAAAAAAAAAAA4D8AAAAAAADgPwAAAAAAAOA/AAAAAAAA4D8AAAAAAADgPwAAAAAAAOA/AAAAAAAA4D8AAAAAAADgPwAAAAAAAOA/AAAAAAAA4D8CAAAAjAAAAAAAAAAAAAAAu+DjDP///wgAAAAAAAAAAAAAAAAAAAAAAAAAAAAAAAAAAAAAZAAAAAEAAABAAAAAAAAAAAAAAAAAAAAAAAAAAAAAAAAAAAAAAAAAAAAAAAAAAAAAAAAAAAAAAAAAAAAAAAAAAAAAAAAAAAAAAAAAAAAAAAAAAAAAAAAAAAAAAAAAAAAAFAAAADwAAAABAAAAAAAAAAAAAAk8AAAAAQAAAAMAAAAAAAAAAAAAAAAAAAAAAAAAZAAAAGQAAAABAAAAlgAAAJYAAAAVAAAAYAAAAAAAAAAAAAAADwAAACADAAAAAAAAAAAAAAEAAACgMgAAVgcAAKr4//8BAAAAf39/AAEAAABkAAAAAAAAABQAAABAHwAAAAAAACYAAAAAAAAAwOD//wAAAAAmAAAAZAAAABYAAABMAAAAAAAAAAAAAAAEAAAAAAAAAAEAAACAgIAKAAAAACgAAAAoAAAAZAAAAGQAAAAAAAAAzMzMAAAAAABQAAAAUAAAAGQAAABkAAAAAAAAABcAAAAUAAAAAAAAAAAAAAD/fwAA/38AAAAAAAAJAAAABAAAAEIpOgAeAAAAaAAAAAAAAAAAAAAAAAAAAAAAAAAAAAAAECcAABAnAAAAAAAAAAAAAAAAAAAAAAAAAAAAAAAAAAAAAAAAAAAAABQAAAAAAAAAwMD/AAAAAABkAAAAMgAAAAAAAABkAAAAAAAAAH9/fwAKAAAAIgAAABgAAAAAAAAAAAAAAAAAAAAAAAAAAAAAAAAAAAAkAAAAJAAAAAAAAAAHAAAAAAAAAAAAAAAAAAAAAAAAAAAAAAAAAAAAf39/ACUAAABYAAAAAAAAAAAAAAAAAAAAAAAAAAAAAAAAAAAAAAAAAAAAAAAAAAAAAAAAAAAAAAA/AAAAAAAAAKCGAQAAAAAAAAAAAAAAAAAMAAAAAQAAAAAAAAAAAAAAAAAAAB8AAABUAAAAu+DjBf///wEAAAAAAAAAAAAAAAAAAAAAAAAAAAAAAAAAAAAAAAAAAAAAAAJ/f38AgICAA8zMzADAwP8Af39/AAAAAAAAAAAAAAAAAAAAAAAAAAAAIQAAABgAAAAUAAAAlxwAACgMAAC3KgAAVhIAABAAAAAmAAAACAAAAP//////////"/>
               </a:ext>
             </a:extLst>
           </p:cNvSpPr>
@@ -4834,7 +4810,7 @@
           <p:cNvSpPr>
             <a:extLst>
               <a:ext uri="smNativeData">
-                <pr:smNativeData xmlns:pr="smNativeData" xmlns="smNativeData" val="SMDATA_15_zA6NYhMAAAAlAAAACgAAAA8BAAAAkAAAAEgAAACQAAAASAAAAAAAAAAAAAAAAAAAAAEAAABQAAAAAAAAAAAA4D8AAAAAAADgPwAAAAAAAOA/AAAAAAAA4D8AAAAAAADgPwAAAAAAAOA/AAAAAAAA4D8AAAAAAADgPwAAAAAAAOA/AAAAAAAA4D8CAAAAjAAAAAAAAAAAAAAAu+DjDP///wgAAAAAAAAAAAAAAAAAAAAAAAAAAAAAAAAAAAAAZAAAAAEAAABAAAAAAAAAAAAAAAAAAAAAAAAAAAAAAAAAAAAAAAAAAAAAAAAAAAAAAAAAAAAAAAAAAAAAAAAAAAAAAAAAAAAAAAAAAAAAAAAAAAAAAAAAAAAAAAAAAAAAFAAAADwAAAABAAAAAAAAAAAAAAk8AAAAAQAAAAMAAAAAAAAAAAAAAAAAAAAAAAAAZAAAAGQAAAABAAAAlgAAAJYAAAAVAAAAYAAAAAAAAAAAAAAADwAAACADAAAAAAAAAAAAAAEAAACgMgAAVgcAAKr4//8BAAAAf39/AAEAAABkAAAAAAAAABQAAABAHwAAAAAAACYAAAAAAAAAwOD//wAAAAAmAAAAZAAAABYAAABMAAAAAAAAAAAAAAAEAAAAAAAAAAEAAACAgIAKAAAAACgAAAAoAAAAZAAAAGQAAAAAAAAAzMzMAAAAAABQAAAAUAAAAGQAAABkAAAAAAAAABcAAAAUAAAAAAAAAAAAAAD/fwAA/38AAAAAAAAJAAAABAAAAEFFZ0EeAAAAaAAAAAAAAAAAAAAAAAAAAAAAAAAAAAAAECcAABAnAAAAAAAAAAAAAAAAAAAAAAAAAAAAAAAAAAAAAAAAAAAAABQAAAAAAAAAwMD/AAAAAABkAAAAMgAAAAAAAABkAAAAAAAAAH9/fwAKAAAAIgAAABgAAAAAAAAAAAAAAAAAAAAAAAAAAAAAAAAAAAAkAAAAJAAAAAAAAAAHAAAAAAAAAAAAAAAAAAAAAAAAAAAAAAAAAAAAf39/ACUAAABYAAAAAAAAAAAAAAAAAAAAAAAAAAAAAAAAAAAAAAAAAAAAAAAAAAAAAAAAAAAAAAA/AAAAAAAAAKCGAQAAAAAAAAAAAAAAAAAMAAAAAQAAAAAAAAAAAAAAAAAAAB8AAABUAAAAu+DjBf///wEAAAAAAAAAAAAAAAAAAAAAAAAAAAAAAAAAAAAAAAAAAAAAAAJ/f38AgICAA8zMzADAwP8Af39/AAAAAAAAAAAAAAAAAAAAAAAAAAAAIQAAABgAAAAUAAAAQBwAAP8WAABCKwAASxwAAAAAAAAmAAAACAAAAP//////////"/>
+                <pr:smNativeData xmlns:pr="smNativeData" xmlns="smNativeData" val="SMDATA_15_eM6NYhMAAAAlAAAACgAAAA8BAAAAkAAAAEgAAACQAAAASAAAAAAAAAAAAAAAAAAAAAEAAABQAAAAAAAAAAAA4D8AAAAAAADgPwAAAAAAAOA/AAAAAAAA4D8AAAAAAADgPwAAAAAAAOA/AAAAAAAA4D8AAAAAAADgPwAAAAAAAOA/AAAAAAAA4D8CAAAAjAAAAAAAAAAAAAAAu+DjDP///wgAAAAAAAAAAAAAAAAAAAAAAAAAAAAAAAAAAAAAZAAAAAEAAABAAAAAAAAAAAAAAAAAAAAAAAAAAAAAAAAAAAAAAAAAAAAAAAAAAAAAAAAAAAAAAAAAAAAAAAAAAAAAAAAAAAAAAAAAAAAAAAAAAAAAAAAAAAAAAAAAAAAAFAAAADwAAAABAAAAAAAAAAAAAAk8AAAAAQAAAAMAAAAAAAAAAAAAAAAAAAAAAAAAZAAAAGQAAAABAAAAlgAAAJYAAAAVAAAAYAAAAAAAAAAAAAAADwAAACADAAAAAAAAAAAAAAEAAACgMgAAVgcAAKr4//8BAAAAf39/AAEAAABkAAAAAAAAABQAAABAHwAAAAAAACYAAAAAAAAAwOD//wAAAAAmAAAAZAAAABYAAABMAAAAAAAAAAAAAAAEAAAAAAAAAAEAAACAgIAKAAAAACgAAAAoAAAAZAAAAGQAAAAAAAAAzMzMAAAAAABQAAAAUAAAAGQAAABkAAAAAAAAABcAAAAUAAAAAAAAAAAAAAD/fwAA/38AAAAAAAAJAAAABAAAAEFFZ0EeAAAAaAAAAAAAAAAAAAAAAAAAAAAAAAAAAAAAECcAABAnAAAAAAAAAAAAAAAAAAAAAAAAAAAAAAAAAAAAAAAAAAAAABQAAAAAAAAAwMD/AAAAAABkAAAAMgAAAAAAAABkAAAAAAAAAH9/fwAKAAAAIgAAABgAAAAAAAAAAAAAAAAAAAAAAAAAAAAAAAAAAAAkAAAAJAAAAAAAAAAHAAAAAAAAAAAAAAAAAAAAAAAAAAAAAAAAAAAAf39/ACUAAABYAAAAAAAAAAAAAAAAAAAAAAAAAAAAAAAAAAAAAAAAAAAAAAAAAAAAAAAAAAAAAAA/AAAAAAAAAKCGAQAAAAAAAAAAAAAAAAAMAAAAAQAAAAAAAAAAAAAAAAAAAB8AAABUAAAAu+DjBf///wEAAAAAAAAAAAAAAAAAAAAAAAAAAAAAAAAAAAAAAAAAAAAAAAJ/f38AgICAA8zMzADAwP8Af39/AAAAAAAAAAAAAAAAAAAAAAAAAAAAIQAAABgAAAAUAAAAQBwAAP8WAABCKwAASxwAABAAAAAmAAAACAAAAP//////////"/>
               </a:ext>
             </a:extLst>
           </p:cNvSpPr>
@@ -4866,7 +4842,7 @@
           <p:cNvSpPr txBox="1">
             <a:extLst>
               <a:ext uri="smNativeData">
-                <pr:smNativeData xmlns:pr="smNativeData" xmlns="smNativeData" val="SMDATA_15_zA6NYhMAAAAlAAAAEgAAAE8BAAAAkAAAAEgAAACQAAAASAAAAAAAAAAAAAAAAAAAAAEAAABQAAAAAAAAAAAA4D8AAAAAAADgPwAAAAAAAOA/AAAAAAAA4D8AAAAAAADgPwAAAAAAAOA/AAAAAAAA4D8AAAAAAADgPwAAAAAAAOA/AAAAAAAA4D8CAAAAjAAAAAAAAAAAAAAAu+DjDP///wgAAAAAAAAAAAAAAAAAAAAAAAAAAAAAAAAAAAAAZAAAAAEAAABAAAAAAAAAAAAAAAAAAAAAAAAAAAAAAAAAAAAAAAAAAAAAAAAAAAAAAAAAAAAAAAAAAAAAAAAAAAAAAAAAAAAAAAAAAAAAAAAAAAAAAAAAAAAAAAAAAAAAFAAAADwAAAAAAAAAAAAAAAAAAAkUAAAAAQAAABQAAAAUAAAAFAAAAAEAAAAAAAAAZAAAAGQAAAAAAAAAZAAAAGQAAAAVAAAAYAAAAAAAAAAAAAAADwAAACADAAAAAAAAAAAAAAEAAACgMgAAVgcAAKr4//8BAAAAf39/AAEAAABkAAAAAAAAABQAAABAHwAAAAAAACYAAAAAAAAAwOD//wAAAAAmAAAAZAAAABYAAABMAAAAAAAAAAAAAAAEAAAAAAAAAAEAAACAgIAKAAAAACgAAAAoAAAAZAAAAGQAAAAAAAAAzMzMAAAAAABQAAAAUAAAAGQAAABkAAAAAAAAABcAAAAUAAAAAAAAANwIAAD/fwAA/38AAAAAAAAJAAAABAAAAAAAAJkeAAAAaAAAAAAAAAAAAAAAAAAAAAAAAAAAAAAAECcAABAnAAAAAAAAAAAAAAAAAAAAAAAAAAAAAAAAAAAAAAAAAAAAABQAAAAAAAAAwMD/AAAAAABkAAAAMgAAAAAAAABkAAAAAAAAAH9/fwAKAAAAIgAAABgAAAAAAAAAAAAAAAAAAAAAAAAAAAAAAAAAAAAkAAAAJAAAAAAAAAAHAAAAAAAAAAAAAAAAAAAAAAAAAAAAAAAAAAAAf39/ACUAAABYAAAAAAAAAAAAAAAAAAAAAAAAAAAAAAAAAAAAAAAAAAAAAAAAAAAAAAAAAAAAAAA/AAAAAAAAAKCGAQAAAAAAAAAAAAAAAAAMAAAAAQAAAAAAAAAAAAAAAAAAAB8AAABUAAAAu+DjBf///wEAAAAAAAAAAAAAAAAAAAAAAAAAAAAAAAAAAAAAAAAAAAAAAAJ/f38AgICAA8zMzADAwP8Af39/AAAAAAAAAAAAAAAAAAAAAAAAAAAAIQAAABgAAAAUAAAABi0AALsQAABkSAAA+xIAAAAgAAAmAAAACAAAAP//////////"/>
+                <pr:smNativeData xmlns:pr="smNativeData" xmlns="smNativeData" val="SMDATA_15_eM6NYhMAAAAlAAAAEgAAAE8BAAAAkAAAAEgAAACQAAAASAAAAAAAAAAAAAAAAAAAAAEAAABQAAAAAAAAAAAA4D8AAAAAAADgPwAAAAAAAOA/AAAAAAAA4D8AAAAAAADgPwAAAAAAAOA/AAAAAAAA4D8AAAAAAADgPwAAAAAAAOA/AAAAAAAA4D8CAAAAjAAAAAAAAAAAAAAAu+DjDP///wgAAAAAAAAAAAAAAAAAAAAAAAAAAAAAAAAAAAAAZAAAAAEAAABAAAAAAAAAAAAAAAAAAAAAAAAAAAAAAAAAAAAAAAAAAAAAAAAAAAAAAAAAAAAAAAAAAAAAAAAAAAAAAAAAAAAAAAAAAAAAAAAAAAAAAAAAAAAAAAAAAAAAFAAAADwAAAAAAAAAAAAAAAAAAAkUAAAAAQAAABQAAAAUAAAAFAAAAAEAAAAAAAAAZAAAAGQAAAAAAAAAZAAAAGQAAAAVAAAAYAAAAAAAAAAAAAAADwAAACADAAAAAAAAAAAAAAEAAACgMgAAVgcAAKr4//8BAAAAf39/AAEAAABkAAAAAAAAABQAAABAHwAAAAAAACYAAAAAAAAAwOD//wAAAAAmAAAAZAAAABYAAABMAAAAAAAAAAAAAAAEAAAAAAAAAAEAAACAgIAKAAAAACgAAAAoAAAAZAAAAGQAAAAAAAAAzMzMAAAAAABQAAAAUAAAAGQAAABkAAAAAAAAABcAAAAUAAAAAAAAANwIAAD/fwAA/38AAAAAAAAJAAAABAAAAAAAAJkeAAAAaAAAAAAAAAAAAAAAAAAAAAAAAAAAAAAAECcAABAnAAAAAAAAAAAAAAAAAAAAAAAAAAAAAAAAAAAAAAAAAAAAABQAAAAAAAAAwMD/AAAAAABkAAAAMgAAAAAAAABkAAAAAAAAAH9/fwAKAAAAIgAAABgAAAAAAAAAAAAAAAAAAAAAAAAAAAAAAAAAAAAkAAAAJAAAAAAAAAAHAAAAAAAAAAAAAAAAAAAAAAAAAAAAAAAAAAAAf39/ACUAAABYAAAAAAAAAAAAAAAAAAAAAAAAAAAAAAAAAAAAAAAAAAAAAAAAAAAAAAAAAAAAAAA/AAAAAAAAAKCGAQAAAAAAAAAAAAAAAAAMAAAAAQAAAAAAAAAAAAAAAAAAAB8AAABUAAAAu+DjBf///wEAAAAAAAAAAAAAAAAAAAAAAAAAAAAAAAAAAAAAAAAAAAAAAAJ/f38AgICAA8zMzADAwP8Af39/AAAAAAAAAAAAAAAAAAAAAAAAAAAAIQAAABgAAAAUAAAABi0AALsQAABkSAAA+xIAABAgAAAmAAAACAAAAP//////////"/>
               </a:ext>
             </a:extLst>
           </p:cNvSpPr>
@@ -4903,7 +4879,7 @@
           <p:cNvSpPr txBox="1">
             <a:extLst>
               <a:ext uri="smNativeData">
-                <pr:smNativeData xmlns:pr="smNativeData" xmlns="smNativeData" val="SMDATA_15_zA6NYhMAAAAlAAAAEgAAAE8BAAAAkAAAAEgAAACQAAAASAAAAAAAAAAAAAAAAAAAAAEAAABQAAAAAAAAAAAA4D8AAAAAAADgPwAAAAAAAOA/AAAAAAAA4D8AAAAAAADgPwAAAAAAAOA/AAAAAAAA4D8AAAAAAADgPwAAAAAAAOA/AAAAAAAA4D8CAAAAjAAAAAAAAAAAAAAAu+DjDP///wgAAAAAAAAAAAAAAAAAAAAAAAAAAAAAAAAAAAAAZAAAAAEAAABAAAAAAAAAAAAAAAAAAAAAAAAAAAAAAAAAAAAAAAAAAAAAAAAAAAAAAAAAAAAAAAAAAAAAAAAAAAAAAAAAAAAAAAAAAAAAAAAAAAAAAAAAAAAAAAAAAAAAFAAAADwAAAAAAAAAAAAAAAAAAAkUAAAAAQAAABQAAAAUAAAAFAAAAAEAAAAAAAAAZAAAAGQAAAAAAAAAZAAAAGQAAAAVAAAAYAAAAAAAAAAAAAAADwAAACADAAAAAAAAAAAAAAEAAACgMgAAVgcAAKr4//8BAAAAf39/AAEAAABkAAAAAAAAABQAAABAHwAAAAAAACYAAAAAAAAAwOD//wAAAAAmAAAAZAAAABYAAABMAAAAAAAAAAAAAAAEAAAAAAAAAAEAAACAgIAKAAAAACgAAAAoAAAAZAAAAGQAAAAAAAAAzMzMAAAAAABQAAAAUAAAAGQAAABkAAAAAAAAABcAAAAUAAAAAAAAANwIAAD/fwAA/38AAAAAAAAJAAAABAAAAAAAAAAeAAAAaAAAAAAAAAAAAAAAAAAAAAAAAAAAAAAAECcAABAnAAAAAAAAAAAAAAAAAAAAAAAAAAAAAAAAAAAAAAAAAAAAABQAAAAAAAAAwMD/AAAAAABkAAAAMgAAAAAAAABkAAAAAAAAAH9/fwAKAAAAIgAAABgAAAAAAAAAAAAAAAAAAAAAAAAAAAAAAAAAAAAkAAAAJAAAAAAAAAAHAAAAAAAAAAAAAAAAAAAAAAAAAAAAAAAAAAAAf39/ACUAAABYAAAAAAAAAAAAAAAAAAAAAAAAAAAAAAAAAAAAAAAAAAAAAAAAAAAAAAAAAAAAAAA/AAAAAAAAAKCGAQAAAAAAAAAAAAAAAAAMAAAAAQAAAAAAAAAAAAAAAAAAAB8AAABUAAAAu+DjBf///wEAAAAAAAAAAAAAAAAAAAAAAAAAAAAAAAAAAAAAAAAAAAAAAAJ/f38AgICAA8zMzADAwP8Af39/AAAAAAAAAAAAAAAAAAAAAAAAAAAAIQAAABgAAAAUAAAAfikAAJ8gAAC3SQAA3yIAAAAgAAAmAAAACAAAAP//////////"/>
+                <pr:smNativeData xmlns:pr="smNativeData" xmlns="smNativeData" val="SMDATA_15_eM6NYhMAAAAlAAAAEgAAAE8BAAAAkAAAAEgAAACQAAAASAAAAAAAAAAAAAAAAAAAAAEAAABQAAAAAAAAAAAA4D8AAAAAAADgPwAAAAAAAOA/AAAAAAAA4D8AAAAAAADgPwAAAAAAAOA/AAAAAAAA4D8AAAAAAADgPwAAAAAAAOA/AAAAAAAA4D8CAAAAjAAAAAAAAAAAAAAAu+DjDP///wgAAAAAAAAAAAAAAAAAAAAAAAAAAAAAAAAAAAAAZAAAAAEAAABAAAAAAAAAAAAAAAAAAAAAAAAAAAAAAAAAAAAAAAAAAAAAAAAAAAAAAAAAAAAAAAAAAAAAAAAAAAAAAAAAAAAAAAAAAAAAAAAAAAAAAAAAAAAAAAAAAAAAFAAAADwAAAAAAAAAAAAAAAAAAAkUAAAAAQAAABQAAAAUAAAAFAAAAAEAAAAAAAAAZAAAAGQAAAAAAAAAZAAAAGQAAAAVAAAAYAAAAAAAAAAAAAAADwAAACADAAAAAAAAAAAAAAEAAACgMgAAVgcAAKr4//8BAAAAf39/AAEAAABkAAAAAAAAABQAAABAHwAAAAAAACYAAAAAAAAAwOD//wAAAAAmAAAAZAAAABYAAABMAAAAAAAAAAAAAAAEAAAAAAAAAAEAAACAgIAKAAAAACgAAAAoAAAAZAAAAGQAAAAAAAAAzMzMAAAAAABQAAAAUAAAAGQAAABkAAAAAAAAABcAAAAUAAAAAAAAANwIAAD/fwAA/38AAAAAAAAJAAAABAAAAAAAAAAeAAAAaAAAAAAAAAAAAAAAAAAAAAAAAAAAAAAAECcAABAnAAAAAAAAAAAAAAAAAAAAAAAAAAAAAAAAAAAAAAAAAAAAABQAAAAAAAAAwMD/AAAAAABkAAAAMgAAAAAAAABkAAAAAAAAAH9/fwAKAAAAIgAAABgAAAAAAAAAAAAAAAAAAAAAAAAAAAAAAAAAAAAkAAAAJAAAAAAAAAAHAAAAAAAAAAAAAAAAAAAAAAAAAAAAAAAAAAAAf39/ACUAAABYAAAAAAAAAAAAAAAAAAAAAAAAAAAAAAAAAAAAAAAAAAAAAAAAAAAAAAAAAAAAAAA/AAAAAAAAAKCGAQAAAAAAAAAAAAAAAAAMAAAAAQAAAAAAAAAAAAAAAAAAAB8AAABUAAAAu+DjBf///wEAAAAAAAAAAAAAAAAAAAAAAAAAAAAAAAAAAAAAAAAAAAAAAAJ/f38AgICAA8zMzADAwP8Af39/AAAAAAAAAAAAAAAAAAAAAAAAAAAAIQAAABgAAAAUAAAAfikAAJ8gAAC3SQAA3yIAABAgAAAmAAAACAAAAP//////////"/>
               </a:ext>
             </a:extLst>
           </p:cNvSpPr>
@@ -4940,7 +4916,7 @@
           <p:cNvSpPr txBox="1">
             <a:extLst>
               <a:ext uri="smNativeData">
-                <pr:smNativeData xmlns:pr="smNativeData" xmlns="smNativeData" val="SMDATA_15_zA6NYhMAAAAlAAAAEgAAAE8BAAAAkAAAAEgAAACQAAAASAAAAAAAAAAAAAAAAAAAAAEAAABQAAAAAAAAAAAA4D8AAAAAAADgPwAAAAAAAOA/AAAAAAAA4D8AAAAAAADgPwAAAAAAAOA/AAAAAAAA4D8AAAAAAADgPwAAAAAAAOA/AAAAAAAA4D8CAAAAjAAAAAAAAAAAAAAAu+DjDP///wgAAAAAAAAAAAAAAAAAAAAAAAAAAAAAAAAAAAAAZAAAAAEAAABAAAAAAAAAAAAAAAAAAAAAAAAAAAAAAAAAAAAAAAAAAAAAAAAAAAAAAAAAAAAAAAAAAAAAAAAAAAAAAAAAAAAAAAAAAAAAAAAAAAAAAAAAAAAAAAAAAAAAFAAAADwAAAAAAAAAAAAAAAAAAAkUAAAAAQAAABQAAAAUAAAAFAAAAAEAAAAAAAAAZAAAAGQAAAAAAAAAZAAAAGQAAAAVAAAAYAAAAAAAAAAAAAAADwAAACADAAAAAAAAAAAAAAEAAACgMgAAVgcAAKr4//8BAAAAf39/AAEAAABkAAAAAAAAABQAAABAHwAAAAAAACYAAAAAAAAAwOD//wAAAAAmAAAAZAAAABYAAABMAAAAAAAAAAAAAAAEAAAAAAAAAAEAAACAgIAKAAAAACgAAAAoAAAAZAAAAGQAAAAAAAAAzMzMAAAAAABQAAAAUAAAAGQAAABkAAAAAAAAABcAAAAUAAAAAAAAANwIAAD/fwAA/38AAAAAAAAJAAAABAAAAG8AAAAeAAAAaAAAAAAAAAAAAAAAAAAAAAAAAAAAAAAAECcAABAnAAAAAAAAAAAAAAAAAAAAAAAAAAAAAAAAAAAAAAAAAAAAABQAAAAAAAAAwMD/AAAAAABkAAAAMgAAAAAAAABkAAAAAAAAAH9/fwAKAAAAIgAAABgAAAAAAAAAAAAAAAAAAAAAAAAAAAAAAAAAAAAkAAAAJAAAAAAAAAAHAAAAAAAAAAAAAAAAAAAAAAAAAAAAAAAAAAAAf39/ACUAAABYAAAAAAAAAAAAAAAAAAAAAAAAAAAAAAAAAAAAAAAAAAAAAAAAAAAAAAAAAAAAAAA/AAAAAAAAAKCGAQAAAAAAAAAAAAAAAAAMAAAAAQAAAAAAAAAAAAAAAAAAAB8AAABUAAAAu+DjBf///wEAAAAAAAAAAAAAAAAAAAAAAAAAAAAAAAAAAAAAAAAAAAAAAAJ/f38AgICAA8zMzADAwP8Af39/AAAAAAAAAAAAAAAAAAAAAAAAAAAAIQAAABgAAAAUAAAAYwgAAKYcAADBIwAA5h4AAAAgAAAmAAAACAAAAP//////////"/>
+                <pr:smNativeData xmlns:pr="smNativeData" xmlns="smNativeData" val="SMDATA_15_eM6NYhMAAAAlAAAAEgAAAE8BAAAAkAAAAEgAAACQAAAASAAAAAAAAAAAAAAAAAAAAAEAAABQAAAAAAAAAAAA4D8AAAAAAADgPwAAAAAAAOA/AAAAAAAA4D8AAAAAAADgPwAAAAAAAOA/AAAAAAAA4D8AAAAAAADgPwAAAAAAAOA/AAAAAAAA4D8CAAAAjAAAAAAAAAAAAAAAu+DjDP///wgAAAAAAAAAAAAAAAAAAAAAAAAAAAAAAAAAAAAAZAAAAAEAAABAAAAAAAAAAAAAAAAAAAAAAAAAAAAAAAAAAAAAAAAAAAAAAAAAAAAAAAAAAAAAAAAAAAAAAAAAAAAAAAAAAAAAAAAAAAAAAAAAAAAAAAAAAAAAAAAAAAAAFAAAADwAAAAAAAAAAAAAAAAAAAkUAAAAAQAAABQAAAAUAAAAFAAAAAEAAAAAAAAAZAAAAGQAAAAAAAAAZAAAAGQAAAAVAAAAYAAAAAAAAAAAAAAADwAAACADAAAAAAAAAAAAAAEAAACgMgAAVgcAAKr4//8BAAAAf39/AAEAAABkAAAAAAAAABQAAABAHwAAAAAAACYAAAAAAAAAwOD//wAAAAAmAAAAZAAAABYAAABMAAAAAAAAAAAAAAAEAAAAAAAAAAEAAACAgIAKAAAAACgAAAAoAAAAZAAAAGQAAAAAAAAAzMzMAAAAAABQAAAAUAAAAGQAAABkAAAAAAAAABcAAAAUAAAAAAAAANwIAAD/fwAA/38AAAAAAAAJAAAABAAAAG8AAAAeAAAAaAAAAAAAAAAAAAAAAAAAAAAAAAAAAAAAECcAABAnAAAAAAAAAAAAAAAAAAAAAAAAAAAAAAAAAAAAAAAAAAAAABQAAAAAAAAAwMD/AAAAAABkAAAAMgAAAAAAAABkAAAAAAAAAH9/fwAKAAAAIgAAABgAAAAAAAAAAAAAAAAAAAAAAAAAAAAAAAAAAAAkAAAAJAAAAAAAAAAHAAAAAAAAAAAAAAAAAAAAAAAAAAAAAAAAAAAAf39/ACUAAABYAAAAAAAAAAAAAAAAAAAAAAAAAAAAAAAAAAAAAAAAAAAAAAAAAAAAAAAAAAAAAAA/AAAAAAAAAKCGAQAAAAAAAAAAAAAAAAAMAAAAAQAAAAAAAAAAAAAAAAAAAB8AAABUAAAAu+DjBf///wEAAAAAAAAAAAAAAAAAAAAAAAAAAAAAAAAAAAAAAAAAAAAAAAJ/f38AgICAA8zMzADAwP8Af39/AAAAAAAAAAAAAAAAAAAAAAAAAAAAIQAAABgAAAAUAAAAYwgAAKYcAADBIwAA5h4AABAgAAAmAAAACAAAAP//////////"/>
               </a:ext>
             </a:extLst>
           </p:cNvSpPr>
@@ -4978,7 +4954,7 @@
             <a:picLocks noChangeAspect="1"/>
             <a:extLst>
               <a:ext uri="smNativeData">
-                <pr:smNativeData xmlns:pr="smNativeData" xmlns="smNativeData" val="SMDATA_17_zA6NYhMAAAAlAAAAEQAAAC8BAAAAkAAAAEgAAACQAAAASAAAAAAAAAAAAAAAAAAAAAEAAABQAAAAAAAAAAAA4D8AAAAAAADgPwAAAAAAAOA/AAAAAAAA4D8AAAAAAADgPwAAAAAAAOA/AAAAAAAA4D8AAAAAAADgPwAAAAAAAOA/AAAAAAAA4D8CAAAAjAAAAAAAAAAAAAAAu+DjDP///wgAAAAAAAAAAAAAAAAAAAAAAAAAAAAAAAAAAAAAZAAAAAEAAABAAAAAAAAAAAAAAAAAAAAAAAAAAAAAAAAAAAAAAAAAAAAAAAAAAAAAAAAAAAAAAAAAAAAAAAAAAAAAAAAAAAAAAAAAAAAAAAAAAAAAAAAAAAAAAAAAAAAAFAAAADwAAAABAAAAAAAAAAAAAAkoAAAAAQAAAAIAAAAAAAAAAAAAAAAAAAAAAAAAZAAAAGQAAAAAAAAAZAAAAGQAAAAVAAAAYAAAAAAAAAAAAAAADwAAACADAAAAAAAAAAAAAAEAAACgMgAAVgcAAKr4//8BAAAAf39/AAEAAABkAAAAAAAAABQAAABAHwAAAAAAACYAAAAAAAAAwOD//wAAAAAmAAAAZAAAABYAAABMAAAAAAAAAAAAAAAEAAAAAAAAAAEAAACAgIAKAAAAACgAAAAoAAAAZAAAAGQAAAAAAAAAzMzMAAAAAABQAAAAUAAAAGQAAABkAAAAAAAAAAcAAAA4AAAAAAAAAAAAAAAAAAAA////AAAAAAAAAAAAAAAAAAAAAAAAAAAAAAAAAAAAAABkAAAAZAAAAAAAAAAjAAAABAAAAGQAAAAXAAAAFAAAAAAAAAAAAAAA/38AAP9/AAAAAAAACQAAAAQAAAA+PGE6HgAAAGgAAAAAAAAAAAAAAAAAAAAAAAAAAAAAABAnAAAQJwAAAAAAAAAAAAAAAAAAAAAAAAAAAAAAAAAAAAAAAAAAAAAUAAAAAAAAAMDA/wAAAAAAZAAAADIAAAAAAAAAZAAAAAAAAAB/f38ACgAAACIAAAAYAAAAAAAAAAAAAAAAAAAAAAAAAAAAAAAAAAAAJAAAACQAAAAAAAAABwAAAAAAAAAAAAAAAAAAAAAAAAAAAAAAAAAAAH9/fwAlAAAAWAAAAAAAAAAAAAAAAAAAAAAAAAAAAAAAAAAAAAAAAAAAAAAAAAAAAAAAAAAAAAAAPwAAAAAAAACghgEAAAAAAAAAAAAAAAAADAAAAAEAAAAAAAAAAAAAAAAAAAAfAAAAVAAAALvg4wX///8BAAAAAAAAAAAAAAAAAAAAAAAAAAAAAAAAAAAAAAAAAAAAAAACf39/AICAgAPMzMwAwMD/AH9/fwAAAAAAAAAAAAAAAAD///8AAAAAACEAAAAYAAAAFAAAAC0xAAD5AwAA+kMAAAIOAAAAAAAAJgAAAAgAAAD//////////w=="/>
+                <pr:smNativeData xmlns:pr="smNativeData" xmlns="smNativeData" val="SMDATA_17_eM6NYhMAAAAlAAAAEQAAAC8BAAAAkAAAAEgAAACQAAAASAAAAAAAAAAAAAAAAAAAAAEAAABQAAAAAAAAAAAA4D8AAAAAAADgPwAAAAAAAOA/AAAAAAAA4D8AAAAAAADgPwAAAAAAAOA/AAAAAAAA4D8AAAAAAADgPwAAAAAAAOA/AAAAAAAA4D8CAAAAjAAAAAAAAAAAAAAAu+DjDP///wgAAAAAAAAAAAAAAAAAAAAAAAAAAAAAAAAAAAAAZAAAAAEAAABAAAAAAAAAAAAAAAAAAAAAAAAAAAAAAAAAAAAAAAAAAAAAAAAAAAAAAAAAAAAAAAAAAAAAAAAAAAAAAAAAAAAAAAAAAAAAAAAAAAAAAAAAAAAAAAAAAAAAFAAAADwAAAABAAAAAAAAAAAAAAkoAAAAAQAAAAIAAAAAAAAAAAAAAAAAAAAAAAAAZAAAAGQAAAAAAAAAZAAAAGQAAAAVAAAAYAAAAAAAAAAAAAAADwAAACADAAAAAAAAAAAAAAEAAACgMgAAVgcAAKr4//8BAAAAf39/AAEAAABkAAAAAAAAABQAAABAHwAAAAAAACYAAAAAAAAAwOD//wAAAAAmAAAAZAAAABYAAABMAAAAAAAAAAAAAAAEAAAAAAAAAAEAAACAgIAKAAAAACgAAAAoAAAAZAAAAGQAAAAAAAAAzMzMAAAAAABQAAAAUAAAAGQAAABkAAAAAAAAAAcAAAA4AAAAAAAAAAAAAAAAAAAA////AAAAAAAAAAAAAAAAAAAAAAAAAAAAAAAAAAAAAABkAAAAZAAAAAAAAAAjAAAABAAAAGQAAAAXAAAAFAAAAAAAAAAAAAAA/38AAP9/AAAAAAAACQAAAAQAAAA+PGE6HgAAAGgAAAAAAAAAAAAAAAAAAAAAAAAAAAAAABAnAAAQJwAAAAAAAAAAAAAAAAAAAAAAAAAAAAAAAAAAAAAAAAAAAAAUAAAAAAAAAMDA/wAAAAAAZAAAADIAAAAAAAAAZAAAAAAAAAB/f38ACgAAACIAAAAYAAAAAAAAAAAAAAAAAAAAAAAAAAAAAAAAAAAAJAAAACQAAAAAAAAABwAAAAAAAAAAAAAAAAAAAAAAAAAAAAAAAAAAAH9/fwAlAAAAWAAAAAAAAAAAAAAAAAAAAAAAAAAAAAAAAAAAAAAAAAAAAAAAAAAAAAAAAAAAAAAAPwAAAAAAAACghgEAAAAAAAAAAAAAAAAADAAAAAEAAAAAAAAAAAAAAAAAAAAfAAAAVAAAALvg4wX///8BAAAAAAAAAAAAAAAAAAAAAAAAAAAAAAAAAAAAAAAAAAAAAAACf39/AICAgAPMzMwAwMD/AH9/fwAAAAAAAAAAAAAAAAD///8AAAAAACEAAAAYAAAAFAAAAC0xAAD5AwAA+kMAAAIOAAAQAAAAJgAAAAgAAAD//////////w=="/>
               </a:ext>
             </a:extLst>
           </p:cNvPicPr>
@@ -5017,7 +4993,7 @@
             <a:picLocks noChangeAspect="1"/>
             <a:extLst>
               <a:ext uri="smNativeData">
-                <pr:smNativeData xmlns:pr="smNativeData" xmlns="smNativeData" val="SMDATA_17_zA6NYhMAAAAlAAAAEQAAAC8BAAAAkAAAAEgAAACQAAAASAAAAAAAAAAAAAAAAAAAAAEAAABQAAAAAAAAAAAA4D8AAAAAAADgPwAAAAAAAOA/AAAAAAAA4D8AAAAAAADgPwAAAAAAAOA/AAAAAAAA4D8AAAAAAADgPwAAAAAAAOA/AAAAAAAA4D8CAAAAjAAAAAAAAAAAAAAAu+DjDP///wgAAAAAAAAAAAAAAAAAAAAAAAAAAAAAAAAAAAAAZAAAAAEAAABAAAAAAAAAAAAAAAAAAAAAAAAAAAAAAAAAAAAAAAAAAAAAAAAAAAAAAAAAAAAAAAAAAAAAAAAAAAAAAAAAAAAAAAAAAAAAAAAAAAAAAAAAAAAAAAAAAAAAFAAAADwAAAABAAAAAAAAAAAAAAkoAAAAAQAAAAIAAAAAAAAAAAAAAAAAAAAAAAAAZAAAAGQAAAAAAAAAZAAAAGQAAAAVAAAAYAAAAAAAAAAAAAAADwAAACADAAAAAAAAAAAAAAEAAACgMgAAVgcAAKr4//8BAAAAf39/AAEAAABkAAAAAAAAABQAAABAHwAAAAAAACYAAAAAAAAAwOD//wAAAAAmAAAAZAAAABYAAABMAAAAAAAAAAAAAAAEAAAAAAAAAAEAAACAgIAKAAAAACgAAAAoAAAAZAAAAGQAAAAAAAAAzMzMAAAAAABQAAAAUAAAAGQAAABkAAAAAAAAAAcAAAA4AAAAAAAAAAAAAAAAAAAA////AAAAAAAAAAAAAAAAAAAAAAAAAAAAAAAAAAAAAABkAAAAZAAAAAAAAAAjAAAABAAAAGQAAAAXAAAAFAAAAAAAAAAAAAAA/38AAP9/AAAAAAAACQAAAAQAAAAAm7kBHgAAAGgAAAAAAAAAAAAAAAAAAAAAAAAAAAAAABAnAAAQJwAAAAAAAAAAAAAAAAAAAAAAAAAAAAAAAAAAAAAAAAAAAAAUAAAAAAAAAMDA/wAAAAAAZAAAADIAAAAAAAAAZAAAAAAAAAB/f38ACgAAACIAAAAYAAAAAAAAAAAAAAAAAAAAAAAAAAAAAAAAAAAAJAAAACQAAAAAAAAABwAAAAAAAAAAAAAAAAAAAAAAAAAAAAAAAAAAAH9/fwAlAAAAWAAAAAAAAAAAAAAAAAAAAAAAAAAAAAAAAAAAAAAAAAAAAAAAAAAAAAAAAAAAAAAAPwAAAAAAAACghgEAAAAAAAAAAAAAAAAADAAAAAEAAAAAAAAAAAAAAAAAAAAfAAAAVAAAALvg4wX///8BAAAAAAAAAAAAAAAAAAAAAAAAAAAAAAAAAAAAAAAAAAAAAAACf39/AICAgAPMzMwAwMD/AH9/fwAAAAAAAAAAAAAAAAD///8AAAAAACEAAAAYAAAAFAAAABEyAAAYFQAA+kMAAIUeAAAAAAAAJgAAAAgAAAD//////////w=="/>
+                <pr:smNativeData xmlns:pr="smNativeData" xmlns="smNativeData" val="SMDATA_17_eM6NYhMAAAAlAAAAEQAAAC8BAAAAkAAAAEgAAACQAAAASAAAAAAAAAAAAAAAAAAAAAEAAABQAAAAAAAAAAAA4D8AAAAAAADgPwAAAAAAAOA/AAAAAAAA4D8AAAAAAADgPwAAAAAAAOA/AAAAAAAA4D8AAAAAAADgPwAAAAAAAOA/AAAAAAAA4D8CAAAAjAAAAAAAAAAAAAAAu+DjDP///wgAAAAAAAAAAAAAAAAAAAAAAAAAAAAAAAAAAAAAZAAAAAEAAABAAAAAAAAAAAAAAAAAAAAAAAAAAAAAAAAAAAAAAAAAAAAAAAAAAAAAAAAAAAAAAAAAAAAAAAAAAAAAAAAAAAAAAAAAAAAAAAAAAAAAAAAAAAAAAAAAAAAAFAAAADwAAAABAAAAAAAAAAAAAAkoAAAAAQAAAAIAAAAAAAAAAAAAAAAAAAAAAAAAZAAAAGQAAAAAAAAAZAAAAGQAAAAVAAAAYAAAAAAAAAAAAAAADwAAACADAAAAAAAAAAAAAAEAAACgMgAAVgcAAKr4//8BAAAAf39/AAEAAABkAAAAAAAAABQAAABAHwAAAAAAACYAAAAAAAAAwOD//wAAAAAmAAAAZAAAABYAAABMAAAAAAAAAAAAAAAEAAAAAAAAAAEAAACAgIAKAAAAACgAAAAoAAAAZAAAAGQAAAAAAAAAzMzMAAAAAABQAAAAUAAAAGQAAABkAAAAAAAAAAcAAAA4AAAAAAAAAAAAAAAAAAAA////AAAAAAAAAAAAAAAAAAAAAAAAAAAAAAAAAAAAAABkAAAAZAAAAAAAAAAjAAAABAAAAGQAAAAXAAAAFAAAAAAAAAAAAAAA/38AAP9/AAAAAAAACQAAAAQAAAAAm7kBHgAAAGgAAAAAAAAAAAAAAAAAAAAAAAAAAAAAABAnAAAQJwAAAAAAAAAAAAAAAAAAAAAAAAAAAAAAAAAAAAAAAAAAAAAUAAAAAAAAAMDA/wAAAAAAZAAAADIAAAAAAAAAZAAAAAAAAAB/f38ACgAAACIAAAAYAAAAAAAAAAAAAAAAAAAAAAAAAAAAAAAAAAAAJAAAACQAAAAAAAAABwAAAAAAAAAAAAAAAAAAAAAAAAAAAAAAAAAAAH9/fwAlAAAAWAAAAAAAAAAAAAAAAAAAAAAAAAAAAAAAAAAAAAAAAAAAAAAAAAAAAAAAAAAAAAAAPwAAAAAAAACghgEAAAAAAAAAAAAAAAAADAAAAAEAAAAAAAAAAAAAAAAAAAAfAAAAVAAAALvg4wX///8BAAAAAAAAAAAAAAAAAAAAAAAAAAAAAAAAAAAAAAAAAAAAAAACf39/AICAgAPMzMwAwMD/AH9/fwAAAAAAAAAAAAAAAAD///8AAAAAACEAAAAYAAAAFAAAABEyAAAYFQAA+kMAAIUeAAAQAAAAJgAAAAgAAAD//////////w=="/>
               </a:ext>
             </a:extLst>
           </p:cNvPicPr>
@@ -5049,6 +5025,297 @@
           <a:effectLst/>
         </p:spPr>
       </p:pic>
+    </p:spTree>
+  </p:cSld>
+  <p:clrMapOvr>
+    <a:masterClrMapping/>
+  </p:clrMapOvr>
+  <p:timing>
+    <p:tnLst>
+      <p:par>
+        <p:cTn id="1" dur="indefinite" restart="never" nodeType="tmRoot"/>
+      </p:par>
+    </p:tnLst>
+  </p:timing>
+</p:sld>
+</file>
+
+<file path=ppt/slides/slide4.xml><?xml version="1.0" encoding="utf-8"?>
+<p:sld xmlns:p="http://schemas.openxmlformats.org/presentationml/2006/main" xmlns:mc="http://schemas.openxmlformats.org/markup-compatibility/2006" xmlns:p14="http://schemas.microsoft.com/office/powerpoint/2010/main" xmlns:p15="http://schemas.microsoft.com/office/powerpoint/2012/main" xmlns:r="http://schemas.openxmlformats.org/officeDocument/2006/relationships" xmlns:a="http://schemas.openxmlformats.org/drawingml/2006/main" mc:Ignorable="p14">
+  <p:cSld>
+    <p:spTree>
+      <p:nvGrpSpPr>
+        <p:cNvPr id="1" name=""/>
+        <p:cNvGrpSpPr/>
+        <p:nvPr/>
+      </p:nvGrpSpPr>
+      <p:grpSpPr>
+        <a:xfrm>
+          <a:off x="0" y="0"/>
+          <a:ext cx="0" cy="0"/>
+          <a:chOff x="0" y="0"/>
+          <a:chExt cx="0" cy="0"/>
+        </a:xfrm>
+      </p:grpSpPr>
+      <p:sp>
+        <p:nvSpPr>
+          <p:cNvPr id="2" name="텍스트상자1"/>
+          <p:cNvSpPr txBox="1">
+            <a:extLst>
+              <a:ext uri="smNativeData">
+                <pr:smNativeData xmlns:pr="smNativeData" xmlns="smNativeData" val="SMDATA_15_eM6NYhMAAAAlAAAAEgAAAA8BAAAAkAAAAEgAAACQAAAASAAAAAAAAAAAAAAAAAAAAAEAAABQAAAAAAAAAAAA4D8AAAAAAADgPwAAAAAAAOA/AAAAAAAA4D8AAAAAAADgPwAAAAAAAOA/AAAAAAAA4D8AAAAAAADgPwAAAAAAAOA/AAAAAAAA4D8CAAAAjAAAAAAAAAAAAAAAu+DjDP///wgAAAAAAAAAAAAAAAAAAAAAAAAAAAAAAAAAAAAAZAAAAAEAAABAAAAAAAAAAAAAAAAAAAAAAAAAAAAAAAAAAAAAAAAAAAAAAAAAAAAAAAAAAAAAAAAAAAAAAAAAAAAAAAAAAAAAAAAAAAAAAAAAAAAAAAAAAAAAAAAAAAAAFAAAADwAAAAAAAAAAAAAAAAAAAkUAAAAAQAAABQAAAAUAAAAFAAAAAEAAAAAAAAAZAAAAGQAAAAAAAAAZAAAAGQAAAAVAAAAYAAAAAAAAAAAAAAADwAAACADAAAAAAAAAAAAAAEAAACgMgAAVgcAAKr4//8BAAAAf39/AAEAAABkAAAAAAAAABQAAABAHwAAAAAAACYAAAAAAAAAwOD//wAAAAAmAAAAZAAAABYAAABMAAAAAAAAAAAAAAAEAAAAAAAAAAEAAACAgIAKAAAAACgAAAAoAAAAZAAAAGQAAAAAAAAAzMzMAAAAAABQAAAAUAAAAGQAAABkAAAAAAAAABcAAAAUAAAAAAAAANwIAAD/fwAA/38AAAAAAAAJAAAABAAAAAAAAEoeAAAAaAAAAAAAAAAAAAAAAAAAAAAAAAAAAAAAECcAABAnAAAAAAAAAAAAAAAAAAAAAAAAAAAAAAAAAAAAAAAAAAAAABQAAAAAAAAAwMD/AAAAAABkAAAAMgAAAAAAAABkAAAAAAAAAH9/fwAKAAAAIgAAABgAAAAAAAAAAAAAAAAAAAAAAAAAAAAAAAAAAAAkAAAAJAAAAAAAAAAHAAAAAAAAAAAAAAAAAAAAAAAAAAAAAAAAAAAAf39/ACUAAABYAAAAAAAAAAAAAAAAAAAAAAAAAAAAAAAAAAAAAAAAAAAAAAAAAAAAAAAAAAAAAAA/AAAAAAAAAKCGAQAAAAAAAAAAAAAAAAAMAAAAAQAAAAAAAAAAAAAAAAAAAB8AAABUAAAAu+DjBf///wEAAAAAAAAAAAAAAAAAAAAAAAAAAAAAAAAAAAAAAAAAAAAAAAJ/f38AgICAA8zMzADAwP8Af39/AAAAAAAAAAAAAAAAAAAAAAAAAAAAIQAAABgAAAAUAAAA2wQAABcDAACxHAAA1AgAAAAAAAAmAAAACAAAAP//////////"/>
+              </a:ext>
+            </a:extLst>
+          </p:cNvSpPr>
+          <p:nvPr/>
+        </p:nvSpPr>
+        <p:spPr>
+          <a:xfrm>
+            <a:off x="789305" y="502285"/>
+            <a:ext cx="3874770" cy="932815"/>
+          </a:xfrm>
+          <a:prstGeom prst="rect">
+            <a:avLst/>
+          </a:prstGeom>
+          <a:noFill/>
+          <a:ln>
+            <a:noFill/>
+          </a:ln>
+          <a:effectLst/>
+        </p:spPr>
+        <p:txBody>
+          <a:bodyPr vert="horz" wrap="square" numCol="1" spcCol="215900" anchor="t"/>
+          <a:lstStyle/>
+          <a:p>
+            <a:pPr>
+              <a:defRPr sz="2800" cap="none"/>
+            </a:pPr>
+            <a:r>
+              <a:t>Server Config Script</a:t>
+            </a:r>
+          </a:p>
+        </p:txBody>
+      </p:sp>
+      <p:pic>
+        <p:nvPicPr>
+          <p:cNvPr id="3" name="그림1"/>
+          <p:cNvPicPr>
+            <a:picLocks noChangeAspect="1"/>
+            <a:extLst>
+              <a:ext uri="smNativeData">
+                <pr:smNativeData xmlns:pr="smNativeData" xmlns="smNativeData" val="SMDATA_17_eM6NYhMAAAAlAAAAEQAAAC8BAAAAkAAAAEgAAACQAAAASAAAAAAAAAAAAAAAAAAAAAEAAABQAAAAAAAAAAAA4D8AAAAAAADgPwAAAAAAAOA/AAAAAAAA4D8AAAAAAADgPwAAAAAAAOA/AAAAAAAA4D8AAAAAAADgPwAAAAAAAOA/AAAAAAAA4D8CAAAAjAAAAAAAAAAAAAAAu+DjDP///wgAAAAAAAAAAAAAAAAAAAAAAAAAAAAAAAAAAAAAZAAAAAEAAABAAAAAAAAAAAAAAAAAAAAAAAAAAAAAAAAAAAAAAAAAAAAAAAAAAAAAAAAAAAAAAAAAAAAAAAAAAAAAAAAAAAAAAAAAAAAAAAAAAAAAAAAAAAAAAAAAAAAAFAAAADwAAAAAAAAAAAAAAAAAAAkUAAAAAQAAABQAAAAUAAAAFAAAAAEAAAAAAAAAZAAAAGQAAAAAAAAAZAAAAGQAAAAVAAAAYAAAAAAAAAAAAAAADwAAACADAAAAAAAAAAAAAAEAAACgMgAAVgcAAKr4//8BAAAAf39/AAEAAABkAAAAAAAAABQAAABAHwAAAAAAACYAAAAAAAAAwOD//wAAAAAmAAAAZAAAABYAAABMAAAAAAAAAAAAAAAEAAAAAAAAAAEAAACAgIAKAAAAACgAAAAoAAAAZAAAAGQAAAAAAAAAzMzMAAAAAABQAAAAUAAAAGQAAABkAAAAAAAAAAcAAAA4AAAAAAAAAAAAAAAAAAAA////AAAAAAAAAAAAAAAAAAAAAAAAAAAAAAAAAAAAAABkAAAAZAAAAAAAAAAjAAAABAAAAGQAAAAXAAAAFAAAAAAAAAAAAAAA/38AAP9/AAAAAAAACQAAAAQAAAAAAAAAHgAAAGgAAAAAAAAAAAAAAAAAAAAAAAAAAAAAABAnAAAQJwAAAAAAAAAAAAAAAAAAAAAAAAAAAAAAAAAAAAAAAAAAAAAUAAAAAAAAAMDA/wAAAAAAZAAAADIAAAAAAAAAZAAAAAAAAAB/f38ACgAAACIAAAAYAAAAAAAAAAAAAAAAAAAAAAAAAAAAAAAAAAAAJAAAACQAAAAAAAAABwAAAAAAAAAAAAAAAAAAAAAAAAAAAAAAAAAAAH9/fwAlAAAAWAAAAAAAAAAAAAAAAAAAAAAAAAAAAAAAAAAAAAAAAAAAAAAAAAAAAAAAAAAAAAAAPwAAAAAAAACghgEAAAAAAAAAAAAAAAAADAAAAAEAAAAAAAAAAAAAAAAAAAAfAAAAVAAAALvg4wX///8BAAAAAAAAAAAAAAAAAAAAAAAAAAAAAAAAAAAAAAAAAAAAAAACf39/AICAgAPMzMwAwMD/AH9/fwAAAAAAAAAAAAAAAAD///8AAAAAACEAAAAYAAAAFAAAANsEAADNDAAAaCcAAEAcAAAAAAAAJgAAAAgAAAD//////////w=="/>
+              </a:ext>
+            </a:extLst>
+          </p:cNvPicPr>
+          <p:nvPr/>
+        </p:nvPicPr>
+        <p:blipFill>
+          <a:blip r:embed="rId2"/>
+          <a:stretch>
+            <a:fillRect/>
+          </a:stretch>
+        </p:blipFill>
+        <p:spPr>
+          <a:xfrm>
+            <a:off x="789305" y="2080895"/>
+            <a:ext cx="5616575" cy="2511425"/>
+          </a:xfrm>
+          <a:prstGeom prst="rect">
+            <a:avLst/>
+          </a:prstGeom>
+          <a:noFill/>
+          <a:ln>
+            <a:noFill/>
+          </a:ln>
+          <a:effectLst/>
+        </p:spPr>
+      </p:pic>
+      <p:sp>
+        <p:nvSpPr>
+          <p:cNvPr id="4" name="범례1"/>
+          <p:cNvSpPr>
+            <a:extLst>
+              <a:ext uri="smNativeData">
+                <pr:smNativeData xmlns:pr="smNativeData" xmlns="smNativeData" val="SMDATA_15_eM6NYhMAAAAlAAAA/wEAAA8BAAAAkAAAAEgAAACQAAAASAAAAAAAAAAAAAAAAAAAAAEAAABQAAAAF5EpFklWDMD7bDpyVpnuPxQVxtPWjfC/AAAAAAAA+L8AAAAAAADgPwAAAAAAAOA/AAAAAAAA4D8AAAAAAADgPwAAAAAAAOA/AAAAAAAA4D8CAAAAjAAAAAEAAAAAAAAA////CP///wgAAAAAAAAAAAAAAAAAAAAAAAAAAAAAAAAAAAAAZAAAAAEAAABAAAAAAAAAAAAAAAAAAAAAAAAAAAAAAAAAAAAAAAAAAAAAAAAAAAAAAAAAAAAAAAAAAAAAAAAAAAAAAAAAAAAAAAAAAAAAAAAAAAAAAAAAAAAAAAAAAAAAFAAAADwAAAABAAAAAAAAAP8AAAA8AAAAAQAAAAMAAAAAAAAAAAAAAAAAAAAAAAAAZAAAAGQAAAAAAAAAZAAAAGQAAAAVAAAAYAAAAAAAAAAAAAAADwAAACADAAAAAAAAAAAAAAEAAACgMgAAVgcAAKr4//8BAAAAf39/AAEAAABkAAAAAAAAABQAAABAHwAAAAAAACYAAAAAAAAAwOD//wAAAAAmAAAAZAAAABYAAABMAAAAAAAAAAAAAAAEAAAAAAAAAAEAAACAgIAKAAAAACgAAAAoAAAAZAAAAGQAAAAAAAAAzMzMAAAAAABQAAAAUAAAAGQAAABkAAAAAAAAABcAAAAUAAAAAAAAAAAAAAD/fwAA/38AAAAAAAAJAAAABAAAACwAAAAeAAAAaAAAAAAAAAAAAAAAAAAAAAAAAAAAAAAAECcAABAnAAAAAAAAAAAAAAAAAAAAAAAAAAAAAAAAAAAAAAAAAAAAABQAAAAAAAAAwMD/AAAAAABkAAAAMgAAAAAAAABkAAAAAAAAAH9/fwAKAAAAIgAAABgAAAAAAAAAAAAAAAAAAAAAAAAAAAAAAAAAAAAkAAAAJAAAAAAAAAAHAAAAAAAAAAAAAAAAAAAAAAAAAAAAAAAAAAAAf39/ACUAAABYAAAAAAAAAAAAAAAAAAAAAAAAAAAAAAAAAAAAAAAAAAAAAAAAAAAAAAAAAAAAAAA/AAAAAAAAAKCGAQAAAAAAAAAAAAAAAAAMAAAAAQAAAAAAAAAAAAAAAAAAAB8AAABUAAAA////Af///wEAAAAAAAAAAAAAAAAAAAAAAAAAAAAAAAAAAAAAAAAAAP8AAAB/f38AgICAA8zMzADAwP8Af39/AAAAAAAAAAAAAAAAAAAAAAAAAAAAIQAAABgAAAAUAAAADSkAAEwFAABbPQAArw0AAAAAAAAmAAAACAAAAP//////////"/>
+              </a:ext>
+            </a:extLst>
+          </p:cNvSpPr>
+          <p:nvPr/>
+        </p:nvSpPr>
+        <p:spPr>
+          <a:xfrm>
+            <a:off x="6673215" y="861060"/>
+            <a:ext cx="3300730" cy="1363345"/>
+          </a:xfrm>
+          <a:prstGeom prst="accentBorderCallout1">
+            <a:avLst>
+              <a:gd name="adj1" fmla="val 6250"/>
+              <a:gd name="adj2" fmla="val -1731"/>
+              <a:gd name="adj3" fmla="val 97811"/>
+              <a:gd name="adj4" fmla="val -127107"/>
+            </a:avLst>
+          </a:prstGeom>
+          <a:solidFill>
+            <a:schemeClr val="bg1"/>
+          </a:solidFill>
+          <a:ln w="38100" cap="flat" cmpd="sng" algn="ctr">
+            <a:solidFill>
+              <a:srgbClr val="FF0000"/>
+            </a:solidFill>
+            <a:prstDash val="solid"/>
+            <a:headEnd type="none"/>
+            <a:tailEnd type="none"/>
+          </a:ln>
+          <a:effectLst/>
+        </p:spPr>
+        <p:txBody>
+          <a:bodyPr vert="horz" wrap="square" numCol="1" spcCol="215900" anchor="t"/>
+          <a:lstStyle/>
+          <a:p>
+            <a:pPr algn="ctr"/>
+          </a:p>
+          <a:p>
+            <a:pPr algn="ctr">
+              <a:defRPr cap="none">
+                <a:latin typeface="맑은 고딕" pitchFamily="3" charset="-127"/>
+                <a:ea typeface="맑은 고딕" pitchFamily="3" charset="-127"/>
+                <a:cs typeface="맑은 고딕" pitchFamily="3" charset="-127"/>
+              </a:defRPr>
+            </a:pPr>
+            <a:r>
+              <a:t>3번 슬라이드는 </a:t>
+            </a:r>
+            <a:r>
+              <a:rPr cap="none">
+                <a:hlinkClick r:id="rId3"/>
+              </a:rPr>
+              <a:t>http://host/OneM2M</a:t>
+            </a:r>
+            <a:r>
+              <a:t> 으로 패킷을 보낸 결과입니다.</a:t>
+            </a:r>
+          </a:p>
+        </p:txBody>
+      </p:sp>
+      <p:sp>
+        <p:nvSpPr>
+          <p:cNvPr id="5" name="범례2"/>
+          <p:cNvSpPr>
+            <a:extLst>
+              <a:ext uri="smNativeData">
+                <pr:smNativeData xmlns:pr="smNativeData" xmlns="smNativeData" val="SMDATA_15_eM6NYhMAAAAlAAAA/wEAAA8BAAAAkAAAAEgAAACQAAAASAAAAAAAAAAAAAAAAAAAAAEAAABQAAAAFzmZVEjI/799oK1koXP0v5/4Aq8CXPC/AAAAAAAA+L8AAAAAAADgPwAAAAAAAOA/AAAAAAAA4D8AAAAAAADgPwAAAAAAAOA/AAAAAAAA4D8CAAAAjAAAAAEAAAAAAAAA////CP///wgAAAAAAAAAAAAAAAAAAAAAAAAAAAAAAAAAAAAAZAAAAAEAAABAAAAAAAAAAAAAAAAAAAAAAAAAAAAAAAAAAAAAAAAAAAAAAAAAAAAAAAAAAAAAAAAAAAAAAAAAAAAAAAAAAAAAAAAAAAAAAAAAAAAAAAAAAAAAAAAAAAAAFAAAADwAAAABAAAAAAAAAP8AAAA8AAAAAQAAAAMAAAAAAAAAAAAAAAAAAAAAAAAAZAAAAGQAAAAAAAAAZAAAAGQAAAAVAAAAYAAAAAAAAAAAAAAADwAAACADAAAAAAAAAAAAAAEAAACgMgAAVgcAAKr4//8BAAAAf39/AAEAAABkAAAAAAAAABQAAABAHwAAAAAAACYAAAAAAAAAwOD//wAAAAAmAAAAZAAAABYAAABMAAAAAAAAAAAAAAAEAAAAAAAAAAEAAACAgIAKAAAAACgAAAAoAAAAZAAAAGQAAAAAAAAAzMzMAAAAAABQAAAAUAAAAGQAAABkAAAAAAAAABcAAAAUAAAAAAAAAAAAAAD/fwAA/38AAAAAAAAJAAAABAAAAAAAAAAeAAAAaAAAAAAAAAAAAAAAAAAAAAAAAAAAAAAAECcAABAnAAAAAAAAAAAAAAAAAAAAAAAAAAAAAAAAAAAAAAAAAAAAABQAAAAAAAAAwMD/AAAAAABkAAAAMgAAAAAAAABkAAAAAAAAAH9/fwAKAAAAIgAAABgAAAAAAAAAAAAAAAAAAAAAAAAAAAAAAAAAAAAkAAAAJAAAAAAAAAAHAAAAAAAAAAAAAAAAAAAAAAAAAAAAAAAAAAAAf39/ACUAAABYAAAAAAAAAAAAAAAAAAAAAAAAAAAAAAAAAAAAAAAAAAAAAAAAAAAAAAAAAAAAAAA/AAAAAAAAAKCGAQAAAAAAAAAAAAAAAAAMAAAAAQAAAAAAAAAAAAAAAAAAAB8AAABUAAAA////Af///wEAAAAAAAAAAAAAAAAAAAAAAAAAAAAAAAAAAAAAAAAAAP8AAAB/f38AgICAA8zMzADAwP8Af39/AAAAAAAAAAAAAAAAAAAAAAAAAAAAIQAAABgAAAAUAAAA7ykAAMYQAAA8SQAAzxsAAAAAAAAmAAAACAAAAP//////////"/>
+              </a:ext>
+            </a:extLst>
+          </p:cNvSpPr>
+          <p:nvPr/>
+        </p:nvSpPr>
+        <p:spPr>
+          <a:xfrm>
+            <a:off x="6816725" y="2726690"/>
+            <a:ext cx="5088255" cy="1793875"/>
+          </a:xfrm>
+          <a:prstGeom prst="accentBorderCallout1">
+            <a:avLst>
+              <a:gd name="adj1" fmla="val 6250"/>
+              <a:gd name="adj2" fmla="val -1123"/>
+              <a:gd name="adj3" fmla="val -13912"/>
+              <a:gd name="adj4" fmla="val -49320"/>
+            </a:avLst>
+          </a:prstGeom>
+          <a:solidFill>
+            <a:schemeClr val="bg1"/>
+          </a:solidFill>
+          <a:ln w="38100" cap="flat" cmpd="sng" algn="ctr">
+            <a:solidFill>
+              <a:srgbClr val="FF0000"/>
+            </a:solidFill>
+            <a:prstDash val="solid"/>
+            <a:headEnd type="none"/>
+            <a:tailEnd type="none"/>
+          </a:ln>
+          <a:effectLst/>
+        </p:spPr>
+        <p:txBody>
+          <a:bodyPr vert="horz" wrap="square" numCol="1" spcCol="215900" anchor="t"/>
+          <a:lstStyle/>
+          <a:p>
+            <a:pPr algn="ctr">
+              <a:defRPr cap="none">
+                <a:latin typeface="맑은 고딕" pitchFamily="3" charset="-127"/>
+                <a:ea typeface="맑은 고딕" pitchFamily="3" charset="-127"/>
+                <a:cs typeface="맑은 고딕" pitchFamily="3" charset="-127"/>
+              </a:defRPr>
+            </a:pPr>
+          </a:p>
+          <a:p>
+            <a:pPr algn="ctr">
+              <a:defRPr cap="none">
+                <a:latin typeface="맑은 고딕" pitchFamily="3" charset="-127"/>
+                <a:ea typeface="맑은 고딕" pitchFamily="3" charset="-127"/>
+                <a:cs typeface="맑은 고딕" pitchFamily="3" charset="-127"/>
+              </a:defRPr>
+            </a:pPr>
+            <a:r>
+              <a:t>$http_name 은 http 헤더 필드 값을 저장하는 환경 변수명이고 필드가 없거나 값이 존재하지 않으면 변수 값이 ’’가 됩니다. 다중 조건 설정은 지원하지 않아서 2개의 필드에 대해서 if문은 2개가 필요합니다.</a:t>
+            </a:r>
+          </a:p>
+        </p:txBody>
+      </p:sp>
+      <p:sp>
+        <p:nvSpPr>
+          <p:cNvPr id="6" name="범례3"/>
+          <p:cNvSpPr>
+            <a:extLst>
+              <a:ext uri="smNativeData">
+                <pr:smNativeData xmlns:pr="smNativeData" xmlns="smNativeData" val="SMDATA_15_eM6NYhMAAAAlAAAA/wEAAA8BAAAAkAAAAEgAAACQAAAASAAAAAAAAAAAAAAAAAAAAAEAAABQAAAAqegT/luEAMCGZxPN8gn9vxai14vbYvC/AAAAAAAA+L8AAAAAAADgPwAAAAAAAOA/AAAAAAAA4D8AAAAAAADgPwAAAAAAAOA/AAAAAAAA4D8CAAAAjAAAAAEAAAAAAAAA////CP///wgAAAAAAAAAAAAAAAAAAAAAAAAAAAAAAAAAAAAAZAAAAAEAAABAAAAAAAAAAAAAAAAAAAAAAAAAAAAAAAAAAAAAAAAAAAAAAAAAAAAAAAAAAAAAAAAAAAAAAAAAAAAAAAAAAAAAAAAAAAAAAAAAAAAAAAAAAAAAAAAAAAAAFAAAADwAAAABAAAAAAAAAP8AAAA8AAAAAQAAAAMAAAAAAAAAAAAAAAAAAAAAAAAAZAAAAGQAAAAAAAAAZAAAAGQAAAAVAAAAYAAAAAAAAAAAAAAADwAAACADAAAAAAAAAAAAAAEAAACgMgAAVgcAAKr4//8BAAAAf39/AAEAAABkAAAAAAAAABQAAABAHwAAAAAAACYAAAAAAAAAwOD//wAAAAAmAAAAZAAAABYAAABMAAAAAAAAAAAAAAAEAAAAAAAAAAEAAACAgIAKAAAAACgAAAAoAAAAZAAAAGQAAAAAAAAAzMzMAAAAAABQAAAAUAAAAGQAAABkAAAAAAAAABcAAAAUAAAAAAAAAAAAAAD/fwAA/38AAAAAAAAJAAAABAAAAAAAAAAeAAAAaAAAAAAAAAAAAAAAAAAAAAAAAAAAAAAAECcAABAnAAAAAAAAAAAAAAAAAAAAAAAAAAAAAAAAAAAAAAAAAAAAABQAAAAAAAAAwMD/AAAAAABkAAAAMgAAAAAAAABkAAAAAAAAAH9/fwAKAAAAIgAAABgAAAAAAAAAAAAAAAAAAAAAAAAAAAAAAAAAAAAkAAAAJAAAAAAAAAAHAAAAAAAAAAAAAAAAAAAAAAAAAAAAAAAAAAAAf39/ACUAAABYAAAAAAAAAAAAAAAAAAAAAAAAAAAAAAAAAAAAAAAAAAAAAAAAAAAAAAAAAAAAAAA/AAAAAAAAAKCGAQAAAAAAAAAAAAAAAAAMAAAAAQAAAAAAAAAAAAAAAAAAAB8AAABUAAAA////Af///wEAAAAAAAAAAAAAAAAAAAAAAAAAAAAAAAAAAAAAAAAAAP8AAAB/f38AgICAA8zMzADAwP8Af39/AAAAAAAAAAAAAAAAAAAAAAAAAAAAIQAAABgAAAAUAAAASScAALEcAABrRAAA2CYAAAAAAAAmAAAACAAAAP//////////"/>
+              </a:ext>
+            </a:extLst>
+          </p:cNvSpPr>
+          <p:nvPr/>
+        </p:nvSpPr>
+        <p:spPr>
+          <a:xfrm>
+            <a:off x="6386195" y="4664075"/>
+            <a:ext cx="4735830" cy="1650365"/>
+          </a:xfrm>
+          <a:prstGeom prst="accentBorderCallout1">
+            <a:avLst>
+              <a:gd name="adj1" fmla="val 6250"/>
+              <a:gd name="adj2" fmla="val -1207"/>
+              <a:gd name="adj3" fmla="val -40746"/>
+              <a:gd name="adj4" fmla="val -53231"/>
+            </a:avLst>
+          </a:prstGeom>
+          <a:solidFill>
+            <a:schemeClr val="bg1"/>
+          </a:solidFill>
+          <a:ln w="38100" cap="flat" cmpd="sng" algn="ctr">
+            <a:solidFill>
+              <a:srgbClr val="FF0000"/>
+            </a:solidFill>
+            <a:prstDash val="solid"/>
+            <a:headEnd type="none"/>
+            <a:tailEnd type="none"/>
+          </a:ln>
+          <a:effectLst/>
+        </p:spPr>
+        <p:txBody>
+          <a:bodyPr vert="horz" wrap="square" numCol="1" spcCol="215900" anchor="t"/>
+          <a:lstStyle/>
+          <a:p>
+            <a:pPr algn="ctr">
+              <a:defRPr cap="none">
+                <a:latin typeface="맑은 고딕" pitchFamily="3" charset="-127"/>
+                <a:ea typeface="맑은 고딕" pitchFamily="3" charset="-127"/>
+                <a:cs typeface="맑은 고딕" pitchFamily="3" charset="-127"/>
+              </a:defRPr>
+            </a:pPr>
+            <a:r>
+              <a:t>$request_body는 request body 값을 저장하는 환경 변수이지만 항상 그 값을 저장하고 있지 않고 body 값을 필요로 할 때만 값을 읽어 옵니다. 여기서는 echo 모듈을 통해 그 값을 읽어왔습니다.</a:t>
+            </a:r>
+          </a:p>
+        </p:txBody>
+      </p:sp>
     </p:spTree>
   </p:cSld>
   <p:clrMapOvr>
@@ -5848,6 +6115,47 @@
       </a:clrScheme>
       <a:clrMap bg1="lt1" tx1="dk1" bg2="lt2" tx2="dk2" accent1="accent1" accent2="accent2" accent3="accent3" accent4="accent4" accent5="accent5" accent6="accent6" hlink="hlink" folHlink="folHlink"/>
     </a:extraClrScheme>
+    <a:extraClrScheme>
+      <a:clrScheme name="Presentation 14">
+        <a:dk1>
+          <a:srgbClr val="000000"/>
+        </a:dk1>
+        <a:lt1>
+          <a:srgbClr val="FFFFFF"/>
+        </a:lt1>
+        <a:dk2>
+          <a:srgbClr val="000000"/>
+        </a:dk2>
+        <a:lt2>
+          <a:srgbClr val="808080"/>
+        </a:lt2>
+        <a:accent1>
+          <a:srgbClr val="BBE0E3"/>
+        </a:accent1>
+        <a:accent2>
+          <a:srgbClr val="333399"/>
+        </a:accent2>
+        <a:accent3>
+          <a:srgbClr val="535379"/>
+        </a:accent3>
+        <a:accent4>
+          <a:srgbClr val="737359"/>
+        </a:accent4>
+        <a:accent5>
+          <a:srgbClr val="939339"/>
+        </a:accent5>
+        <a:accent6>
+          <a:srgbClr val="B3B319"/>
+        </a:accent6>
+        <a:hlink>
+          <a:srgbClr val="009999"/>
+        </a:hlink>
+        <a:folHlink>
+          <a:srgbClr val="99CC00"/>
+        </a:folHlink>
+      </a:clrScheme>
+      <a:clrMap bg1="lt1" tx1="dk1" bg2="lt2" tx2="dk2" accent1="accent1" accent2="accent2" accent3="accent3" accent4="accent4" accent5="accent5" accent6="accent6" hlink="hlink" folHlink="folHlink"/>
+    </a:extraClrScheme>
   </a:extraClrSchemeLst>
 </a:theme>
 </file>